--- a/trunk/draft/MDS集群.pptx
+++ b/trunk/draft/MDS集群.pptx
@@ -1,29 +1,33 @@
 
 <file path=ppt/presentation.xml><?xml version="1.0" encoding="utf-8"?>
-<p:presentation xmlns:a="http://schemas.openxmlformats.org/drawingml/2006/main" xmlns:r="http://schemas.openxmlformats.org/officeDocument/2006/relationships" xmlns:p="http://schemas.openxmlformats.org/presentationml/2006/main" saveSubsetFonts="1">
+<p:presentation xmlns:a="http://schemas.openxmlformats.org/drawingml/2006/main" xmlns:r="http://schemas.openxmlformats.org/officeDocument/2006/relationships" xmlns:p="http://schemas.openxmlformats.org/presentationml/2006/main" showSpecialPlsOnTitleSld="0" saveSubsetFonts="1">
   <p:sldMasterIdLst>
     <p:sldMasterId id="2147483732" r:id="rId1"/>
   </p:sldMasterIdLst>
+  <p:notesMasterIdLst>
+    <p:notesMasterId r:id="rId22"/>
+  </p:notesMasterIdLst>
   <p:sldIdLst>
     <p:sldId id="256" r:id="rId2"/>
     <p:sldId id="283" r:id="rId3"/>
     <p:sldId id="257" r:id="rId4"/>
     <p:sldId id="274" r:id="rId5"/>
     <p:sldId id="263" r:id="rId6"/>
-    <p:sldId id="276" r:id="rId7"/>
-    <p:sldId id="277" r:id="rId8"/>
-    <p:sldId id="278" r:id="rId9"/>
-    <p:sldId id="259" r:id="rId10"/>
-    <p:sldId id="260" r:id="rId11"/>
-    <p:sldId id="279" r:id="rId12"/>
-    <p:sldId id="282" r:id="rId13"/>
-    <p:sldId id="268" r:id="rId14"/>
-    <p:sldId id="269" r:id="rId15"/>
-    <p:sldId id="281" r:id="rId16"/>
-    <p:sldId id="270" r:id="rId17"/>
-    <p:sldId id="262" r:id="rId18"/>
-    <p:sldId id="271" r:id="rId19"/>
-    <p:sldId id="273" r:id="rId20"/>
+    <p:sldId id="284" r:id="rId7"/>
+    <p:sldId id="276" r:id="rId8"/>
+    <p:sldId id="277" r:id="rId9"/>
+    <p:sldId id="278" r:id="rId10"/>
+    <p:sldId id="259" r:id="rId11"/>
+    <p:sldId id="260" r:id="rId12"/>
+    <p:sldId id="279" r:id="rId13"/>
+    <p:sldId id="282" r:id="rId14"/>
+    <p:sldId id="268" r:id="rId15"/>
+    <p:sldId id="269" r:id="rId16"/>
+    <p:sldId id="281" r:id="rId17"/>
+    <p:sldId id="270" r:id="rId18"/>
+    <p:sldId id="262" r:id="rId19"/>
+    <p:sldId id="271" r:id="rId20"/>
+    <p:sldId id="273" r:id="rId21"/>
   </p:sldIdLst>
   <p:sldSz cx="9144000" cy="6858000" type="screen4x3"/>
   <p:notesSz cx="6858000" cy="9144000"/>
@@ -125,6 +129,355 @@
 </p:presentation>
 </file>
 
+<file path=ppt/notesMasters/notesMaster1.xml><?xml version="1.0" encoding="utf-8"?>
+<p:notesMaster xmlns:a="http://schemas.openxmlformats.org/drawingml/2006/main" xmlns:r="http://schemas.openxmlformats.org/officeDocument/2006/relationships" xmlns:p="http://schemas.openxmlformats.org/presentationml/2006/main">
+  <p:cSld>
+    <p:bg>
+      <p:bgRef idx="1001">
+        <a:schemeClr val="bg1"/>
+      </p:bgRef>
+    </p:bg>
+    <p:spTree>
+      <p:nvGrpSpPr>
+        <p:cNvPr id="1" name=""/>
+        <p:cNvGrpSpPr/>
+        <p:nvPr/>
+      </p:nvGrpSpPr>
+      <p:grpSpPr>
+        <a:xfrm>
+          <a:off x="0" y="0"/>
+          <a:ext cx="0" cy="0"/>
+          <a:chOff x="0" y="0"/>
+          <a:chExt cx="0" cy="0"/>
+        </a:xfrm>
+      </p:grpSpPr>
+      <p:sp>
+        <p:nvSpPr>
+          <p:cNvPr id="2" name="页眉占位符 1"/>
+          <p:cNvSpPr>
+            <a:spLocks noGrp="1"/>
+          </p:cNvSpPr>
+          <p:nvPr>
+            <p:ph type="hdr" sz="quarter"/>
+          </p:nvPr>
+        </p:nvSpPr>
+        <p:spPr>
+          <a:xfrm>
+            <a:off x="0" y="0"/>
+            <a:ext cx="2971800" cy="457200"/>
+          </a:xfrm>
+          <a:prstGeom prst="rect">
+            <a:avLst/>
+          </a:prstGeom>
+        </p:spPr>
+        <p:txBody>
+          <a:bodyPr vert="horz" lIns="91440" tIns="45720" rIns="91440" bIns="45720" rtlCol="0"/>
+          <a:lstStyle>
+            <a:lvl1pPr algn="l">
+              <a:defRPr sz="1200"/>
+            </a:lvl1pPr>
+          </a:lstStyle>
+          <a:p>
+            <a:endParaRPr lang="zh-CN" altLang="en-US"/>
+          </a:p>
+        </p:txBody>
+      </p:sp>
+      <p:sp>
+        <p:nvSpPr>
+          <p:cNvPr id="3" name="日期占位符 2"/>
+          <p:cNvSpPr>
+            <a:spLocks noGrp="1"/>
+          </p:cNvSpPr>
+          <p:nvPr>
+            <p:ph type="dt" idx="1"/>
+          </p:nvPr>
+        </p:nvSpPr>
+        <p:spPr>
+          <a:xfrm>
+            <a:off x="3884613" y="0"/>
+            <a:ext cx="2971800" cy="457200"/>
+          </a:xfrm>
+          <a:prstGeom prst="rect">
+            <a:avLst/>
+          </a:prstGeom>
+        </p:spPr>
+        <p:txBody>
+          <a:bodyPr vert="horz" lIns="91440" tIns="45720" rIns="91440" bIns="45720" rtlCol="0"/>
+          <a:lstStyle>
+            <a:lvl1pPr algn="r">
+              <a:defRPr sz="1200"/>
+            </a:lvl1pPr>
+          </a:lstStyle>
+          <a:p>
+            <a:fld id="{BC34AF02-0B6E-41F5-B0B5-3101AB1A50AF}" type="datetimeFigureOut">
+              <a:rPr lang="zh-CN" altLang="en-US" smtClean="0"/>
+              <a:pPr/>
+              <a:t>2011-1-9</a:t>
+            </a:fld>
+            <a:endParaRPr lang="zh-CN" altLang="en-US"/>
+          </a:p>
+        </p:txBody>
+      </p:sp>
+      <p:sp>
+        <p:nvSpPr>
+          <p:cNvPr id="4" name="幻灯片图像占位符 3"/>
+          <p:cNvSpPr>
+            <a:spLocks noGrp="1" noRot="1" noChangeAspect="1"/>
+          </p:cNvSpPr>
+          <p:nvPr>
+            <p:ph type="sldImg" idx="2"/>
+          </p:nvPr>
+        </p:nvSpPr>
+        <p:spPr>
+          <a:xfrm>
+            <a:off x="1143000" y="685800"/>
+            <a:ext cx="4572000" cy="3429000"/>
+          </a:xfrm>
+          <a:prstGeom prst="rect">
+            <a:avLst/>
+          </a:prstGeom>
+          <a:noFill/>
+          <a:ln w="12700">
+            <a:solidFill>
+              <a:prstClr val="black"/>
+            </a:solidFill>
+          </a:ln>
+        </p:spPr>
+        <p:txBody>
+          <a:bodyPr vert="horz" lIns="91440" tIns="45720" rIns="91440" bIns="45720" rtlCol="0" anchor="ctr"/>
+          <a:lstStyle/>
+          <a:p>
+            <a:endParaRPr lang="zh-CN" altLang="en-US"/>
+          </a:p>
+        </p:txBody>
+      </p:sp>
+      <p:sp>
+        <p:nvSpPr>
+          <p:cNvPr id="5" name="备注占位符 4"/>
+          <p:cNvSpPr>
+            <a:spLocks noGrp="1"/>
+          </p:cNvSpPr>
+          <p:nvPr>
+            <p:ph type="body" sz="quarter" idx="3"/>
+          </p:nvPr>
+        </p:nvSpPr>
+        <p:spPr>
+          <a:xfrm>
+            <a:off x="685800" y="4343400"/>
+            <a:ext cx="5486400" cy="4114800"/>
+          </a:xfrm>
+          <a:prstGeom prst="rect">
+            <a:avLst/>
+          </a:prstGeom>
+        </p:spPr>
+        <p:txBody>
+          <a:bodyPr vert="horz" lIns="91440" tIns="45720" rIns="91440" bIns="45720" rtlCol="0">
+            <a:normAutofit/>
+          </a:bodyPr>
+          <a:lstStyle/>
+          <a:p>
+            <a:pPr lvl="0"/>
+            <a:r>
+              <a:rPr lang="zh-CN" altLang="en-US" smtClean="0"/>
+              <a:t>单击此处编辑母版文本样式</a:t>
+            </a:r>
+          </a:p>
+          <a:p>
+            <a:pPr lvl="1"/>
+            <a:r>
+              <a:rPr lang="zh-CN" altLang="en-US" smtClean="0"/>
+              <a:t>第二级</a:t>
+            </a:r>
+          </a:p>
+          <a:p>
+            <a:pPr lvl="2"/>
+            <a:r>
+              <a:rPr lang="zh-CN" altLang="en-US" smtClean="0"/>
+              <a:t>第三级</a:t>
+            </a:r>
+          </a:p>
+          <a:p>
+            <a:pPr lvl="3"/>
+            <a:r>
+              <a:rPr lang="zh-CN" altLang="en-US" smtClean="0"/>
+              <a:t>第四级</a:t>
+            </a:r>
+          </a:p>
+          <a:p>
+            <a:pPr lvl="4"/>
+            <a:r>
+              <a:rPr lang="zh-CN" altLang="en-US" smtClean="0"/>
+              <a:t>第五级</a:t>
+            </a:r>
+            <a:endParaRPr lang="zh-CN" altLang="en-US"/>
+          </a:p>
+        </p:txBody>
+      </p:sp>
+      <p:sp>
+        <p:nvSpPr>
+          <p:cNvPr id="6" name="页脚占位符 5"/>
+          <p:cNvSpPr>
+            <a:spLocks noGrp="1"/>
+          </p:cNvSpPr>
+          <p:nvPr>
+            <p:ph type="ftr" sz="quarter" idx="4"/>
+          </p:nvPr>
+        </p:nvSpPr>
+        <p:spPr>
+          <a:xfrm>
+            <a:off x="0" y="8685213"/>
+            <a:ext cx="2971800" cy="457200"/>
+          </a:xfrm>
+          <a:prstGeom prst="rect">
+            <a:avLst/>
+          </a:prstGeom>
+        </p:spPr>
+        <p:txBody>
+          <a:bodyPr vert="horz" lIns="91440" tIns="45720" rIns="91440" bIns="45720" rtlCol="0" anchor="b"/>
+          <a:lstStyle>
+            <a:lvl1pPr algn="l">
+              <a:defRPr sz="1200"/>
+            </a:lvl1pPr>
+          </a:lstStyle>
+          <a:p>
+            <a:endParaRPr lang="zh-CN" altLang="en-US"/>
+          </a:p>
+        </p:txBody>
+      </p:sp>
+      <p:sp>
+        <p:nvSpPr>
+          <p:cNvPr id="7" name="灯片编号占位符 6"/>
+          <p:cNvSpPr>
+            <a:spLocks noGrp="1"/>
+          </p:cNvSpPr>
+          <p:nvPr>
+            <p:ph type="sldNum" sz="quarter" idx="5"/>
+          </p:nvPr>
+        </p:nvSpPr>
+        <p:spPr>
+          <a:xfrm>
+            <a:off x="3884613" y="8685213"/>
+            <a:ext cx="2971800" cy="457200"/>
+          </a:xfrm>
+          <a:prstGeom prst="rect">
+            <a:avLst/>
+          </a:prstGeom>
+        </p:spPr>
+        <p:txBody>
+          <a:bodyPr vert="horz" lIns="91440" tIns="45720" rIns="91440" bIns="45720" rtlCol="0" anchor="b"/>
+          <a:lstStyle>
+            <a:lvl1pPr algn="r">
+              <a:defRPr sz="1200"/>
+            </a:lvl1pPr>
+          </a:lstStyle>
+          <a:p>
+            <a:fld id="{1CD08C06-0887-4847-A722-E9301F8C3856}" type="slidenum">
+              <a:rPr lang="zh-CN" altLang="en-US" smtClean="0"/>
+              <a:pPr/>
+              <a:t>‹#›</a:t>
+            </a:fld>
+            <a:endParaRPr lang="zh-CN" altLang="en-US"/>
+          </a:p>
+        </p:txBody>
+      </p:sp>
+    </p:spTree>
+  </p:cSld>
+  <p:clrMap bg1="lt1" tx1="dk1" bg2="lt2" tx2="dk2" accent1="accent1" accent2="accent2" accent3="accent3" accent4="accent4" accent5="accent5" accent6="accent6" hlink="hlink" folHlink="folHlink"/>
+  <p:notesStyle>
+    <a:lvl1pPr marL="0" algn="l" defTabSz="914400" rtl="0" eaLnBrk="1" latinLnBrk="0" hangingPunct="1">
+      <a:defRPr sz="1200" kern="1200">
+        <a:solidFill>
+          <a:schemeClr val="tx1"/>
+        </a:solidFill>
+        <a:latin typeface="+mn-lt"/>
+        <a:ea typeface="+mn-ea"/>
+        <a:cs typeface="+mn-cs"/>
+      </a:defRPr>
+    </a:lvl1pPr>
+    <a:lvl2pPr marL="457200" algn="l" defTabSz="914400" rtl="0" eaLnBrk="1" latinLnBrk="0" hangingPunct="1">
+      <a:defRPr sz="1200" kern="1200">
+        <a:solidFill>
+          <a:schemeClr val="tx1"/>
+        </a:solidFill>
+        <a:latin typeface="+mn-lt"/>
+        <a:ea typeface="+mn-ea"/>
+        <a:cs typeface="+mn-cs"/>
+      </a:defRPr>
+    </a:lvl2pPr>
+    <a:lvl3pPr marL="914400" algn="l" defTabSz="914400" rtl="0" eaLnBrk="1" latinLnBrk="0" hangingPunct="1">
+      <a:defRPr sz="1200" kern="1200">
+        <a:solidFill>
+          <a:schemeClr val="tx1"/>
+        </a:solidFill>
+        <a:latin typeface="+mn-lt"/>
+        <a:ea typeface="+mn-ea"/>
+        <a:cs typeface="+mn-cs"/>
+      </a:defRPr>
+    </a:lvl3pPr>
+    <a:lvl4pPr marL="1371600" algn="l" defTabSz="914400" rtl="0" eaLnBrk="1" latinLnBrk="0" hangingPunct="1">
+      <a:defRPr sz="1200" kern="1200">
+        <a:solidFill>
+          <a:schemeClr val="tx1"/>
+        </a:solidFill>
+        <a:latin typeface="+mn-lt"/>
+        <a:ea typeface="+mn-ea"/>
+        <a:cs typeface="+mn-cs"/>
+      </a:defRPr>
+    </a:lvl4pPr>
+    <a:lvl5pPr marL="1828800" algn="l" defTabSz="914400" rtl="0" eaLnBrk="1" latinLnBrk="0" hangingPunct="1">
+      <a:defRPr sz="1200" kern="1200">
+        <a:solidFill>
+          <a:schemeClr val="tx1"/>
+        </a:solidFill>
+        <a:latin typeface="+mn-lt"/>
+        <a:ea typeface="+mn-ea"/>
+        <a:cs typeface="+mn-cs"/>
+      </a:defRPr>
+    </a:lvl5pPr>
+    <a:lvl6pPr marL="2286000" algn="l" defTabSz="914400" rtl="0" eaLnBrk="1" latinLnBrk="0" hangingPunct="1">
+      <a:defRPr sz="1200" kern="1200">
+        <a:solidFill>
+          <a:schemeClr val="tx1"/>
+        </a:solidFill>
+        <a:latin typeface="+mn-lt"/>
+        <a:ea typeface="+mn-ea"/>
+        <a:cs typeface="+mn-cs"/>
+      </a:defRPr>
+    </a:lvl6pPr>
+    <a:lvl7pPr marL="2743200" algn="l" defTabSz="914400" rtl="0" eaLnBrk="1" latinLnBrk="0" hangingPunct="1">
+      <a:defRPr sz="1200" kern="1200">
+        <a:solidFill>
+          <a:schemeClr val="tx1"/>
+        </a:solidFill>
+        <a:latin typeface="+mn-lt"/>
+        <a:ea typeface="+mn-ea"/>
+        <a:cs typeface="+mn-cs"/>
+      </a:defRPr>
+    </a:lvl7pPr>
+    <a:lvl8pPr marL="3200400" algn="l" defTabSz="914400" rtl="0" eaLnBrk="1" latinLnBrk="0" hangingPunct="1">
+      <a:defRPr sz="1200" kern="1200">
+        <a:solidFill>
+          <a:schemeClr val="tx1"/>
+        </a:solidFill>
+        <a:latin typeface="+mn-lt"/>
+        <a:ea typeface="+mn-ea"/>
+        <a:cs typeface="+mn-cs"/>
+      </a:defRPr>
+    </a:lvl8pPr>
+    <a:lvl9pPr marL="3657600" algn="l" defTabSz="914400" rtl="0" eaLnBrk="1" latinLnBrk="0" hangingPunct="1">
+      <a:defRPr sz="1200" kern="1200">
+        <a:solidFill>
+          <a:schemeClr val="tx1"/>
+        </a:solidFill>
+        <a:latin typeface="+mn-lt"/>
+        <a:ea typeface="+mn-ea"/>
+        <a:cs typeface="+mn-cs"/>
+      </a:defRPr>
+    </a:lvl9pPr>
+  </p:notesStyle>
+</p:notesMaster>
+</file>
+
 <file path=ppt/slideLayouts/slideLayout1.xml><?xml version="1.0" encoding="utf-8"?>
 <p:sldLayout xmlns:a="http://schemas.openxmlformats.org/drawingml/2006/main" xmlns:r="http://schemas.openxmlformats.org/officeDocument/2006/relationships" xmlns:p="http://schemas.openxmlformats.org/presentationml/2006/main" showMasterSp="0" type="title" preserve="1">
   <p:cSld name="标题幻灯片">
@@ -266,10 +619,10 @@
             </a:lvl1pPr>
           </a:lstStyle>
           <a:p>
-            <a:fld id="{D5F698E5-A8C1-4523-B76E-A7FC0C3CD6CB}" type="datetimeFigureOut">
+            <a:fld id="{EFBDA57C-9B28-4D34-BA4F-A9D0F2E83126}" type="datetime1">
               <a:rPr lang="zh-CN" altLang="en-US" smtClean="0"/>
               <a:pPr/>
-              <a:t>2011-1-3</a:t>
+              <a:t>2011-1-9</a:t>
             </a:fld>
             <a:endParaRPr lang="zh-CN" altLang="en-US"/>
           </a:p>
@@ -627,10 +980,10 @@
           <a:bodyPr/>
           <a:lstStyle/>
           <a:p>
-            <a:fld id="{D5F698E5-A8C1-4523-B76E-A7FC0C3CD6CB}" type="datetimeFigureOut">
+            <a:fld id="{3B62315A-E9F5-4FD9-87B7-B3D6369A24A2}" type="datetime1">
               <a:rPr lang="zh-CN" altLang="en-US" smtClean="0"/>
               <a:pPr/>
-              <a:t>2011-1-3</a:t>
+              <a:t>2011-1-9</a:t>
             </a:fld>
             <a:endParaRPr lang="zh-CN" altLang="en-US"/>
           </a:p>
@@ -804,10 +1157,10 @@
           <a:bodyPr/>
           <a:lstStyle/>
           <a:p>
-            <a:fld id="{D5F698E5-A8C1-4523-B76E-A7FC0C3CD6CB}" type="datetimeFigureOut">
+            <a:fld id="{D83C9C96-7EA4-4506-BA90-D81DD0D18947}" type="datetime1">
               <a:rPr lang="zh-CN" altLang="en-US" smtClean="0"/>
               <a:pPr/>
-              <a:t>2011-1-3</a:t>
+              <a:t>2011-1-9</a:t>
             </a:fld>
             <a:endParaRPr lang="zh-CN" altLang="en-US"/>
           </a:p>
@@ -1041,10 +1394,10 @@
           <a:bodyPr/>
           <a:lstStyle/>
           <a:p>
-            <a:fld id="{D5F698E5-A8C1-4523-B76E-A7FC0C3CD6CB}" type="datetimeFigureOut">
+            <a:fld id="{5AEA8FA9-498E-467B-904D-120A1849C34D}" type="datetime1">
               <a:rPr lang="zh-CN" altLang="en-US" smtClean="0"/>
               <a:pPr/>
-              <a:t>2011-1-3</a:t>
+              <a:t>2011-1-9</a:t>
             </a:fld>
             <a:endParaRPr lang="zh-CN" altLang="en-US"/>
           </a:p>
@@ -1312,10 +1665,10 @@
           <a:bodyPr/>
           <a:lstStyle/>
           <a:p>
-            <a:fld id="{D5F698E5-A8C1-4523-B76E-A7FC0C3CD6CB}" type="datetimeFigureOut">
+            <a:fld id="{8D117A2C-BF79-4868-B0FB-4F590C841F4C}" type="datetime1">
               <a:rPr lang="zh-CN" altLang="en-US" smtClean="0"/>
               <a:pPr/>
-              <a:t>2011-1-3</a:t>
+              <a:t>2011-1-9</a:t>
             </a:fld>
             <a:endParaRPr lang="zh-CN" altLang="en-US"/>
           </a:p>
@@ -1534,10 +1887,10 @@
           <a:bodyPr/>
           <a:lstStyle/>
           <a:p>
-            <a:fld id="{D5F698E5-A8C1-4523-B76E-A7FC0C3CD6CB}" type="datetimeFigureOut">
+            <a:fld id="{D4BDE1B0-BD0E-42A4-B9D0-C134740EA01D}" type="datetime1">
               <a:rPr lang="zh-CN" altLang="en-US" smtClean="0"/>
               <a:pPr/>
-              <a:t>2011-1-3</a:t>
+              <a:t>2011-1-9</a:t>
             </a:fld>
             <a:endParaRPr lang="zh-CN" altLang="en-US"/>
           </a:p>
@@ -1888,10 +2241,10 @@
           <a:bodyPr/>
           <a:lstStyle/>
           <a:p>
-            <a:fld id="{D5F698E5-A8C1-4523-B76E-A7FC0C3CD6CB}" type="datetimeFigureOut">
+            <a:fld id="{5BDA5EE1-AE80-4B47-B260-78768DC0D630}" type="datetime1">
               <a:rPr lang="zh-CN" altLang="en-US" smtClean="0"/>
               <a:pPr/>
-              <a:t>2011-1-3</a:t>
+              <a:t>2011-1-9</a:t>
             </a:fld>
             <a:endParaRPr lang="zh-CN" altLang="en-US"/>
           </a:p>
@@ -2122,10 +2475,10 @@
           <a:bodyPr/>
           <a:lstStyle/>
           <a:p>
-            <a:fld id="{D5F698E5-A8C1-4523-B76E-A7FC0C3CD6CB}" type="datetimeFigureOut">
+            <a:fld id="{703F853D-2DF6-4DD9-828A-C54515CEFACE}" type="datetime1">
               <a:rPr lang="zh-CN" altLang="en-US" smtClean="0"/>
               <a:pPr/>
-              <a:t>2011-1-3</a:t>
+              <a:t>2011-1-9</a:t>
             </a:fld>
             <a:endParaRPr lang="zh-CN" altLang="en-US"/>
           </a:p>
@@ -2264,10 +2617,10 @@
           <a:bodyPr/>
           <a:lstStyle/>
           <a:p>
-            <a:fld id="{D5F698E5-A8C1-4523-B76E-A7FC0C3CD6CB}" type="datetimeFigureOut">
+            <a:fld id="{93EAD33C-627C-46A9-9996-5EE9B951FFD3}" type="datetime1">
               <a:rPr lang="zh-CN" altLang="en-US" smtClean="0"/>
               <a:pPr/>
-              <a:t>2011-1-3</a:t>
+              <a:t>2011-1-9</a:t>
             </a:fld>
             <a:endParaRPr lang="zh-CN" altLang="en-US"/>
           </a:p>
@@ -2543,10 +2896,10 @@
           <a:bodyPr/>
           <a:lstStyle/>
           <a:p>
-            <a:fld id="{D5F698E5-A8C1-4523-B76E-A7FC0C3CD6CB}" type="datetimeFigureOut">
+            <a:fld id="{ADD980F3-1F6B-452E-A1C8-D1A2D3A5A5A2}" type="datetime1">
               <a:rPr lang="zh-CN" altLang="en-US" smtClean="0"/>
               <a:pPr/>
-              <a:t>2011-1-3</a:t>
+              <a:t>2011-1-9</a:t>
             </a:fld>
             <a:endParaRPr lang="zh-CN" altLang="en-US"/>
           </a:p>
@@ -2952,10 +3305,10 @@
           <a:bodyPr/>
           <a:lstStyle/>
           <a:p>
-            <a:fld id="{D5F698E5-A8C1-4523-B76E-A7FC0C3CD6CB}" type="datetimeFigureOut">
+            <a:fld id="{7876F26D-1664-4575-9A6E-A6A74E0AD8C6}" type="datetime1">
               <a:rPr lang="zh-CN" altLang="en-US" smtClean="0"/>
               <a:pPr/>
-              <a:t>2011-1-3</a:t>
+              <a:t>2011-1-9</a:t>
             </a:fld>
             <a:endParaRPr lang="zh-CN" altLang="en-US"/>
           </a:p>
@@ -3292,10 +3645,10 @@
             </a:lvl1pPr>
           </a:lstStyle>
           <a:p>
-            <a:fld id="{D5F698E5-A8C1-4523-B76E-A7FC0C3CD6CB}" type="datetimeFigureOut">
+            <a:fld id="{15B1867F-0797-4535-83E3-857130BC3785}" type="datetime1">
               <a:rPr lang="zh-CN" altLang="en-US" smtClean="0"/>
               <a:pPr/>
-              <a:t>2011-1-3</a:t>
+              <a:t>2011-1-9</a:t>
             </a:fld>
             <a:endParaRPr lang="zh-CN" altLang="en-US"/>
           </a:p>
@@ -3514,6 +3867,7 @@
     <p:sldLayoutId id="2147483742" r:id="rId10"/>
     <p:sldLayoutId id="2147483743" r:id="rId11"/>
   </p:sldLayoutIdLst>
+  <p:hf hdr="0" dt="0"/>
   <p:txStyles>
     <p:titleStyle>
       <a:lvl1pPr algn="l" rtl="0" eaLnBrk="1" latinLnBrk="0" hangingPunct="1">
@@ -3846,7 +4200,7 @@
           <a:p>
             <a:r>
               <a:rPr lang="zh-CN" altLang="en-US" dirty="0" smtClean="0"/>
-              <a:t>对象存储系统中</a:t>
+              <a:t>基于对象的存储系统中</a:t>
             </a:r>
             <a:r>
               <a:rPr lang="en-US" altLang="zh-CN" dirty="0" smtClean="0"/>
@@ -3958,6 +4312,191 @@
           <a:p>
             <a:r>
               <a:rPr lang="zh-CN" altLang="en-US" dirty="0" smtClean="0"/>
+              <a:t>单一</a:t>
+            </a:r>
+            <a:r>
+              <a:rPr lang="en-US" altLang="zh-CN" dirty="0" smtClean="0"/>
+              <a:t>MDS</a:t>
+            </a:r>
+            <a:r>
+              <a:rPr lang="zh-CN" altLang="en-US" dirty="0" smtClean="0"/>
+              <a:t>的问题</a:t>
+            </a:r>
+            <a:endParaRPr lang="zh-CN" altLang="en-US" dirty="0"/>
+          </a:p>
+        </p:txBody>
+      </p:sp>
+      <p:sp>
+        <p:nvSpPr>
+          <p:cNvPr id="3" name="内容占位符 2"/>
+          <p:cNvSpPr>
+            <a:spLocks noGrp="1"/>
+          </p:cNvSpPr>
+          <p:nvPr>
+            <p:ph sz="quarter" idx="1"/>
+          </p:nvPr>
+        </p:nvSpPr>
+        <p:spPr/>
+        <p:txBody>
+          <a:bodyPr/>
+          <a:lstStyle/>
+          <a:p>
+            <a:r>
+              <a:rPr lang="zh-CN" altLang="en-US" dirty="0" smtClean="0"/>
+              <a:t>优点</a:t>
+            </a:r>
+            <a:endParaRPr lang="en-US" altLang="zh-CN" dirty="0" smtClean="0"/>
+          </a:p>
+          <a:p>
+            <a:pPr lvl="1"/>
+            <a:r>
+              <a:rPr lang="zh-CN" altLang="en-US" dirty="0" smtClean="0"/>
+              <a:t>设计简单，容易提供统一名字空间</a:t>
+            </a:r>
+            <a:endParaRPr lang="en-US" altLang="zh-CN" dirty="0" smtClean="0"/>
+          </a:p>
+          <a:p>
+            <a:pPr lvl="1"/>
+            <a:endParaRPr lang="en-US" altLang="zh-CN" dirty="0" smtClean="0"/>
+          </a:p>
+          <a:p>
+            <a:r>
+              <a:rPr lang="zh-CN" altLang="en-US" dirty="0" smtClean="0"/>
+              <a:t>缺点</a:t>
+            </a:r>
+            <a:endParaRPr lang="en-US" altLang="zh-CN" dirty="0" smtClean="0"/>
+          </a:p>
+          <a:p>
+            <a:pPr lvl="1"/>
+            <a:r>
+              <a:rPr lang="ru-RU" altLang="en-US" dirty="0" smtClean="0"/>
+              <a:t>单点失效 </a:t>
+            </a:r>
+            <a:endParaRPr lang="en-US" altLang="en-US" dirty="0" smtClean="0"/>
+          </a:p>
+          <a:p>
+            <a:pPr lvl="1"/>
+            <a:r>
+              <a:rPr lang="zh-CN" altLang="en-US" dirty="0" smtClean="0"/>
+              <a:t>性能瓶颈</a:t>
+            </a:r>
+            <a:endParaRPr lang="en-US" altLang="zh-CN" dirty="0" smtClean="0"/>
+          </a:p>
+          <a:p>
+            <a:pPr lvl="1"/>
+            <a:r>
+              <a:rPr lang="zh-CN" altLang="en-US" dirty="0" smtClean="0"/>
+              <a:t>初始化时间长</a:t>
+            </a:r>
+            <a:r>
+              <a:rPr lang="en-US" altLang="zh-CN" dirty="0" smtClean="0"/>
+              <a:t>	</a:t>
+            </a:r>
+          </a:p>
+          <a:p>
+            <a:pPr lvl="1"/>
+            <a:endParaRPr lang="en-US" altLang="zh-CN" dirty="0" smtClean="0"/>
+          </a:p>
+          <a:p>
+            <a:endParaRPr lang="en-US" altLang="zh-CN" dirty="0" smtClean="0"/>
+          </a:p>
+          <a:p>
+            <a:endParaRPr lang="zh-CN" altLang="en-US" dirty="0"/>
+          </a:p>
+        </p:txBody>
+      </p:sp>
+      <p:sp>
+        <p:nvSpPr>
+          <p:cNvPr id="4" name="灯片编号占位符 3"/>
+          <p:cNvSpPr>
+            <a:spLocks noGrp="1"/>
+          </p:cNvSpPr>
+          <p:nvPr>
+            <p:ph type="sldNum" sz="quarter" idx="12"/>
+          </p:nvPr>
+        </p:nvSpPr>
+        <p:spPr/>
+        <p:txBody>
+          <a:bodyPr/>
+          <a:lstStyle/>
+          <a:p>
+            <a:fld id="{D114F199-ED81-4DDD-A1D7-86D5FA93F928}" type="slidenum">
+              <a:rPr lang="zh-CN" altLang="en-US" smtClean="0"/>
+              <a:pPr/>
+              <a:t>10</a:t>
+            </a:fld>
+            <a:endParaRPr lang="zh-CN" altLang="en-US"/>
+          </a:p>
+        </p:txBody>
+      </p:sp>
+      <p:sp>
+        <p:nvSpPr>
+          <p:cNvPr id="5" name="页脚占位符 4"/>
+          <p:cNvSpPr>
+            <a:spLocks noGrp="1"/>
+          </p:cNvSpPr>
+          <p:nvPr>
+            <p:ph type="ftr" sz="quarter" idx="11"/>
+          </p:nvPr>
+        </p:nvSpPr>
+        <p:spPr/>
+        <p:txBody>
+          <a:bodyPr/>
+          <a:lstStyle/>
+          <a:p>
+            <a:endParaRPr lang="zh-CN" altLang="en-US"/>
+          </a:p>
+        </p:txBody>
+      </p:sp>
+    </p:spTree>
+  </p:cSld>
+  <p:clrMapOvr>
+    <a:masterClrMapping/>
+  </p:clrMapOvr>
+  <p:timing>
+    <p:tnLst>
+      <p:par>
+        <p:cTn id="1" dur="indefinite" restart="never" nodeType="tmRoot"/>
+      </p:par>
+    </p:tnLst>
+  </p:timing>
+</p:sld>
+</file>
+
+<file path=ppt/slides/slide11.xml><?xml version="1.0" encoding="utf-8"?>
+<p:sld xmlns:a="http://schemas.openxmlformats.org/drawingml/2006/main" xmlns:r="http://schemas.openxmlformats.org/officeDocument/2006/relationships" xmlns:p="http://schemas.openxmlformats.org/presentationml/2006/main">
+  <p:cSld>
+    <p:spTree>
+      <p:nvGrpSpPr>
+        <p:cNvPr id="1" name=""/>
+        <p:cNvGrpSpPr/>
+        <p:nvPr/>
+      </p:nvGrpSpPr>
+      <p:grpSpPr>
+        <a:xfrm>
+          <a:off x="0" y="0"/>
+          <a:ext cx="0" cy="0"/>
+          <a:chOff x="0" y="0"/>
+          <a:chExt cx="0" cy="0"/>
+        </a:xfrm>
+      </p:grpSpPr>
+      <p:sp>
+        <p:nvSpPr>
+          <p:cNvPr id="2" name="标题 1"/>
+          <p:cNvSpPr>
+            <a:spLocks noGrp="1"/>
+          </p:cNvSpPr>
+          <p:nvPr>
+            <p:ph type="title"/>
+          </p:nvPr>
+        </p:nvSpPr>
+        <p:spPr/>
+        <p:txBody>
+          <a:bodyPr/>
+          <a:lstStyle/>
+          <a:p>
+            <a:r>
+              <a:rPr lang="zh-CN" altLang="en-US" dirty="0" smtClean="0"/>
               <a:t>目前解决方案</a:t>
             </a:r>
             <a:endParaRPr lang="zh-CN" altLang="en-US" dirty="0"/>
@@ -4038,6 +4577,49 @@
           </a:p>
         </p:txBody>
       </p:sp>
+      <p:sp>
+        <p:nvSpPr>
+          <p:cNvPr id="4" name="灯片编号占位符 3"/>
+          <p:cNvSpPr>
+            <a:spLocks noGrp="1"/>
+          </p:cNvSpPr>
+          <p:nvPr>
+            <p:ph type="sldNum" sz="quarter" idx="12"/>
+          </p:nvPr>
+        </p:nvSpPr>
+        <p:spPr/>
+        <p:txBody>
+          <a:bodyPr/>
+          <a:lstStyle/>
+          <a:p>
+            <a:fld id="{D114F199-ED81-4DDD-A1D7-86D5FA93F928}" type="slidenum">
+              <a:rPr lang="zh-CN" altLang="en-US" smtClean="0"/>
+              <a:pPr/>
+              <a:t>11</a:t>
+            </a:fld>
+            <a:endParaRPr lang="zh-CN" altLang="en-US"/>
+          </a:p>
+        </p:txBody>
+      </p:sp>
+      <p:sp>
+        <p:nvSpPr>
+          <p:cNvPr id="5" name="页脚占位符 4"/>
+          <p:cNvSpPr>
+            <a:spLocks noGrp="1"/>
+          </p:cNvSpPr>
+          <p:nvPr>
+            <p:ph type="ftr" sz="quarter" idx="11"/>
+          </p:nvPr>
+        </p:nvSpPr>
+        <p:spPr/>
+        <p:txBody>
+          <a:bodyPr/>
+          <a:lstStyle/>
+          <a:p>
+            <a:endParaRPr lang="zh-CN" altLang="en-US"/>
+          </a:p>
+        </p:txBody>
+      </p:sp>
     </p:spTree>
   </p:cSld>
   <p:clrMapOvr>
@@ -4053,7 +4635,7 @@
 </p:sld>
 </file>
 
-<file path=ppt/slides/slide11.xml><?xml version="1.0" encoding="utf-8"?>
+<file path=ppt/slides/slide12.xml><?xml version="1.0" encoding="utf-8"?>
 <p:sld xmlns:a="http://schemas.openxmlformats.org/drawingml/2006/main" xmlns:r="http://schemas.openxmlformats.org/officeDocument/2006/relationships" xmlns:p="http://schemas.openxmlformats.org/presentationml/2006/main">
   <p:cSld>
     <p:spTree>
@@ -5143,6 +5725,49 @@
           <a:effectLst/>
         </p:spPr>
       </p:pic>
+      <p:sp>
+        <p:nvSpPr>
+          <p:cNvPr id="31" name="灯片编号占位符 30"/>
+          <p:cNvSpPr>
+            <a:spLocks noGrp="1"/>
+          </p:cNvSpPr>
+          <p:nvPr>
+            <p:ph type="sldNum" sz="quarter" idx="12"/>
+          </p:nvPr>
+        </p:nvSpPr>
+        <p:spPr/>
+        <p:txBody>
+          <a:bodyPr/>
+          <a:lstStyle/>
+          <a:p>
+            <a:fld id="{D114F199-ED81-4DDD-A1D7-86D5FA93F928}" type="slidenum">
+              <a:rPr lang="zh-CN" altLang="en-US" smtClean="0"/>
+              <a:pPr/>
+              <a:t>12</a:t>
+            </a:fld>
+            <a:endParaRPr lang="zh-CN" altLang="en-US"/>
+          </a:p>
+        </p:txBody>
+      </p:sp>
+      <p:sp>
+        <p:nvSpPr>
+          <p:cNvPr id="32" name="页脚占位符 31"/>
+          <p:cNvSpPr>
+            <a:spLocks noGrp="1"/>
+          </p:cNvSpPr>
+          <p:nvPr>
+            <p:ph type="ftr" sz="quarter" idx="11"/>
+          </p:nvPr>
+        </p:nvSpPr>
+        <p:spPr/>
+        <p:txBody>
+          <a:bodyPr/>
+          <a:lstStyle/>
+          <a:p>
+            <a:endParaRPr lang="zh-CN" altLang="en-US"/>
+          </a:p>
+        </p:txBody>
+      </p:sp>
     </p:spTree>
   </p:cSld>
   <p:clrMapOvr>
@@ -5155,148 +5780,6 @@
       </p:par>
     </p:tnLst>
   </p:timing>
-</p:sld>
-</file>
-
-<file path=ppt/slides/slide12.xml><?xml version="1.0" encoding="utf-8"?>
-<p:sld xmlns:a="http://schemas.openxmlformats.org/drawingml/2006/main" xmlns:r="http://schemas.openxmlformats.org/officeDocument/2006/relationships" xmlns:p="http://schemas.openxmlformats.org/presentationml/2006/main">
-  <p:cSld>
-    <p:spTree>
-      <p:nvGrpSpPr>
-        <p:cNvPr id="1" name=""/>
-        <p:cNvGrpSpPr/>
-        <p:nvPr/>
-      </p:nvGrpSpPr>
-      <p:grpSpPr>
-        <a:xfrm>
-          <a:off x="0" y="0"/>
-          <a:ext cx="0" cy="0"/>
-          <a:chOff x="0" y="0"/>
-          <a:chExt cx="0" cy="0"/>
-        </a:xfrm>
-      </p:grpSpPr>
-      <p:sp>
-        <p:nvSpPr>
-          <p:cNvPr id="2" name="标题 1"/>
-          <p:cNvSpPr>
-            <a:spLocks noGrp="1"/>
-          </p:cNvSpPr>
-          <p:nvPr>
-            <p:ph type="title"/>
-          </p:nvPr>
-        </p:nvSpPr>
-        <p:spPr/>
-        <p:txBody>
-          <a:bodyPr/>
-          <a:lstStyle/>
-          <a:p>
-            <a:r>
-              <a:rPr lang="zh-CN" altLang="en-US" dirty="0" smtClean="0"/>
-              <a:t>现有</a:t>
-            </a:r>
-            <a:r>
-              <a:rPr lang="en-US" altLang="zh-CN" dirty="0" smtClean="0"/>
-              <a:t>MDS</a:t>
-            </a:r>
-            <a:r>
-              <a:rPr lang="zh-CN" altLang="en-US" dirty="0" smtClean="0"/>
-              <a:t>集群</a:t>
-            </a:r>
-            <a:r>
-              <a:rPr lang="zh-CN" altLang="en-US" dirty="0" smtClean="0"/>
-              <a:t>中元数据分布的方案</a:t>
-            </a:r>
-            <a:endParaRPr lang="zh-CN" altLang="en-US" dirty="0"/>
-          </a:p>
-        </p:txBody>
-      </p:sp>
-      <p:sp>
-        <p:nvSpPr>
-          <p:cNvPr id="3" name="内容占位符 2"/>
-          <p:cNvSpPr>
-            <a:spLocks noGrp="1"/>
-          </p:cNvSpPr>
-          <p:nvPr>
-            <p:ph sz="quarter" idx="1"/>
-          </p:nvPr>
-        </p:nvSpPr>
-        <p:spPr/>
-        <p:txBody>
-          <a:bodyPr/>
-          <a:lstStyle/>
-          <a:p>
-            <a:pPr>
-              <a:buNone/>
-            </a:pPr>
-            <a:r>
-              <a:rPr lang="en-US" altLang="zh-CN" dirty="0" smtClean="0"/>
-              <a:t> </a:t>
-            </a:r>
-            <a:endParaRPr lang="en-US" altLang="zh-CN" dirty="0" smtClean="0"/>
-          </a:p>
-          <a:p>
-            <a:r>
-              <a:rPr lang="zh-CN" altLang="en-US" dirty="0" smtClean="0"/>
-              <a:t>静态子树分割</a:t>
-            </a:r>
-            <a:endParaRPr lang="en-US" altLang="zh-CN" dirty="0" smtClean="0"/>
-          </a:p>
-          <a:p>
-            <a:r>
-              <a:rPr lang="zh-CN" altLang="en-US" dirty="0" smtClean="0"/>
-              <a:t>静态</a:t>
-            </a:r>
-            <a:r>
-              <a:rPr lang="en-US" altLang="zh-CN" dirty="0" smtClean="0"/>
-              <a:t>Hash</a:t>
-            </a:r>
-            <a:r>
-              <a:rPr lang="zh-CN" altLang="en-US" dirty="0" smtClean="0"/>
-              <a:t>分割</a:t>
-            </a:r>
-            <a:endParaRPr lang="en-US" altLang="zh-CN" dirty="0" smtClean="0"/>
-          </a:p>
-          <a:p>
-            <a:r>
-              <a:rPr lang="zh-CN" altLang="en-US" dirty="0" smtClean="0"/>
-              <a:t>动态子树分割</a:t>
-            </a:r>
-            <a:endParaRPr lang="en-US" altLang="zh-CN" dirty="0" smtClean="0"/>
-          </a:p>
-          <a:p>
-            <a:r>
-              <a:rPr lang="ru-RU" dirty="0" smtClean="0"/>
-              <a:t>Lazy Hybrid</a:t>
-            </a:r>
-            <a:r>
-              <a:rPr lang="en-US" dirty="0" smtClean="0"/>
-              <a:t> </a:t>
-            </a:r>
-            <a:r>
-              <a:rPr lang="zh-CN" altLang="en-US" dirty="0" smtClean="0"/>
-              <a:t>方法</a:t>
-            </a:r>
-            <a:r>
-              <a:rPr lang="en-US" altLang="zh-CN" dirty="0" smtClean="0"/>
-              <a:t>(</a:t>
-            </a:r>
-            <a:r>
-              <a:rPr lang="zh-CN" altLang="en-US" dirty="0" smtClean="0"/>
-              <a:t>相当于动态</a:t>
-            </a:r>
-            <a:r>
-              <a:rPr lang="en-US" altLang="zh-CN" dirty="0" smtClean="0"/>
-              <a:t>Hash)</a:t>
-            </a:r>
-            <a:endParaRPr lang="zh-CN" altLang="en-US" dirty="0"/>
-          </a:p>
-        </p:txBody>
-      </p:sp>
-    </p:spTree>
-  </p:cSld>
-  <p:clrMapOvr>
-    <a:masterClrMapping/>
-  </p:clrMapOvr>
 </p:sld>
 </file>
 
@@ -5334,6 +5817,193 @@
           <a:p>
             <a:r>
               <a:rPr lang="zh-CN" altLang="en-US" dirty="0" smtClean="0"/>
+              <a:t>现有</a:t>
+            </a:r>
+            <a:r>
+              <a:rPr lang="en-US" altLang="zh-CN" dirty="0" smtClean="0"/>
+              <a:t>MDS</a:t>
+            </a:r>
+            <a:r>
+              <a:rPr lang="zh-CN" altLang="en-US" dirty="0" smtClean="0"/>
+              <a:t>集群中元数据分布的方案</a:t>
+            </a:r>
+            <a:endParaRPr lang="zh-CN" altLang="en-US" dirty="0"/>
+          </a:p>
+        </p:txBody>
+      </p:sp>
+      <p:sp>
+        <p:nvSpPr>
+          <p:cNvPr id="3" name="内容占位符 2"/>
+          <p:cNvSpPr>
+            <a:spLocks noGrp="1"/>
+          </p:cNvSpPr>
+          <p:nvPr>
+            <p:ph sz="quarter" idx="1"/>
+          </p:nvPr>
+        </p:nvSpPr>
+        <p:spPr/>
+        <p:txBody>
+          <a:bodyPr/>
+          <a:lstStyle/>
+          <a:p>
+            <a:pPr>
+              <a:buNone/>
+            </a:pPr>
+            <a:r>
+              <a:rPr lang="en-US" altLang="zh-CN" dirty="0" smtClean="0"/>
+              <a:t> </a:t>
+            </a:r>
+          </a:p>
+          <a:p>
+            <a:r>
+              <a:rPr lang="zh-CN" altLang="en-US" dirty="0" smtClean="0"/>
+              <a:t>静态子树分割</a:t>
+            </a:r>
+            <a:endParaRPr lang="en-US" altLang="zh-CN" dirty="0" smtClean="0"/>
+          </a:p>
+          <a:p>
+            <a:r>
+              <a:rPr lang="zh-CN" altLang="en-US" dirty="0" smtClean="0"/>
+              <a:t>静态</a:t>
+            </a:r>
+            <a:r>
+              <a:rPr lang="en-US" altLang="zh-CN" dirty="0" smtClean="0"/>
+              <a:t>Hash</a:t>
+            </a:r>
+            <a:r>
+              <a:rPr lang="zh-CN" altLang="en-US" dirty="0" smtClean="0"/>
+              <a:t>分割</a:t>
+            </a:r>
+            <a:endParaRPr lang="en-US" altLang="zh-CN" dirty="0" smtClean="0"/>
+          </a:p>
+          <a:p>
+            <a:r>
+              <a:rPr lang="zh-CN" altLang="en-US" dirty="0" smtClean="0"/>
+              <a:t>动态子树分割</a:t>
+            </a:r>
+            <a:endParaRPr lang="en-US" altLang="zh-CN" dirty="0" smtClean="0"/>
+          </a:p>
+          <a:p>
+            <a:r>
+              <a:rPr lang="ru-RU" dirty="0" smtClean="0"/>
+              <a:t>Lazy Hybrid</a:t>
+            </a:r>
+            <a:r>
+              <a:rPr lang="en-US" dirty="0" smtClean="0"/>
+              <a:t> </a:t>
+            </a:r>
+            <a:r>
+              <a:rPr lang="zh-CN" altLang="en-US" dirty="0" smtClean="0"/>
+              <a:t>方法</a:t>
+            </a:r>
+            <a:r>
+              <a:rPr lang="en-US" altLang="zh-CN" dirty="0" smtClean="0"/>
+              <a:t>(</a:t>
+            </a:r>
+            <a:r>
+              <a:rPr lang="zh-CN" altLang="en-US" dirty="0" smtClean="0"/>
+              <a:t>相当于动态</a:t>
+            </a:r>
+            <a:r>
+              <a:rPr lang="en-US" altLang="zh-CN" dirty="0" smtClean="0"/>
+              <a:t>Hash)</a:t>
+            </a:r>
+            <a:endParaRPr lang="zh-CN" altLang="en-US" dirty="0"/>
+          </a:p>
+        </p:txBody>
+      </p:sp>
+      <p:sp>
+        <p:nvSpPr>
+          <p:cNvPr id="4" name="灯片编号占位符 3"/>
+          <p:cNvSpPr>
+            <a:spLocks noGrp="1"/>
+          </p:cNvSpPr>
+          <p:nvPr>
+            <p:ph type="sldNum" sz="quarter" idx="12"/>
+          </p:nvPr>
+        </p:nvSpPr>
+        <p:spPr/>
+        <p:txBody>
+          <a:bodyPr/>
+          <a:lstStyle/>
+          <a:p>
+            <a:fld id="{D114F199-ED81-4DDD-A1D7-86D5FA93F928}" type="slidenum">
+              <a:rPr lang="zh-CN" altLang="en-US" smtClean="0"/>
+              <a:pPr/>
+              <a:t>13</a:t>
+            </a:fld>
+            <a:endParaRPr lang="zh-CN" altLang="en-US"/>
+          </a:p>
+        </p:txBody>
+      </p:sp>
+      <p:sp>
+        <p:nvSpPr>
+          <p:cNvPr id="5" name="页脚占位符 4"/>
+          <p:cNvSpPr>
+            <a:spLocks noGrp="1"/>
+          </p:cNvSpPr>
+          <p:nvPr>
+            <p:ph type="ftr" sz="quarter" idx="11"/>
+          </p:nvPr>
+        </p:nvSpPr>
+        <p:spPr/>
+        <p:txBody>
+          <a:bodyPr/>
+          <a:lstStyle/>
+          <a:p>
+            <a:endParaRPr lang="zh-CN" altLang="en-US"/>
+          </a:p>
+        </p:txBody>
+      </p:sp>
+    </p:spTree>
+  </p:cSld>
+  <p:clrMapOvr>
+    <a:masterClrMapping/>
+  </p:clrMapOvr>
+  <p:timing>
+    <p:tnLst>
+      <p:par>
+        <p:cTn id="1" dur="indefinite" restart="never" nodeType="tmRoot"/>
+      </p:par>
+    </p:tnLst>
+  </p:timing>
+</p:sld>
+</file>
+
+<file path=ppt/slides/slide14.xml><?xml version="1.0" encoding="utf-8"?>
+<p:sld xmlns:a="http://schemas.openxmlformats.org/drawingml/2006/main" xmlns:r="http://schemas.openxmlformats.org/officeDocument/2006/relationships" xmlns:p="http://schemas.openxmlformats.org/presentationml/2006/main">
+  <p:cSld>
+    <p:spTree>
+      <p:nvGrpSpPr>
+        <p:cNvPr id="1" name=""/>
+        <p:cNvGrpSpPr/>
+        <p:nvPr/>
+      </p:nvGrpSpPr>
+      <p:grpSpPr>
+        <a:xfrm>
+          <a:off x="0" y="0"/>
+          <a:ext cx="0" cy="0"/>
+          <a:chOff x="0" y="0"/>
+          <a:chExt cx="0" cy="0"/>
+        </a:xfrm>
+      </p:grpSpPr>
+      <p:sp>
+        <p:nvSpPr>
+          <p:cNvPr id="2" name="标题 1"/>
+          <p:cNvSpPr>
+            <a:spLocks noGrp="1"/>
+          </p:cNvSpPr>
+          <p:nvPr>
+            <p:ph type="title"/>
+          </p:nvPr>
+        </p:nvSpPr>
+        <p:spPr/>
+        <p:txBody>
+          <a:bodyPr/>
+          <a:lstStyle/>
+          <a:p>
+            <a:r>
+              <a:rPr lang="zh-CN" altLang="en-US" dirty="0" smtClean="0"/>
               <a:t>静态子树分割</a:t>
             </a:r>
             <a:endParaRPr lang="en-US" altLang="zh-CN" dirty="0" smtClean="0"/>
@@ -5349,7 +6019,7 @@
           <p:nvPr/>
         </p:nvGraphicFramePr>
         <p:xfrm>
-          <a:off x="142844" y="2928934"/>
+          <a:off x="285720" y="2643182"/>
           <a:ext cx="2928958" cy="1931670"/>
         </p:xfrm>
         <a:graphic>
@@ -6132,15 +6802,110 @@
           </a:graphicData>
         </a:graphic>
       </p:graphicFrame>
+      <p:sp>
+        <p:nvSpPr>
+          <p:cNvPr id="6" name="TextBox 5"/>
+          <p:cNvSpPr txBox="1"/>
+          <p:nvPr/>
+        </p:nvSpPr>
+        <p:spPr>
+          <a:xfrm>
+            <a:off x="142844" y="5568751"/>
+            <a:ext cx="2857488" cy="646331"/>
+          </a:xfrm>
+          <a:prstGeom prst="rect">
+            <a:avLst/>
+          </a:prstGeom>
+          <a:noFill/>
+        </p:spPr>
+        <p:txBody>
+          <a:bodyPr wrap="square" rtlCol="0">
+            <a:spAutoFit/>
+          </a:bodyPr>
+          <a:lstStyle/>
+          <a:p>
+            <a:pPr>
+              <a:buFont typeface="Arial" pitchFamily="34" charset="0"/>
+              <a:buChar char="•"/>
+            </a:pPr>
+            <a:r>
+              <a:rPr lang="zh-CN" altLang="en-US" dirty="0" smtClean="0"/>
+              <a:t> 不能有效负载均衡</a:t>
+            </a:r>
+            <a:endParaRPr lang="en-US" altLang="zh-CN" dirty="0" smtClean="0"/>
+          </a:p>
+          <a:p>
+            <a:pPr>
+              <a:buFont typeface="Arial" pitchFamily="34" charset="0"/>
+              <a:buChar char="•"/>
+            </a:pPr>
+            <a:r>
+              <a:rPr lang="zh-CN" altLang="en-US" dirty="0" smtClean="0"/>
+              <a:t> 需要手动调整分割策略</a:t>
+            </a:r>
+            <a:endParaRPr lang="zh-CN" altLang="en-US" dirty="0"/>
+          </a:p>
+        </p:txBody>
+      </p:sp>
+      <p:sp>
+        <p:nvSpPr>
+          <p:cNvPr id="7" name="灯片编号占位符 6"/>
+          <p:cNvSpPr>
+            <a:spLocks noGrp="1"/>
+          </p:cNvSpPr>
+          <p:nvPr>
+            <p:ph type="sldNum" sz="quarter" idx="12"/>
+          </p:nvPr>
+        </p:nvSpPr>
+        <p:spPr/>
+        <p:txBody>
+          <a:bodyPr/>
+          <a:lstStyle/>
+          <a:p>
+            <a:fld id="{D114F199-ED81-4DDD-A1D7-86D5FA93F928}" type="slidenum">
+              <a:rPr lang="zh-CN" altLang="en-US" smtClean="0"/>
+              <a:pPr/>
+              <a:t>14</a:t>
+            </a:fld>
+            <a:endParaRPr lang="zh-CN" altLang="en-US"/>
+          </a:p>
+        </p:txBody>
+      </p:sp>
+      <p:sp>
+        <p:nvSpPr>
+          <p:cNvPr id="8" name="页脚占位符 7"/>
+          <p:cNvSpPr>
+            <a:spLocks noGrp="1"/>
+          </p:cNvSpPr>
+          <p:nvPr>
+            <p:ph type="ftr" sz="quarter" idx="11"/>
+          </p:nvPr>
+        </p:nvSpPr>
+        <p:spPr/>
+        <p:txBody>
+          <a:bodyPr/>
+          <a:lstStyle/>
+          <a:p>
+            <a:endParaRPr lang="zh-CN" altLang="en-US"/>
+          </a:p>
+        </p:txBody>
+      </p:sp>
     </p:spTree>
   </p:cSld>
   <p:clrMapOvr>
     <a:masterClrMapping/>
   </p:clrMapOvr>
+  <p:timing>
+    <p:tnLst>
+      <p:par>
+        <p:cTn id="1" dur="indefinite" restart="never" nodeType="tmRoot"/>
+      </p:par>
+    </p:tnLst>
+  </p:timing>
 </p:sld>
 </file>
 
-<file path=ppt/slides/slide14.xml><?xml version="1.0" encoding="utf-8"?>
+<file path=ppt/slides/slide15.xml><?xml version="1.0" encoding="utf-8"?>
 <p:sld xmlns:a="http://schemas.openxmlformats.org/drawingml/2006/main" xmlns:r="http://schemas.openxmlformats.org/officeDocument/2006/relationships" xmlns:p="http://schemas.openxmlformats.org/presentationml/2006/main">
   <p:cSld>
     <p:spTree>
@@ -6198,19 +6963,19 @@
         </p:nvGraphicFramePr>
         <p:xfrm>
           <a:off x="714348" y="1571612"/>
-          <a:ext cx="7858180" cy="3944810"/>
+          <a:ext cx="7000924" cy="3626985"/>
         </p:xfrm>
         <a:graphic>
           <a:graphicData uri="http://schemas.openxmlformats.org/drawingml/2006/table">
             <a:tbl>
               <a:tblPr/>
               <a:tblGrid>
-                <a:gridCol w="3429024"/>
-                <a:gridCol w="785818"/>
-                <a:gridCol w="1498054"/>
-                <a:gridCol w="2145284"/>
+                <a:gridCol w="3054949"/>
+                <a:gridCol w="700092"/>
+                <a:gridCol w="1334630"/>
+                <a:gridCol w="1911253"/>
               </a:tblGrid>
-              <a:tr h="427012">
+              <a:tr h="363447">
                 <a:tc>
                   <a:txBody>
                     <a:bodyPr/>
@@ -6492,7 +7257,7 @@
                   </a:tcPr>
                 </a:tc>
               </a:tr>
-              <a:tr h="301656">
+              <a:tr h="308070">
                 <a:tc>
                   <a:txBody>
                     <a:bodyPr/>
@@ -6774,7 +7539,7 @@
                   </a:tcPr>
                 </a:tc>
               </a:tr>
-              <a:tr h="301656">
+              <a:tr h="308070">
                 <a:tc>
                   <a:txBody>
                     <a:bodyPr/>
@@ -7056,7 +7821,7 @@
                   </a:tcPr>
                 </a:tc>
               </a:tr>
-              <a:tr h="301656">
+              <a:tr h="308070">
                 <a:tc>
                   <a:txBody>
                     <a:bodyPr/>
@@ -7338,7 +8103,7 @@
                   </a:tcPr>
                 </a:tc>
               </a:tr>
-              <a:tr h="301656">
+              <a:tr h="308070">
                 <a:tc>
                   <a:txBody>
                     <a:bodyPr/>
@@ -7620,7 +8385,7 @@
                   </a:tcPr>
                 </a:tc>
               </a:tr>
-              <a:tr h="301656">
+              <a:tr h="308070">
                 <a:tc>
                   <a:txBody>
                     <a:bodyPr/>
@@ -7902,7 +8667,7 @@
                   </a:tcPr>
                 </a:tc>
               </a:tr>
-              <a:tr h="427012">
+              <a:tr h="363447">
                 <a:tc>
                   <a:txBody>
                     <a:bodyPr/>
@@ -8184,7 +8949,7 @@
                   </a:tcPr>
                 </a:tc>
               </a:tr>
-              <a:tr h="427012">
+              <a:tr h="363447">
                 <a:tc>
                   <a:txBody>
                     <a:bodyPr/>
@@ -8466,7 +9231,7 @@
                   </a:tcPr>
                 </a:tc>
               </a:tr>
-              <a:tr h="427012">
+              <a:tr h="363447">
                 <a:tc>
                   <a:txBody>
                     <a:bodyPr/>
@@ -8748,7 +9513,7 @@
                   </a:tcPr>
                 </a:tc>
               </a:tr>
-              <a:tr h="427012">
+              <a:tr h="363447">
                 <a:tc>
                   <a:txBody>
                     <a:bodyPr/>
@@ -9034,15 +9799,110 @@
           </a:graphicData>
         </a:graphic>
       </p:graphicFrame>
+      <p:sp>
+        <p:nvSpPr>
+          <p:cNvPr id="5" name="TextBox 4"/>
+          <p:cNvSpPr txBox="1"/>
+          <p:nvPr/>
+        </p:nvSpPr>
+        <p:spPr>
+          <a:xfrm>
+            <a:off x="142844" y="5568751"/>
+            <a:ext cx="8143932" cy="646331"/>
+          </a:xfrm>
+          <a:prstGeom prst="rect">
+            <a:avLst/>
+          </a:prstGeom>
+          <a:noFill/>
+        </p:spPr>
+        <p:txBody>
+          <a:bodyPr wrap="square" rtlCol="0">
+            <a:spAutoFit/>
+          </a:bodyPr>
+          <a:lstStyle/>
+          <a:p>
+            <a:pPr>
+              <a:buFont typeface="Arial" pitchFamily="34" charset="0"/>
+              <a:buChar char="•"/>
+            </a:pPr>
+            <a:r>
+              <a:rPr lang="zh-CN" altLang="en-US" dirty="0" smtClean="0"/>
+              <a:t> 在集群中加入或删除节点，会导致映射关系发生变化，需要大量元数据迁移</a:t>
+            </a:r>
+            <a:endParaRPr lang="en-US" altLang="zh-CN" dirty="0" smtClean="0"/>
+          </a:p>
+          <a:p>
+            <a:pPr>
+              <a:buFont typeface="Arial" pitchFamily="34" charset="0"/>
+              <a:buChar char="•"/>
+            </a:pPr>
+            <a:r>
+              <a:rPr lang="zh-CN" altLang="en-US" dirty="0" smtClean="0"/>
+              <a:t> 需要手动调整分割策略</a:t>
+            </a:r>
+            <a:endParaRPr lang="zh-CN" altLang="en-US" dirty="0"/>
+          </a:p>
+        </p:txBody>
+      </p:sp>
+      <p:sp>
+        <p:nvSpPr>
+          <p:cNvPr id="6" name="灯片编号占位符 5"/>
+          <p:cNvSpPr>
+            <a:spLocks noGrp="1"/>
+          </p:cNvSpPr>
+          <p:nvPr>
+            <p:ph type="sldNum" sz="quarter" idx="12"/>
+          </p:nvPr>
+        </p:nvSpPr>
+        <p:spPr/>
+        <p:txBody>
+          <a:bodyPr/>
+          <a:lstStyle/>
+          <a:p>
+            <a:fld id="{D114F199-ED81-4DDD-A1D7-86D5FA93F928}" type="slidenum">
+              <a:rPr lang="zh-CN" altLang="en-US" smtClean="0"/>
+              <a:pPr/>
+              <a:t>15</a:t>
+            </a:fld>
+            <a:endParaRPr lang="zh-CN" altLang="en-US"/>
+          </a:p>
+        </p:txBody>
+      </p:sp>
+      <p:sp>
+        <p:nvSpPr>
+          <p:cNvPr id="7" name="页脚占位符 6"/>
+          <p:cNvSpPr>
+            <a:spLocks noGrp="1"/>
+          </p:cNvSpPr>
+          <p:nvPr>
+            <p:ph type="ftr" sz="quarter" idx="11"/>
+          </p:nvPr>
+        </p:nvSpPr>
+        <p:spPr/>
+        <p:txBody>
+          <a:bodyPr/>
+          <a:lstStyle/>
+          <a:p>
+            <a:endParaRPr lang="zh-CN" altLang="en-US"/>
+          </a:p>
+        </p:txBody>
+      </p:sp>
     </p:spTree>
   </p:cSld>
   <p:clrMapOvr>
     <a:masterClrMapping/>
   </p:clrMapOvr>
+  <p:timing>
+    <p:tnLst>
+      <p:par>
+        <p:cTn id="1" dur="indefinite" restart="never" nodeType="tmRoot"/>
+      </p:par>
+    </p:tnLst>
+  </p:timing>
 </p:sld>
 </file>
 
-<file path=ppt/slides/slide15.xml><?xml version="1.0" encoding="utf-8"?>
+<file path=ppt/slides/slide16.xml><?xml version="1.0" encoding="utf-8"?>
 <p:sld xmlns:a="http://schemas.openxmlformats.org/drawingml/2006/main" xmlns:r="http://schemas.openxmlformats.org/officeDocument/2006/relationships" xmlns:p="http://schemas.openxmlformats.org/presentationml/2006/main">
   <p:cSld>
     <p:spTree>
@@ -9092,15 +9952,15 @@
         </p:nvPicPr>
         <p:blipFill>
           <a:blip r:embed="rId2"/>
-          <a:srcRect/>
+          <a:srcRect b="10958"/>
           <a:stretch>
             <a:fillRect/>
           </a:stretch>
         </p:blipFill>
         <p:spPr bwMode="auto">
           <a:xfrm>
-            <a:off x="2071670" y="2285992"/>
-            <a:ext cx="4886325" cy="2085975"/>
+            <a:off x="785786" y="1357298"/>
+            <a:ext cx="7141552" cy="3214710"/>
           </a:xfrm>
           <a:prstGeom prst="rect">
             <a:avLst/>
@@ -9138,15 +9998,65 @@
           </a:p>
         </p:txBody>
       </p:sp>
+      <p:sp>
+        <p:nvSpPr>
+          <p:cNvPr id="5" name="灯片编号占位符 4"/>
+          <p:cNvSpPr>
+            <a:spLocks noGrp="1"/>
+          </p:cNvSpPr>
+          <p:nvPr>
+            <p:ph type="sldNum" sz="quarter" idx="12"/>
+          </p:nvPr>
+        </p:nvSpPr>
+        <p:spPr/>
+        <p:txBody>
+          <a:bodyPr/>
+          <a:lstStyle/>
+          <a:p>
+            <a:fld id="{D114F199-ED81-4DDD-A1D7-86D5FA93F928}" type="slidenum">
+              <a:rPr lang="zh-CN" altLang="en-US" smtClean="0"/>
+              <a:pPr/>
+              <a:t>16</a:t>
+            </a:fld>
+            <a:endParaRPr lang="zh-CN" altLang="en-US"/>
+          </a:p>
+        </p:txBody>
+      </p:sp>
+      <p:sp>
+        <p:nvSpPr>
+          <p:cNvPr id="6" name="页脚占位符 5"/>
+          <p:cNvSpPr>
+            <a:spLocks noGrp="1"/>
+          </p:cNvSpPr>
+          <p:nvPr>
+            <p:ph type="ftr" sz="quarter" idx="11"/>
+          </p:nvPr>
+        </p:nvSpPr>
+        <p:spPr/>
+        <p:txBody>
+          <a:bodyPr/>
+          <a:lstStyle/>
+          <a:p>
+            <a:endParaRPr lang="zh-CN" altLang="en-US"/>
+          </a:p>
+        </p:txBody>
+      </p:sp>
     </p:spTree>
   </p:cSld>
   <p:clrMapOvr>
     <a:masterClrMapping/>
   </p:clrMapOvr>
+  <p:timing>
+    <p:tnLst>
+      <p:par>
+        <p:cTn id="1" dur="indefinite" restart="never" nodeType="tmRoot"/>
+      </p:par>
+    </p:tnLst>
+  </p:timing>
 </p:sld>
 </file>
 
-<file path=ppt/slides/slide16.xml><?xml version="1.0" encoding="utf-8"?>
+<file path=ppt/slides/slide17.xml><?xml version="1.0" encoding="utf-8"?>
 <p:sld xmlns:a="http://schemas.openxmlformats.org/drawingml/2006/main" xmlns:r="http://schemas.openxmlformats.org/officeDocument/2006/relationships" xmlns:p="http://schemas.openxmlformats.org/presentationml/2006/main">
   <p:cSld>
     <p:spTree>
@@ -11038,39 +11948,14 @@
           </a:p>
         </p:txBody>
       </p:sp>
-    </p:spTree>
-  </p:cSld>
-  <p:clrMapOvr>
-    <a:masterClrMapping/>
-  </p:clrMapOvr>
-</p:sld>
-</file>
-
-<file path=ppt/slides/slide17.xml><?xml version="1.0" encoding="utf-8"?>
-<p:sld xmlns:a="http://schemas.openxmlformats.org/drawingml/2006/main" xmlns:r="http://schemas.openxmlformats.org/officeDocument/2006/relationships" xmlns:p="http://schemas.openxmlformats.org/presentationml/2006/main">
-  <p:cSld>
-    <p:spTree>
-      <p:nvGrpSpPr>
-        <p:cNvPr id="1" name=""/>
-        <p:cNvGrpSpPr/>
-        <p:nvPr/>
-      </p:nvGrpSpPr>
-      <p:grpSpPr>
-        <a:xfrm>
-          <a:off x="0" y="0"/>
-          <a:ext cx="0" cy="0"/>
-          <a:chOff x="0" y="0"/>
-          <a:chExt cx="0" cy="0"/>
-        </a:xfrm>
-      </p:grpSpPr>
       <p:sp>
         <p:nvSpPr>
-          <p:cNvPr id="2" name="标题 1"/>
+          <p:cNvPr id="9" name="灯片编号占位符 8"/>
           <p:cNvSpPr>
             <a:spLocks noGrp="1"/>
           </p:cNvSpPr>
           <p:nvPr>
-            <p:ph type="title"/>
+            <p:ph type="sldNum" sz="quarter" idx="12"/>
           </p:nvPr>
         </p:nvSpPr>
         <p:spPr/>
@@ -11078,75 +11963,31 @@
           <a:bodyPr/>
           <a:lstStyle/>
           <a:p>
-            <a:r>
-              <a:rPr lang="zh-CN" altLang="en-US" dirty="0" smtClean="0"/>
-              <a:t>课题目标</a:t>
-            </a:r>
-            <a:endParaRPr lang="zh-CN" altLang="en-US" dirty="0"/>
+            <a:fld id="{D114F199-ED81-4DDD-A1D7-86D5FA93F928}" type="slidenum">
+              <a:rPr lang="zh-CN" altLang="en-US" smtClean="0"/>
+              <a:pPr/>
+              <a:t>17</a:t>
+            </a:fld>
+            <a:endParaRPr lang="zh-CN" altLang="en-US"/>
           </a:p>
         </p:txBody>
       </p:sp>
       <p:sp>
         <p:nvSpPr>
-          <p:cNvPr id="3" name="内容占位符 2"/>
+          <p:cNvPr id="10" name="页脚占位符 9"/>
           <p:cNvSpPr>
             <a:spLocks noGrp="1"/>
           </p:cNvSpPr>
           <p:nvPr>
-            <p:ph sz="quarter" idx="1"/>
+            <p:ph type="ftr" sz="quarter" idx="11"/>
           </p:nvPr>
         </p:nvSpPr>
         <p:spPr/>
         <p:txBody>
-          <a:bodyPr>
-            <a:normAutofit/>
-          </a:bodyPr>
+          <a:bodyPr/>
           <a:lstStyle/>
           <a:p>
-            <a:r>
-              <a:rPr lang="zh-CN" altLang="en-US" dirty="0" smtClean="0"/>
-              <a:t>元数据集群</a:t>
-            </a:r>
-            <a:endParaRPr lang="en-US" dirty="0" smtClean="0"/>
-          </a:p>
-          <a:p>
-            <a:pPr lvl="1"/>
-            <a:r>
-              <a:rPr lang="ru-RU" dirty="0" smtClean="0"/>
-              <a:t>元数据分布策略  </a:t>
-            </a:r>
-            <a:endParaRPr lang="zh-CN" altLang="en-US" dirty="0" smtClean="0"/>
-          </a:p>
-          <a:p>
-            <a:pPr lvl="1"/>
-            <a:r>
-              <a:rPr lang="ru-RU" dirty="0" smtClean="0"/>
-              <a:t>可扩展性 </a:t>
-            </a:r>
-            <a:endParaRPr lang="en-US" dirty="0" smtClean="0"/>
-          </a:p>
-          <a:p>
-            <a:pPr lvl="1"/>
-            <a:r>
-              <a:rPr lang="ru-RU" dirty="0" smtClean="0"/>
-              <a:t>可用性 </a:t>
-            </a:r>
-            <a:endParaRPr lang="zh-CN" altLang="en-US" dirty="0" smtClean="0"/>
-          </a:p>
-          <a:p>
-            <a:pPr lvl="1"/>
-            <a:r>
-              <a:rPr lang="ru-RU" dirty="0" smtClean="0"/>
-              <a:t>负载均衡 </a:t>
-            </a:r>
-            <a:endParaRPr lang="en-US" dirty="0" smtClean="0"/>
-          </a:p>
-          <a:p>
-            <a:pPr lvl="1"/>
-            <a:r>
-              <a:rPr lang="zh-CN" altLang="en-US" dirty="0" smtClean="0"/>
-              <a:t>一致性</a:t>
-            </a:r>
+            <a:endParaRPr lang="zh-CN" altLang="en-US"/>
           </a:p>
         </p:txBody>
       </p:sp>
@@ -11155,6 +11996,13 @@
   <p:clrMapOvr>
     <a:masterClrMapping/>
   </p:clrMapOvr>
+  <p:timing>
+    <p:tnLst>
+      <p:par>
+        <p:cTn id="1" dur="indefinite" restart="never" nodeType="tmRoot"/>
+      </p:par>
+    </p:tnLst>
+  </p:timing>
 </p:sld>
 </file>
 
@@ -11187,6 +12035,168 @@
         </p:nvSpPr>
         <p:spPr/>
         <p:txBody>
+          <a:bodyPr/>
+          <a:lstStyle/>
+          <a:p>
+            <a:r>
+              <a:rPr lang="zh-CN" altLang="en-US" dirty="0" smtClean="0"/>
+              <a:t>课题目标</a:t>
+            </a:r>
+            <a:endParaRPr lang="zh-CN" altLang="en-US" dirty="0"/>
+          </a:p>
+        </p:txBody>
+      </p:sp>
+      <p:sp>
+        <p:nvSpPr>
+          <p:cNvPr id="3" name="内容占位符 2"/>
+          <p:cNvSpPr>
+            <a:spLocks noGrp="1"/>
+          </p:cNvSpPr>
+          <p:nvPr>
+            <p:ph sz="quarter" idx="1"/>
+          </p:nvPr>
+        </p:nvSpPr>
+        <p:spPr/>
+        <p:txBody>
+          <a:bodyPr>
+            <a:normAutofit/>
+          </a:bodyPr>
+          <a:lstStyle/>
+          <a:p>
+            <a:r>
+              <a:rPr lang="zh-CN" altLang="en-US" dirty="0" smtClean="0"/>
+              <a:t>元数据集群</a:t>
+            </a:r>
+            <a:endParaRPr lang="en-US" dirty="0" smtClean="0"/>
+          </a:p>
+          <a:p>
+            <a:pPr lvl="1"/>
+            <a:r>
+              <a:rPr lang="ru-RU" dirty="0" smtClean="0"/>
+              <a:t>元数据分布策略  </a:t>
+            </a:r>
+            <a:endParaRPr lang="zh-CN" altLang="en-US" dirty="0" smtClean="0"/>
+          </a:p>
+          <a:p>
+            <a:pPr lvl="1"/>
+            <a:r>
+              <a:rPr lang="ru-RU" dirty="0" smtClean="0"/>
+              <a:t>可扩展性 </a:t>
+            </a:r>
+            <a:endParaRPr lang="en-US" dirty="0" smtClean="0"/>
+          </a:p>
+          <a:p>
+            <a:pPr lvl="1"/>
+            <a:r>
+              <a:rPr lang="ru-RU" dirty="0" smtClean="0"/>
+              <a:t>可用性 </a:t>
+            </a:r>
+            <a:endParaRPr lang="zh-CN" altLang="en-US" dirty="0" smtClean="0"/>
+          </a:p>
+          <a:p>
+            <a:pPr lvl="1"/>
+            <a:r>
+              <a:rPr lang="ru-RU" dirty="0" smtClean="0"/>
+              <a:t>负载均衡 </a:t>
+            </a:r>
+            <a:endParaRPr lang="en-US" dirty="0" smtClean="0"/>
+          </a:p>
+          <a:p>
+            <a:pPr lvl="1"/>
+            <a:r>
+              <a:rPr lang="zh-CN" altLang="en-US" dirty="0" smtClean="0"/>
+              <a:t>一致性</a:t>
+            </a:r>
+          </a:p>
+        </p:txBody>
+      </p:sp>
+      <p:sp>
+        <p:nvSpPr>
+          <p:cNvPr id="4" name="灯片编号占位符 3"/>
+          <p:cNvSpPr>
+            <a:spLocks noGrp="1"/>
+          </p:cNvSpPr>
+          <p:nvPr>
+            <p:ph type="sldNum" sz="quarter" idx="12"/>
+          </p:nvPr>
+        </p:nvSpPr>
+        <p:spPr/>
+        <p:txBody>
+          <a:bodyPr/>
+          <a:lstStyle/>
+          <a:p>
+            <a:fld id="{D114F199-ED81-4DDD-A1D7-86D5FA93F928}" type="slidenum">
+              <a:rPr lang="zh-CN" altLang="en-US" smtClean="0"/>
+              <a:pPr/>
+              <a:t>18</a:t>
+            </a:fld>
+            <a:endParaRPr lang="zh-CN" altLang="en-US"/>
+          </a:p>
+        </p:txBody>
+      </p:sp>
+      <p:sp>
+        <p:nvSpPr>
+          <p:cNvPr id="5" name="页脚占位符 4"/>
+          <p:cNvSpPr>
+            <a:spLocks noGrp="1"/>
+          </p:cNvSpPr>
+          <p:nvPr>
+            <p:ph type="ftr" sz="quarter" idx="11"/>
+          </p:nvPr>
+        </p:nvSpPr>
+        <p:spPr/>
+        <p:txBody>
+          <a:bodyPr/>
+          <a:lstStyle/>
+          <a:p>
+            <a:endParaRPr lang="zh-CN" altLang="en-US"/>
+          </a:p>
+        </p:txBody>
+      </p:sp>
+    </p:spTree>
+  </p:cSld>
+  <p:clrMapOvr>
+    <a:masterClrMapping/>
+  </p:clrMapOvr>
+  <p:timing>
+    <p:tnLst>
+      <p:par>
+        <p:cTn id="1" dur="indefinite" restart="never" nodeType="tmRoot"/>
+      </p:par>
+    </p:tnLst>
+  </p:timing>
+</p:sld>
+</file>
+
+<file path=ppt/slides/slide19.xml><?xml version="1.0" encoding="utf-8"?>
+<p:sld xmlns:a="http://schemas.openxmlformats.org/drawingml/2006/main" xmlns:r="http://schemas.openxmlformats.org/officeDocument/2006/relationships" xmlns:p="http://schemas.openxmlformats.org/presentationml/2006/main">
+  <p:cSld>
+    <p:spTree>
+      <p:nvGrpSpPr>
+        <p:cNvPr id="1" name=""/>
+        <p:cNvGrpSpPr/>
+        <p:nvPr/>
+      </p:nvGrpSpPr>
+      <p:grpSpPr>
+        <a:xfrm>
+          <a:off x="0" y="0"/>
+          <a:ext cx="0" cy="0"/>
+          <a:chOff x="0" y="0"/>
+          <a:chExt cx="0" cy="0"/>
+        </a:xfrm>
+      </p:grpSpPr>
+      <p:sp>
+        <p:nvSpPr>
+          <p:cNvPr id="2" name="标题 1"/>
+          <p:cNvSpPr>
+            <a:spLocks noGrp="1"/>
+          </p:cNvSpPr>
+          <p:nvPr>
+            <p:ph type="title"/>
+          </p:nvPr>
+        </p:nvSpPr>
+        <p:spPr/>
+        <p:txBody>
           <a:bodyPr>
             <a:normAutofit/>
           </a:bodyPr>
@@ -11240,7 +12250,6 @@
               <a:rPr lang="zh-CN" altLang="en-US" dirty="0" smtClean="0"/>
               <a:t>备份</a:t>
             </a:r>
-            <a:endParaRPr lang="zh-CN" altLang="en-US" dirty="0" smtClean="0"/>
           </a:p>
           <a:p>
             <a:pPr lvl="0"/>
@@ -11277,12 +12286,55 @@
             <a:pPr lvl="0"/>
             <a:r>
               <a:rPr lang="ru-RU" dirty="0" smtClean="0"/>
-              <a:t>来自关系数据库的技术：检查点和日志，两段提交协议 </a:t>
+              <a:t>检查点和日志，两段提交协议 </a:t>
             </a:r>
             <a:endParaRPr lang="zh-CN" altLang="en-US" dirty="0" smtClean="0"/>
           </a:p>
           <a:p>
             <a:endParaRPr lang="zh-CN" altLang="en-US" dirty="0"/>
+          </a:p>
+        </p:txBody>
+      </p:sp>
+      <p:sp>
+        <p:nvSpPr>
+          <p:cNvPr id="4" name="灯片编号占位符 3"/>
+          <p:cNvSpPr>
+            <a:spLocks noGrp="1"/>
+          </p:cNvSpPr>
+          <p:nvPr>
+            <p:ph type="sldNum" sz="quarter" idx="12"/>
+          </p:nvPr>
+        </p:nvSpPr>
+        <p:spPr/>
+        <p:txBody>
+          <a:bodyPr/>
+          <a:lstStyle/>
+          <a:p>
+            <a:fld id="{D114F199-ED81-4DDD-A1D7-86D5FA93F928}" type="slidenum">
+              <a:rPr lang="zh-CN" altLang="en-US" smtClean="0"/>
+              <a:pPr/>
+              <a:t>19</a:t>
+            </a:fld>
+            <a:endParaRPr lang="zh-CN" altLang="en-US"/>
+          </a:p>
+        </p:txBody>
+      </p:sp>
+      <p:sp>
+        <p:nvSpPr>
+          <p:cNvPr id="5" name="页脚占位符 4"/>
+          <p:cNvSpPr>
+            <a:spLocks noGrp="1"/>
+          </p:cNvSpPr>
+          <p:nvPr>
+            <p:ph type="ftr" sz="quarter" idx="11"/>
+          </p:nvPr>
+        </p:nvSpPr>
+        <p:spPr/>
+        <p:txBody>
+          <a:bodyPr/>
+          <a:lstStyle/>
+          <a:p>
+            <a:endParaRPr lang="zh-CN" altLang="en-US"/>
           </a:p>
         </p:txBody>
       </p:sp>
@@ -11291,10 +12343,184 @@
   <p:clrMapOvr>
     <a:masterClrMapping/>
   </p:clrMapOvr>
+  <p:timing>
+    <p:tnLst>
+      <p:par>
+        <p:cTn id="1" dur="indefinite" restart="never" nodeType="tmRoot"/>
+      </p:par>
+    </p:tnLst>
+  </p:timing>
 </p:sld>
 </file>
 
-<file path=ppt/slides/slide19.xml><?xml version="1.0" encoding="utf-8"?>
+<file path=ppt/slides/slide2.xml><?xml version="1.0" encoding="utf-8"?>
+<p:sld xmlns:a="http://schemas.openxmlformats.org/drawingml/2006/main" xmlns:r="http://schemas.openxmlformats.org/officeDocument/2006/relationships" xmlns:p="http://schemas.openxmlformats.org/presentationml/2006/main">
+  <p:cSld>
+    <p:spTree>
+      <p:nvGrpSpPr>
+        <p:cNvPr id="1" name=""/>
+        <p:cNvGrpSpPr/>
+        <p:nvPr/>
+      </p:nvGrpSpPr>
+      <p:grpSpPr>
+        <a:xfrm>
+          <a:off x="0" y="0"/>
+          <a:ext cx="0" cy="0"/>
+          <a:chOff x="0" y="0"/>
+          <a:chExt cx="0" cy="0"/>
+        </a:xfrm>
+      </p:grpSpPr>
+      <p:sp>
+        <p:nvSpPr>
+          <p:cNvPr id="2" name="标题 1"/>
+          <p:cNvSpPr>
+            <a:spLocks noGrp="1"/>
+          </p:cNvSpPr>
+          <p:nvPr>
+            <p:ph type="title"/>
+          </p:nvPr>
+        </p:nvSpPr>
+        <p:spPr/>
+        <p:txBody>
+          <a:bodyPr/>
+          <a:lstStyle/>
+          <a:p>
+            <a:r>
+              <a:rPr lang="zh-CN" altLang="en-US" dirty="0" smtClean="0"/>
+              <a:t>提纲</a:t>
+            </a:r>
+            <a:endParaRPr lang="zh-CN" altLang="en-US" dirty="0"/>
+          </a:p>
+        </p:txBody>
+      </p:sp>
+      <p:sp>
+        <p:nvSpPr>
+          <p:cNvPr id="3" name="内容占位符 2"/>
+          <p:cNvSpPr>
+            <a:spLocks noGrp="1"/>
+          </p:cNvSpPr>
+          <p:nvPr>
+            <p:ph sz="quarter" idx="1"/>
+          </p:nvPr>
+        </p:nvSpPr>
+        <p:spPr/>
+        <p:txBody>
+          <a:bodyPr/>
+          <a:lstStyle/>
+          <a:p>
+            <a:r>
+              <a:rPr lang="zh-CN" altLang="en-US" dirty="0" smtClean="0"/>
+              <a:t>集群存储系统的发展</a:t>
+            </a:r>
+            <a:endParaRPr lang="en-US" altLang="zh-CN" dirty="0" smtClean="0"/>
+          </a:p>
+          <a:p>
+            <a:r>
+              <a:rPr lang="zh-CN" altLang="en-US" dirty="0" smtClean="0"/>
+              <a:t>基于对象的存储系统的架构</a:t>
+            </a:r>
+            <a:endParaRPr lang="en-US" altLang="zh-CN" dirty="0" smtClean="0"/>
+          </a:p>
+          <a:p>
+            <a:r>
+              <a:rPr lang="zh-CN" altLang="en-US" dirty="0" smtClean="0"/>
+              <a:t>单一</a:t>
+            </a:r>
+            <a:r>
+              <a:rPr lang="en-US" altLang="zh-CN" dirty="0" smtClean="0"/>
+              <a:t>MDS</a:t>
+            </a:r>
+            <a:r>
+              <a:rPr lang="zh-CN" altLang="en-US" dirty="0" smtClean="0"/>
+              <a:t>带来的问题</a:t>
+            </a:r>
+            <a:endParaRPr lang="en-US" altLang="zh-CN" dirty="0" smtClean="0"/>
+          </a:p>
+          <a:p>
+            <a:r>
+              <a:rPr lang="en-US" altLang="zh-CN" dirty="0" smtClean="0"/>
+              <a:t>MDS</a:t>
+            </a:r>
+            <a:r>
+              <a:rPr lang="zh-CN" altLang="en-US" dirty="0" smtClean="0"/>
+              <a:t>集群方案调研</a:t>
+            </a:r>
+            <a:endParaRPr lang="en-US" altLang="zh-CN" dirty="0" smtClean="0"/>
+          </a:p>
+          <a:p>
+            <a:r>
+              <a:rPr lang="zh-CN" altLang="en-US" dirty="0" smtClean="0"/>
+              <a:t>拟采取的方法</a:t>
+            </a:r>
+            <a:endParaRPr lang="en-US" altLang="zh-CN" dirty="0" smtClean="0"/>
+          </a:p>
+          <a:p>
+            <a:endParaRPr lang="en-US" altLang="zh-CN" dirty="0" smtClean="0"/>
+          </a:p>
+          <a:p>
+            <a:endParaRPr lang="zh-CN" altLang="en-US" dirty="0"/>
+          </a:p>
+        </p:txBody>
+      </p:sp>
+      <p:sp>
+        <p:nvSpPr>
+          <p:cNvPr id="4" name="灯片编号占位符 3"/>
+          <p:cNvSpPr>
+            <a:spLocks noGrp="1"/>
+          </p:cNvSpPr>
+          <p:nvPr>
+            <p:ph type="sldNum" sz="quarter" idx="12"/>
+          </p:nvPr>
+        </p:nvSpPr>
+        <p:spPr/>
+        <p:txBody>
+          <a:bodyPr/>
+          <a:lstStyle/>
+          <a:p>
+            <a:fld id="{D114F199-ED81-4DDD-A1D7-86D5FA93F928}" type="slidenum">
+              <a:rPr lang="zh-CN" altLang="en-US" smtClean="0"/>
+              <a:pPr/>
+              <a:t>2</a:t>
+            </a:fld>
+            <a:endParaRPr lang="zh-CN" altLang="en-US"/>
+          </a:p>
+        </p:txBody>
+      </p:sp>
+      <p:sp>
+        <p:nvSpPr>
+          <p:cNvPr id="5" name="页脚占位符 4"/>
+          <p:cNvSpPr>
+            <a:spLocks noGrp="1"/>
+          </p:cNvSpPr>
+          <p:nvPr>
+            <p:ph type="ftr" sz="quarter" idx="11"/>
+          </p:nvPr>
+        </p:nvSpPr>
+        <p:spPr/>
+        <p:txBody>
+          <a:bodyPr/>
+          <a:lstStyle/>
+          <a:p>
+            <a:endParaRPr lang="zh-CN" altLang="en-US"/>
+          </a:p>
+        </p:txBody>
+      </p:sp>
+    </p:spTree>
+  </p:cSld>
+  <p:clrMapOvr>
+    <a:masterClrMapping/>
+  </p:clrMapOvr>
+  <p:timing>
+    <p:tnLst>
+      <p:par>
+        <p:cTn id="1" dur="indefinite" restart="never" nodeType="tmRoot"/>
+      </p:par>
+    </p:tnLst>
+  </p:timing>
+</p:sld>
+</file>
+
+<file path=ppt/slides/slide20.xml><?xml version="1.0" encoding="utf-8"?>
 <p:sld xmlns:a="http://schemas.openxmlformats.org/drawingml/2006/main" xmlns:r="http://schemas.openxmlformats.org/officeDocument/2006/relationships" xmlns:p="http://schemas.openxmlformats.org/presentationml/2006/main">
   <p:cSld>
     <p:spTree>
@@ -11343,39 +12569,14 @@
           </a:p>
         </p:txBody>
       </p:sp>
-    </p:spTree>
-  </p:cSld>
-  <p:clrMapOvr>
-    <a:masterClrMapping/>
-  </p:clrMapOvr>
-</p:sld>
-</file>
-
-<file path=ppt/slides/slide2.xml><?xml version="1.0" encoding="utf-8"?>
-<p:sld xmlns:a="http://schemas.openxmlformats.org/drawingml/2006/main" xmlns:r="http://schemas.openxmlformats.org/officeDocument/2006/relationships" xmlns:p="http://schemas.openxmlformats.org/presentationml/2006/main">
-  <p:cSld>
-    <p:spTree>
-      <p:nvGrpSpPr>
-        <p:cNvPr id="1" name=""/>
-        <p:cNvGrpSpPr/>
-        <p:nvPr/>
-      </p:nvGrpSpPr>
-      <p:grpSpPr>
-        <a:xfrm>
-          <a:off x="0" y="0"/>
-          <a:ext cx="0" cy="0"/>
-          <a:chOff x="0" y="0"/>
-          <a:chExt cx="0" cy="0"/>
-        </a:xfrm>
-      </p:grpSpPr>
       <p:sp>
         <p:nvSpPr>
-          <p:cNvPr id="2" name="标题 1"/>
+          <p:cNvPr id="3" name="灯片编号占位符 2"/>
           <p:cNvSpPr>
             <a:spLocks noGrp="1"/>
           </p:cNvSpPr>
           <p:nvPr>
-            <p:ph type="title"/>
+            <p:ph type="sldNum" sz="quarter" idx="12"/>
           </p:nvPr>
         </p:nvSpPr>
         <p:spPr/>
@@ -11383,22 +12584,23 @@
           <a:bodyPr/>
           <a:lstStyle/>
           <a:p>
-            <a:r>
-              <a:rPr lang="zh-CN" altLang="en-US" dirty="0" smtClean="0"/>
-              <a:t>提纲</a:t>
-            </a:r>
-            <a:endParaRPr lang="zh-CN" altLang="en-US" dirty="0"/>
+            <a:fld id="{D114F199-ED81-4DDD-A1D7-86D5FA93F928}" type="slidenum">
+              <a:rPr lang="zh-CN" altLang="en-US" smtClean="0"/>
+              <a:pPr/>
+              <a:t>20</a:t>
+            </a:fld>
+            <a:endParaRPr lang="zh-CN" altLang="en-US"/>
           </a:p>
         </p:txBody>
       </p:sp>
       <p:sp>
         <p:nvSpPr>
-          <p:cNvPr id="3" name="内容占位符 2"/>
+          <p:cNvPr id="4" name="页脚占位符 3"/>
           <p:cNvSpPr>
             <a:spLocks noGrp="1"/>
           </p:cNvSpPr>
           <p:nvPr>
-            <p:ph sz="quarter" idx="1"/>
+            <p:ph type="ftr" sz="quarter" idx="11"/>
           </p:nvPr>
         </p:nvSpPr>
         <p:spPr/>
@@ -11406,61 +12608,7 @@
           <a:bodyPr/>
           <a:lstStyle/>
           <a:p>
-            <a:r>
-              <a:rPr lang="zh-CN" altLang="en-US" dirty="0" smtClean="0"/>
-              <a:t>集群存储系统的发展</a:t>
-            </a:r>
-            <a:endParaRPr lang="en-US" altLang="zh-CN" dirty="0" smtClean="0"/>
-          </a:p>
-          <a:p>
-            <a:r>
-              <a:rPr lang="zh-CN" altLang="en-US" dirty="0" smtClean="0"/>
-              <a:t>基于对象存储系统的架构</a:t>
-            </a:r>
-            <a:endParaRPr lang="en-US" altLang="zh-CN" dirty="0" smtClean="0"/>
-          </a:p>
-          <a:p>
-            <a:r>
-              <a:rPr lang="zh-CN" altLang="en-US" dirty="0" smtClean="0"/>
-              <a:t>单一</a:t>
-            </a:r>
-            <a:r>
-              <a:rPr lang="en-US" altLang="zh-CN" dirty="0" smtClean="0"/>
-              <a:t>MDS</a:t>
-            </a:r>
-            <a:r>
-              <a:rPr lang="zh-CN" altLang="en-US" dirty="0" smtClean="0"/>
-              <a:t>带来的问题</a:t>
-            </a:r>
-            <a:endParaRPr lang="en-US" altLang="zh-CN" dirty="0" smtClean="0"/>
-          </a:p>
-          <a:p>
-            <a:r>
-              <a:rPr lang="en-US" altLang="zh-CN" dirty="0" smtClean="0"/>
-              <a:t>MDS</a:t>
-            </a:r>
-            <a:r>
-              <a:rPr lang="zh-CN" altLang="en-US" dirty="0" smtClean="0"/>
-              <a:t>集群方案</a:t>
-            </a:r>
-            <a:r>
-              <a:rPr lang="zh-CN" altLang="en-US" dirty="0" smtClean="0"/>
-              <a:t>调研</a:t>
-            </a:r>
-            <a:endParaRPr lang="en-US" altLang="zh-CN" dirty="0" smtClean="0"/>
-          </a:p>
-          <a:p>
-            <a:r>
-              <a:rPr lang="zh-CN" altLang="en-US" dirty="0" smtClean="0"/>
-              <a:t>拟采取的方法</a:t>
-            </a:r>
-            <a:endParaRPr lang="en-US" altLang="zh-CN" dirty="0" smtClean="0"/>
-          </a:p>
-          <a:p>
-            <a:endParaRPr lang="en-US" altLang="zh-CN" dirty="0" smtClean="0"/>
-          </a:p>
-          <a:p>
-            <a:endParaRPr lang="zh-CN" altLang="en-US" dirty="0"/>
+            <a:endParaRPr lang="zh-CN" altLang="en-US"/>
           </a:p>
         </p:txBody>
       </p:sp>
@@ -11469,6 +12617,13 @@
   <p:clrMapOvr>
     <a:masterClrMapping/>
   </p:clrMapOvr>
+  <p:timing>
+    <p:tnLst>
+      <p:par>
+        <p:cTn id="1" dur="indefinite" restart="never" nodeType="tmRoot"/>
+      </p:par>
+    </p:tnLst>
+  </p:timing>
 </p:sld>
 </file>
 
@@ -11592,11 +12747,7 @@
             </a:r>
             <a:r>
               <a:rPr lang="en-US" altLang="zh-CN" dirty="0" smtClean="0"/>
-              <a:t>GFS(Global File System</a:t>
-            </a:r>
-            <a:r>
-              <a:rPr lang="en-US" altLang="zh-CN" dirty="0" smtClean="0"/>
-              <a:t>)</a:t>
+              <a:t>GFS(Global File System)</a:t>
             </a:r>
           </a:p>
           <a:p>
@@ -11622,7 +12773,7 @@
           <a:p>
             <a:r>
               <a:rPr lang="zh-CN" altLang="en-US" dirty="0" smtClean="0"/>
-              <a:t>基于对象的并行存储系统 </a:t>
+              <a:t>基于对象的存储系统 </a:t>
             </a:r>
             <a:r>
               <a:rPr lang="en-US" altLang="zh-CN" dirty="0" smtClean="0"/>
@@ -11649,11 +12800,7 @@
             <a:pPr lvl="1"/>
             <a:r>
               <a:rPr lang="en-US" altLang="zh-CN" dirty="0" smtClean="0"/>
-              <a:t>Google </a:t>
-            </a:r>
-            <a:r>
-              <a:rPr lang="en-US" altLang="zh-CN" dirty="0" smtClean="0"/>
-              <a:t>File System</a:t>
+              <a:t>Google File System</a:t>
             </a:r>
           </a:p>
           <a:p>
@@ -11663,6 +12810,49 @@
               <a:t>MooseFS</a:t>
             </a:r>
             <a:endParaRPr lang="en-US" altLang="zh-CN" dirty="0" smtClean="0"/>
+          </a:p>
+        </p:txBody>
+      </p:sp>
+      <p:sp>
+        <p:nvSpPr>
+          <p:cNvPr id="4" name="灯片编号占位符 3"/>
+          <p:cNvSpPr>
+            <a:spLocks noGrp="1"/>
+          </p:cNvSpPr>
+          <p:nvPr>
+            <p:ph type="sldNum" sz="quarter" idx="12"/>
+          </p:nvPr>
+        </p:nvSpPr>
+        <p:spPr/>
+        <p:txBody>
+          <a:bodyPr/>
+          <a:lstStyle/>
+          <a:p>
+            <a:fld id="{D114F199-ED81-4DDD-A1D7-86D5FA93F928}" type="slidenum">
+              <a:rPr lang="zh-CN" altLang="en-US" smtClean="0"/>
+              <a:pPr/>
+              <a:t>3</a:t>
+            </a:fld>
+            <a:endParaRPr lang="zh-CN" altLang="en-US"/>
+          </a:p>
+        </p:txBody>
+      </p:sp>
+      <p:sp>
+        <p:nvSpPr>
+          <p:cNvPr id="5" name="页脚占位符 4"/>
+          <p:cNvSpPr>
+            <a:spLocks noGrp="1"/>
+          </p:cNvSpPr>
+          <p:nvPr>
+            <p:ph type="ftr" sz="quarter" idx="11"/>
+          </p:nvPr>
+        </p:nvSpPr>
+        <p:spPr/>
+        <p:txBody>
+          <a:bodyPr/>
+          <a:lstStyle/>
+          <a:p>
+            <a:endParaRPr lang="zh-CN" altLang="en-US"/>
           </a:p>
         </p:txBody>
       </p:sp>
@@ -11738,17 +12928,19 @@
           </a:xfrm>
         </p:spPr>
         <p:txBody>
-          <a:bodyPr/>
+          <a:bodyPr>
+            <a:normAutofit/>
+          </a:bodyPr>
           <a:lstStyle/>
           <a:p>
             <a:pPr>
               <a:buNone/>
             </a:pPr>
             <a:r>
-              <a:rPr lang="en-US" altLang="zh-CN" dirty="0" smtClean="0"/>
+              <a:rPr lang="en-US" altLang="zh-CN" sz="3200" dirty="0" smtClean="0"/>
               <a:t>NAS</a:t>
             </a:r>
-            <a:endParaRPr lang="zh-CN" altLang="en-US" dirty="0"/>
+            <a:endParaRPr lang="zh-CN" altLang="en-US" sz="3200" dirty="0"/>
           </a:p>
         </p:txBody>
       </p:sp>
@@ -11892,11 +13084,61 @@
           <a:effectLst/>
         </p:spPr>
       </p:pic>
+      <p:sp>
+        <p:nvSpPr>
+          <p:cNvPr id="7" name="灯片编号占位符 6"/>
+          <p:cNvSpPr>
+            <a:spLocks noGrp="1"/>
+          </p:cNvSpPr>
+          <p:nvPr>
+            <p:ph type="sldNum" sz="quarter" idx="12"/>
+          </p:nvPr>
+        </p:nvSpPr>
+        <p:spPr/>
+        <p:txBody>
+          <a:bodyPr/>
+          <a:lstStyle/>
+          <a:p>
+            <a:fld id="{D114F199-ED81-4DDD-A1D7-86D5FA93F928}" type="slidenum">
+              <a:rPr lang="zh-CN" altLang="en-US" smtClean="0"/>
+              <a:pPr/>
+              <a:t>4</a:t>
+            </a:fld>
+            <a:endParaRPr lang="zh-CN" altLang="en-US"/>
+          </a:p>
+        </p:txBody>
+      </p:sp>
+      <p:sp>
+        <p:nvSpPr>
+          <p:cNvPr id="8" name="页脚占位符 7"/>
+          <p:cNvSpPr>
+            <a:spLocks noGrp="1"/>
+          </p:cNvSpPr>
+          <p:nvPr>
+            <p:ph type="ftr" sz="quarter" idx="11"/>
+          </p:nvPr>
+        </p:nvSpPr>
+        <p:spPr/>
+        <p:txBody>
+          <a:bodyPr/>
+          <a:lstStyle/>
+          <a:p>
+            <a:endParaRPr lang="zh-CN" altLang="en-US"/>
+          </a:p>
+        </p:txBody>
+      </p:sp>
     </p:spTree>
   </p:cSld>
   <p:clrMapOvr>
     <a:masterClrMapping/>
   </p:clrMapOvr>
+  <p:timing>
+    <p:tnLst>
+      <p:par>
+        <p:cTn id="1" dur="indefinite" restart="never" nodeType="tmRoot"/>
+      </p:par>
+    </p:tnLst>
+  </p:timing>
 </p:sld>
 </file>
 
@@ -12804,6 +14046,49 @@
           </p:txBody>
         </p:sp>
       </p:grpSp>
+      <p:sp>
+        <p:nvSpPr>
+          <p:cNvPr id="27" name="灯片编号占位符 26"/>
+          <p:cNvSpPr>
+            <a:spLocks noGrp="1"/>
+          </p:cNvSpPr>
+          <p:nvPr>
+            <p:ph type="sldNum" sz="quarter" idx="12"/>
+          </p:nvPr>
+        </p:nvSpPr>
+        <p:spPr/>
+        <p:txBody>
+          <a:bodyPr/>
+          <a:lstStyle/>
+          <a:p>
+            <a:fld id="{D114F199-ED81-4DDD-A1D7-86D5FA93F928}" type="slidenum">
+              <a:rPr lang="zh-CN" altLang="en-US" smtClean="0"/>
+              <a:pPr/>
+              <a:t>5</a:t>
+            </a:fld>
+            <a:endParaRPr lang="zh-CN" altLang="en-US"/>
+          </a:p>
+        </p:txBody>
+      </p:sp>
+      <p:sp>
+        <p:nvSpPr>
+          <p:cNvPr id="30" name="页脚占位符 29"/>
+          <p:cNvSpPr>
+            <a:spLocks noGrp="1"/>
+          </p:cNvSpPr>
+          <p:nvPr>
+            <p:ph type="ftr" sz="quarter" idx="11"/>
+          </p:nvPr>
+        </p:nvSpPr>
+        <p:spPr/>
+        <p:txBody>
+          <a:bodyPr/>
+          <a:lstStyle/>
+          <a:p>
+            <a:endParaRPr lang="zh-CN" altLang="en-US"/>
+          </a:p>
+        </p:txBody>
+      </p:sp>
     </p:spTree>
   </p:cSld>
   <p:clrMapOvr>
@@ -12820,6 +14105,189 @@
 </file>
 
 <file path=ppt/slides/slide6.xml><?xml version="1.0" encoding="utf-8"?>
+<p:sld xmlns:a="http://schemas.openxmlformats.org/drawingml/2006/main" xmlns:r="http://schemas.openxmlformats.org/officeDocument/2006/relationships" xmlns:p="http://schemas.openxmlformats.org/presentationml/2006/main">
+  <p:cSld>
+    <p:spTree>
+      <p:nvGrpSpPr>
+        <p:cNvPr id="1" name=""/>
+        <p:cNvGrpSpPr/>
+        <p:nvPr/>
+      </p:nvGrpSpPr>
+      <p:grpSpPr>
+        <a:xfrm>
+          <a:off x="0" y="0"/>
+          <a:ext cx="0" cy="0"/>
+          <a:chOff x="0" y="0"/>
+          <a:chExt cx="0" cy="0"/>
+        </a:xfrm>
+      </p:grpSpPr>
+      <p:sp>
+        <p:nvSpPr>
+          <p:cNvPr id="2" name="标题 1"/>
+          <p:cNvSpPr>
+            <a:spLocks noGrp="1"/>
+          </p:cNvSpPr>
+          <p:nvPr>
+            <p:ph type="title"/>
+          </p:nvPr>
+        </p:nvSpPr>
+        <p:spPr/>
+        <p:txBody>
+          <a:bodyPr/>
+          <a:lstStyle/>
+          <a:p>
+            <a:r>
+              <a:rPr lang="zh-CN" altLang="en-US" dirty="0" smtClean="0"/>
+              <a:t>基于对象的存储系统 </a:t>
+            </a:r>
+            <a:r>
+              <a:rPr lang="en-US" altLang="zh-CN" dirty="0" smtClean="0"/>
+              <a:t>	</a:t>
+            </a:r>
+            <a:endParaRPr lang="zh-CN" altLang="en-US" dirty="0"/>
+          </a:p>
+        </p:txBody>
+      </p:sp>
+      <p:sp>
+        <p:nvSpPr>
+          <p:cNvPr id="3" name="内容占位符 2"/>
+          <p:cNvSpPr>
+            <a:spLocks noGrp="1"/>
+          </p:cNvSpPr>
+          <p:nvPr>
+            <p:ph sz="quarter" idx="1"/>
+          </p:nvPr>
+        </p:nvSpPr>
+        <p:spPr/>
+        <p:txBody>
+          <a:bodyPr/>
+          <a:lstStyle/>
+          <a:p>
+            <a:r>
+              <a:rPr lang="zh-CN" altLang="en-US" dirty="0" smtClean="0"/>
+              <a:t>以对象为基本存储管理单位</a:t>
+            </a:r>
+            <a:endParaRPr lang="en-US" altLang="zh-CN" dirty="0" smtClean="0"/>
+          </a:p>
+          <a:p>
+            <a:r>
+              <a:rPr lang="zh-CN" altLang="en-US" dirty="0" smtClean="0"/>
+              <a:t>独立的元数据</a:t>
+            </a:r>
+            <a:r>
+              <a:rPr lang="zh-CN" altLang="en-US" dirty="0" smtClean="0"/>
+              <a:t>管理</a:t>
+            </a:r>
+            <a:endParaRPr lang="en-US" altLang="zh-CN" dirty="0" smtClean="0"/>
+          </a:p>
+          <a:p>
+            <a:r>
+              <a:rPr lang="zh-CN" altLang="en-US" dirty="0" smtClean="0"/>
+              <a:t>高容量</a:t>
+            </a:r>
+            <a:endParaRPr lang="en-US" altLang="zh-CN" dirty="0" smtClean="0"/>
+          </a:p>
+          <a:p>
+            <a:r>
+              <a:rPr lang="zh-CN" altLang="en-US" dirty="0" smtClean="0"/>
+              <a:t>高性能</a:t>
+            </a:r>
+            <a:r>
+              <a:rPr lang="en-US" altLang="zh-CN" dirty="0" smtClean="0"/>
+              <a:t>-</a:t>
+            </a:r>
+            <a:r>
+              <a:rPr lang="zh-CN" altLang="en-US" dirty="0" smtClean="0"/>
+              <a:t>多</a:t>
+            </a:r>
+            <a:r>
+              <a:rPr lang="zh-CN" altLang="en-US" dirty="0" smtClean="0"/>
+              <a:t>个客户端的数据传输可以并行，聚合带宽高</a:t>
+            </a:r>
+            <a:endParaRPr lang="en-US" altLang="zh-CN" dirty="0" smtClean="0"/>
+          </a:p>
+          <a:p>
+            <a:r>
+              <a:rPr lang="zh-CN" altLang="en-US" dirty="0" smtClean="0"/>
+              <a:t>易于</a:t>
+            </a:r>
+            <a:r>
+              <a:rPr lang="zh-CN" altLang="en-US" dirty="0" smtClean="0"/>
+              <a:t>扩展</a:t>
+            </a:r>
+            <a:endParaRPr lang="en-US" altLang="zh-CN" dirty="0" smtClean="0"/>
+          </a:p>
+          <a:p>
+            <a:r>
+              <a:rPr lang="zh-CN" altLang="en-US" dirty="0" smtClean="0"/>
+              <a:t>易于管理</a:t>
+            </a:r>
+            <a:endParaRPr lang="en-US" altLang="zh-CN" dirty="0" smtClean="0"/>
+          </a:p>
+          <a:p>
+            <a:endParaRPr lang="zh-CN" altLang="en-US" dirty="0"/>
+          </a:p>
+        </p:txBody>
+      </p:sp>
+      <p:sp>
+        <p:nvSpPr>
+          <p:cNvPr id="4" name="灯片编号占位符 3"/>
+          <p:cNvSpPr>
+            <a:spLocks noGrp="1"/>
+          </p:cNvSpPr>
+          <p:nvPr>
+            <p:ph type="sldNum" sz="quarter" idx="12"/>
+          </p:nvPr>
+        </p:nvSpPr>
+        <p:spPr/>
+        <p:txBody>
+          <a:bodyPr/>
+          <a:lstStyle/>
+          <a:p>
+            <a:fld id="{D114F199-ED81-4DDD-A1D7-86D5FA93F928}" type="slidenum">
+              <a:rPr lang="zh-CN" altLang="en-US" smtClean="0"/>
+              <a:pPr/>
+              <a:t>6</a:t>
+            </a:fld>
+            <a:endParaRPr lang="zh-CN" altLang="en-US"/>
+          </a:p>
+        </p:txBody>
+      </p:sp>
+      <p:sp>
+        <p:nvSpPr>
+          <p:cNvPr id="5" name="页脚占位符 4"/>
+          <p:cNvSpPr>
+            <a:spLocks noGrp="1"/>
+          </p:cNvSpPr>
+          <p:nvPr>
+            <p:ph type="ftr" sz="quarter" idx="11"/>
+          </p:nvPr>
+        </p:nvSpPr>
+        <p:spPr/>
+        <p:txBody>
+          <a:bodyPr/>
+          <a:lstStyle/>
+          <a:p>
+            <a:endParaRPr lang="zh-CN" altLang="en-US"/>
+          </a:p>
+        </p:txBody>
+      </p:sp>
+    </p:spTree>
+  </p:cSld>
+  <p:clrMapOvr>
+    <a:masterClrMapping/>
+  </p:clrMapOvr>
+  <p:timing>
+    <p:tnLst>
+      <p:par>
+        <p:cTn id="1" dur="indefinite" restart="never" nodeType="tmRoot"/>
+      </p:par>
+    </p:tnLst>
+  </p:timing>
+</p:sld>
+</file>
+
+<file path=ppt/slides/slide7.xml><?xml version="1.0" encoding="utf-8"?>
 <p:sld xmlns:a="http://schemas.openxmlformats.org/drawingml/2006/main" xmlns:r="http://schemas.openxmlformats.org/officeDocument/2006/relationships" xmlns:p="http://schemas.openxmlformats.org/presentationml/2006/main">
   <p:cSld>
     <p:spTree>
@@ -13772,7 +15240,7 @@
             </a:r>
             <a:r>
               <a:rPr lang="en-US" altLang="zh-CN" dirty="0" smtClean="0"/>
-              <a:t>(</a:t>
+              <a:t>( </a:t>
             </a:r>
             <a:r>
               <a:rPr lang="en-US" altLang="zh-CN" dirty="0" err="1" smtClean="0"/>
@@ -13780,7 +15248,7 @@
             </a:r>
             <a:r>
               <a:rPr lang="en-US" altLang="zh-CN" dirty="0" smtClean="0"/>
-              <a:t>)</a:t>
+              <a:t> )</a:t>
             </a:r>
           </a:p>
           <a:p>
@@ -13790,11 +15258,7 @@
             </a:pPr>
             <a:r>
               <a:rPr lang="zh-CN" altLang="en-US" dirty="0" smtClean="0"/>
-              <a:t> 维护元数据</a:t>
-            </a:r>
-            <a:r>
-              <a:rPr lang="zh-CN" altLang="en-US" dirty="0" smtClean="0"/>
-              <a:t>信息</a:t>
+              <a:t> 维护元数据信息</a:t>
             </a:r>
             <a:r>
               <a:rPr lang="en-US" altLang="zh-CN" dirty="0" smtClean="0"/>
@@ -13824,13 +15288,52 @@
             </a:pPr>
             <a:r>
               <a:rPr lang="zh-CN" altLang="en-US" dirty="0" smtClean="0"/>
-              <a:t> 访问</a:t>
-            </a:r>
-            <a:r>
-              <a:rPr lang="zh-CN" altLang="en-US" dirty="0" smtClean="0"/>
-              <a:t>控制</a:t>
+              <a:t> 访问控制</a:t>
             </a:r>
             <a:endParaRPr lang="en-US" altLang="zh-CN" dirty="0" smtClean="0"/>
+          </a:p>
+        </p:txBody>
+      </p:sp>
+      <p:sp>
+        <p:nvSpPr>
+          <p:cNvPr id="27" name="灯片编号占位符 26"/>
+          <p:cNvSpPr>
+            <a:spLocks noGrp="1"/>
+          </p:cNvSpPr>
+          <p:nvPr>
+            <p:ph type="sldNum" sz="quarter" idx="12"/>
+          </p:nvPr>
+        </p:nvSpPr>
+        <p:spPr/>
+        <p:txBody>
+          <a:bodyPr/>
+          <a:lstStyle/>
+          <a:p>
+            <a:fld id="{D114F199-ED81-4DDD-A1D7-86D5FA93F928}" type="slidenum">
+              <a:rPr lang="zh-CN" altLang="en-US" smtClean="0"/>
+              <a:pPr/>
+              <a:t>7</a:t>
+            </a:fld>
+            <a:endParaRPr lang="zh-CN" altLang="en-US"/>
+          </a:p>
+        </p:txBody>
+      </p:sp>
+      <p:sp>
+        <p:nvSpPr>
+          <p:cNvPr id="31" name="页脚占位符 30"/>
+          <p:cNvSpPr>
+            <a:spLocks noGrp="1"/>
+          </p:cNvSpPr>
+          <p:nvPr>
+            <p:ph type="ftr" sz="quarter" idx="11"/>
+          </p:nvPr>
+        </p:nvSpPr>
+        <p:spPr/>
+        <p:txBody>
+          <a:bodyPr/>
+          <a:lstStyle/>
+          <a:p>
+            <a:endParaRPr lang="zh-CN" altLang="en-US"/>
           </a:p>
         </p:txBody>
       </p:sp>
@@ -13849,7 +15352,7 @@
 </p:sld>
 </file>
 
-<file path=ppt/slides/slide7.xml><?xml version="1.0" encoding="utf-8"?>
+<file path=ppt/slides/slide8.xml><?xml version="1.0" encoding="utf-8"?>
 <p:sld xmlns:a="http://schemas.openxmlformats.org/drawingml/2006/main" xmlns:r="http://schemas.openxmlformats.org/officeDocument/2006/relationships" xmlns:p="http://schemas.openxmlformats.org/presentationml/2006/main">
   <p:cSld>
     <p:spTree>
@@ -14787,11 +16290,7 @@
             </a:r>
             <a:r>
               <a:rPr lang="zh-CN" altLang="en-US" dirty="0" smtClean="0"/>
-              <a:t>以对象的形式</a:t>
-            </a:r>
-            <a:r>
-              <a:rPr lang="zh-CN" altLang="en-US" dirty="0" smtClean="0"/>
-              <a:t>存储文件内容</a:t>
+              <a:t>以对象的形式存储文件内容</a:t>
             </a:r>
             <a:endParaRPr lang="en-US" altLang="zh-CN" dirty="0" smtClean="0"/>
           </a:p>
@@ -14806,11 +16305,7 @@
             </a:r>
             <a:r>
               <a:rPr lang="zh-CN" altLang="en-US" dirty="0" smtClean="0"/>
-              <a:t>有一定的</a:t>
-            </a:r>
-            <a:r>
-              <a:rPr lang="zh-CN" altLang="en-US" dirty="0" smtClean="0"/>
-              <a:t>智能</a:t>
+              <a:t>有一定的智能</a:t>
             </a:r>
             <a:endParaRPr lang="en-US" altLang="zh-CN" dirty="0" smtClean="0"/>
           </a:p>
@@ -14820,6 +16315,49 @@
               <a:buChar char="•"/>
             </a:pPr>
             <a:endParaRPr lang="en-US" altLang="zh-CN" dirty="0" smtClean="0"/>
+          </a:p>
+        </p:txBody>
+      </p:sp>
+      <p:sp>
+        <p:nvSpPr>
+          <p:cNvPr id="27" name="灯片编号占位符 26"/>
+          <p:cNvSpPr>
+            <a:spLocks noGrp="1"/>
+          </p:cNvSpPr>
+          <p:nvPr>
+            <p:ph type="sldNum" sz="quarter" idx="12"/>
+          </p:nvPr>
+        </p:nvSpPr>
+        <p:spPr/>
+        <p:txBody>
+          <a:bodyPr/>
+          <a:lstStyle/>
+          <a:p>
+            <a:fld id="{D114F199-ED81-4DDD-A1D7-86D5FA93F928}" type="slidenum">
+              <a:rPr lang="zh-CN" altLang="en-US" smtClean="0"/>
+              <a:pPr/>
+              <a:t>8</a:t>
+            </a:fld>
+            <a:endParaRPr lang="zh-CN" altLang="en-US"/>
+          </a:p>
+        </p:txBody>
+      </p:sp>
+      <p:sp>
+        <p:nvSpPr>
+          <p:cNvPr id="31" name="页脚占位符 30"/>
+          <p:cNvSpPr>
+            <a:spLocks noGrp="1"/>
+          </p:cNvSpPr>
+          <p:nvPr>
+            <p:ph type="ftr" sz="quarter" idx="11"/>
+          </p:nvPr>
+        </p:nvSpPr>
+        <p:spPr/>
+        <p:txBody>
+          <a:bodyPr/>
+          <a:lstStyle/>
+          <a:p>
+            <a:endParaRPr lang="zh-CN" altLang="en-US"/>
           </a:p>
         </p:txBody>
       </p:sp>
@@ -14838,7 +16376,7 @@
 </p:sld>
 </file>
 
-<file path=ppt/slides/slide8.xml><?xml version="1.0" encoding="utf-8"?>
+<file path=ppt/slides/slide9.xml><?xml version="1.0" encoding="utf-8"?>
 <p:sld xmlns:a="http://schemas.openxmlformats.org/drawingml/2006/main" xmlns:r="http://schemas.openxmlformats.org/officeDocument/2006/relationships" xmlns:p="http://schemas.openxmlformats.org/presentationml/2006/main">
   <p:cSld>
     <p:spTree>
@@ -15736,7 +17274,7 @@
         <p:spPr>
           <a:xfrm>
             <a:off x="4071934" y="5529977"/>
-            <a:ext cx="3571900" cy="1021556"/>
+            <a:ext cx="3571900" cy="1328023"/>
           </a:xfrm>
           <a:prstGeom prst="wedgeRoundRectCallout">
             <a:avLst>
@@ -15772,7 +17310,7 @@
             </a:pPr>
             <a:r>
               <a:rPr lang="en-US" altLang="zh-CN" dirty="0" smtClean="0"/>
-              <a:t> </a:t>
+              <a:t>  </a:t>
             </a:r>
             <a:r>
               <a:rPr lang="zh-CN" altLang="en-US" dirty="0" smtClean="0"/>
@@ -15794,6 +17332,29 @@
             </a:r>
             <a:r>
               <a:rPr lang="zh-CN" altLang="en-US" dirty="0" smtClean="0"/>
+              <a:t>与</a:t>
+            </a:r>
+            <a:r>
+              <a:rPr lang="en-US" altLang="zh-CN" dirty="0" smtClean="0"/>
+              <a:t>MDS, OSD</a:t>
+            </a:r>
+            <a:r>
+              <a:rPr lang="zh-CN" altLang="en-US" dirty="0" smtClean="0"/>
+              <a:t>交互</a:t>
+            </a:r>
+            <a:endParaRPr lang="en-US" altLang="zh-CN" dirty="0" smtClean="0"/>
+          </a:p>
+          <a:p>
+            <a:pPr>
+              <a:buFont typeface="Arial" pitchFamily="34" charset="0"/>
+              <a:buChar char="•"/>
+            </a:pPr>
+            <a:r>
+              <a:rPr lang="en-US" altLang="zh-CN" dirty="0" smtClean="0"/>
+              <a:t> </a:t>
+            </a:r>
+            <a:r>
+              <a:rPr lang="zh-CN" altLang="en-US" dirty="0" smtClean="0"/>
               <a:t>实现应用层逻辑</a:t>
             </a:r>
             <a:endParaRPr lang="en-US" altLang="zh-CN" dirty="0" smtClean="0"/>
@@ -15803,46 +17364,14 @@
           </a:p>
         </p:txBody>
       </p:sp>
-    </p:spTree>
-  </p:cSld>
-  <p:clrMapOvr>
-    <a:masterClrMapping/>
-  </p:clrMapOvr>
-  <p:timing>
-    <p:tnLst>
-      <p:par>
-        <p:cTn id="1" dur="indefinite" restart="never" nodeType="tmRoot"/>
-      </p:par>
-    </p:tnLst>
-  </p:timing>
-</p:sld>
-</file>
-
-<file path=ppt/slides/slide9.xml><?xml version="1.0" encoding="utf-8"?>
-<p:sld xmlns:a="http://schemas.openxmlformats.org/drawingml/2006/main" xmlns:r="http://schemas.openxmlformats.org/officeDocument/2006/relationships" xmlns:p="http://schemas.openxmlformats.org/presentationml/2006/main">
-  <p:cSld>
-    <p:spTree>
-      <p:nvGrpSpPr>
-        <p:cNvPr id="1" name=""/>
-        <p:cNvGrpSpPr/>
-        <p:nvPr/>
-      </p:nvGrpSpPr>
-      <p:grpSpPr>
-        <a:xfrm>
-          <a:off x="0" y="0"/>
-          <a:ext cx="0" cy="0"/>
-          <a:chOff x="0" y="0"/>
-          <a:chExt cx="0" cy="0"/>
-        </a:xfrm>
-      </p:grpSpPr>
       <p:sp>
         <p:nvSpPr>
-          <p:cNvPr id="2" name="标题 1"/>
+          <p:cNvPr id="27" name="灯片编号占位符 26"/>
           <p:cNvSpPr>
             <a:spLocks noGrp="1"/>
           </p:cNvSpPr>
           <p:nvPr>
-            <p:ph type="title"/>
+            <p:ph type="sldNum" sz="quarter" idx="12"/>
           </p:nvPr>
         </p:nvSpPr>
         <p:spPr/>
@@ -15850,30 +17379,23 @@
           <a:bodyPr/>
           <a:lstStyle/>
           <a:p>
-            <a:r>
-              <a:rPr lang="zh-CN" altLang="en-US" dirty="0" smtClean="0"/>
-              <a:t>单一</a:t>
-            </a:r>
-            <a:r>
-              <a:rPr lang="en-US" altLang="zh-CN" dirty="0" smtClean="0"/>
-              <a:t>MDS</a:t>
-            </a:r>
-            <a:r>
-              <a:rPr lang="zh-CN" altLang="en-US" dirty="0" smtClean="0"/>
-              <a:t>的问题</a:t>
-            </a:r>
-            <a:endParaRPr lang="zh-CN" altLang="en-US" dirty="0"/>
+            <a:fld id="{D114F199-ED81-4DDD-A1D7-86D5FA93F928}" type="slidenum">
+              <a:rPr lang="zh-CN" altLang="en-US" smtClean="0"/>
+              <a:pPr/>
+              <a:t>9</a:t>
+            </a:fld>
+            <a:endParaRPr lang="zh-CN" altLang="en-US"/>
           </a:p>
         </p:txBody>
       </p:sp>
       <p:sp>
         <p:nvSpPr>
-          <p:cNvPr id="3" name="内容占位符 2"/>
+          <p:cNvPr id="31" name="页脚占位符 30"/>
           <p:cNvSpPr>
             <a:spLocks noGrp="1"/>
           </p:cNvSpPr>
           <p:nvPr>
-            <p:ph sz="quarter" idx="1"/>
+            <p:ph type="ftr" sz="quarter" idx="11"/>
           </p:nvPr>
         </p:nvSpPr>
         <p:spPr/>
@@ -15881,75 +17403,7 @@
           <a:bodyPr/>
           <a:lstStyle/>
           <a:p>
-            <a:r>
-              <a:rPr lang="zh-CN" altLang="en-US" dirty="0" smtClean="0"/>
-              <a:t>优点</a:t>
-            </a:r>
-            <a:endParaRPr lang="en-US" altLang="zh-CN" dirty="0" smtClean="0"/>
-          </a:p>
-          <a:p>
-            <a:pPr lvl="1"/>
-            <a:r>
-              <a:rPr lang="zh-CN" altLang="en-US" dirty="0" smtClean="0"/>
-              <a:t>设计简单，容易提供统一名字空间</a:t>
-            </a:r>
-            <a:endParaRPr lang="en-US" altLang="zh-CN" dirty="0" smtClean="0"/>
-          </a:p>
-          <a:p>
-            <a:pPr lvl="1"/>
-            <a:endParaRPr lang="en-US" altLang="zh-CN" dirty="0" smtClean="0"/>
-          </a:p>
-          <a:p>
-            <a:r>
-              <a:rPr lang="zh-CN" altLang="en-US" dirty="0" smtClean="0"/>
-              <a:t>缺点</a:t>
-            </a:r>
-            <a:endParaRPr lang="en-US" altLang="zh-CN" dirty="0" smtClean="0"/>
-          </a:p>
-          <a:p>
-            <a:pPr lvl="1"/>
-            <a:r>
-              <a:rPr lang="ru-RU" altLang="en-US" dirty="0" smtClean="0"/>
-              <a:t>单点失效 </a:t>
-            </a:r>
-            <a:endParaRPr lang="en-US" altLang="en-US" dirty="0" smtClean="0"/>
-          </a:p>
-          <a:p>
-            <a:pPr lvl="1"/>
-            <a:r>
-              <a:rPr lang="zh-CN" altLang="en-US" dirty="0" smtClean="0"/>
-              <a:t>性能瓶颈</a:t>
-            </a:r>
-            <a:endParaRPr lang="en-US" altLang="zh-CN" dirty="0" smtClean="0"/>
-          </a:p>
-          <a:p>
-            <a:pPr lvl="1"/>
-            <a:r>
-              <a:rPr lang="zh-CN" altLang="en-US" dirty="0" smtClean="0"/>
-              <a:t>初始化</a:t>
-            </a:r>
-            <a:r>
-              <a:rPr lang="zh-CN" altLang="en-US" dirty="0" smtClean="0"/>
-              <a:t>时间</a:t>
-            </a:r>
-            <a:r>
-              <a:rPr lang="zh-CN" altLang="en-US" dirty="0" smtClean="0"/>
-              <a:t>长</a:t>
-            </a:r>
-            <a:r>
-              <a:rPr lang="en-US" altLang="zh-CN" dirty="0" smtClean="0"/>
-              <a:t>	</a:t>
-            </a:r>
-          </a:p>
-          <a:p>
-            <a:pPr lvl="1"/>
-            <a:endParaRPr lang="en-US" altLang="zh-CN" dirty="0" smtClean="0"/>
-          </a:p>
-          <a:p>
-            <a:endParaRPr lang="en-US" altLang="zh-CN" dirty="0" smtClean="0"/>
-          </a:p>
-          <a:p>
-            <a:endParaRPr lang="zh-CN" altLang="en-US" dirty="0"/>
+            <a:endParaRPr lang="zh-CN" altLang="en-US"/>
           </a:p>
         </p:txBody>
       </p:sp>
@@ -16294,4 +17748,287 @@
   <a:objectDefaults/>
   <a:extraClrSchemeLst/>
 </a:theme>
+</file>
+
+<file path=ppt/theme/theme2.xml><?xml version="1.0" encoding="utf-8"?>
+<a:theme xmlns:a="http://schemas.openxmlformats.org/drawingml/2006/main" name="Office 主题">
+  <a:themeElements>
+    <a:clrScheme name="Office">
+      <a:dk1>
+        <a:sysClr val="windowText" lastClr="000000"/>
+      </a:dk1>
+      <a:lt1>
+        <a:sysClr val="window" lastClr="FFFFFF"/>
+      </a:lt1>
+      <a:dk2>
+        <a:srgbClr val="1F497D"/>
+      </a:dk2>
+      <a:lt2>
+        <a:srgbClr val="EEECE1"/>
+      </a:lt2>
+      <a:accent1>
+        <a:srgbClr val="4F81BD"/>
+      </a:accent1>
+      <a:accent2>
+        <a:srgbClr val="C0504D"/>
+      </a:accent2>
+      <a:accent3>
+        <a:srgbClr val="9BBB59"/>
+      </a:accent3>
+      <a:accent4>
+        <a:srgbClr val="8064A2"/>
+      </a:accent4>
+      <a:accent5>
+        <a:srgbClr val="4BACC6"/>
+      </a:accent5>
+      <a:accent6>
+        <a:srgbClr val="F79646"/>
+      </a:accent6>
+      <a:hlink>
+        <a:srgbClr val="0000FF"/>
+      </a:hlink>
+      <a:folHlink>
+        <a:srgbClr val="800080"/>
+      </a:folHlink>
+    </a:clrScheme>
+    <a:fontScheme name="Office">
+      <a:majorFont>
+        <a:latin typeface="Calibri"/>
+        <a:ea typeface=""/>
+        <a:cs typeface=""/>
+        <a:font script="Jpan" typeface="ＭＳ Ｐゴシック"/>
+        <a:font script="Hang" typeface="맑은 고딕"/>
+        <a:font script="Hans" typeface="宋体"/>
+        <a:font script="Hant" typeface="新細明體"/>
+        <a:font script="Arab" typeface="Times New Roman"/>
+        <a:font script="Hebr" typeface="Times New Roman"/>
+        <a:font script="Thai" typeface="Angsana New"/>
+        <a:font script="Ethi" typeface="Nyala"/>
+        <a:font script="Beng" typeface="Vrinda"/>
+        <a:font script="Gujr" typeface="Shruti"/>
+        <a:font script="Khmr" typeface="MoolBoran"/>
+        <a:font script="Knda" typeface="Tunga"/>
+        <a:font script="Guru" typeface="Raavi"/>
+        <a:font script="Cans" typeface="Euphemia"/>
+        <a:font script="Cher" typeface="Plantagenet Cherokee"/>
+        <a:font script="Yiii" typeface="Microsoft Yi Baiti"/>
+        <a:font script="Tibt" typeface="Microsoft Himalaya"/>
+        <a:font script="Thaa" typeface="MV Boli"/>
+        <a:font script="Deva" typeface="Mangal"/>
+        <a:font script="Telu" typeface="Gautami"/>
+        <a:font script="Taml" typeface="Latha"/>
+        <a:font script="Syrc" typeface="Estrangelo Edessa"/>
+        <a:font script="Orya" typeface="Kalinga"/>
+        <a:font script="Mlym" typeface="Kartika"/>
+        <a:font script="Laoo" typeface="DokChampa"/>
+        <a:font script="Sinh" typeface="Iskoola Pota"/>
+        <a:font script="Mong" typeface="Mongolian Baiti"/>
+        <a:font script="Viet" typeface="Times New Roman"/>
+        <a:font script="Uigh" typeface="Microsoft Uighur"/>
+      </a:majorFont>
+      <a:minorFont>
+        <a:latin typeface="Calibri"/>
+        <a:ea typeface=""/>
+        <a:cs typeface=""/>
+        <a:font script="Jpan" typeface="ＭＳ Ｐゴシック"/>
+        <a:font script="Hang" typeface="맑은 고딕"/>
+        <a:font script="Hans" typeface="宋体"/>
+        <a:font script="Hant" typeface="新細明體"/>
+        <a:font script="Arab" typeface="Arial"/>
+        <a:font script="Hebr" typeface="Arial"/>
+        <a:font script="Thai" typeface="Cordia New"/>
+        <a:font script="Ethi" typeface="Nyala"/>
+        <a:font script="Beng" typeface="Vrinda"/>
+        <a:font script="Gujr" typeface="Shruti"/>
+        <a:font script="Khmr" typeface="DaunPenh"/>
+        <a:font script="Knda" typeface="Tunga"/>
+        <a:font script="Guru" typeface="Raavi"/>
+        <a:font script="Cans" typeface="Euphemia"/>
+        <a:font script="Cher" typeface="Plantagenet Cherokee"/>
+        <a:font script="Yiii" typeface="Microsoft Yi Baiti"/>
+        <a:font script="Tibt" typeface="Microsoft Himalaya"/>
+        <a:font script="Thaa" typeface="MV Boli"/>
+        <a:font script="Deva" typeface="Mangal"/>
+        <a:font script="Telu" typeface="Gautami"/>
+        <a:font script="Taml" typeface="Latha"/>
+        <a:font script="Syrc" typeface="Estrangelo Edessa"/>
+        <a:font script="Orya" typeface="Kalinga"/>
+        <a:font script="Mlym" typeface="Kartika"/>
+        <a:font script="Laoo" typeface="DokChampa"/>
+        <a:font script="Sinh" typeface="Iskoola Pota"/>
+        <a:font script="Mong" typeface="Mongolian Baiti"/>
+        <a:font script="Viet" typeface="Arial"/>
+        <a:font script="Uigh" typeface="Microsoft Uighur"/>
+      </a:minorFont>
+    </a:fontScheme>
+    <a:fmtScheme name="Office">
+      <a:fillStyleLst>
+        <a:solidFill>
+          <a:schemeClr val="phClr"/>
+        </a:solidFill>
+        <a:gradFill rotWithShape="1">
+          <a:gsLst>
+            <a:gs pos="0">
+              <a:schemeClr val="phClr">
+                <a:tint val="50000"/>
+                <a:satMod val="300000"/>
+              </a:schemeClr>
+            </a:gs>
+            <a:gs pos="35000">
+              <a:schemeClr val="phClr">
+                <a:tint val="37000"/>
+                <a:satMod val="300000"/>
+              </a:schemeClr>
+            </a:gs>
+            <a:gs pos="100000">
+              <a:schemeClr val="phClr">
+                <a:tint val="15000"/>
+                <a:satMod val="350000"/>
+              </a:schemeClr>
+            </a:gs>
+          </a:gsLst>
+          <a:lin ang="16200000" scaled="1"/>
+        </a:gradFill>
+        <a:gradFill rotWithShape="1">
+          <a:gsLst>
+            <a:gs pos="0">
+              <a:schemeClr val="phClr">
+                <a:shade val="51000"/>
+                <a:satMod val="130000"/>
+              </a:schemeClr>
+            </a:gs>
+            <a:gs pos="80000">
+              <a:schemeClr val="phClr">
+                <a:shade val="93000"/>
+                <a:satMod val="130000"/>
+              </a:schemeClr>
+            </a:gs>
+            <a:gs pos="100000">
+              <a:schemeClr val="phClr">
+                <a:shade val="94000"/>
+                <a:satMod val="135000"/>
+              </a:schemeClr>
+            </a:gs>
+          </a:gsLst>
+          <a:lin ang="16200000" scaled="0"/>
+        </a:gradFill>
+      </a:fillStyleLst>
+      <a:lnStyleLst>
+        <a:ln w="9525" cap="flat" cmpd="sng" algn="ctr">
+          <a:solidFill>
+            <a:schemeClr val="phClr">
+              <a:shade val="95000"/>
+              <a:satMod val="105000"/>
+            </a:schemeClr>
+          </a:solidFill>
+          <a:prstDash val="solid"/>
+        </a:ln>
+        <a:ln w="25400" cap="flat" cmpd="sng" algn="ctr">
+          <a:solidFill>
+            <a:schemeClr val="phClr"/>
+          </a:solidFill>
+          <a:prstDash val="solid"/>
+        </a:ln>
+        <a:ln w="38100" cap="flat" cmpd="sng" algn="ctr">
+          <a:solidFill>
+            <a:schemeClr val="phClr"/>
+          </a:solidFill>
+          <a:prstDash val="solid"/>
+        </a:ln>
+      </a:lnStyleLst>
+      <a:effectStyleLst>
+        <a:effectStyle>
+          <a:effectLst>
+            <a:outerShdw blurRad="40000" dist="20000" dir="5400000" rotWithShape="0">
+              <a:srgbClr val="000000">
+                <a:alpha val="38000"/>
+              </a:srgbClr>
+            </a:outerShdw>
+          </a:effectLst>
+        </a:effectStyle>
+        <a:effectStyle>
+          <a:effectLst>
+            <a:outerShdw blurRad="40000" dist="23000" dir="5400000" rotWithShape="0">
+              <a:srgbClr val="000000">
+                <a:alpha val="35000"/>
+              </a:srgbClr>
+            </a:outerShdw>
+          </a:effectLst>
+        </a:effectStyle>
+        <a:effectStyle>
+          <a:effectLst>
+            <a:outerShdw blurRad="40000" dist="23000" dir="5400000" rotWithShape="0">
+              <a:srgbClr val="000000">
+                <a:alpha val="35000"/>
+              </a:srgbClr>
+            </a:outerShdw>
+          </a:effectLst>
+          <a:scene3d>
+            <a:camera prst="orthographicFront">
+              <a:rot lat="0" lon="0" rev="0"/>
+            </a:camera>
+            <a:lightRig rig="threePt" dir="t">
+              <a:rot lat="0" lon="0" rev="1200000"/>
+            </a:lightRig>
+          </a:scene3d>
+          <a:sp3d>
+            <a:bevelT w="63500" h="25400"/>
+          </a:sp3d>
+        </a:effectStyle>
+      </a:effectStyleLst>
+      <a:bgFillStyleLst>
+        <a:solidFill>
+          <a:schemeClr val="phClr"/>
+        </a:solidFill>
+        <a:gradFill rotWithShape="1">
+          <a:gsLst>
+            <a:gs pos="0">
+              <a:schemeClr val="phClr">
+                <a:tint val="40000"/>
+                <a:satMod val="350000"/>
+              </a:schemeClr>
+            </a:gs>
+            <a:gs pos="40000">
+              <a:schemeClr val="phClr">
+                <a:tint val="45000"/>
+                <a:shade val="99000"/>
+                <a:satMod val="350000"/>
+              </a:schemeClr>
+            </a:gs>
+            <a:gs pos="100000">
+              <a:schemeClr val="phClr">
+                <a:shade val="20000"/>
+                <a:satMod val="255000"/>
+              </a:schemeClr>
+            </a:gs>
+          </a:gsLst>
+          <a:path path="circle">
+            <a:fillToRect l="50000" t="-80000" r="50000" b="180000"/>
+          </a:path>
+        </a:gradFill>
+        <a:gradFill rotWithShape="1">
+          <a:gsLst>
+            <a:gs pos="0">
+              <a:schemeClr val="phClr">
+                <a:tint val="80000"/>
+                <a:satMod val="300000"/>
+              </a:schemeClr>
+            </a:gs>
+            <a:gs pos="100000">
+              <a:schemeClr val="phClr">
+                <a:shade val="30000"/>
+                <a:satMod val="200000"/>
+              </a:schemeClr>
+            </a:gs>
+          </a:gsLst>
+          <a:path path="circle">
+            <a:fillToRect l="50000" t="50000" r="50000" b="50000"/>
+          </a:path>
+        </a:gradFill>
+      </a:bgFillStyleLst>
+    </a:fmtScheme>
+  </a:themeElements>
+  <a:objectDefaults/>
+  <a:extraClrSchemeLst/>
+</a:theme>
 </file>
--- a/trunk/draft/MDS集群.pptx
+++ b/trunk/draft/MDS集群.pptx
@@ -5,7 +5,7 @@
     <p:sldMasterId id="2147483732" r:id="rId1"/>
   </p:sldMasterIdLst>
   <p:notesMasterIdLst>
-    <p:notesMasterId r:id="rId22"/>
+    <p:notesMasterId r:id="rId24"/>
   </p:notesMasterIdLst>
   <p:sldIdLst>
     <p:sldId id="256" r:id="rId2"/>
@@ -27,7 +27,9 @@
     <p:sldId id="270" r:id="rId18"/>
     <p:sldId id="262" r:id="rId19"/>
     <p:sldId id="271" r:id="rId20"/>
-    <p:sldId id="273" r:id="rId21"/>
+    <p:sldId id="286" r:id="rId21"/>
+    <p:sldId id="285" r:id="rId22"/>
+    <p:sldId id="273" r:id="rId23"/>
   </p:sldIdLst>
   <p:sldSz cx="9144000" cy="6858000" type="screen4x3"/>
   <p:notesSz cx="6858000" cy="9144000"/>
@@ -212,7 +214,7 @@
             <a:fld id="{BC34AF02-0B6E-41F5-B0B5-3101AB1A50AF}" type="datetimeFigureOut">
               <a:rPr lang="zh-CN" altLang="en-US" smtClean="0"/>
               <a:pPr/>
-              <a:t>2011-1-9</a:t>
+              <a:t>2011-1-13</a:t>
             </a:fld>
             <a:endParaRPr lang="zh-CN" altLang="en-US"/>
           </a:p>
@@ -622,7 +624,7 @@
             <a:fld id="{EFBDA57C-9B28-4D34-BA4F-A9D0F2E83126}" type="datetime1">
               <a:rPr lang="zh-CN" altLang="en-US" smtClean="0"/>
               <a:pPr/>
-              <a:t>2011-1-9</a:t>
+              <a:t>2011-1-13</a:t>
             </a:fld>
             <a:endParaRPr lang="zh-CN" altLang="en-US"/>
           </a:p>
@@ -983,7 +985,7 @@
             <a:fld id="{3B62315A-E9F5-4FD9-87B7-B3D6369A24A2}" type="datetime1">
               <a:rPr lang="zh-CN" altLang="en-US" smtClean="0"/>
               <a:pPr/>
-              <a:t>2011-1-9</a:t>
+              <a:t>2011-1-13</a:t>
             </a:fld>
             <a:endParaRPr lang="zh-CN" altLang="en-US"/>
           </a:p>
@@ -1160,7 +1162,7 @@
             <a:fld id="{D83C9C96-7EA4-4506-BA90-D81DD0D18947}" type="datetime1">
               <a:rPr lang="zh-CN" altLang="en-US" smtClean="0"/>
               <a:pPr/>
-              <a:t>2011-1-9</a:t>
+              <a:t>2011-1-13</a:t>
             </a:fld>
             <a:endParaRPr lang="zh-CN" altLang="en-US"/>
           </a:p>
@@ -1397,7 +1399,7 @@
             <a:fld id="{5AEA8FA9-498E-467B-904D-120A1849C34D}" type="datetime1">
               <a:rPr lang="zh-CN" altLang="en-US" smtClean="0"/>
               <a:pPr/>
-              <a:t>2011-1-9</a:t>
+              <a:t>2011-1-13</a:t>
             </a:fld>
             <a:endParaRPr lang="zh-CN" altLang="en-US"/>
           </a:p>
@@ -1668,7 +1670,7 @@
             <a:fld id="{8D117A2C-BF79-4868-B0FB-4F590C841F4C}" type="datetime1">
               <a:rPr lang="zh-CN" altLang="en-US" smtClean="0"/>
               <a:pPr/>
-              <a:t>2011-1-9</a:t>
+              <a:t>2011-1-13</a:t>
             </a:fld>
             <a:endParaRPr lang="zh-CN" altLang="en-US"/>
           </a:p>
@@ -1890,7 +1892,7 @@
             <a:fld id="{D4BDE1B0-BD0E-42A4-B9D0-C134740EA01D}" type="datetime1">
               <a:rPr lang="zh-CN" altLang="en-US" smtClean="0"/>
               <a:pPr/>
-              <a:t>2011-1-9</a:t>
+              <a:t>2011-1-13</a:t>
             </a:fld>
             <a:endParaRPr lang="zh-CN" altLang="en-US"/>
           </a:p>
@@ -2244,7 +2246,7 @@
             <a:fld id="{5BDA5EE1-AE80-4B47-B260-78768DC0D630}" type="datetime1">
               <a:rPr lang="zh-CN" altLang="en-US" smtClean="0"/>
               <a:pPr/>
-              <a:t>2011-1-9</a:t>
+              <a:t>2011-1-13</a:t>
             </a:fld>
             <a:endParaRPr lang="zh-CN" altLang="en-US"/>
           </a:p>
@@ -2478,7 +2480,7 @@
             <a:fld id="{703F853D-2DF6-4DD9-828A-C54515CEFACE}" type="datetime1">
               <a:rPr lang="zh-CN" altLang="en-US" smtClean="0"/>
               <a:pPr/>
-              <a:t>2011-1-9</a:t>
+              <a:t>2011-1-13</a:t>
             </a:fld>
             <a:endParaRPr lang="zh-CN" altLang="en-US"/>
           </a:p>
@@ -2620,7 +2622,7 @@
             <a:fld id="{93EAD33C-627C-46A9-9996-5EE9B951FFD3}" type="datetime1">
               <a:rPr lang="zh-CN" altLang="en-US" smtClean="0"/>
               <a:pPr/>
-              <a:t>2011-1-9</a:t>
+              <a:t>2011-1-13</a:t>
             </a:fld>
             <a:endParaRPr lang="zh-CN" altLang="en-US"/>
           </a:p>
@@ -2899,7 +2901,7 @@
             <a:fld id="{ADD980F3-1F6B-452E-A1C8-D1A2D3A5A5A2}" type="datetime1">
               <a:rPr lang="zh-CN" altLang="en-US" smtClean="0"/>
               <a:pPr/>
-              <a:t>2011-1-9</a:t>
+              <a:t>2011-1-13</a:t>
             </a:fld>
             <a:endParaRPr lang="zh-CN" altLang="en-US"/>
           </a:p>
@@ -3308,7 +3310,7 @@
             <a:fld id="{7876F26D-1664-4575-9A6E-A6A74E0AD8C6}" type="datetime1">
               <a:rPr lang="zh-CN" altLang="en-US" smtClean="0"/>
               <a:pPr/>
-              <a:t>2011-1-9</a:t>
+              <a:t>2011-1-13</a:t>
             </a:fld>
             <a:endParaRPr lang="zh-CN" altLang="en-US"/>
           </a:p>
@@ -3648,7 +3650,7 @@
             <a:fld id="{15B1867F-0797-4535-83E3-857130BC3785}" type="datetime1">
               <a:rPr lang="zh-CN" altLang="en-US" smtClean="0"/>
               <a:pPr/>
-              <a:t>2011-1-9</a:t>
+              <a:t>2011-1-13</a:t>
             </a:fld>
             <a:endParaRPr lang="zh-CN" altLang="en-US"/>
           </a:p>
@@ -12547,6 +12549,900 @@
             <p:ph type="title"/>
           </p:nvPr>
         </p:nvSpPr>
+        <p:spPr/>
+        <p:txBody>
+          <a:bodyPr/>
+          <a:lstStyle/>
+          <a:p>
+            <a:r>
+              <a:rPr lang="zh-CN" altLang="en-US" dirty="0" smtClean="0"/>
+              <a:t>一致性</a:t>
+            </a:r>
+            <a:r>
+              <a:rPr lang="en-US" altLang="zh-CN" dirty="0" smtClean="0"/>
+              <a:t>Hash</a:t>
+            </a:r>
+            <a:endParaRPr lang="zh-CN" altLang="en-US" dirty="0"/>
+          </a:p>
+        </p:txBody>
+      </p:sp>
+      <p:sp>
+        <p:nvSpPr>
+          <p:cNvPr id="3" name="页脚占位符 2"/>
+          <p:cNvSpPr>
+            <a:spLocks noGrp="1"/>
+          </p:cNvSpPr>
+          <p:nvPr>
+            <p:ph type="ftr" sz="quarter" idx="11"/>
+          </p:nvPr>
+        </p:nvSpPr>
+        <p:spPr/>
+        <p:txBody>
+          <a:bodyPr/>
+          <a:lstStyle/>
+          <a:p>
+            <a:endParaRPr lang="zh-CN" altLang="en-US"/>
+          </a:p>
+        </p:txBody>
+      </p:sp>
+      <p:sp>
+        <p:nvSpPr>
+          <p:cNvPr id="4" name="灯片编号占位符 3"/>
+          <p:cNvSpPr>
+            <a:spLocks noGrp="1"/>
+          </p:cNvSpPr>
+          <p:nvPr>
+            <p:ph type="sldNum" sz="quarter" idx="12"/>
+          </p:nvPr>
+        </p:nvSpPr>
+        <p:spPr/>
+        <p:txBody>
+          <a:bodyPr/>
+          <a:lstStyle/>
+          <a:p>
+            <a:fld id="{D114F199-ED81-4DDD-A1D7-86D5FA93F928}" type="slidenum">
+              <a:rPr lang="zh-CN" altLang="en-US" smtClean="0"/>
+              <a:pPr/>
+              <a:t>20</a:t>
+            </a:fld>
+            <a:endParaRPr lang="zh-CN" altLang="en-US"/>
+          </a:p>
+        </p:txBody>
+      </p:sp>
+      <p:pic>
+        <p:nvPicPr>
+          <p:cNvPr id="6" name="图片 5" descr="consistentHash.jpg"/>
+          <p:cNvPicPr>
+            <a:picLocks noChangeAspect="1"/>
+          </p:cNvPicPr>
+          <p:nvPr/>
+        </p:nvPicPr>
+        <p:blipFill>
+          <a:blip r:embed="rId2"/>
+          <a:stretch>
+            <a:fillRect/>
+          </a:stretch>
+        </p:blipFill>
+        <p:spPr>
+          <a:xfrm>
+            <a:off x="2091047" y="1481381"/>
+            <a:ext cx="4961905" cy="3895238"/>
+          </a:xfrm>
+          <a:prstGeom prst="rect">
+            <a:avLst/>
+          </a:prstGeom>
+        </p:spPr>
+      </p:pic>
+    </p:spTree>
+  </p:cSld>
+  <p:clrMapOvr>
+    <a:masterClrMapping/>
+  </p:clrMapOvr>
+</p:sld>
+</file>
+
+<file path=ppt/slides/slide21.xml><?xml version="1.0" encoding="utf-8"?>
+<p:sld xmlns:a="http://schemas.openxmlformats.org/drawingml/2006/main" xmlns:r="http://schemas.openxmlformats.org/officeDocument/2006/relationships" xmlns:p="http://schemas.openxmlformats.org/presentationml/2006/main">
+  <p:cSld>
+    <p:spTree>
+      <p:nvGrpSpPr>
+        <p:cNvPr id="1" name=""/>
+        <p:cNvGrpSpPr/>
+        <p:nvPr/>
+      </p:nvGrpSpPr>
+      <p:grpSpPr>
+        <a:xfrm>
+          <a:off x="0" y="0"/>
+          <a:ext cx="0" cy="0"/>
+          <a:chOff x="0" y="0"/>
+          <a:chExt cx="0" cy="0"/>
+        </a:xfrm>
+      </p:grpSpPr>
+      <p:sp>
+        <p:nvSpPr>
+          <p:cNvPr id="19" name="椭圆 18"/>
+          <p:cNvSpPr/>
+          <p:nvPr/>
+        </p:nvSpPr>
+        <p:spPr>
+          <a:xfrm>
+            <a:off x="3214678" y="2500306"/>
+            <a:ext cx="2500330" cy="2357454"/>
+          </a:xfrm>
+          <a:prstGeom prst="ellipse">
+            <a:avLst/>
+          </a:prstGeom>
+          <a:noFill/>
+          <a:ln>
+            <a:solidFill>
+              <a:schemeClr val="accent3">
+                <a:lumMod val="75000"/>
+              </a:schemeClr>
+            </a:solidFill>
+          </a:ln>
+        </p:spPr>
+        <p:style>
+          <a:lnRef idx="2">
+            <a:schemeClr val="accent1">
+              <a:shade val="50000"/>
+            </a:schemeClr>
+          </a:lnRef>
+          <a:fillRef idx="1">
+            <a:schemeClr val="accent1"/>
+          </a:fillRef>
+          <a:effectRef idx="0">
+            <a:schemeClr val="accent1"/>
+          </a:effectRef>
+          <a:fontRef idx="minor">
+            <a:schemeClr val="lt1"/>
+          </a:fontRef>
+        </p:style>
+        <p:txBody>
+          <a:bodyPr rtlCol="0" anchor="ctr"/>
+          <a:lstStyle/>
+          <a:p>
+            <a:pPr algn="ctr"/>
+            <a:endParaRPr lang="zh-CN" altLang="en-US"/>
+          </a:p>
+        </p:txBody>
+      </p:sp>
+      <p:sp>
+        <p:nvSpPr>
+          <p:cNvPr id="2" name="标题 1"/>
+          <p:cNvSpPr>
+            <a:spLocks noGrp="1"/>
+          </p:cNvSpPr>
+          <p:nvPr>
+            <p:ph type="title"/>
+          </p:nvPr>
+        </p:nvSpPr>
+        <p:spPr/>
+        <p:txBody>
+          <a:bodyPr/>
+          <a:lstStyle/>
+          <a:p>
+            <a:r>
+              <a:rPr lang="zh-CN" altLang="en-US" dirty="0" smtClean="0"/>
+              <a:t>环形的互相备份</a:t>
+            </a:r>
+            <a:endParaRPr lang="zh-CN" altLang="en-US" dirty="0"/>
+          </a:p>
+        </p:txBody>
+      </p:sp>
+      <p:sp>
+        <p:nvSpPr>
+          <p:cNvPr id="3" name="页脚占位符 2"/>
+          <p:cNvSpPr>
+            <a:spLocks noGrp="1"/>
+          </p:cNvSpPr>
+          <p:nvPr>
+            <p:ph type="ftr" sz="quarter" idx="11"/>
+          </p:nvPr>
+        </p:nvSpPr>
+        <p:spPr/>
+        <p:txBody>
+          <a:bodyPr/>
+          <a:lstStyle/>
+          <a:p>
+            <a:endParaRPr lang="zh-CN" altLang="en-US"/>
+          </a:p>
+        </p:txBody>
+      </p:sp>
+      <p:sp>
+        <p:nvSpPr>
+          <p:cNvPr id="4" name="灯片编号占位符 3"/>
+          <p:cNvSpPr>
+            <a:spLocks noGrp="1"/>
+          </p:cNvSpPr>
+          <p:nvPr>
+            <p:ph type="sldNum" sz="quarter" idx="12"/>
+          </p:nvPr>
+        </p:nvSpPr>
+        <p:spPr/>
+        <p:txBody>
+          <a:bodyPr/>
+          <a:lstStyle/>
+          <a:p>
+            <a:fld id="{D114F199-ED81-4DDD-A1D7-86D5FA93F928}" type="slidenum">
+              <a:rPr lang="zh-CN" altLang="en-US" smtClean="0"/>
+              <a:pPr/>
+              <a:t>21</a:t>
+            </a:fld>
+            <a:endParaRPr lang="zh-CN" altLang="en-US"/>
+          </a:p>
+        </p:txBody>
+      </p:sp>
+      <p:sp>
+        <p:nvSpPr>
+          <p:cNvPr id="6" name="椭圆 5"/>
+          <p:cNvSpPr/>
+          <p:nvPr/>
+        </p:nvSpPr>
+        <p:spPr>
+          <a:xfrm>
+            <a:off x="3071802" y="3143248"/>
+            <a:ext cx="357190" cy="357190"/>
+          </a:xfrm>
+          <a:prstGeom prst="ellipse">
+            <a:avLst/>
+          </a:prstGeom>
+        </p:spPr>
+        <p:style>
+          <a:lnRef idx="2">
+            <a:schemeClr val="accent1">
+              <a:shade val="50000"/>
+            </a:schemeClr>
+          </a:lnRef>
+          <a:fillRef idx="1">
+            <a:schemeClr val="accent1"/>
+          </a:fillRef>
+          <a:effectRef idx="0">
+            <a:schemeClr val="accent1"/>
+          </a:effectRef>
+          <a:fontRef idx="minor">
+            <a:schemeClr val="lt1"/>
+          </a:fontRef>
+        </p:style>
+        <p:txBody>
+          <a:bodyPr rtlCol="0" anchor="ctr"/>
+          <a:lstStyle/>
+          <a:p>
+            <a:pPr algn="ctr"/>
+            <a:endParaRPr lang="zh-CN" altLang="en-US"/>
+          </a:p>
+        </p:txBody>
+      </p:sp>
+      <p:sp>
+        <p:nvSpPr>
+          <p:cNvPr id="7" name="椭圆 6"/>
+          <p:cNvSpPr/>
+          <p:nvPr/>
+        </p:nvSpPr>
+        <p:spPr>
+          <a:xfrm>
+            <a:off x="4214810" y="2357430"/>
+            <a:ext cx="357190" cy="357190"/>
+          </a:xfrm>
+          <a:prstGeom prst="ellipse">
+            <a:avLst/>
+          </a:prstGeom>
+        </p:spPr>
+        <p:style>
+          <a:lnRef idx="2">
+            <a:schemeClr val="accent1">
+              <a:shade val="50000"/>
+            </a:schemeClr>
+          </a:lnRef>
+          <a:fillRef idx="1">
+            <a:schemeClr val="accent1"/>
+          </a:fillRef>
+          <a:effectRef idx="0">
+            <a:schemeClr val="accent1"/>
+          </a:effectRef>
+          <a:fontRef idx="minor">
+            <a:schemeClr val="lt1"/>
+          </a:fontRef>
+        </p:style>
+        <p:txBody>
+          <a:bodyPr rtlCol="0" anchor="ctr"/>
+          <a:lstStyle/>
+          <a:p>
+            <a:pPr algn="ctr"/>
+            <a:endParaRPr lang="zh-CN" altLang="en-US"/>
+          </a:p>
+        </p:txBody>
+      </p:sp>
+      <p:sp>
+        <p:nvSpPr>
+          <p:cNvPr id="8" name="椭圆 7"/>
+          <p:cNvSpPr/>
+          <p:nvPr/>
+        </p:nvSpPr>
+        <p:spPr>
+          <a:xfrm>
+            <a:off x="5357818" y="4143380"/>
+            <a:ext cx="357190" cy="357190"/>
+          </a:xfrm>
+          <a:prstGeom prst="ellipse">
+            <a:avLst/>
+          </a:prstGeom>
+        </p:spPr>
+        <p:style>
+          <a:lnRef idx="2">
+            <a:schemeClr val="accent1">
+              <a:shade val="50000"/>
+            </a:schemeClr>
+          </a:lnRef>
+          <a:fillRef idx="1">
+            <a:schemeClr val="accent1"/>
+          </a:fillRef>
+          <a:effectRef idx="0">
+            <a:schemeClr val="accent1"/>
+          </a:effectRef>
+          <a:fontRef idx="minor">
+            <a:schemeClr val="lt1"/>
+          </a:fontRef>
+        </p:style>
+        <p:txBody>
+          <a:bodyPr rtlCol="0" anchor="ctr"/>
+          <a:lstStyle/>
+          <a:p>
+            <a:pPr algn="ctr"/>
+            <a:endParaRPr lang="zh-CN" altLang="en-US"/>
+          </a:p>
+        </p:txBody>
+      </p:sp>
+      <p:sp>
+        <p:nvSpPr>
+          <p:cNvPr id="9" name="椭圆 8"/>
+          <p:cNvSpPr/>
+          <p:nvPr/>
+        </p:nvSpPr>
+        <p:spPr>
+          <a:xfrm>
+            <a:off x="4357686" y="4714884"/>
+            <a:ext cx="357190" cy="357190"/>
+          </a:xfrm>
+          <a:prstGeom prst="ellipse">
+            <a:avLst/>
+          </a:prstGeom>
+        </p:spPr>
+        <p:style>
+          <a:lnRef idx="2">
+            <a:schemeClr val="accent1">
+              <a:shade val="50000"/>
+            </a:schemeClr>
+          </a:lnRef>
+          <a:fillRef idx="1">
+            <a:schemeClr val="accent1"/>
+          </a:fillRef>
+          <a:effectRef idx="0">
+            <a:schemeClr val="accent1"/>
+          </a:effectRef>
+          <a:fontRef idx="minor">
+            <a:schemeClr val="lt1"/>
+          </a:fontRef>
+        </p:style>
+        <p:txBody>
+          <a:bodyPr rtlCol="0" anchor="ctr"/>
+          <a:lstStyle/>
+          <a:p>
+            <a:pPr algn="ctr"/>
+            <a:endParaRPr lang="zh-CN" altLang="en-US"/>
+          </a:p>
+        </p:txBody>
+      </p:sp>
+      <p:sp>
+        <p:nvSpPr>
+          <p:cNvPr id="10" name="椭圆 9"/>
+          <p:cNvSpPr/>
+          <p:nvPr/>
+        </p:nvSpPr>
+        <p:spPr>
+          <a:xfrm>
+            <a:off x="3214678" y="4214818"/>
+            <a:ext cx="357190" cy="357190"/>
+          </a:xfrm>
+          <a:prstGeom prst="ellipse">
+            <a:avLst/>
+          </a:prstGeom>
+        </p:spPr>
+        <p:style>
+          <a:lnRef idx="2">
+            <a:schemeClr val="accent1">
+              <a:shade val="50000"/>
+            </a:schemeClr>
+          </a:lnRef>
+          <a:fillRef idx="1">
+            <a:schemeClr val="accent1"/>
+          </a:fillRef>
+          <a:effectRef idx="0">
+            <a:schemeClr val="accent1"/>
+          </a:effectRef>
+          <a:fontRef idx="minor">
+            <a:schemeClr val="lt1"/>
+          </a:fontRef>
+        </p:style>
+        <p:txBody>
+          <a:bodyPr rtlCol="0" anchor="ctr"/>
+          <a:lstStyle/>
+          <a:p>
+            <a:pPr algn="ctr"/>
+            <a:endParaRPr lang="zh-CN" altLang="en-US"/>
+          </a:p>
+        </p:txBody>
+      </p:sp>
+      <p:sp>
+        <p:nvSpPr>
+          <p:cNvPr id="11" name="椭圆 10"/>
+          <p:cNvSpPr/>
+          <p:nvPr/>
+        </p:nvSpPr>
+        <p:spPr>
+          <a:xfrm>
+            <a:off x="5429256" y="3071810"/>
+            <a:ext cx="357190" cy="357190"/>
+          </a:xfrm>
+          <a:prstGeom prst="ellipse">
+            <a:avLst/>
+          </a:prstGeom>
+        </p:spPr>
+        <p:style>
+          <a:lnRef idx="2">
+            <a:schemeClr val="accent1">
+              <a:shade val="50000"/>
+            </a:schemeClr>
+          </a:lnRef>
+          <a:fillRef idx="1">
+            <a:schemeClr val="accent1"/>
+          </a:fillRef>
+          <a:effectRef idx="0">
+            <a:schemeClr val="accent1"/>
+          </a:effectRef>
+          <a:fontRef idx="minor">
+            <a:schemeClr val="lt1"/>
+          </a:fontRef>
+        </p:style>
+        <p:txBody>
+          <a:bodyPr rtlCol="0" anchor="ctr"/>
+          <a:lstStyle/>
+          <a:p>
+            <a:pPr algn="ctr"/>
+            <a:endParaRPr lang="zh-CN" altLang="en-US"/>
+          </a:p>
+        </p:txBody>
+      </p:sp>
+      <p:cxnSp>
+        <p:nvCxnSpPr>
+          <p:cNvPr id="23" name="直接箭头连接符 22"/>
+          <p:cNvCxnSpPr/>
+          <p:nvPr/>
+        </p:nvCxnSpPr>
+        <p:spPr>
+          <a:xfrm>
+            <a:off x="5143504" y="2571744"/>
+            <a:ext cx="322314" cy="285752"/>
+          </a:xfrm>
+          <a:prstGeom prst="straightConnector1">
+            <a:avLst/>
+          </a:prstGeom>
+          <a:ln w="25400">
+            <a:solidFill>
+              <a:srgbClr val="FF0000"/>
+            </a:solidFill>
+            <a:tailEnd type="arrow"/>
+          </a:ln>
+        </p:spPr>
+        <p:style>
+          <a:lnRef idx="1">
+            <a:schemeClr val="dk1"/>
+          </a:lnRef>
+          <a:fillRef idx="0">
+            <a:schemeClr val="dk1"/>
+          </a:fillRef>
+          <a:effectRef idx="0">
+            <a:schemeClr val="dk1"/>
+          </a:effectRef>
+          <a:fontRef idx="minor">
+            <a:schemeClr val="tx1"/>
+          </a:fontRef>
+        </p:style>
+      </p:cxnSp>
+      <p:cxnSp>
+        <p:nvCxnSpPr>
+          <p:cNvPr id="27" name="直接箭头连接符 26"/>
+          <p:cNvCxnSpPr/>
+          <p:nvPr/>
+        </p:nvCxnSpPr>
+        <p:spPr>
+          <a:xfrm rot="10800000">
+            <a:off x="3643306" y="4714884"/>
+            <a:ext cx="428628" cy="214314"/>
+          </a:xfrm>
+          <a:prstGeom prst="straightConnector1">
+            <a:avLst/>
+          </a:prstGeom>
+          <a:ln w="25400">
+            <a:solidFill>
+              <a:srgbClr val="FF0000"/>
+            </a:solidFill>
+            <a:tailEnd type="arrow"/>
+          </a:ln>
+        </p:spPr>
+        <p:style>
+          <a:lnRef idx="1">
+            <a:schemeClr val="dk1"/>
+          </a:lnRef>
+          <a:fillRef idx="0">
+            <a:schemeClr val="dk1"/>
+          </a:fillRef>
+          <a:effectRef idx="0">
+            <a:schemeClr val="dk1"/>
+          </a:effectRef>
+          <a:fontRef idx="minor">
+            <a:schemeClr val="tx1"/>
+          </a:fontRef>
+        </p:style>
+      </p:cxnSp>
+      <p:cxnSp>
+        <p:nvCxnSpPr>
+          <p:cNvPr id="30" name="直接箭头连接符 29"/>
+          <p:cNvCxnSpPr/>
+          <p:nvPr/>
+        </p:nvCxnSpPr>
+        <p:spPr>
+          <a:xfrm rot="10800000" flipV="1">
+            <a:off x="5000628" y="4643446"/>
+            <a:ext cx="357190" cy="214314"/>
+          </a:xfrm>
+          <a:prstGeom prst="straightConnector1">
+            <a:avLst/>
+          </a:prstGeom>
+          <a:ln w="25400">
+            <a:solidFill>
+              <a:srgbClr val="FF0000"/>
+            </a:solidFill>
+            <a:tailEnd type="arrow"/>
+          </a:ln>
+        </p:spPr>
+        <p:style>
+          <a:lnRef idx="1">
+            <a:schemeClr val="dk1"/>
+          </a:lnRef>
+          <a:fillRef idx="0">
+            <a:schemeClr val="dk1"/>
+          </a:fillRef>
+          <a:effectRef idx="0">
+            <a:schemeClr val="dk1"/>
+          </a:effectRef>
+          <a:fontRef idx="minor">
+            <a:schemeClr val="tx1"/>
+          </a:fontRef>
+        </p:style>
+      </p:cxnSp>
+      <p:cxnSp>
+        <p:nvCxnSpPr>
+          <p:cNvPr id="32" name="直接箭头连接符 31"/>
+          <p:cNvCxnSpPr/>
+          <p:nvPr/>
+        </p:nvCxnSpPr>
+        <p:spPr>
+          <a:xfrm rot="5400000">
+            <a:off x="5571338" y="3786190"/>
+            <a:ext cx="429422" cy="794"/>
+          </a:xfrm>
+          <a:prstGeom prst="straightConnector1">
+            <a:avLst/>
+          </a:prstGeom>
+          <a:ln w="25400">
+            <a:solidFill>
+              <a:srgbClr val="FF0000"/>
+            </a:solidFill>
+            <a:tailEnd type="arrow"/>
+          </a:ln>
+        </p:spPr>
+        <p:style>
+          <a:lnRef idx="1">
+            <a:schemeClr val="dk1"/>
+          </a:lnRef>
+          <a:fillRef idx="0">
+            <a:schemeClr val="dk1"/>
+          </a:fillRef>
+          <a:effectRef idx="0">
+            <a:schemeClr val="dk1"/>
+          </a:effectRef>
+          <a:fontRef idx="minor">
+            <a:schemeClr val="tx1"/>
+          </a:fontRef>
+        </p:style>
+      </p:cxnSp>
+      <p:cxnSp>
+        <p:nvCxnSpPr>
+          <p:cNvPr id="35" name="直接箭头连接符 34"/>
+          <p:cNvCxnSpPr/>
+          <p:nvPr/>
+        </p:nvCxnSpPr>
+        <p:spPr>
+          <a:xfrm flipV="1">
+            <a:off x="3428992" y="2572538"/>
+            <a:ext cx="357190" cy="284958"/>
+          </a:xfrm>
+          <a:prstGeom prst="straightConnector1">
+            <a:avLst/>
+          </a:prstGeom>
+          <a:ln w="25400">
+            <a:solidFill>
+              <a:srgbClr val="FF0000"/>
+            </a:solidFill>
+            <a:tailEnd type="arrow"/>
+          </a:ln>
+        </p:spPr>
+        <p:style>
+          <a:lnRef idx="1">
+            <a:schemeClr val="dk1"/>
+          </a:lnRef>
+          <a:fillRef idx="0">
+            <a:schemeClr val="dk1"/>
+          </a:fillRef>
+          <a:effectRef idx="0">
+            <a:schemeClr val="dk1"/>
+          </a:effectRef>
+          <a:fontRef idx="minor">
+            <a:schemeClr val="tx1"/>
+          </a:fontRef>
+        </p:style>
+      </p:cxnSp>
+      <p:cxnSp>
+        <p:nvCxnSpPr>
+          <p:cNvPr id="37" name="直接箭头连接符 36"/>
+          <p:cNvCxnSpPr/>
+          <p:nvPr/>
+        </p:nvCxnSpPr>
+        <p:spPr>
+          <a:xfrm rot="5400000" flipH="1" flipV="1">
+            <a:off x="2928926" y="3857628"/>
+            <a:ext cx="428628" cy="1588"/>
+          </a:xfrm>
+          <a:prstGeom prst="straightConnector1">
+            <a:avLst/>
+          </a:prstGeom>
+          <a:ln w="25400">
+            <a:solidFill>
+              <a:srgbClr val="FF0000"/>
+            </a:solidFill>
+            <a:tailEnd type="arrow"/>
+          </a:ln>
+        </p:spPr>
+        <p:style>
+          <a:lnRef idx="1">
+            <a:schemeClr val="dk1"/>
+          </a:lnRef>
+          <a:fillRef idx="0">
+            <a:schemeClr val="dk1"/>
+          </a:fillRef>
+          <a:effectRef idx="0">
+            <a:schemeClr val="dk1"/>
+          </a:effectRef>
+          <a:fontRef idx="minor">
+            <a:schemeClr val="tx1"/>
+          </a:fontRef>
+        </p:style>
+      </p:cxnSp>
+      <p:sp>
+        <p:nvSpPr>
+          <p:cNvPr id="40" name="TextBox 39"/>
+          <p:cNvSpPr txBox="1"/>
+          <p:nvPr/>
+        </p:nvSpPr>
+        <p:spPr>
+          <a:xfrm>
+            <a:off x="4143372" y="2008993"/>
+            <a:ext cx="559769" cy="276999"/>
+          </a:xfrm>
+          <a:prstGeom prst="rect">
+            <a:avLst/>
+          </a:prstGeom>
+          <a:noFill/>
+        </p:spPr>
+        <p:txBody>
+          <a:bodyPr wrap="none" rtlCol="0">
+            <a:spAutoFit/>
+          </a:bodyPr>
+          <a:lstStyle/>
+          <a:p>
+            <a:r>
+              <a:rPr lang="en-US" altLang="zh-CN" sz="1200" dirty="0" smtClean="0"/>
+              <a:t>MDS1</a:t>
+            </a:r>
+            <a:endParaRPr lang="zh-CN" altLang="en-US" dirty="0"/>
+          </a:p>
+        </p:txBody>
+      </p:sp>
+      <p:sp>
+        <p:nvSpPr>
+          <p:cNvPr id="43" name="TextBox 42"/>
+          <p:cNvSpPr txBox="1"/>
+          <p:nvPr/>
+        </p:nvSpPr>
+        <p:spPr>
+          <a:xfrm>
+            <a:off x="5929322" y="3071810"/>
+            <a:ext cx="559769" cy="276999"/>
+          </a:xfrm>
+          <a:prstGeom prst="rect">
+            <a:avLst/>
+          </a:prstGeom>
+          <a:noFill/>
+        </p:spPr>
+        <p:txBody>
+          <a:bodyPr wrap="none" rtlCol="0">
+            <a:spAutoFit/>
+          </a:bodyPr>
+          <a:lstStyle/>
+          <a:p>
+            <a:r>
+              <a:rPr lang="en-US" altLang="zh-CN" sz="1200" dirty="0" smtClean="0"/>
+              <a:t>MDS2</a:t>
+            </a:r>
+            <a:endParaRPr lang="zh-CN" altLang="en-US" dirty="0"/>
+          </a:p>
+        </p:txBody>
+      </p:sp>
+      <p:sp>
+        <p:nvSpPr>
+          <p:cNvPr id="44" name="TextBox 43"/>
+          <p:cNvSpPr txBox="1"/>
+          <p:nvPr/>
+        </p:nvSpPr>
+        <p:spPr>
+          <a:xfrm>
+            <a:off x="5786446" y="4357694"/>
+            <a:ext cx="559769" cy="276999"/>
+          </a:xfrm>
+          <a:prstGeom prst="rect">
+            <a:avLst/>
+          </a:prstGeom>
+          <a:noFill/>
+        </p:spPr>
+        <p:txBody>
+          <a:bodyPr wrap="none" rtlCol="0">
+            <a:spAutoFit/>
+          </a:bodyPr>
+          <a:lstStyle/>
+          <a:p>
+            <a:r>
+              <a:rPr lang="en-US" altLang="zh-CN" sz="1200" dirty="0" smtClean="0"/>
+              <a:t>MDS3</a:t>
+            </a:r>
+            <a:endParaRPr lang="zh-CN" altLang="en-US" dirty="0"/>
+          </a:p>
+        </p:txBody>
+      </p:sp>
+      <p:sp>
+        <p:nvSpPr>
+          <p:cNvPr id="45" name="TextBox 44"/>
+          <p:cNvSpPr txBox="1"/>
+          <p:nvPr/>
+        </p:nvSpPr>
+        <p:spPr>
+          <a:xfrm>
+            <a:off x="4357686" y="5214950"/>
+            <a:ext cx="559769" cy="276999"/>
+          </a:xfrm>
+          <a:prstGeom prst="rect">
+            <a:avLst/>
+          </a:prstGeom>
+          <a:noFill/>
+        </p:spPr>
+        <p:txBody>
+          <a:bodyPr wrap="none" rtlCol="0">
+            <a:spAutoFit/>
+          </a:bodyPr>
+          <a:lstStyle/>
+          <a:p>
+            <a:r>
+              <a:rPr lang="en-US" altLang="zh-CN" sz="1200" dirty="0" smtClean="0"/>
+              <a:t>MDS4</a:t>
+            </a:r>
+            <a:endParaRPr lang="zh-CN" altLang="en-US" dirty="0"/>
+          </a:p>
+        </p:txBody>
+      </p:sp>
+      <p:sp>
+        <p:nvSpPr>
+          <p:cNvPr id="46" name="TextBox 45"/>
+          <p:cNvSpPr txBox="1"/>
+          <p:nvPr/>
+        </p:nvSpPr>
+        <p:spPr>
+          <a:xfrm>
+            <a:off x="2714612" y="4643446"/>
+            <a:ext cx="543739" cy="276999"/>
+          </a:xfrm>
+          <a:prstGeom prst="rect">
+            <a:avLst/>
+          </a:prstGeom>
+          <a:noFill/>
+        </p:spPr>
+        <p:txBody>
+          <a:bodyPr wrap="none" rtlCol="0">
+            <a:spAutoFit/>
+          </a:bodyPr>
+          <a:lstStyle/>
+          <a:p>
+            <a:r>
+              <a:rPr lang="en-US" altLang="zh-CN" sz="1200" dirty="0" smtClean="0"/>
+              <a:t>M5S1</a:t>
+            </a:r>
+            <a:endParaRPr lang="zh-CN" altLang="en-US" dirty="0"/>
+          </a:p>
+        </p:txBody>
+      </p:sp>
+      <p:sp>
+        <p:nvSpPr>
+          <p:cNvPr id="47" name="TextBox 46"/>
+          <p:cNvSpPr txBox="1"/>
+          <p:nvPr/>
+        </p:nvSpPr>
+        <p:spPr>
+          <a:xfrm>
+            <a:off x="2500298" y="2857496"/>
+            <a:ext cx="559769" cy="276999"/>
+          </a:xfrm>
+          <a:prstGeom prst="rect">
+            <a:avLst/>
+          </a:prstGeom>
+          <a:noFill/>
+        </p:spPr>
+        <p:txBody>
+          <a:bodyPr wrap="none" rtlCol="0">
+            <a:spAutoFit/>
+          </a:bodyPr>
+          <a:lstStyle/>
+          <a:p>
+            <a:r>
+              <a:rPr lang="en-US" altLang="zh-CN" sz="1200" dirty="0" smtClean="0"/>
+              <a:t>MDS6</a:t>
+            </a:r>
+            <a:endParaRPr lang="zh-CN" altLang="en-US" dirty="0"/>
+          </a:p>
+        </p:txBody>
+      </p:sp>
+    </p:spTree>
+  </p:cSld>
+  <p:clrMapOvr>
+    <a:masterClrMapping/>
+  </p:clrMapOvr>
+</p:sld>
+</file>
+
+<file path=ppt/slides/slide22.xml><?xml version="1.0" encoding="utf-8"?>
+<p:sld xmlns:a="http://schemas.openxmlformats.org/drawingml/2006/main" xmlns:r="http://schemas.openxmlformats.org/officeDocument/2006/relationships" xmlns:p="http://schemas.openxmlformats.org/presentationml/2006/main">
+  <p:cSld>
+    <p:spTree>
+      <p:nvGrpSpPr>
+        <p:cNvPr id="1" name=""/>
+        <p:cNvGrpSpPr/>
+        <p:nvPr/>
+      </p:nvGrpSpPr>
+      <p:grpSpPr>
+        <a:xfrm>
+          <a:off x="0" y="0"/>
+          <a:ext cx="0" cy="0"/>
+          <a:chOff x="0" y="0"/>
+          <a:chExt cx="0" cy="0"/>
+        </a:xfrm>
+      </p:grpSpPr>
+      <p:sp>
+        <p:nvSpPr>
+          <p:cNvPr id="2" name="标题 1"/>
+          <p:cNvSpPr>
+            <a:spLocks noGrp="1"/>
+          </p:cNvSpPr>
+          <p:nvPr>
+            <p:ph type="title"/>
+          </p:nvPr>
+        </p:nvSpPr>
         <p:spPr>
           <a:xfrm>
             <a:off x="428596" y="3000372"/>
@@ -12587,7 +13483,7 @@
             <a:fld id="{D114F199-ED81-4DDD-A1D7-86D5FA93F928}" type="slidenum">
               <a:rPr lang="zh-CN" altLang="en-US" smtClean="0"/>
               <a:pPr/>
-              <a:t>20</a:t>
+              <a:t>22</a:t>
             </a:fld>
             <a:endParaRPr lang="zh-CN" altLang="en-US"/>
           </a:p>
@@ -14172,11 +15068,7 @@
           <a:p>
             <a:r>
               <a:rPr lang="zh-CN" altLang="en-US" dirty="0" smtClean="0"/>
-              <a:t>独立的元数据</a:t>
-            </a:r>
-            <a:r>
-              <a:rPr lang="zh-CN" altLang="en-US" dirty="0" smtClean="0"/>
-              <a:t>管理</a:t>
+              <a:t>独立的元数据管理</a:t>
             </a:r>
             <a:endParaRPr lang="en-US" altLang="zh-CN" dirty="0" smtClean="0"/>
           </a:p>
@@ -14198,22 +15090,14 @@
             </a:r>
             <a:r>
               <a:rPr lang="zh-CN" altLang="en-US" dirty="0" smtClean="0"/>
-              <a:t>多</a:t>
-            </a:r>
+              <a:t>多个客户端的数据传输可以并行，聚合带宽高</a:t>
+            </a:r>
+            <a:endParaRPr lang="en-US" altLang="zh-CN" dirty="0" smtClean="0"/>
+          </a:p>
+          <a:p>
             <a:r>
               <a:rPr lang="zh-CN" altLang="en-US" dirty="0" smtClean="0"/>
-              <a:t>个客户端的数据传输可以并行，聚合带宽高</a:t>
-            </a:r>
-            <a:endParaRPr lang="en-US" altLang="zh-CN" dirty="0" smtClean="0"/>
-          </a:p>
-          <a:p>
-            <a:r>
-              <a:rPr lang="zh-CN" altLang="en-US" dirty="0" smtClean="0"/>
-              <a:t>易于</a:t>
-            </a:r>
-            <a:r>
-              <a:rPr lang="zh-CN" altLang="en-US" dirty="0" smtClean="0"/>
-              <a:t>扩展</a:t>
+              <a:t>易于扩展</a:t>
             </a:r>
             <a:endParaRPr lang="en-US" altLang="zh-CN" dirty="0" smtClean="0"/>
           </a:p>
@@ -17430,7 +18314,7 @@
         <a:sysClr val="windowText" lastClr="000000"/>
       </a:dk1>
       <a:lt1>
-        <a:sysClr val="window" lastClr="FFFFFF"/>
+        <a:sysClr val="window" lastClr="F4F4F4"/>
       </a:lt1>
       <a:dk2>
         <a:srgbClr val="464653"/>
@@ -17758,7 +18642,7 @@
         <a:sysClr val="windowText" lastClr="000000"/>
       </a:dk1>
       <a:lt1>
-        <a:sysClr val="window" lastClr="FFFFFF"/>
+        <a:sysClr val="window" lastClr="F4F4F4"/>
       </a:lt1>
       <a:dk2>
         <a:srgbClr val="1F497D"/>

--- a/trunk/draft/MDS集群.pptx
+++ b/trunk/draft/MDS集群.pptx
@@ -5,7 +5,7 @@
     <p:sldMasterId id="2147483732" r:id="rId1"/>
   </p:sldMasterIdLst>
   <p:notesMasterIdLst>
-    <p:notesMasterId r:id="rId24"/>
+    <p:notesMasterId r:id="rId20"/>
   </p:notesMasterIdLst>
   <p:sldIdLst>
     <p:sldId id="256" r:id="rId2"/>
@@ -13,23 +13,19 @@
     <p:sldId id="257" r:id="rId4"/>
     <p:sldId id="274" r:id="rId5"/>
     <p:sldId id="263" r:id="rId6"/>
-    <p:sldId id="284" r:id="rId7"/>
-    <p:sldId id="276" r:id="rId8"/>
-    <p:sldId id="277" r:id="rId9"/>
-    <p:sldId id="278" r:id="rId10"/>
-    <p:sldId id="259" r:id="rId11"/>
-    <p:sldId id="260" r:id="rId12"/>
-    <p:sldId id="279" r:id="rId13"/>
-    <p:sldId id="282" r:id="rId14"/>
-    <p:sldId id="268" r:id="rId15"/>
-    <p:sldId id="269" r:id="rId16"/>
-    <p:sldId id="281" r:id="rId17"/>
-    <p:sldId id="270" r:id="rId18"/>
-    <p:sldId id="262" r:id="rId19"/>
-    <p:sldId id="271" r:id="rId20"/>
-    <p:sldId id="286" r:id="rId21"/>
-    <p:sldId id="285" r:id="rId22"/>
-    <p:sldId id="273" r:id="rId23"/>
+    <p:sldId id="259" r:id="rId7"/>
+    <p:sldId id="279" r:id="rId8"/>
+    <p:sldId id="282" r:id="rId9"/>
+    <p:sldId id="268" r:id="rId10"/>
+    <p:sldId id="269" r:id="rId11"/>
+    <p:sldId id="281" r:id="rId12"/>
+    <p:sldId id="270" r:id="rId13"/>
+    <p:sldId id="262" r:id="rId14"/>
+    <p:sldId id="271" r:id="rId15"/>
+    <p:sldId id="286" r:id="rId16"/>
+    <p:sldId id="285" r:id="rId17"/>
+    <p:sldId id="287" r:id="rId18"/>
+    <p:sldId id="273" r:id="rId19"/>
   </p:sldIdLst>
   <p:sldSz cx="9144000" cy="6858000" type="screen4x3"/>
   <p:notesSz cx="6858000" cy="9144000"/>
@@ -214,7 +210,7 @@
             <a:fld id="{BC34AF02-0B6E-41F5-B0B5-3101AB1A50AF}" type="datetimeFigureOut">
               <a:rPr lang="zh-CN" altLang="en-US" smtClean="0"/>
               <a:pPr/>
-              <a:t>2011-1-13</a:t>
+              <a:t>2011-1-16</a:t>
             </a:fld>
             <a:endParaRPr lang="zh-CN" altLang="en-US"/>
           </a:p>
@@ -624,7 +620,7 @@
             <a:fld id="{EFBDA57C-9B28-4D34-BA4F-A9D0F2E83126}" type="datetime1">
               <a:rPr lang="zh-CN" altLang="en-US" smtClean="0"/>
               <a:pPr/>
-              <a:t>2011-1-13</a:t>
+              <a:t>2011-1-16</a:t>
             </a:fld>
             <a:endParaRPr lang="zh-CN" altLang="en-US"/>
           </a:p>
@@ -985,7 +981,7 @@
             <a:fld id="{3B62315A-E9F5-4FD9-87B7-B3D6369A24A2}" type="datetime1">
               <a:rPr lang="zh-CN" altLang="en-US" smtClean="0"/>
               <a:pPr/>
-              <a:t>2011-1-13</a:t>
+              <a:t>2011-1-16</a:t>
             </a:fld>
             <a:endParaRPr lang="zh-CN" altLang="en-US"/>
           </a:p>
@@ -1162,7 +1158,7 @@
             <a:fld id="{D83C9C96-7EA4-4506-BA90-D81DD0D18947}" type="datetime1">
               <a:rPr lang="zh-CN" altLang="en-US" smtClean="0"/>
               <a:pPr/>
-              <a:t>2011-1-13</a:t>
+              <a:t>2011-1-16</a:t>
             </a:fld>
             <a:endParaRPr lang="zh-CN" altLang="en-US"/>
           </a:p>
@@ -1399,7 +1395,7 @@
             <a:fld id="{5AEA8FA9-498E-467B-904D-120A1849C34D}" type="datetime1">
               <a:rPr lang="zh-CN" altLang="en-US" smtClean="0"/>
               <a:pPr/>
-              <a:t>2011-1-13</a:t>
+              <a:t>2011-1-16</a:t>
             </a:fld>
             <a:endParaRPr lang="zh-CN" altLang="en-US"/>
           </a:p>
@@ -1670,7 +1666,7 @@
             <a:fld id="{8D117A2C-BF79-4868-B0FB-4F590C841F4C}" type="datetime1">
               <a:rPr lang="zh-CN" altLang="en-US" smtClean="0"/>
               <a:pPr/>
-              <a:t>2011-1-13</a:t>
+              <a:t>2011-1-16</a:t>
             </a:fld>
             <a:endParaRPr lang="zh-CN" altLang="en-US"/>
           </a:p>
@@ -1892,7 +1888,7 @@
             <a:fld id="{D4BDE1B0-BD0E-42A4-B9D0-C134740EA01D}" type="datetime1">
               <a:rPr lang="zh-CN" altLang="en-US" smtClean="0"/>
               <a:pPr/>
-              <a:t>2011-1-13</a:t>
+              <a:t>2011-1-16</a:t>
             </a:fld>
             <a:endParaRPr lang="zh-CN" altLang="en-US"/>
           </a:p>
@@ -2246,7 +2242,7 @@
             <a:fld id="{5BDA5EE1-AE80-4B47-B260-78768DC0D630}" type="datetime1">
               <a:rPr lang="zh-CN" altLang="en-US" smtClean="0"/>
               <a:pPr/>
-              <a:t>2011-1-13</a:t>
+              <a:t>2011-1-16</a:t>
             </a:fld>
             <a:endParaRPr lang="zh-CN" altLang="en-US"/>
           </a:p>
@@ -2480,7 +2476,7 @@
             <a:fld id="{703F853D-2DF6-4DD9-828A-C54515CEFACE}" type="datetime1">
               <a:rPr lang="zh-CN" altLang="en-US" smtClean="0"/>
               <a:pPr/>
-              <a:t>2011-1-13</a:t>
+              <a:t>2011-1-16</a:t>
             </a:fld>
             <a:endParaRPr lang="zh-CN" altLang="en-US"/>
           </a:p>
@@ -2622,7 +2618,7 @@
             <a:fld id="{93EAD33C-627C-46A9-9996-5EE9B951FFD3}" type="datetime1">
               <a:rPr lang="zh-CN" altLang="en-US" smtClean="0"/>
               <a:pPr/>
-              <a:t>2011-1-13</a:t>
+              <a:t>2011-1-16</a:t>
             </a:fld>
             <a:endParaRPr lang="zh-CN" altLang="en-US"/>
           </a:p>
@@ -2901,7 +2897,7 @@
             <a:fld id="{ADD980F3-1F6B-452E-A1C8-D1A2D3A5A5A2}" type="datetime1">
               <a:rPr lang="zh-CN" altLang="en-US" smtClean="0"/>
               <a:pPr/>
-              <a:t>2011-1-13</a:t>
+              <a:t>2011-1-16</a:t>
             </a:fld>
             <a:endParaRPr lang="zh-CN" altLang="en-US"/>
           </a:p>
@@ -3310,7 +3306,7 @@
             <a:fld id="{7876F26D-1664-4575-9A6E-A6A74E0AD8C6}" type="datetime1">
               <a:rPr lang="zh-CN" altLang="en-US" smtClean="0"/>
               <a:pPr/>
-              <a:t>2011-1-13</a:t>
+              <a:t>2011-1-16</a:t>
             </a:fld>
             <a:endParaRPr lang="zh-CN" altLang="en-US"/>
           </a:p>
@@ -3650,7 +3646,7 @@
             <a:fld id="{15B1867F-0797-4535-83E3-857130BC3785}" type="datetime1">
               <a:rPr lang="zh-CN" altLang="en-US" smtClean="0"/>
               <a:pPr/>
-              <a:t>2011-1-13</a:t>
+              <a:t>2011-1-16</a:t>
             </a:fld>
             <a:endParaRPr lang="zh-CN" altLang="en-US"/>
           </a:p>
@@ -4314,2633 +4310,6 @@
           <a:p>
             <a:r>
               <a:rPr lang="zh-CN" altLang="en-US" dirty="0" smtClean="0"/>
-              <a:t>单一</a:t>
-            </a:r>
-            <a:r>
-              <a:rPr lang="en-US" altLang="zh-CN" dirty="0" smtClean="0"/>
-              <a:t>MDS</a:t>
-            </a:r>
-            <a:r>
-              <a:rPr lang="zh-CN" altLang="en-US" dirty="0" smtClean="0"/>
-              <a:t>的问题</a:t>
-            </a:r>
-            <a:endParaRPr lang="zh-CN" altLang="en-US" dirty="0"/>
-          </a:p>
-        </p:txBody>
-      </p:sp>
-      <p:sp>
-        <p:nvSpPr>
-          <p:cNvPr id="3" name="内容占位符 2"/>
-          <p:cNvSpPr>
-            <a:spLocks noGrp="1"/>
-          </p:cNvSpPr>
-          <p:nvPr>
-            <p:ph sz="quarter" idx="1"/>
-          </p:nvPr>
-        </p:nvSpPr>
-        <p:spPr/>
-        <p:txBody>
-          <a:bodyPr/>
-          <a:lstStyle/>
-          <a:p>
-            <a:r>
-              <a:rPr lang="zh-CN" altLang="en-US" dirty="0" smtClean="0"/>
-              <a:t>优点</a:t>
-            </a:r>
-            <a:endParaRPr lang="en-US" altLang="zh-CN" dirty="0" smtClean="0"/>
-          </a:p>
-          <a:p>
-            <a:pPr lvl="1"/>
-            <a:r>
-              <a:rPr lang="zh-CN" altLang="en-US" dirty="0" smtClean="0"/>
-              <a:t>设计简单，容易提供统一名字空间</a:t>
-            </a:r>
-            <a:endParaRPr lang="en-US" altLang="zh-CN" dirty="0" smtClean="0"/>
-          </a:p>
-          <a:p>
-            <a:pPr lvl="1"/>
-            <a:endParaRPr lang="en-US" altLang="zh-CN" dirty="0" smtClean="0"/>
-          </a:p>
-          <a:p>
-            <a:r>
-              <a:rPr lang="zh-CN" altLang="en-US" dirty="0" smtClean="0"/>
-              <a:t>缺点</a:t>
-            </a:r>
-            <a:endParaRPr lang="en-US" altLang="zh-CN" dirty="0" smtClean="0"/>
-          </a:p>
-          <a:p>
-            <a:pPr lvl="1"/>
-            <a:r>
-              <a:rPr lang="ru-RU" altLang="en-US" dirty="0" smtClean="0"/>
-              <a:t>单点失效 </a:t>
-            </a:r>
-            <a:endParaRPr lang="en-US" altLang="en-US" dirty="0" smtClean="0"/>
-          </a:p>
-          <a:p>
-            <a:pPr lvl="1"/>
-            <a:r>
-              <a:rPr lang="zh-CN" altLang="en-US" dirty="0" smtClean="0"/>
-              <a:t>性能瓶颈</a:t>
-            </a:r>
-            <a:endParaRPr lang="en-US" altLang="zh-CN" dirty="0" smtClean="0"/>
-          </a:p>
-          <a:p>
-            <a:pPr lvl="1"/>
-            <a:r>
-              <a:rPr lang="zh-CN" altLang="en-US" dirty="0" smtClean="0"/>
-              <a:t>初始化时间长</a:t>
-            </a:r>
-            <a:r>
-              <a:rPr lang="en-US" altLang="zh-CN" dirty="0" smtClean="0"/>
-              <a:t>	</a:t>
-            </a:r>
-          </a:p>
-          <a:p>
-            <a:pPr lvl="1"/>
-            <a:endParaRPr lang="en-US" altLang="zh-CN" dirty="0" smtClean="0"/>
-          </a:p>
-          <a:p>
-            <a:endParaRPr lang="en-US" altLang="zh-CN" dirty="0" smtClean="0"/>
-          </a:p>
-          <a:p>
-            <a:endParaRPr lang="zh-CN" altLang="en-US" dirty="0"/>
-          </a:p>
-        </p:txBody>
-      </p:sp>
-      <p:sp>
-        <p:nvSpPr>
-          <p:cNvPr id="4" name="灯片编号占位符 3"/>
-          <p:cNvSpPr>
-            <a:spLocks noGrp="1"/>
-          </p:cNvSpPr>
-          <p:nvPr>
-            <p:ph type="sldNum" sz="quarter" idx="12"/>
-          </p:nvPr>
-        </p:nvSpPr>
-        <p:spPr/>
-        <p:txBody>
-          <a:bodyPr/>
-          <a:lstStyle/>
-          <a:p>
-            <a:fld id="{D114F199-ED81-4DDD-A1D7-86D5FA93F928}" type="slidenum">
-              <a:rPr lang="zh-CN" altLang="en-US" smtClean="0"/>
-              <a:pPr/>
-              <a:t>10</a:t>
-            </a:fld>
-            <a:endParaRPr lang="zh-CN" altLang="en-US"/>
-          </a:p>
-        </p:txBody>
-      </p:sp>
-      <p:sp>
-        <p:nvSpPr>
-          <p:cNvPr id="5" name="页脚占位符 4"/>
-          <p:cNvSpPr>
-            <a:spLocks noGrp="1"/>
-          </p:cNvSpPr>
-          <p:nvPr>
-            <p:ph type="ftr" sz="quarter" idx="11"/>
-          </p:nvPr>
-        </p:nvSpPr>
-        <p:spPr/>
-        <p:txBody>
-          <a:bodyPr/>
-          <a:lstStyle/>
-          <a:p>
-            <a:endParaRPr lang="zh-CN" altLang="en-US"/>
-          </a:p>
-        </p:txBody>
-      </p:sp>
-    </p:spTree>
-  </p:cSld>
-  <p:clrMapOvr>
-    <a:masterClrMapping/>
-  </p:clrMapOvr>
-  <p:timing>
-    <p:tnLst>
-      <p:par>
-        <p:cTn id="1" dur="indefinite" restart="never" nodeType="tmRoot"/>
-      </p:par>
-    </p:tnLst>
-  </p:timing>
-</p:sld>
-</file>
-
-<file path=ppt/slides/slide11.xml><?xml version="1.0" encoding="utf-8"?>
-<p:sld xmlns:a="http://schemas.openxmlformats.org/drawingml/2006/main" xmlns:r="http://schemas.openxmlformats.org/officeDocument/2006/relationships" xmlns:p="http://schemas.openxmlformats.org/presentationml/2006/main">
-  <p:cSld>
-    <p:spTree>
-      <p:nvGrpSpPr>
-        <p:cNvPr id="1" name=""/>
-        <p:cNvGrpSpPr/>
-        <p:nvPr/>
-      </p:nvGrpSpPr>
-      <p:grpSpPr>
-        <a:xfrm>
-          <a:off x="0" y="0"/>
-          <a:ext cx="0" cy="0"/>
-          <a:chOff x="0" y="0"/>
-          <a:chExt cx="0" cy="0"/>
-        </a:xfrm>
-      </p:grpSpPr>
-      <p:sp>
-        <p:nvSpPr>
-          <p:cNvPr id="2" name="标题 1"/>
-          <p:cNvSpPr>
-            <a:spLocks noGrp="1"/>
-          </p:cNvSpPr>
-          <p:nvPr>
-            <p:ph type="title"/>
-          </p:nvPr>
-        </p:nvSpPr>
-        <p:spPr/>
-        <p:txBody>
-          <a:bodyPr/>
-          <a:lstStyle/>
-          <a:p>
-            <a:r>
-              <a:rPr lang="zh-CN" altLang="en-US" dirty="0" smtClean="0"/>
-              <a:t>目前解决方案</a:t>
-            </a:r>
-            <a:endParaRPr lang="zh-CN" altLang="en-US" dirty="0"/>
-          </a:p>
-        </p:txBody>
-      </p:sp>
-      <p:sp>
-        <p:nvSpPr>
-          <p:cNvPr id="3" name="内容占位符 2"/>
-          <p:cNvSpPr>
-            <a:spLocks noGrp="1"/>
-          </p:cNvSpPr>
-          <p:nvPr>
-            <p:ph sz="quarter" idx="1"/>
-          </p:nvPr>
-        </p:nvSpPr>
-        <p:spPr/>
-        <p:txBody>
-          <a:bodyPr>
-            <a:normAutofit/>
-          </a:bodyPr>
-          <a:lstStyle/>
-          <a:p>
-            <a:r>
-              <a:rPr lang="zh-CN" altLang="en-US" dirty="0" smtClean="0"/>
-              <a:t>限制集群规模</a:t>
-            </a:r>
-            <a:endParaRPr lang="en-US" altLang="zh-CN" dirty="0" smtClean="0"/>
-          </a:p>
-          <a:p>
-            <a:r>
-              <a:rPr lang="zh-CN" altLang="en-US" dirty="0" smtClean="0"/>
-              <a:t>划分</a:t>
-            </a:r>
-            <a:r>
-              <a:rPr lang="en-US" altLang="zh-CN" dirty="0" smtClean="0"/>
-              <a:t>Volume</a:t>
-            </a:r>
-          </a:p>
-          <a:p>
-            <a:r>
-              <a:rPr lang="en-US" altLang="zh-CN" dirty="0" smtClean="0"/>
-              <a:t>MDS</a:t>
-            </a:r>
-            <a:r>
-              <a:rPr lang="zh-CN" altLang="en-US" dirty="0" smtClean="0"/>
-              <a:t>的主从备份</a:t>
-            </a:r>
-            <a:r>
-              <a:rPr lang="en-US" altLang="zh-CN" dirty="0" smtClean="0"/>
-              <a:t>(</a:t>
-            </a:r>
-            <a:r>
-              <a:rPr lang="en-US" altLang="zh-CN" dirty="0" err="1" smtClean="0"/>
-              <a:t>Lustre</a:t>
-            </a:r>
-            <a:r>
-              <a:rPr lang="en-US" altLang="zh-CN" dirty="0" smtClean="0"/>
-              <a:t>, Google File System</a:t>
-            </a:r>
-            <a:r>
-              <a:rPr lang="zh-CN" altLang="en-US" dirty="0" smtClean="0"/>
-              <a:t>等</a:t>
-            </a:r>
-            <a:r>
-              <a:rPr lang="en-US" altLang="zh-CN" dirty="0" smtClean="0"/>
-              <a:t>)</a:t>
-            </a:r>
-          </a:p>
-          <a:p>
-            <a:endParaRPr lang="en-US" altLang="zh-CN" dirty="0" smtClean="0"/>
-          </a:p>
-          <a:p>
-            <a:endParaRPr lang="en-US" altLang="zh-CN" dirty="0" smtClean="0"/>
-          </a:p>
-          <a:p>
-            <a:endParaRPr lang="zh-CN" altLang="en-US" dirty="0"/>
-          </a:p>
-        </p:txBody>
-      </p:sp>
-      <p:sp>
-        <p:nvSpPr>
-          <p:cNvPr id="4" name="灯片编号占位符 3"/>
-          <p:cNvSpPr>
-            <a:spLocks noGrp="1"/>
-          </p:cNvSpPr>
-          <p:nvPr>
-            <p:ph type="sldNum" sz="quarter" idx="12"/>
-          </p:nvPr>
-        </p:nvSpPr>
-        <p:spPr/>
-        <p:txBody>
-          <a:bodyPr/>
-          <a:lstStyle/>
-          <a:p>
-            <a:fld id="{D114F199-ED81-4DDD-A1D7-86D5FA93F928}" type="slidenum">
-              <a:rPr lang="zh-CN" altLang="en-US" smtClean="0"/>
-              <a:pPr/>
-              <a:t>11</a:t>
-            </a:fld>
-            <a:endParaRPr lang="zh-CN" altLang="en-US"/>
-          </a:p>
-        </p:txBody>
-      </p:sp>
-      <p:sp>
-        <p:nvSpPr>
-          <p:cNvPr id="5" name="页脚占位符 4"/>
-          <p:cNvSpPr>
-            <a:spLocks noGrp="1"/>
-          </p:cNvSpPr>
-          <p:nvPr>
-            <p:ph type="ftr" sz="quarter" idx="11"/>
-          </p:nvPr>
-        </p:nvSpPr>
-        <p:spPr/>
-        <p:txBody>
-          <a:bodyPr/>
-          <a:lstStyle/>
-          <a:p>
-            <a:endParaRPr lang="zh-CN" altLang="en-US"/>
-          </a:p>
-        </p:txBody>
-      </p:sp>
-    </p:spTree>
-  </p:cSld>
-  <p:clrMapOvr>
-    <a:masterClrMapping/>
-  </p:clrMapOvr>
-  <p:timing>
-    <p:tnLst>
-      <p:par>
-        <p:cTn id="1" dur="indefinite" restart="never" nodeType="tmRoot"/>
-      </p:par>
-    </p:tnLst>
-  </p:timing>
-</p:sld>
-</file>
-
-<file path=ppt/slides/slide12.xml><?xml version="1.0" encoding="utf-8"?>
-<p:sld xmlns:a="http://schemas.openxmlformats.org/drawingml/2006/main" xmlns:r="http://schemas.openxmlformats.org/officeDocument/2006/relationships" xmlns:p="http://schemas.openxmlformats.org/presentationml/2006/main">
-  <p:cSld>
-    <p:spTree>
-      <p:nvGrpSpPr>
-        <p:cNvPr id="1" name=""/>
-        <p:cNvGrpSpPr/>
-        <p:nvPr/>
-      </p:nvGrpSpPr>
-      <p:grpSpPr>
-        <a:xfrm>
-          <a:off x="0" y="0"/>
-          <a:ext cx="0" cy="0"/>
-          <a:chOff x="0" y="0"/>
-          <a:chExt cx="0" cy="0"/>
-        </a:xfrm>
-      </p:grpSpPr>
-      <p:sp>
-        <p:nvSpPr>
-          <p:cNvPr id="46" name="圆角矩形 45"/>
-          <p:cNvSpPr/>
-          <p:nvPr/>
-        </p:nvSpPr>
-        <p:spPr>
-          <a:xfrm>
-            <a:off x="5715008" y="2571744"/>
-            <a:ext cx="2428892" cy="857256"/>
-          </a:xfrm>
-          <a:prstGeom prst="roundRect">
-            <a:avLst/>
-          </a:prstGeom>
-          <a:noFill/>
-          <a:ln w="22225">
-            <a:solidFill>
-              <a:schemeClr val="accent1">
-                <a:shade val="50000"/>
-              </a:schemeClr>
-            </a:solidFill>
-            <a:prstDash val="sysDot"/>
-          </a:ln>
-        </p:spPr>
-        <p:style>
-          <a:lnRef idx="2">
-            <a:schemeClr val="accent1">
-              <a:shade val="50000"/>
-            </a:schemeClr>
-          </a:lnRef>
-          <a:fillRef idx="1">
-            <a:schemeClr val="accent1"/>
-          </a:fillRef>
-          <a:effectRef idx="0">
-            <a:schemeClr val="accent1"/>
-          </a:effectRef>
-          <a:fontRef idx="minor">
-            <a:schemeClr val="lt1"/>
-          </a:fontRef>
-        </p:style>
-        <p:txBody>
-          <a:bodyPr rtlCol="0" anchor="ctr"/>
-          <a:lstStyle/>
-          <a:p>
-            <a:pPr algn="ctr"/>
-            <a:endParaRPr lang="zh-CN" altLang="en-US"/>
-          </a:p>
-        </p:txBody>
-      </p:sp>
-      <p:grpSp>
-        <p:nvGrpSpPr>
-          <p:cNvPr id="2" name="组合 30"/>
-          <p:cNvGrpSpPr/>
-          <p:nvPr/>
-        </p:nvGrpSpPr>
-        <p:grpSpPr>
-          <a:xfrm>
-            <a:off x="1643042" y="1857364"/>
-            <a:ext cx="6389043" cy="3655480"/>
-            <a:chOff x="1714480" y="1142984"/>
-            <a:chExt cx="6389043" cy="3655480"/>
-          </a:xfrm>
-        </p:grpSpPr>
-        <p:grpSp>
-          <p:nvGrpSpPr>
-            <p:cNvPr id="3" name="组合 17"/>
-            <p:cNvGrpSpPr/>
-            <p:nvPr/>
-          </p:nvGrpSpPr>
-          <p:grpSpPr>
-            <a:xfrm>
-              <a:off x="1714480" y="1785926"/>
-              <a:ext cx="2881333" cy="1000132"/>
-              <a:chOff x="1643042" y="1571612"/>
-              <a:chExt cx="2881333" cy="1214446"/>
-            </a:xfrm>
-          </p:grpSpPr>
-          <p:sp>
-            <p:nvSpPr>
-              <p:cNvPr id="6" name="圆柱形 5"/>
-              <p:cNvSpPr/>
-              <p:nvPr/>
-            </p:nvSpPr>
-            <p:spPr>
-              <a:xfrm>
-                <a:off x="1643042" y="1571612"/>
-                <a:ext cx="428628" cy="642942"/>
-              </a:xfrm>
-              <a:prstGeom prst="can">
-                <a:avLst/>
-              </a:prstGeom>
-              <a:solidFill>
-                <a:schemeClr val="bg1"/>
-              </a:solidFill>
-            </p:spPr>
-            <p:style>
-              <a:lnRef idx="2">
-                <a:schemeClr val="accent1">
-                  <a:shade val="50000"/>
-                </a:schemeClr>
-              </a:lnRef>
-              <a:fillRef idx="1">
-                <a:schemeClr val="accent1"/>
-              </a:fillRef>
-              <a:effectRef idx="0">
-                <a:schemeClr val="accent1"/>
-              </a:effectRef>
-              <a:fontRef idx="minor">
-                <a:schemeClr val="lt1"/>
-              </a:fontRef>
-            </p:style>
-            <p:txBody>
-              <a:bodyPr rtlCol="0" anchor="ctr"/>
-              <a:lstStyle/>
-              <a:p>
-                <a:pPr algn="ctr"/>
-                <a:endParaRPr lang="zh-CN" altLang="en-US"/>
-              </a:p>
-            </p:txBody>
-          </p:sp>
-          <p:sp>
-            <p:nvSpPr>
-              <p:cNvPr id="7" name="圆柱形 6"/>
-              <p:cNvSpPr/>
-              <p:nvPr/>
-            </p:nvSpPr>
-            <p:spPr>
-              <a:xfrm>
-                <a:off x="2333609" y="1571612"/>
-                <a:ext cx="428628" cy="642942"/>
-              </a:xfrm>
-              <a:prstGeom prst="can">
-                <a:avLst/>
-              </a:prstGeom>
-              <a:solidFill>
-                <a:schemeClr val="bg1"/>
-              </a:solidFill>
-            </p:spPr>
-            <p:style>
-              <a:lnRef idx="2">
-                <a:schemeClr val="accent1">
-                  <a:shade val="50000"/>
-                </a:schemeClr>
-              </a:lnRef>
-              <a:fillRef idx="1">
-                <a:schemeClr val="accent1"/>
-              </a:fillRef>
-              <a:effectRef idx="0">
-                <a:schemeClr val="accent1"/>
-              </a:effectRef>
-              <a:fontRef idx="minor">
-                <a:schemeClr val="lt1"/>
-              </a:fontRef>
-            </p:style>
-            <p:txBody>
-              <a:bodyPr rtlCol="0" anchor="ctr"/>
-              <a:lstStyle/>
-              <a:p>
-                <a:pPr algn="ctr"/>
-                <a:endParaRPr lang="zh-CN" altLang="en-US"/>
-              </a:p>
-            </p:txBody>
-          </p:sp>
-          <p:sp>
-            <p:nvSpPr>
-              <p:cNvPr id="8" name="圆柱形 7"/>
-              <p:cNvSpPr/>
-              <p:nvPr/>
-            </p:nvSpPr>
-            <p:spPr>
-              <a:xfrm>
-                <a:off x="3024176" y="1571612"/>
-                <a:ext cx="428628" cy="642942"/>
-              </a:xfrm>
-              <a:prstGeom prst="can">
-                <a:avLst/>
-              </a:prstGeom>
-              <a:solidFill>
-                <a:schemeClr val="bg1"/>
-              </a:solidFill>
-            </p:spPr>
-            <p:style>
-              <a:lnRef idx="2">
-                <a:schemeClr val="accent1">
-                  <a:shade val="50000"/>
-                </a:schemeClr>
-              </a:lnRef>
-              <a:fillRef idx="1">
-                <a:schemeClr val="accent1"/>
-              </a:fillRef>
-              <a:effectRef idx="0">
-                <a:schemeClr val="accent1"/>
-              </a:effectRef>
-              <a:fontRef idx="minor">
-                <a:schemeClr val="lt1"/>
-              </a:fontRef>
-            </p:style>
-            <p:txBody>
-              <a:bodyPr rtlCol="0" anchor="ctr"/>
-              <a:lstStyle/>
-              <a:p>
-                <a:pPr algn="ctr"/>
-                <a:endParaRPr lang="zh-CN" altLang="en-US"/>
-              </a:p>
-            </p:txBody>
-          </p:sp>
-          <p:sp>
-            <p:nvSpPr>
-              <p:cNvPr id="9" name="圆柱形 8"/>
-              <p:cNvSpPr/>
-              <p:nvPr/>
-            </p:nvSpPr>
-            <p:spPr>
-              <a:xfrm>
-                <a:off x="3714744" y="1571612"/>
-                <a:ext cx="428628" cy="642942"/>
-              </a:xfrm>
-              <a:prstGeom prst="can">
-                <a:avLst/>
-              </a:prstGeom>
-              <a:solidFill>
-                <a:schemeClr val="bg1"/>
-              </a:solidFill>
-            </p:spPr>
-            <p:style>
-              <a:lnRef idx="2">
-                <a:schemeClr val="accent1">
-                  <a:shade val="50000"/>
-                </a:schemeClr>
-              </a:lnRef>
-              <a:fillRef idx="1">
-                <a:schemeClr val="accent1"/>
-              </a:fillRef>
-              <a:effectRef idx="0">
-                <a:schemeClr val="accent1"/>
-              </a:effectRef>
-              <a:fontRef idx="minor">
-                <a:schemeClr val="lt1"/>
-              </a:fontRef>
-            </p:style>
-            <p:txBody>
-              <a:bodyPr rtlCol="0" anchor="ctr"/>
-              <a:lstStyle/>
-              <a:p>
-                <a:pPr algn="ctr"/>
-                <a:endParaRPr lang="zh-CN" altLang="en-US"/>
-              </a:p>
-            </p:txBody>
-          </p:sp>
-          <p:sp>
-            <p:nvSpPr>
-              <p:cNvPr id="10" name="圆柱形 9"/>
-              <p:cNvSpPr/>
-              <p:nvPr/>
-            </p:nvSpPr>
-            <p:spPr>
-              <a:xfrm>
-                <a:off x="1809731" y="1857364"/>
-                <a:ext cx="428628" cy="642942"/>
-              </a:xfrm>
-              <a:prstGeom prst="can">
-                <a:avLst/>
-              </a:prstGeom>
-              <a:solidFill>
-                <a:schemeClr val="bg1"/>
-              </a:solidFill>
-            </p:spPr>
-            <p:style>
-              <a:lnRef idx="2">
-                <a:schemeClr val="accent1">
-                  <a:shade val="50000"/>
-                </a:schemeClr>
-              </a:lnRef>
-              <a:fillRef idx="1">
-                <a:schemeClr val="accent1"/>
-              </a:fillRef>
-              <a:effectRef idx="0">
-                <a:schemeClr val="accent1"/>
-              </a:effectRef>
-              <a:fontRef idx="minor">
-                <a:schemeClr val="lt1"/>
-              </a:fontRef>
-            </p:style>
-            <p:txBody>
-              <a:bodyPr rtlCol="0" anchor="ctr"/>
-              <a:lstStyle/>
-              <a:p>
-                <a:pPr algn="ctr"/>
-                <a:endParaRPr lang="zh-CN" altLang="en-US"/>
-              </a:p>
-            </p:txBody>
-          </p:sp>
-          <p:sp>
-            <p:nvSpPr>
-              <p:cNvPr id="11" name="圆柱形 10"/>
-              <p:cNvSpPr/>
-              <p:nvPr/>
-            </p:nvSpPr>
-            <p:spPr>
-              <a:xfrm>
-                <a:off x="2500298" y="1857364"/>
-                <a:ext cx="428628" cy="642942"/>
-              </a:xfrm>
-              <a:prstGeom prst="can">
-                <a:avLst/>
-              </a:prstGeom>
-              <a:solidFill>
-                <a:schemeClr val="bg1"/>
-              </a:solidFill>
-            </p:spPr>
-            <p:style>
-              <a:lnRef idx="2">
-                <a:schemeClr val="accent1">
-                  <a:shade val="50000"/>
-                </a:schemeClr>
-              </a:lnRef>
-              <a:fillRef idx="1">
-                <a:schemeClr val="accent1"/>
-              </a:fillRef>
-              <a:effectRef idx="0">
-                <a:schemeClr val="accent1"/>
-              </a:effectRef>
-              <a:fontRef idx="minor">
-                <a:schemeClr val="lt1"/>
-              </a:fontRef>
-            </p:style>
-            <p:txBody>
-              <a:bodyPr rtlCol="0" anchor="ctr"/>
-              <a:lstStyle/>
-              <a:p>
-                <a:pPr algn="ctr"/>
-                <a:endParaRPr lang="zh-CN" altLang="en-US"/>
-              </a:p>
-            </p:txBody>
-          </p:sp>
-          <p:sp>
-            <p:nvSpPr>
-              <p:cNvPr id="12" name="圆柱形 11"/>
-              <p:cNvSpPr/>
-              <p:nvPr/>
-            </p:nvSpPr>
-            <p:spPr>
-              <a:xfrm>
-                <a:off x="3190865" y="1857364"/>
-                <a:ext cx="428628" cy="642942"/>
-              </a:xfrm>
-              <a:prstGeom prst="can">
-                <a:avLst/>
-              </a:prstGeom>
-              <a:solidFill>
-                <a:schemeClr val="bg1"/>
-              </a:solidFill>
-            </p:spPr>
-            <p:style>
-              <a:lnRef idx="2">
-                <a:schemeClr val="accent1">
-                  <a:shade val="50000"/>
-                </a:schemeClr>
-              </a:lnRef>
-              <a:fillRef idx="1">
-                <a:schemeClr val="accent1"/>
-              </a:fillRef>
-              <a:effectRef idx="0">
-                <a:schemeClr val="accent1"/>
-              </a:effectRef>
-              <a:fontRef idx="minor">
-                <a:schemeClr val="lt1"/>
-              </a:fontRef>
-            </p:style>
-            <p:txBody>
-              <a:bodyPr rtlCol="0" anchor="ctr"/>
-              <a:lstStyle/>
-              <a:p>
-                <a:pPr algn="ctr"/>
-                <a:endParaRPr lang="zh-CN" altLang="en-US"/>
-              </a:p>
-            </p:txBody>
-          </p:sp>
-          <p:sp>
-            <p:nvSpPr>
-              <p:cNvPr id="13" name="圆柱形 12"/>
-              <p:cNvSpPr/>
-              <p:nvPr/>
-            </p:nvSpPr>
-            <p:spPr>
-              <a:xfrm>
-                <a:off x="3881433" y="1857364"/>
-                <a:ext cx="428628" cy="642942"/>
-              </a:xfrm>
-              <a:prstGeom prst="can">
-                <a:avLst/>
-              </a:prstGeom>
-              <a:solidFill>
-                <a:schemeClr val="bg1"/>
-              </a:solidFill>
-            </p:spPr>
-            <p:style>
-              <a:lnRef idx="2">
-                <a:schemeClr val="accent1">
-                  <a:shade val="50000"/>
-                </a:schemeClr>
-              </a:lnRef>
-              <a:fillRef idx="1">
-                <a:schemeClr val="accent1"/>
-              </a:fillRef>
-              <a:effectRef idx="0">
-                <a:schemeClr val="accent1"/>
-              </a:effectRef>
-              <a:fontRef idx="minor">
-                <a:schemeClr val="lt1"/>
-              </a:fontRef>
-            </p:style>
-            <p:txBody>
-              <a:bodyPr rtlCol="0" anchor="ctr"/>
-              <a:lstStyle/>
-              <a:p>
-                <a:pPr algn="ctr"/>
-                <a:endParaRPr lang="zh-CN" altLang="en-US"/>
-              </a:p>
-            </p:txBody>
-          </p:sp>
-          <p:sp>
-            <p:nvSpPr>
-              <p:cNvPr id="14" name="圆柱形 13"/>
-              <p:cNvSpPr/>
-              <p:nvPr/>
-            </p:nvSpPr>
-            <p:spPr>
-              <a:xfrm>
-                <a:off x="2024045" y="2143116"/>
-                <a:ext cx="428628" cy="642942"/>
-              </a:xfrm>
-              <a:prstGeom prst="can">
-                <a:avLst/>
-              </a:prstGeom>
-              <a:solidFill>
-                <a:schemeClr val="bg1"/>
-              </a:solidFill>
-            </p:spPr>
-            <p:style>
-              <a:lnRef idx="2">
-                <a:schemeClr val="accent1">
-                  <a:shade val="50000"/>
-                </a:schemeClr>
-              </a:lnRef>
-              <a:fillRef idx="1">
-                <a:schemeClr val="accent1"/>
-              </a:fillRef>
-              <a:effectRef idx="0">
-                <a:schemeClr val="accent1"/>
-              </a:effectRef>
-              <a:fontRef idx="minor">
-                <a:schemeClr val="lt1"/>
-              </a:fontRef>
-            </p:style>
-            <p:txBody>
-              <a:bodyPr rtlCol="0" anchor="ctr"/>
-              <a:lstStyle/>
-              <a:p>
-                <a:pPr algn="ctr"/>
-                <a:endParaRPr lang="zh-CN" altLang="en-US"/>
-              </a:p>
-            </p:txBody>
-          </p:sp>
-          <p:sp>
-            <p:nvSpPr>
-              <p:cNvPr id="15" name="圆柱形 14"/>
-              <p:cNvSpPr/>
-              <p:nvPr/>
-            </p:nvSpPr>
-            <p:spPr>
-              <a:xfrm>
-                <a:off x="2714612" y="2143116"/>
-                <a:ext cx="428628" cy="642942"/>
-              </a:xfrm>
-              <a:prstGeom prst="can">
-                <a:avLst/>
-              </a:prstGeom>
-              <a:solidFill>
-                <a:schemeClr val="bg1"/>
-              </a:solidFill>
-            </p:spPr>
-            <p:style>
-              <a:lnRef idx="2">
-                <a:schemeClr val="accent1">
-                  <a:shade val="50000"/>
-                </a:schemeClr>
-              </a:lnRef>
-              <a:fillRef idx="1">
-                <a:schemeClr val="accent1"/>
-              </a:fillRef>
-              <a:effectRef idx="0">
-                <a:schemeClr val="accent1"/>
-              </a:effectRef>
-              <a:fontRef idx="minor">
-                <a:schemeClr val="lt1"/>
-              </a:fontRef>
-            </p:style>
-            <p:txBody>
-              <a:bodyPr rtlCol="0" anchor="ctr"/>
-              <a:lstStyle/>
-              <a:p>
-                <a:pPr algn="ctr"/>
-                <a:endParaRPr lang="zh-CN" altLang="en-US"/>
-              </a:p>
-            </p:txBody>
-          </p:sp>
-          <p:sp>
-            <p:nvSpPr>
-              <p:cNvPr id="16" name="圆柱形 15"/>
-              <p:cNvSpPr/>
-              <p:nvPr/>
-            </p:nvSpPr>
-            <p:spPr>
-              <a:xfrm>
-                <a:off x="3405179" y="2143116"/>
-                <a:ext cx="428628" cy="642942"/>
-              </a:xfrm>
-              <a:prstGeom prst="can">
-                <a:avLst/>
-              </a:prstGeom>
-              <a:solidFill>
-                <a:schemeClr val="bg1"/>
-              </a:solidFill>
-            </p:spPr>
-            <p:style>
-              <a:lnRef idx="2">
-                <a:schemeClr val="accent1">
-                  <a:shade val="50000"/>
-                </a:schemeClr>
-              </a:lnRef>
-              <a:fillRef idx="1">
-                <a:schemeClr val="accent1"/>
-              </a:fillRef>
-              <a:effectRef idx="0">
-                <a:schemeClr val="accent1"/>
-              </a:effectRef>
-              <a:fontRef idx="minor">
-                <a:schemeClr val="lt1"/>
-              </a:fontRef>
-            </p:style>
-            <p:txBody>
-              <a:bodyPr rtlCol="0" anchor="ctr"/>
-              <a:lstStyle/>
-              <a:p>
-                <a:pPr algn="ctr"/>
-                <a:endParaRPr lang="zh-CN" altLang="en-US"/>
-              </a:p>
-            </p:txBody>
-          </p:sp>
-          <p:sp>
-            <p:nvSpPr>
-              <p:cNvPr id="17" name="圆柱形 16"/>
-              <p:cNvSpPr/>
-              <p:nvPr/>
-            </p:nvSpPr>
-            <p:spPr>
-              <a:xfrm>
-                <a:off x="4095747" y="2143116"/>
-                <a:ext cx="428628" cy="642942"/>
-              </a:xfrm>
-              <a:prstGeom prst="can">
-                <a:avLst/>
-              </a:prstGeom>
-              <a:solidFill>
-                <a:schemeClr val="bg1"/>
-              </a:solidFill>
-            </p:spPr>
-            <p:style>
-              <a:lnRef idx="2">
-                <a:schemeClr val="accent1">
-                  <a:shade val="50000"/>
-                </a:schemeClr>
-              </a:lnRef>
-              <a:fillRef idx="1">
-                <a:schemeClr val="accent1"/>
-              </a:fillRef>
-              <a:effectRef idx="0">
-                <a:schemeClr val="accent1"/>
-              </a:effectRef>
-              <a:fontRef idx="minor">
-                <a:schemeClr val="lt1"/>
-              </a:fontRef>
-            </p:style>
-            <p:txBody>
-              <a:bodyPr rtlCol="0" anchor="ctr"/>
-              <a:lstStyle/>
-              <a:p>
-                <a:pPr algn="ctr"/>
-                <a:endParaRPr lang="zh-CN" altLang="en-US"/>
-              </a:p>
-            </p:txBody>
-          </p:sp>
-        </p:grpSp>
-        <p:sp>
-          <p:nvSpPr>
-            <p:cNvPr id="19" name="笑脸 18"/>
-            <p:cNvSpPr/>
-            <p:nvPr/>
-          </p:nvSpPr>
-          <p:spPr>
-            <a:xfrm>
-              <a:off x="4214810" y="4357694"/>
-              <a:ext cx="357190" cy="428628"/>
-            </a:xfrm>
-            <a:prstGeom prst="smileyFace">
-              <a:avLst/>
-            </a:prstGeom>
-          </p:spPr>
-          <p:style>
-            <a:lnRef idx="2">
-              <a:schemeClr val="accent1">
-                <a:shade val="50000"/>
-              </a:schemeClr>
-            </a:lnRef>
-            <a:fillRef idx="1">
-              <a:schemeClr val="accent1"/>
-            </a:fillRef>
-            <a:effectRef idx="0">
-              <a:schemeClr val="accent1"/>
-            </a:effectRef>
-            <a:fontRef idx="minor">
-              <a:schemeClr val="lt1"/>
-            </a:fontRef>
-          </p:style>
-          <p:txBody>
-            <a:bodyPr rtlCol="0" anchor="ctr"/>
-            <a:lstStyle/>
-            <a:p>
-              <a:pPr algn="ctr"/>
-              <a:endParaRPr lang="zh-CN" altLang="en-US"/>
-            </a:p>
-          </p:txBody>
-        </p:sp>
-        <p:sp>
-          <p:nvSpPr>
-            <p:cNvPr id="20" name="TextBox 19"/>
-            <p:cNvSpPr txBox="1"/>
-            <p:nvPr/>
-          </p:nvSpPr>
-          <p:spPr>
-            <a:xfrm>
-              <a:off x="2571736" y="4429132"/>
-              <a:ext cx="1471365" cy="369332"/>
-            </a:xfrm>
-            <a:prstGeom prst="rect">
-              <a:avLst/>
-            </a:prstGeom>
-            <a:noFill/>
-          </p:spPr>
-          <p:txBody>
-            <a:bodyPr wrap="none" rtlCol="0">
-              <a:spAutoFit/>
-            </a:bodyPr>
-            <a:lstStyle/>
-            <a:p>
-              <a:r>
-                <a:rPr lang="zh-CN" altLang="en-US" dirty="0" smtClean="0"/>
-                <a:t>客户端 </a:t>
-              </a:r>
-              <a:r>
-                <a:rPr lang="en-US" altLang="zh-CN" dirty="0" smtClean="0"/>
-                <a:t>Client</a:t>
-              </a:r>
-              <a:endParaRPr lang="zh-CN" altLang="en-US" dirty="0"/>
-            </a:p>
-          </p:txBody>
-        </p:sp>
-        <p:sp>
-          <p:nvSpPr>
-            <p:cNvPr id="21" name="TextBox 20"/>
-            <p:cNvSpPr txBox="1"/>
-            <p:nvPr/>
-          </p:nvSpPr>
-          <p:spPr>
-            <a:xfrm>
-              <a:off x="2071670" y="1142984"/>
-              <a:ext cx="2247282" cy="646331"/>
-            </a:xfrm>
-            <a:prstGeom prst="rect">
-              <a:avLst/>
-            </a:prstGeom>
-            <a:noFill/>
-          </p:spPr>
-          <p:txBody>
-            <a:bodyPr wrap="none" rtlCol="0">
-              <a:spAutoFit/>
-            </a:bodyPr>
-            <a:lstStyle/>
-            <a:p>
-              <a:r>
-                <a:rPr lang="zh-CN" altLang="en-US" dirty="0" smtClean="0"/>
-                <a:t>对象服务器</a:t>
-              </a:r>
-              <a:endParaRPr lang="en-US" altLang="zh-CN" dirty="0" smtClean="0"/>
-            </a:p>
-            <a:p>
-              <a:r>
-                <a:rPr lang="en-US" altLang="zh-CN" dirty="0" smtClean="0"/>
-                <a:t>Object Storage Device</a:t>
-              </a:r>
-              <a:endParaRPr lang="zh-CN" altLang="en-US" dirty="0"/>
-            </a:p>
-          </p:txBody>
-        </p:sp>
-        <p:sp>
-          <p:nvSpPr>
-            <p:cNvPr id="23" name="TextBox 22"/>
-            <p:cNvSpPr txBox="1"/>
-            <p:nvPr/>
-          </p:nvSpPr>
-          <p:spPr>
-            <a:xfrm>
-              <a:off x="6072198" y="1500174"/>
-              <a:ext cx="2031325" cy="369332"/>
-            </a:xfrm>
-            <a:prstGeom prst="rect">
-              <a:avLst/>
-            </a:prstGeom>
-            <a:noFill/>
-          </p:spPr>
-          <p:txBody>
-            <a:bodyPr wrap="none" rtlCol="0">
-              <a:spAutoFit/>
-            </a:bodyPr>
-            <a:lstStyle/>
-            <a:p>
-              <a:r>
-                <a:rPr lang="zh-CN" altLang="en-US" b="1" dirty="0" smtClean="0">
-                  <a:solidFill>
-                    <a:srgbClr val="FF0000"/>
-                  </a:solidFill>
-                </a:rPr>
-                <a:t>元数据服务器集群</a:t>
-              </a:r>
-              <a:endParaRPr lang="en-US" altLang="zh-CN" b="1" dirty="0" smtClean="0">
-                <a:solidFill>
-                  <a:srgbClr val="FF0000"/>
-                </a:solidFill>
-              </a:endParaRPr>
-            </a:p>
-          </p:txBody>
-        </p:sp>
-        <p:sp>
-          <p:nvSpPr>
-            <p:cNvPr id="25" name="上下箭头 24"/>
-            <p:cNvSpPr/>
-            <p:nvPr/>
-          </p:nvSpPr>
-          <p:spPr>
-            <a:xfrm>
-              <a:off x="4071934" y="2928934"/>
-              <a:ext cx="428628" cy="1214446"/>
-            </a:xfrm>
-            <a:prstGeom prst="upDownArrow">
-              <a:avLst/>
-            </a:prstGeom>
-            <a:solidFill>
-              <a:schemeClr val="bg1"/>
-            </a:solidFill>
-          </p:spPr>
-          <p:style>
-            <a:lnRef idx="2">
-              <a:schemeClr val="accent1">
-                <a:shade val="50000"/>
-              </a:schemeClr>
-            </a:lnRef>
-            <a:fillRef idx="1">
-              <a:schemeClr val="accent1"/>
-            </a:fillRef>
-            <a:effectRef idx="0">
-              <a:schemeClr val="accent1"/>
-            </a:effectRef>
-            <a:fontRef idx="minor">
-              <a:schemeClr val="lt1"/>
-            </a:fontRef>
-          </p:style>
-          <p:txBody>
-            <a:bodyPr rtlCol="0" anchor="ctr"/>
-            <a:lstStyle/>
-            <a:p>
-              <a:pPr algn="ctr"/>
-              <a:endParaRPr lang="zh-CN" altLang="en-US"/>
-            </a:p>
-          </p:txBody>
-        </p:sp>
-        <p:sp>
-          <p:nvSpPr>
-            <p:cNvPr id="26" name="TextBox 25"/>
-            <p:cNvSpPr txBox="1"/>
-            <p:nvPr/>
-          </p:nvSpPr>
-          <p:spPr>
-            <a:xfrm>
-              <a:off x="3143240" y="3357562"/>
-              <a:ext cx="1107996" cy="369332"/>
-            </a:xfrm>
-            <a:prstGeom prst="rect">
-              <a:avLst/>
-            </a:prstGeom>
-            <a:noFill/>
-          </p:spPr>
-          <p:txBody>
-            <a:bodyPr wrap="none" rtlCol="0">
-              <a:spAutoFit/>
-            </a:bodyPr>
-            <a:lstStyle/>
-            <a:p>
-              <a:r>
-                <a:rPr lang="zh-CN" altLang="en-US" dirty="0" smtClean="0"/>
-                <a:t>数据传输</a:t>
-              </a:r>
-              <a:endParaRPr lang="zh-CN" altLang="en-US" dirty="0"/>
-            </a:p>
-          </p:txBody>
-        </p:sp>
-        <p:cxnSp>
-          <p:nvCxnSpPr>
-            <p:cNvPr id="28" name="直接箭头连接符 27"/>
-            <p:cNvCxnSpPr/>
-            <p:nvPr/>
-          </p:nvCxnSpPr>
-          <p:spPr>
-            <a:xfrm rot="10800000" flipV="1">
-              <a:off x="4929190" y="2786057"/>
-              <a:ext cx="1285884" cy="1285883"/>
-            </a:xfrm>
-            <a:prstGeom prst="straightConnector1">
-              <a:avLst/>
-            </a:prstGeom>
-            <a:ln>
-              <a:headEnd type="arrow"/>
-              <a:tailEnd type="arrow"/>
-            </a:ln>
-          </p:spPr>
-          <p:style>
-            <a:lnRef idx="1">
-              <a:schemeClr val="accent1"/>
-            </a:lnRef>
-            <a:fillRef idx="0">
-              <a:schemeClr val="accent1"/>
-            </a:fillRef>
-            <a:effectRef idx="0">
-              <a:schemeClr val="accent1"/>
-            </a:effectRef>
-            <a:fontRef idx="minor">
-              <a:schemeClr val="tx1"/>
-            </a:fontRef>
-          </p:style>
-        </p:cxnSp>
-        <p:sp>
-          <p:nvSpPr>
-            <p:cNvPr id="29" name="TextBox 28"/>
-            <p:cNvSpPr txBox="1"/>
-            <p:nvPr/>
-          </p:nvSpPr>
-          <p:spPr>
-            <a:xfrm>
-              <a:off x="5715008" y="3357562"/>
-              <a:ext cx="1338828" cy="369332"/>
-            </a:xfrm>
-            <a:prstGeom prst="rect">
-              <a:avLst/>
-            </a:prstGeom>
-            <a:noFill/>
-          </p:spPr>
-          <p:txBody>
-            <a:bodyPr wrap="none" rtlCol="0">
-              <a:spAutoFit/>
-            </a:bodyPr>
-            <a:lstStyle/>
-            <a:p>
-              <a:r>
-                <a:rPr lang="zh-CN" altLang="en-US" dirty="0" smtClean="0"/>
-                <a:t>元数据请求</a:t>
-              </a:r>
-              <a:endParaRPr lang="zh-CN" altLang="en-US" dirty="0"/>
-            </a:p>
-          </p:txBody>
-        </p:sp>
-      </p:grpSp>
-      <p:sp>
-        <p:nvSpPr>
-          <p:cNvPr id="27" name="标题 1"/>
-          <p:cNvSpPr>
-            <a:spLocks noGrp="1"/>
-          </p:cNvSpPr>
-          <p:nvPr>
-            <p:ph type="title"/>
-          </p:nvPr>
-        </p:nvSpPr>
-        <p:spPr/>
-        <p:txBody>
-          <a:bodyPr/>
-          <a:lstStyle/>
-          <a:p>
-            <a:r>
-              <a:rPr lang="en-US" altLang="zh-CN" dirty="0" smtClean="0"/>
-              <a:t>MDS</a:t>
-            </a:r>
-            <a:r>
-              <a:rPr lang="zh-CN" altLang="en-US" dirty="0" smtClean="0"/>
-              <a:t>集群</a:t>
-            </a:r>
-            <a:endParaRPr lang="zh-CN" altLang="en-US" dirty="0"/>
-          </a:p>
-        </p:txBody>
-      </p:sp>
-      <p:pic>
-        <p:nvPicPr>
-          <p:cNvPr id="2051" name="Picture 3"/>
-          <p:cNvPicPr>
-            <a:picLocks noChangeAspect="1" noChangeArrowheads="1"/>
-          </p:cNvPicPr>
-          <p:nvPr/>
-        </p:nvPicPr>
-        <p:blipFill>
-          <a:blip r:embed="rId2"/>
-          <a:srcRect/>
-          <a:stretch>
-            <a:fillRect/>
-          </a:stretch>
-        </p:blipFill>
-        <p:spPr bwMode="auto">
-          <a:xfrm>
-            <a:off x="7072330" y="3195637"/>
-            <a:ext cx="914400" cy="161925"/>
-          </a:xfrm>
-          <a:prstGeom prst="rect">
-            <a:avLst/>
-          </a:prstGeom>
-          <a:noFill/>
-          <a:ln w="9525">
-            <a:noFill/>
-            <a:miter lim="800000"/>
-            <a:headEnd/>
-            <a:tailEnd/>
-          </a:ln>
-          <a:effectLst/>
-        </p:spPr>
-      </p:pic>
-      <p:pic>
-        <p:nvPicPr>
-          <p:cNvPr id="34" name="Picture 3"/>
-          <p:cNvPicPr>
-            <a:picLocks noChangeAspect="1" noChangeArrowheads="1"/>
-          </p:cNvPicPr>
-          <p:nvPr/>
-        </p:nvPicPr>
-        <p:blipFill>
-          <a:blip r:embed="rId2"/>
-          <a:srcRect/>
-          <a:stretch>
-            <a:fillRect/>
-          </a:stretch>
-        </p:blipFill>
-        <p:spPr bwMode="auto">
-          <a:xfrm>
-            <a:off x="6429388" y="2909885"/>
-            <a:ext cx="914400" cy="161925"/>
-          </a:xfrm>
-          <a:prstGeom prst="rect">
-            <a:avLst/>
-          </a:prstGeom>
-          <a:noFill/>
-          <a:ln w="9525">
-            <a:noFill/>
-            <a:miter lim="800000"/>
-            <a:headEnd/>
-            <a:tailEnd/>
-          </a:ln>
-          <a:effectLst/>
-        </p:spPr>
-      </p:pic>
-      <p:pic>
-        <p:nvPicPr>
-          <p:cNvPr id="35" name="Picture 3"/>
-          <p:cNvPicPr>
-            <a:picLocks noChangeAspect="1" noChangeArrowheads="1"/>
-          </p:cNvPicPr>
-          <p:nvPr/>
-        </p:nvPicPr>
-        <p:blipFill>
-          <a:blip r:embed="rId2"/>
-          <a:srcRect/>
-          <a:stretch>
-            <a:fillRect/>
-          </a:stretch>
-        </p:blipFill>
-        <p:spPr bwMode="auto">
-          <a:xfrm>
-            <a:off x="5929322" y="3195637"/>
-            <a:ext cx="914400" cy="161925"/>
-          </a:xfrm>
-          <a:prstGeom prst="rect">
-            <a:avLst/>
-          </a:prstGeom>
-          <a:noFill/>
-          <a:ln w="9525">
-            <a:noFill/>
-            <a:miter lim="800000"/>
-            <a:headEnd/>
-            <a:tailEnd/>
-          </a:ln>
-          <a:effectLst/>
-        </p:spPr>
-      </p:pic>
-      <p:pic>
-        <p:nvPicPr>
-          <p:cNvPr id="36" name="Picture 3"/>
-          <p:cNvPicPr>
-            <a:picLocks noChangeAspect="1" noChangeArrowheads="1"/>
-          </p:cNvPicPr>
-          <p:nvPr/>
-        </p:nvPicPr>
-        <p:blipFill>
-          <a:blip r:embed="rId2"/>
-          <a:srcRect/>
-          <a:stretch>
-            <a:fillRect/>
-          </a:stretch>
-        </p:blipFill>
-        <p:spPr bwMode="auto">
-          <a:xfrm>
-            <a:off x="5929322" y="2643182"/>
-            <a:ext cx="914400" cy="161925"/>
-          </a:xfrm>
-          <a:prstGeom prst="rect">
-            <a:avLst/>
-          </a:prstGeom>
-          <a:noFill/>
-          <a:ln w="9525">
-            <a:noFill/>
-            <a:miter lim="800000"/>
-            <a:headEnd/>
-            <a:tailEnd/>
-          </a:ln>
-          <a:effectLst/>
-        </p:spPr>
-      </p:pic>
-      <p:pic>
-        <p:nvPicPr>
-          <p:cNvPr id="45" name="Picture 3"/>
-          <p:cNvPicPr>
-            <a:picLocks noChangeAspect="1" noChangeArrowheads="1"/>
-          </p:cNvPicPr>
-          <p:nvPr/>
-        </p:nvPicPr>
-        <p:blipFill>
-          <a:blip r:embed="rId2"/>
-          <a:srcRect/>
-          <a:stretch>
-            <a:fillRect/>
-          </a:stretch>
-        </p:blipFill>
-        <p:spPr bwMode="auto">
-          <a:xfrm>
-            <a:off x="7072330" y="2643182"/>
-            <a:ext cx="914400" cy="161925"/>
-          </a:xfrm>
-          <a:prstGeom prst="rect">
-            <a:avLst/>
-          </a:prstGeom>
-          <a:noFill/>
-          <a:ln w="9525">
-            <a:noFill/>
-            <a:miter lim="800000"/>
-            <a:headEnd/>
-            <a:tailEnd/>
-          </a:ln>
-          <a:effectLst/>
-        </p:spPr>
-      </p:pic>
-      <p:sp>
-        <p:nvSpPr>
-          <p:cNvPr id="31" name="灯片编号占位符 30"/>
-          <p:cNvSpPr>
-            <a:spLocks noGrp="1"/>
-          </p:cNvSpPr>
-          <p:nvPr>
-            <p:ph type="sldNum" sz="quarter" idx="12"/>
-          </p:nvPr>
-        </p:nvSpPr>
-        <p:spPr/>
-        <p:txBody>
-          <a:bodyPr/>
-          <a:lstStyle/>
-          <a:p>
-            <a:fld id="{D114F199-ED81-4DDD-A1D7-86D5FA93F928}" type="slidenum">
-              <a:rPr lang="zh-CN" altLang="en-US" smtClean="0"/>
-              <a:pPr/>
-              <a:t>12</a:t>
-            </a:fld>
-            <a:endParaRPr lang="zh-CN" altLang="en-US"/>
-          </a:p>
-        </p:txBody>
-      </p:sp>
-      <p:sp>
-        <p:nvSpPr>
-          <p:cNvPr id="32" name="页脚占位符 31"/>
-          <p:cNvSpPr>
-            <a:spLocks noGrp="1"/>
-          </p:cNvSpPr>
-          <p:nvPr>
-            <p:ph type="ftr" sz="quarter" idx="11"/>
-          </p:nvPr>
-        </p:nvSpPr>
-        <p:spPr/>
-        <p:txBody>
-          <a:bodyPr/>
-          <a:lstStyle/>
-          <a:p>
-            <a:endParaRPr lang="zh-CN" altLang="en-US"/>
-          </a:p>
-        </p:txBody>
-      </p:sp>
-    </p:spTree>
-  </p:cSld>
-  <p:clrMapOvr>
-    <a:masterClrMapping/>
-  </p:clrMapOvr>
-  <p:timing>
-    <p:tnLst>
-      <p:par>
-        <p:cTn id="1" dur="indefinite" restart="never" nodeType="tmRoot"/>
-      </p:par>
-    </p:tnLst>
-  </p:timing>
-</p:sld>
-</file>
-
-<file path=ppt/slides/slide13.xml><?xml version="1.0" encoding="utf-8"?>
-<p:sld xmlns:a="http://schemas.openxmlformats.org/drawingml/2006/main" xmlns:r="http://schemas.openxmlformats.org/officeDocument/2006/relationships" xmlns:p="http://schemas.openxmlformats.org/presentationml/2006/main">
-  <p:cSld>
-    <p:spTree>
-      <p:nvGrpSpPr>
-        <p:cNvPr id="1" name=""/>
-        <p:cNvGrpSpPr/>
-        <p:nvPr/>
-      </p:nvGrpSpPr>
-      <p:grpSpPr>
-        <a:xfrm>
-          <a:off x="0" y="0"/>
-          <a:ext cx="0" cy="0"/>
-          <a:chOff x="0" y="0"/>
-          <a:chExt cx="0" cy="0"/>
-        </a:xfrm>
-      </p:grpSpPr>
-      <p:sp>
-        <p:nvSpPr>
-          <p:cNvPr id="2" name="标题 1"/>
-          <p:cNvSpPr>
-            <a:spLocks noGrp="1"/>
-          </p:cNvSpPr>
-          <p:nvPr>
-            <p:ph type="title"/>
-          </p:nvPr>
-        </p:nvSpPr>
-        <p:spPr/>
-        <p:txBody>
-          <a:bodyPr/>
-          <a:lstStyle/>
-          <a:p>
-            <a:r>
-              <a:rPr lang="zh-CN" altLang="en-US" dirty="0" smtClean="0"/>
-              <a:t>现有</a:t>
-            </a:r>
-            <a:r>
-              <a:rPr lang="en-US" altLang="zh-CN" dirty="0" smtClean="0"/>
-              <a:t>MDS</a:t>
-            </a:r>
-            <a:r>
-              <a:rPr lang="zh-CN" altLang="en-US" dirty="0" smtClean="0"/>
-              <a:t>集群中元数据分布的方案</a:t>
-            </a:r>
-            <a:endParaRPr lang="zh-CN" altLang="en-US" dirty="0"/>
-          </a:p>
-        </p:txBody>
-      </p:sp>
-      <p:sp>
-        <p:nvSpPr>
-          <p:cNvPr id="3" name="内容占位符 2"/>
-          <p:cNvSpPr>
-            <a:spLocks noGrp="1"/>
-          </p:cNvSpPr>
-          <p:nvPr>
-            <p:ph sz="quarter" idx="1"/>
-          </p:nvPr>
-        </p:nvSpPr>
-        <p:spPr/>
-        <p:txBody>
-          <a:bodyPr/>
-          <a:lstStyle/>
-          <a:p>
-            <a:pPr>
-              <a:buNone/>
-            </a:pPr>
-            <a:r>
-              <a:rPr lang="en-US" altLang="zh-CN" dirty="0" smtClean="0"/>
-              <a:t> </a:t>
-            </a:r>
-          </a:p>
-          <a:p>
-            <a:r>
-              <a:rPr lang="zh-CN" altLang="en-US" dirty="0" smtClean="0"/>
-              <a:t>静态子树分割</a:t>
-            </a:r>
-            <a:endParaRPr lang="en-US" altLang="zh-CN" dirty="0" smtClean="0"/>
-          </a:p>
-          <a:p>
-            <a:r>
-              <a:rPr lang="zh-CN" altLang="en-US" dirty="0" smtClean="0"/>
-              <a:t>静态</a:t>
-            </a:r>
-            <a:r>
-              <a:rPr lang="en-US" altLang="zh-CN" dirty="0" smtClean="0"/>
-              <a:t>Hash</a:t>
-            </a:r>
-            <a:r>
-              <a:rPr lang="zh-CN" altLang="en-US" dirty="0" smtClean="0"/>
-              <a:t>分割</a:t>
-            </a:r>
-            <a:endParaRPr lang="en-US" altLang="zh-CN" dirty="0" smtClean="0"/>
-          </a:p>
-          <a:p>
-            <a:r>
-              <a:rPr lang="zh-CN" altLang="en-US" dirty="0" smtClean="0"/>
-              <a:t>动态子树分割</a:t>
-            </a:r>
-            <a:endParaRPr lang="en-US" altLang="zh-CN" dirty="0" smtClean="0"/>
-          </a:p>
-          <a:p>
-            <a:r>
-              <a:rPr lang="ru-RU" dirty="0" smtClean="0"/>
-              <a:t>Lazy Hybrid</a:t>
-            </a:r>
-            <a:r>
-              <a:rPr lang="en-US" dirty="0" smtClean="0"/>
-              <a:t> </a:t>
-            </a:r>
-            <a:r>
-              <a:rPr lang="zh-CN" altLang="en-US" dirty="0" smtClean="0"/>
-              <a:t>方法</a:t>
-            </a:r>
-            <a:r>
-              <a:rPr lang="en-US" altLang="zh-CN" dirty="0" smtClean="0"/>
-              <a:t>(</a:t>
-            </a:r>
-            <a:r>
-              <a:rPr lang="zh-CN" altLang="en-US" dirty="0" smtClean="0"/>
-              <a:t>相当于动态</a:t>
-            </a:r>
-            <a:r>
-              <a:rPr lang="en-US" altLang="zh-CN" dirty="0" smtClean="0"/>
-              <a:t>Hash)</a:t>
-            </a:r>
-            <a:endParaRPr lang="zh-CN" altLang="en-US" dirty="0"/>
-          </a:p>
-        </p:txBody>
-      </p:sp>
-      <p:sp>
-        <p:nvSpPr>
-          <p:cNvPr id="4" name="灯片编号占位符 3"/>
-          <p:cNvSpPr>
-            <a:spLocks noGrp="1"/>
-          </p:cNvSpPr>
-          <p:nvPr>
-            <p:ph type="sldNum" sz="quarter" idx="12"/>
-          </p:nvPr>
-        </p:nvSpPr>
-        <p:spPr/>
-        <p:txBody>
-          <a:bodyPr/>
-          <a:lstStyle/>
-          <a:p>
-            <a:fld id="{D114F199-ED81-4DDD-A1D7-86D5FA93F928}" type="slidenum">
-              <a:rPr lang="zh-CN" altLang="en-US" smtClean="0"/>
-              <a:pPr/>
-              <a:t>13</a:t>
-            </a:fld>
-            <a:endParaRPr lang="zh-CN" altLang="en-US"/>
-          </a:p>
-        </p:txBody>
-      </p:sp>
-      <p:sp>
-        <p:nvSpPr>
-          <p:cNvPr id="5" name="页脚占位符 4"/>
-          <p:cNvSpPr>
-            <a:spLocks noGrp="1"/>
-          </p:cNvSpPr>
-          <p:nvPr>
-            <p:ph type="ftr" sz="quarter" idx="11"/>
-          </p:nvPr>
-        </p:nvSpPr>
-        <p:spPr/>
-        <p:txBody>
-          <a:bodyPr/>
-          <a:lstStyle/>
-          <a:p>
-            <a:endParaRPr lang="zh-CN" altLang="en-US"/>
-          </a:p>
-        </p:txBody>
-      </p:sp>
-    </p:spTree>
-  </p:cSld>
-  <p:clrMapOvr>
-    <a:masterClrMapping/>
-  </p:clrMapOvr>
-  <p:timing>
-    <p:tnLst>
-      <p:par>
-        <p:cTn id="1" dur="indefinite" restart="never" nodeType="tmRoot"/>
-      </p:par>
-    </p:tnLst>
-  </p:timing>
-</p:sld>
-</file>
-
-<file path=ppt/slides/slide14.xml><?xml version="1.0" encoding="utf-8"?>
-<p:sld xmlns:a="http://schemas.openxmlformats.org/drawingml/2006/main" xmlns:r="http://schemas.openxmlformats.org/officeDocument/2006/relationships" xmlns:p="http://schemas.openxmlformats.org/presentationml/2006/main">
-  <p:cSld>
-    <p:spTree>
-      <p:nvGrpSpPr>
-        <p:cNvPr id="1" name=""/>
-        <p:cNvGrpSpPr/>
-        <p:nvPr/>
-      </p:nvGrpSpPr>
-      <p:grpSpPr>
-        <a:xfrm>
-          <a:off x="0" y="0"/>
-          <a:ext cx="0" cy="0"/>
-          <a:chOff x="0" y="0"/>
-          <a:chExt cx="0" cy="0"/>
-        </a:xfrm>
-      </p:grpSpPr>
-      <p:sp>
-        <p:nvSpPr>
-          <p:cNvPr id="2" name="标题 1"/>
-          <p:cNvSpPr>
-            <a:spLocks noGrp="1"/>
-          </p:cNvSpPr>
-          <p:nvPr>
-            <p:ph type="title"/>
-          </p:nvPr>
-        </p:nvSpPr>
-        <p:spPr/>
-        <p:txBody>
-          <a:bodyPr/>
-          <a:lstStyle/>
-          <a:p>
-            <a:r>
-              <a:rPr lang="zh-CN" altLang="en-US" dirty="0" smtClean="0"/>
-              <a:t>静态子树分割</a:t>
-            </a:r>
-            <a:endParaRPr lang="en-US" altLang="zh-CN" dirty="0" smtClean="0"/>
-          </a:p>
-        </p:txBody>
-      </p:sp>
-      <p:graphicFrame>
-        <p:nvGraphicFramePr>
-          <p:cNvPr id="4" name="表格 3"/>
-          <p:cNvGraphicFramePr>
-            <a:graphicFrameLocks noGrp="1"/>
-          </p:cNvGraphicFramePr>
-          <p:nvPr/>
-        </p:nvGraphicFramePr>
-        <p:xfrm>
-          <a:off x="285720" y="2643182"/>
-          <a:ext cx="2928958" cy="1931670"/>
-        </p:xfrm>
-        <a:graphic>
-          <a:graphicData uri="http://schemas.openxmlformats.org/drawingml/2006/table">
-            <a:tbl>
-              <a:tblPr/>
-              <a:tblGrid>
-                <a:gridCol w="1464479"/>
-                <a:gridCol w="1464479"/>
-              </a:tblGrid>
-              <a:tr h="328615">
-                <a:tc>
-                  <a:txBody>
-                    <a:bodyPr/>
-                    <a:lstStyle/>
-                    <a:p>
-                      <a:pPr>
-                        <a:spcAft>
-                          <a:spcPts val="0"/>
-                        </a:spcAft>
-                      </a:pPr>
-                      <a:r>
-                        <a:rPr lang="ru-RU" sz="1800" kern="100" dirty="0">
-                          <a:solidFill>
-                            <a:srgbClr val="000000"/>
-                          </a:solidFill>
-                          <a:latin typeface="Verdana"/>
-                          <a:ea typeface="Verdana"/>
-                          <a:cs typeface="Verdana"/>
-                        </a:rPr>
-                        <a:t>目录 </a:t>
-                      </a:r>
-                      <a:endParaRPr lang="zh-CN" sz="1800" kern="100" dirty="0">
-                        <a:solidFill>
-                          <a:srgbClr val="000000"/>
-                        </a:solidFill>
-                        <a:latin typeface="Verdana"/>
-                        <a:ea typeface="Verdana"/>
-                        <a:cs typeface="Verdana"/>
-                      </a:endParaRPr>
-                    </a:p>
-                  </a:txBody>
-                  <a:tcPr marL="28575" marR="28575" marT="28575" marB="28575" anchor="ctr">
-                    <a:lnL w="12700" cap="flat" cmpd="sng" algn="ctr">
-                      <a:solidFill>
-                        <a:schemeClr val="tx1"/>
-                      </a:solidFill>
-                      <a:prstDash val="solid"/>
-                      <a:round/>
-                      <a:headEnd type="none" w="med" len="med"/>
-                      <a:tailEnd type="none" w="med" len="med"/>
-                    </a:lnL>
-                    <a:lnR w="12700" cap="flat" cmpd="sng" algn="ctr">
-                      <a:solidFill>
-                        <a:schemeClr val="tx1"/>
-                      </a:solidFill>
-                      <a:prstDash val="solid"/>
-                      <a:round/>
-                      <a:headEnd type="none" w="med" len="med"/>
-                      <a:tailEnd type="none" w="med" len="med"/>
-                    </a:lnR>
-                    <a:lnT w="12700" cap="flat" cmpd="sng" algn="ctr">
-                      <a:solidFill>
-                        <a:schemeClr val="tx1"/>
-                      </a:solidFill>
-                      <a:prstDash val="solid"/>
-                      <a:round/>
-                      <a:headEnd type="none" w="med" len="med"/>
-                      <a:tailEnd type="none" w="med" len="med"/>
-                    </a:lnT>
-                    <a:lnB w="12700" cap="flat" cmpd="sng" algn="ctr">
-                      <a:solidFill>
-                        <a:schemeClr val="tx1"/>
-                      </a:solidFill>
-                      <a:prstDash val="solid"/>
-                      <a:round/>
-                      <a:headEnd type="none" w="med" len="med"/>
-                      <a:tailEnd type="none" w="med" len="med"/>
-                    </a:lnB>
-                  </a:tcPr>
-                </a:tc>
-                <a:tc>
-                  <a:txBody>
-                    <a:bodyPr/>
-                    <a:lstStyle/>
-                    <a:p>
-                      <a:pPr>
-                        <a:spcAft>
-                          <a:spcPts val="0"/>
-                        </a:spcAft>
-                      </a:pPr>
-                      <a:r>
-                        <a:rPr lang="ru-RU" sz="1800" kern="100" dirty="0">
-                          <a:solidFill>
-                            <a:srgbClr val="000000"/>
-                          </a:solidFill>
-                          <a:latin typeface="Verdana"/>
-                          <a:ea typeface="Verdana"/>
-                          <a:cs typeface="Verdana"/>
-                        </a:rPr>
-                        <a:t>提供服务的 MDS </a:t>
-                      </a:r>
-                      <a:endParaRPr lang="zh-CN" sz="1800" kern="100" dirty="0">
-                        <a:solidFill>
-                          <a:srgbClr val="000000"/>
-                        </a:solidFill>
-                        <a:latin typeface="Verdana"/>
-                        <a:ea typeface="Verdana"/>
-                        <a:cs typeface="Verdana"/>
-                      </a:endParaRPr>
-                    </a:p>
-                  </a:txBody>
-                  <a:tcPr marL="28575" marR="28575" marT="28575" marB="28575" anchor="ctr">
-                    <a:lnL w="12700" cap="flat" cmpd="sng" algn="ctr">
-                      <a:solidFill>
-                        <a:schemeClr val="tx1"/>
-                      </a:solidFill>
-                      <a:prstDash val="solid"/>
-                      <a:round/>
-                      <a:headEnd type="none" w="med" len="med"/>
-                      <a:tailEnd type="none" w="med" len="med"/>
-                    </a:lnL>
-                    <a:lnR w="12700" cap="flat" cmpd="sng" algn="ctr">
-                      <a:solidFill>
-                        <a:schemeClr val="tx1"/>
-                      </a:solidFill>
-                      <a:prstDash val="solid"/>
-                      <a:round/>
-                      <a:headEnd type="none" w="med" len="med"/>
-                      <a:tailEnd type="none" w="med" len="med"/>
-                    </a:lnR>
-                    <a:lnT w="12700" cap="flat" cmpd="sng" algn="ctr">
-                      <a:solidFill>
-                        <a:schemeClr val="tx1"/>
-                      </a:solidFill>
-                      <a:prstDash val="solid"/>
-                      <a:round/>
-                      <a:headEnd type="none" w="med" len="med"/>
-                      <a:tailEnd type="none" w="med" len="med"/>
-                    </a:lnT>
-                    <a:lnB w="12700" cap="flat" cmpd="sng" algn="ctr">
-                      <a:solidFill>
-                        <a:schemeClr val="tx1"/>
-                      </a:solidFill>
-                      <a:prstDash val="solid"/>
-                      <a:round/>
-                      <a:headEnd type="none" w="med" len="med"/>
-                      <a:tailEnd type="none" w="med" len="med"/>
-                    </a:lnB>
-                  </a:tcPr>
-                </a:tc>
-              </a:tr>
-              <a:tr h="328615">
-                <a:tc>
-                  <a:txBody>
-                    <a:bodyPr/>
-                    <a:lstStyle/>
-                    <a:p>
-                      <a:pPr>
-                        <a:spcAft>
-                          <a:spcPts val="0"/>
-                        </a:spcAft>
-                      </a:pPr>
-                      <a:r>
-                        <a:rPr lang="ru-RU" sz="1800" kern="100">
-                          <a:solidFill>
-                            <a:srgbClr val="000000"/>
-                          </a:solidFill>
-                          <a:latin typeface="Verdana"/>
-                          <a:ea typeface="Verdana"/>
-                          <a:cs typeface="Verdana"/>
-                        </a:rPr>
-                        <a:t>/usr/bin  </a:t>
-                      </a:r>
-                      <a:endParaRPr lang="zh-CN" sz="1800" kern="100">
-                        <a:solidFill>
-                          <a:srgbClr val="000000"/>
-                        </a:solidFill>
-                        <a:latin typeface="Verdana"/>
-                        <a:ea typeface="Verdana"/>
-                        <a:cs typeface="Verdana"/>
-                      </a:endParaRPr>
-                    </a:p>
-                  </a:txBody>
-                  <a:tcPr marL="28575" marR="28575" marT="28575" marB="28575" anchor="ctr">
-                    <a:lnL w="12700" cap="flat" cmpd="sng" algn="ctr">
-                      <a:solidFill>
-                        <a:schemeClr val="tx1"/>
-                      </a:solidFill>
-                      <a:prstDash val="solid"/>
-                      <a:round/>
-                      <a:headEnd type="none" w="med" len="med"/>
-                      <a:tailEnd type="none" w="med" len="med"/>
-                    </a:lnL>
-                    <a:lnR w="12700" cap="flat" cmpd="sng" algn="ctr">
-                      <a:solidFill>
-                        <a:schemeClr val="tx1"/>
-                      </a:solidFill>
-                      <a:prstDash val="solid"/>
-                      <a:round/>
-                      <a:headEnd type="none" w="med" len="med"/>
-                      <a:tailEnd type="none" w="med" len="med"/>
-                    </a:lnR>
-                    <a:lnT w="12700" cap="flat" cmpd="sng" algn="ctr">
-                      <a:solidFill>
-                        <a:schemeClr val="tx1"/>
-                      </a:solidFill>
-                      <a:prstDash val="solid"/>
-                      <a:round/>
-                      <a:headEnd type="none" w="med" len="med"/>
-                      <a:tailEnd type="none" w="med" len="med"/>
-                    </a:lnT>
-                    <a:lnB w="12700" cap="flat" cmpd="sng" algn="ctr">
-                      <a:solidFill>
-                        <a:schemeClr val="tx1"/>
-                      </a:solidFill>
-                      <a:prstDash val="solid"/>
-                      <a:round/>
-                      <a:headEnd type="none" w="med" len="med"/>
-                      <a:tailEnd type="none" w="med" len="med"/>
-                    </a:lnB>
-                  </a:tcPr>
-                </a:tc>
-                <a:tc>
-                  <a:txBody>
-                    <a:bodyPr/>
-                    <a:lstStyle/>
-                    <a:p>
-                      <a:pPr>
-                        <a:spcAft>
-                          <a:spcPts val="0"/>
-                        </a:spcAft>
-                      </a:pPr>
-                      <a:r>
-                        <a:rPr lang="ru-RU" sz="1800" kern="100" dirty="0">
-                          <a:solidFill>
-                            <a:srgbClr val="000000"/>
-                          </a:solidFill>
-                          <a:latin typeface="Verdana"/>
-                          <a:ea typeface="Verdana"/>
-                          <a:cs typeface="Verdana"/>
-                        </a:rPr>
-                        <a:t>MDS0 </a:t>
-                      </a:r>
-                      <a:endParaRPr lang="zh-CN" sz="1800" kern="100" dirty="0">
-                        <a:solidFill>
-                          <a:srgbClr val="000000"/>
-                        </a:solidFill>
-                        <a:latin typeface="Verdana"/>
-                        <a:ea typeface="Verdana"/>
-                        <a:cs typeface="Verdana"/>
-                      </a:endParaRPr>
-                    </a:p>
-                  </a:txBody>
-                  <a:tcPr marL="28575" marR="28575" marT="28575" marB="28575" anchor="ctr">
-                    <a:lnL w="12700" cap="flat" cmpd="sng" algn="ctr">
-                      <a:solidFill>
-                        <a:schemeClr val="tx1"/>
-                      </a:solidFill>
-                      <a:prstDash val="solid"/>
-                      <a:round/>
-                      <a:headEnd type="none" w="med" len="med"/>
-                      <a:tailEnd type="none" w="med" len="med"/>
-                    </a:lnL>
-                    <a:lnR w="12700" cap="flat" cmpd="sng" algn="ctr">
-                      <a:solidFill>
-                        <a:schemeClr val="tx1"/>
-                      </a:solidFill>
-                      <a:prstDash val="solid"/>
-                      <a:round/>
-                      <a:headEnd type="none" w="med" len="med"/>
-                      <a:tailEnd type="none" w="med" len="med"/>
-                    </a:lnR>
-                    <a:lnT w="12700" cap="flat" cmpd="sng" algn="ctr">
-                      <a:solidFill>
-                        <a:schemeClr val="tx1"/>
-                      </a:solidFill>
-                      <a:prstDash val="solid"/>
-                      <a:round/>
-                      <a:headEnd type="none" w="med" len="med"/>
-                      <a:tailEnd type="none" w="med" len="med"/>
-                    </a:lnT>
-                    <a:lnB w="12700" cap="flat" cmpd="sng" algn="ctr">
-                      <a:solidFill>
-                        <a:schemeClr val="tx1"/>
-                      </a:solidFill>
-                      <a:prstDash val="solid"/>
-                      <a:round/>
-                      <a:headEnd type="none" w="med" len="med"/>
-                      <a:tailEnd type="none" w="med" len="med"/>
-                    </a:lnB>
-                  </a:tcPr>
-                </a:tc>
-              </a:tr>
-              <a:tr h="328615">
-                <a:tc>
-                  <a:txBody>
-                    <a:bodyPr/>
-                    <a:lstStyle/>
-                    <a:p>
-                      <a:pPr>
-                        <a:spcAft>
-                          <a:spcPts val="0"/>
-                        </a:spcAft>
-                      </a:pPr>
-                      <a:r>
-                        <a:rPr lang="ru-RU" sz="1800" kern="100">
-                          <a:solidFill>
-                            <a:srgbClr val="000000"/>
-                          </a:solidFill>
-                          <a:latin typeface="Verdana"/>
-                          <a:ea typeface="Verdana"/>
-                          <a:cs typeface="Verdana"/>
-                        </a:rPr>
-                        <a:t>/usr/include </a:t>
-                      </a:r>
-                      <a:endParaRPr lang="zh-CN" sz="1800" kern="100">
-                        <a:solidFill>
-                          <a:srgbClr val="000000"/>
-                        </a:solidFill>
-                        <a:latin typeface="Verdana"/>
-                        <a:ea typeface="Verdana"/>
-                        <a:cs typeface="Verdana"/>
-                      </a:endParaRPr>
-                    </a:p>
-                  </a:txBody>
-                  <a:tcPr marL="28575" marR="28575" marT="28575" marB="28575" anchor="ctr">
-                    <a:lnL w="12700" cap="flat" cmpd="sng" algn="ctr">
-                      <a:solidFill>
-                        <a:schemeClr val="tx1"/>
-                      </a:solidFill>
-                      <a:prstDash val="solid"/>
-                      <a:round/>
-                      <a:headEnd type="none" w="med" len="med"/>
-                      <a:tailEnd type="none" w="med" len="med"/>
-                    </a:lnL>
-                    <a:lnR w="12700" cap="flat" cmpd="sng" algn="ctr">
-                      <a:solidFill>
-                        <a:schemeClr val="tx1"/>
-                      </a:solidFill>
-                      <a:prstDash val="solid"/>
-                      <a:round/>
-                      <a:headEnd type="none" w="med" len="med"/>
-                      <a:tailEnd type="none" w="med" len="med"/>
-                    </a:lnR>
-                    <a:lnT w="12700" cap="flat" cmpd="sng" algn="ctr">
-                      <a:solidFill>
-                        <a:schemeClr val="tx1"/>
-                      </a:solidFill>
-                      <a:prstDash val="solid"/>
-                      <a:round/>
-                      <a:headEnd type="none" w="med" len="med"/>
-                      <a:tailEnd type="none" w="med" len="med"/>
-                    </a:lnT>
-                    <a:lnB w="12700" cap="flat" cmpd="sng" algn="ctr">
-                      <a:solidFill>
-                        <a:schemeClr val="tx1"/>
-                      </a:solidFill>
-                      <a:prstDash val="solid"/>
-                      <a:round/>
-                      <a:headEnd type="none" w="med" len="med"/>
-                      <a:tailEnd type="none" w="med" len="med"/>
-                    </a:lnB>
-                  </a:tcPr>
-                </a:tc>
-                <a:tc>
-                  <a:txBody>
-                    <a:bodyPr/>
-                    <a:lstStyle/>
-                    <a:p>
-                      <a:pPr>
-                        <a:spcAft>
-                          <a:spcPts val="0"/>
-                        </a:spcAft>
-                      </a:pPr>
-                      <a:r>
-                        <a:rPr lang="ru-RU" sz="1800" kern="100">
-                          <a:solidFill>
-                            <a:srgbClr val="000000"/>
-                          </a:solidFill>
-                          <a:latin typeface="Verdana"/>
-                          <a:ea typeface="Verdana"/>
-                          <a:cs typeface="Verdana"/>
-                        </a:rPr>
-                        <a:t>MDS1 </a:t>
-                      </a:r>
-                      <a:endParaRPr lang="zh-CN" sz="1800" kern="100">
-                        <a:solidFill>
-                          <a:srgbClr val="000000"/>
-                        </a:solidFill>
-                        <a:latin typeface="Verdana"/>
-                        <a:ea typeface="Verdana"/>
-                        <a:cs typeface="Verdana"/>
-                      </a:endParaRPr>
-                    </a:p>
-                  </a:txBody>
-                  <a:tcPr marL="28575" marR="28575" marT="28575" marB="28575" anchor="ctr">
-                    <a:lnL w="12700" cap="flat" cmpd="sng" algn="ctr">
-                      <a:solidFill>
-                        <a:schemeClr val="tx1"/>
-                      </a:solidFill>
-                      <a:prstDash val="solid"/>
-                      <a:round/>
-                      <a:headEnd type="none" w="med" len="med"/>
-                      <a:tailEnd type="none" w="med" len="med"/>
-                    </a:lnL>
-                    <a:lnR w="12700" cap="flat" cmpd="sng" algn="ctr">
-                      <a:solidFill>
-                        <a:schemeClr val="tx1"/>
-                      </a:solidFill>
-                      <a:prstDash val="solid"/>
-                      <a:round/>
-                      <a:headEnd type="none" w="med" len="med"/>
-                      <a:tailEnd type="none" w="med" len="med"/>
-                    </a:lnR>
-                    <a:lnT w="12700" cap="flat" cmpd="sng" algn="ctr">
-                      <a:solidFill>
-                        <a:schemeClr val="tx1"/>
-                      </a:solidFill>
-                      <a:prstDash val="solid"/>
-                      <a:round/>
-                      <a:headEnd type="none" w="med" len="med"/>
-                      <a:tailEnd type="none" w="med" len="med"/>
-                    </a:lnT>
-                    <a:lnB w="12700" cap="flat" cmpd="sng" algn="ctr">
-                      <a:solidFill>
-                        <a:schemeClr val="tx1"/>
-                      </a:solidFill>
-                      <a:prstDash val="solid"/>
-                      <a:round/>
-                      <a:headEnd type="none" w="med" len="med"/>
-                      <a:tailEnd type="none" w="med" len="med"/>
-                    </a:lnB>
-                  </a:tcPr>
-                </a:tc>
-              </a:tr>
-              <a:tr h="328615">
-                <a:tc>
-                  <a:txBody>
-                    <a:bodyPr/>
-                    <a:lstStyle/>
-                    <a:p>
-                      <a:pPr>
-                        <a:spcAft>
-                          <a:spcPts val="0"/>
-                        </a:spcAft>
-                      </a:pPr>
-                      <a:r>
-                        <a:rPr lang="ru-RU" sz="1800" kern="100">
-                          <a:solidFill>
-                            <a:srgbClr val="000000"/>
-                          </a:solidFill>
-                          <a:latin typeface="Verdana"/>
-                          <a:ea typeface="Verdana"/>
-                          <a:cs typeface="Verdana"/>
-                        </a:rPr>
-                        <a:t>/usr/lib </a:t>
-                      </a:r>
-                      <a:endParaRPr lang="zh-CN" sz="1800" kern="100">
-                        <a:solidFill>
-                          <a:srgbClr val="000000"/>
-                        </a:solidFill>
-                        <a:latin typeface="Verdana"/>
-                        <a:ea typeface="Verdana"/>
-                        <a:cs typeface="Verdana"/>
-                      </a:endParaRPr>
-                    </a:p>
-                  </a:txBody>
-                  <a:tcPr marL="28575" marR="28575" marT="28575" marB="28575" anchor="ctr">
-                    <a:lnL w="12700" cap="flat" cmpd="sng" algn="ctr">
-                      <a:solidFill>
-                        <a:schemeClr val="tx1"/>
-                      </a:solidFill>
-                      <a:prstDash val="solid"/>
-                      <a:round/>
-                      <a:headEnd type="none" w="med" len="med"/>
-                      <a:tailEnd type="none" w="med" len="med"/>
-                    </a:lnL>
-                    <a:lnR w="12700" cap="flat" cmpd="sng" algn="ctr">
-                      <a:solidFill>
-                        <a:schemeClr val="tx1"/>
-                      </a:solidFill>
-                      <a:prstDash val="solid"/>
-                      <a:round/>
-                      <a:headEnd type="none" w="med" len="med"/>
-                      <a:tailEnd type="none" w="med" len="med"/>
-                    </a:lnR>
-                    <a:lnT w="12700" cap="flat" cmpd="sng" algn="ctr">
-                      <a:solidFill>
-                        <a:schemeClr val="tx1"/>
-                      </a:solidFill>
-                      <a:prstDash val="solid"/>
-                      <a:round/>
-                      <a:headEnd type="none" w="med" len="med"/>
-                      <a:tailEnd type="none" w="med" len="med"/>
-                    </a:lnT>
-                    <a:lnB w="12700" cap="flat" cmpd="sng" algn="ctr">
-                      <a:solidFill>
-                        <a:schemeClr val="tx1"/>
-                      </a:solidFill>
-                      <a:prstDash val="solid"/>
-                      <a:round/>
-                      <a:headEnd type="none" w="med" len="med"/>
-                      <a:tailEnd type="none" w="med" len="med"/>
-                    </a:lnB>
-                  </a:tcPr>
-                </a:tc>
-                <a:tc>
-                  <a:txBody>
-                    <a:bodyPr/>
-                    <a:lstStyle/>
-                    <a:p>
-                      <a:pPr>
-                        <a:spcAft>
-                          <a:spcPts val="0"/>
-                        </a:spcAft>
-                      </a:pPr>
-                      <a:r>
-                        <a:rPr lang="ru-RU" sz="1800" kern="100" dirty="0">
-                          <a:solidFill>
-                            <a:srgbClr val="000000"/>
-                          </a:solidFill>
-                          <a:latin typeface="Verdana"/>
-                          <a:ea typeface="Verdana"/>
-                          <a:cs typeface="Verdana"/>
-                        </a:rPr>
-                        <a:t>MDS2 </a:t>
-                      </a:r>
-                      <a:endParaRPr lang="zh-CN" sz="1800" kern="100" dirty="0">
-                        <a:solidFill>
-                          <a:srgbClr val="000000"/>
-                        </a:solidFill>
-                        <a:latin typeface="Verdana"/>
-                        <a:ea typeface="Verdana"/>
-                        <a:cs typeface="Verdana"/>
-                      </a:endParaRPr>
-                    </a:p>
-                  </a:txBody>
-                  <a:tcPr marL="28575" marR="28575" marT="28575" marB="28575" anchor="ctr">
-                    <a:lnL w="12700" cap="flat" cmpd="sng" algn="ctr">
-                      <a:solidFill>
-                        <a:schemeClr val="tx1"/>
-                      </a:solidFill>
-                      <a:prstDash val="solid"/>
-                      <a:round/>
-                      <a:headEnd type="none" w="med" len="med"/>
-                      <a:tailEnd type="none" w="med" len="med"/>
-                    </a:lnL>
-                    <a:lnR w="12700" cap="flat" cmpd="sng" algn="ctr">
-                      <a:solidFill>
-                        <a:schemeClr val="tx1"/>
-                      </a:solidFill>
-                      <a:prstDash val="solid"/>
-                      <a:round/>
-                      <a:headEnd type="none" w="med" len="med"/>
-                      <a:tailEnd type="none" w="med" len="med"/>
-                    </a:lnR>
-                    <a:lnT w="12700" cap="flat" cmpd="sng" algn="ctr">
-                      <a:solidFill>
-                        <a:schemeClr val="tx1"/>
-                      </a:solidFill>
-                      <a:prstDash val="solid"/>
-                      <a:round/>
-                      <a:headEnd type="none" w="med" len="med"/>
-                      <a:tailEnd type="none" w="med" len="med"/>
-                    </a:lnT>
-                    <a:lnB w="12700" cap="flat" cmpd="sng" algn="ctr">
-                      <a:solidFill>
-                        <a:schemeClr val="tx1"/>
-                      </a:solidFill>
-                      <a:prstDash val="solid"/>
-                      <a:round/>
-                      <a:headEnd type="none" w="med" len="med"/>
-                      <a:tailEnd type="none" w="med" len="med"/>
-                    </a:lnB>
-                  </a:tcPr>
-                </a:tc>
-              </a:tr>
-              <a:tr h="328615">
-                <a:tc>
-                  <a:txBody>
-                    <a:bodyPr/>
-                    <a:lstStyle/>
-                    <a:p>
-                      <a:pPr>
-                        <a:spcAft>
-                          <a:spcPts val="0"/>
-                        </a:spcAft>
-                      </a:pPr>
-                      <a:r>
-                        <a:rPr lang="ru-RU" sz="1800" kern="100">
-                          <a:solidFill>
-                            <a:srgbClr val="000000"/>
-                          </a:solidFill>
-                          <a:latin typeface="Verdana"/>
-                          <a:ea typeface="Verdana"/>
-                          <a:cs typeface="Verdana"/>
-                        </a:rPr>
-                        <a:t>/usr/share </a:t>
-                      </a:r>
-                      <a:endParaRPr lang="zh-CN" sz="1800" kern="100">
-                        <a:solidFill>
-                          <a:srgbClr val="000000"/>
-                        </a:solidFill>
-                        <a:latin typeface="Verdana"/>
-                        <a:ea typeface="Verdana"/>
-                        <a:cs typeface="Verdana"/>
-                      </a:endParaRPr>
-                    </a:p>
-                  </a:txBody>
-                  <a:tcPr marL="28575" marR="28575" marT="28575" marB="28575" anchor="ctr">
-                    <a:lnL w="12700" cap="flat" cmpd="sng" algn="ctr">
-                      <a:solidFill>
-                        <a:schemeClr val="tx1"/>
-                      </a:solidFill>
-                      <a:prstDash val="solid"/>
-                      <a:round/>
-                      <a:headEnd type="none" w="med" len="med"/>
-                      <a:tailEnd type="none" w="med" len="med"/>
-                    </a:lnL>
-                    <a:lnR w="12700" cap="flat" cmpd="sng" algn="ctr">
-                      <a:solidFill>
-                        <a:schemeClr val="tx1"/>
-                      </a:solidFill>
-                      <a:prstDash val="solid"/>
-                      <a:round/>
-                      <a:headEnd type="none" w="med" len="med"/>
-                      <a:tailEnd type="none" w="med" len="med"/>
-                    </a:lnR>
-                    <a:lnT w="12700" cap="flat" cmpd="sng" algn="ctr">
-                      <a:solidFill>
-                        <a:schemeClr val="tx1"/>
-                      </a:solidFill>
-                      <a:prstDash val="solid"/>
-                      <a:round/>
-                      <a:headEnd type="none" w="med" len="med"/>
-                      <a:tailEnd type="none" w="med" len="med"/>
-                    </a:lnT>
-                    <a:lnB w="12700" cap="flat" cmpd="sng" algn="ctr">
-                      <a:solidFill>
-                        <a:schemeClr val="tx1"/>
-                      </a:solidFill>
-                      <a:prstDash val="solid"/>
-                      <a:round/>
-                      <a:headEnd type="none" w="med" len="med"/>
-                      <a:tailEnd type="none" w="med" len="med"/>
-                    </a:lnB>
-                  </a:tcPr>
-                </a:tc>
-                <a:tc>
-                  <a:txBody>
-                    <a:bodyPr/>
-                    <a:lstStyle/>
-                    <a:p>
-                      <a:pPr>
-                        <a:spcAft>
-                          <a:spcPts val="0"/>
-                        </a:spcAft>
-                      </a:pPr>
-                      <a:r>
-                        <a:rPr lang="ru-RU" sz="1800" kern="100" dirty="0">
-                          <a:solidFill>
-                            <a:srgbClr val="000000"/>
-                          </a:solidFill>
-                          <a:latin typeface="Verdana"/>
-                          <a:ea typeface="Verdana"/>
-                          <a:cs typeface="Verdana"/>
-                        </a:rPr>
-                        <a:t>MDS3 </a:t>
-                      </a:r>
-                      <a:endParaRPr lang="zh-CN" sz="1800" kern="100" dirty="0">
-                        <a:solidFill>
-                          <a:srgbClr val="000000"/>
-                        </a:solidFill>
-                        <a:latin typeface="Verdana"/>
-                        <a:ea typeface="Verdana"/>
-                        <a:cs typeface="Verdana"/>
-                      </a:endParaRPr>
-                    </a:p>
-                  </a:txBody>
-                  <a:tcPr marL="28575" marR="28575" marT="28575" marB="28575" anchor="ctr">
-                    <a:lnL w="12700" cap="flat" cmpd="sng" algn="ctr">
-                      <a:solidFill>
-                        <a:schemeClr val="tx1"/>
-                      </a:solidFill>
-                      <a:prstDash val="solid"/>
-                      <a:round/>
-                      <a:headEnd type="none" w="med" len="med"/>
-                      <a:tailEnd type="none" w="med" len="med"/>
-                    </a:lnL>
-                    <a:lnR w="12700" cap="flat" cmpd="sng" algn="ctr">
-                      <a:solidFill>
-                        <a:schemeClr val="tx1"/>
-                      </a:solidFill>
-                      <a:prstDash val="solid"/>
-                      <a:round/>
-                      <a:headEnd type="none" w="med" len="med"/>
-                      <a:tailEnd type="none" w="med" len="med"/>
-                    </a:lnR>
-                    <a:lnT w="12700" cap="flat" cmpd="sng" algn="ctr">
-                      <a:solidFill>
-                        <a:schemeClr val="tx1"/>
-                      </a:solidFill>
-                      <a:prstDash val="solid"/>
-                      <a:round/>
-                      <a:headEnd type="none" w="med" len="med"/>
-                      <a:tailEnd type="none" w="med" len="med"/>
-                    </a:lnT>
-                    <a:lnB w="12700" cap="flat" cmpd="sng" algn="ctr">
-                      <a:solidFill>
-                        <a:schemeClr val="tx1"/>
-                      </a:solidFill>
-                      <a:prstDash val="solid"/>
-                      <a:round/>
-                      <a:headEnd type="none" w="med" len="med"/>
-                      <a:tailEnd type="none" w="med" len="med"/>
-                    </a:lnB>
-                  </a:tcPr>
-                </a:tc>
-              </a:tr>
-            </a:tbl>
-          </a:graphicData>
-        </a:graphic>
-      </p:graphicFrame>
-      <p:sp>
-        <p:nvSpPr>
-          <p:cNvPr id="12290" name="Rectangle 2"/>
-          <p:cNvSpPr>
-            <a:spLocks noChangeArrowheads="1"/>
-          </p:cNvSpPr>
-          <p:nvPr/>
-        </p:nvSpPr>
-        <p:spPr bwMode="auto">
-          <a:xfrm>
-            <a:off x="0" y="0"/>
-            <a:ext cx="9144000" cy="0"/>
-          </a:xfrm>
-          <a:prstGeom prst="rect">
-            <a:avLst/>
-          </a:prstGeom>
-          <a:noFill/>
-          <a:ln w="9525">
-            <a:noFill/>
-            <a:miter lim="800000"/>
-            <a:headEnd/>
-            <a:tailEnd/>
-          </a:ln>
-          <a:effectLst/>
-        </p:spPr>
-        <p:txBody>
-          <a:bodyPr vert="horz" wrap="none" lIns="91440" tIns="45720" rIns="91440" bIns="45720" numCol="1" anchor="ctr" anchorCtr="0" compatLnSpc="1">
-            <a:prstTxWarp prst="textNoShape">
-              <a:avLst/>
-            </a:prstTxWarp>
-            <a:spAutoFit/>
-          </a:bodyPr>
-          <a:lstStyle/>
-          <a:p>
-            <a:endParaRPr lang="zh-CN" altLang="en-US"/>
-          </a:p>
-        </p:txBody>
-      </p:sp>
-      <p:graphicFrame>
-        <p:nvGraphicFramePr>
-          <p:cNvPr id="12289" name="Object 1"/>
-          <p:cNvGraphicFramePr>
-            <a:graphicFrameLocks noChangeAspect="1"/>
-          </p:cNvGraphicFramePr>
-          <p:nvPr/>
-        </p:nvGraphicFramePr>
-        <p:xfrm>
-          <a:off x="3300442" y="1857364"/>
-          <a:ext cx="5486400" cy="3571875"/>
-        </p:xfrm>
-        <a:graphic>
-          <a:graphicData uri="http://schemas.openxmlformats.org/presentationml/2006/ole">
-            <p:oleObj spid="_x0000_s12289" name="Visio" r:id="rId3" imgW="6844622" imgH="4462449" progId="Visio.Drawing.11">
-              <p:embed/>
-            </p:oleObj>
-          </a:graphicData>
-        </a:graphic>
-      </p:graphicFrame>
-      <p:sp>
-        <p:nvSpPr>
-          <p:cNvPr id="6" name="TextBox 5"/>
-          <p:cNvSpPr txBox="1"/>
-          <p:nvPr/>
-        </p:nvSpPr>
-        <p:spPr>
-          <a:xfrm>
-            <a:off x="142844" y="5568751"/>
-            <a:ext cx="2857488" cy="646331"/>
-          </a:xfrm>
-          <a:prstGeom prst="rect">
-            <a:avLst/>
-          </a:prstGeom>
-          <a:noFill/>
-        </p:spPr>
-        <p:txBody>
-          <a:bodyPr wrap="square" rtlCol="0">
-            <a:spAutoFit/>
-          </a:bodyPr>
-          <a:lstStyle/>
-          <a:p>
-            <a:pPr>
-              <a:buFont typeface="Arial" pitchFamily="34" charset="0"/>
-              <a:buChar char="•"/>
-            </a:pPr>
-            <a:r>
-              <a:rPr lang="zh-CN" altLang="en-US" dirty="0" smtClean="0"/>
-              <a:t> 不能有效负载均衡</a:t>
-            </a:r>
-            <a:endParaRPr lang="en-US" altLang="zh-CN" dirty="0" smtClean="0"/>
-          </a:p>
-          <a:p>
-            <a:pPr>
-              <a:buFont typeface="Arial" pitchFamily="34" charset="0"/>
-              <a:buChar char="•"/>
-            </a:pPr>
-            <a:r>
-              <a:rPr lang="zh-CN" altLang="en-US" dirty="0" smtClean="0"/>
-              <a:t> 需要手动调整分割策略</a:t>
-            </a:r>
-            <a:endParaRPr lang="zh-CN" altLang="en-US" dirty="0"/>
-          </a:p>
-        </p:txBody>
-      </p:sp>
-      <p:sp>
-        <p:nvSpPr>
-          <p:cNvPr id="7" name="灯片编号占位符 6"/>
-          <p:cNvSpPr>
-            <a:spLocks noGrp="1"/>
-          </p:cNvSpPr>
-          <p:nvPr>
-            <p:ph type="sldNum" sz="quarter" idx="12"/>
-          </p:nvPr>
-        </p:nvSpPr>
-        <p:spPr/>
-        <p:txBody>
-          <a:bodyPr/>
-          <a:lstStyle/>
-          <a:p>
-            <a:fld id="{D114F199-ED81-4DDD-A1D7-86D5FA93F928}" type="slidenum">
-              <a:rPr lang="zh-CN" altLang="en-US" smtClean="0"/>
-              <a:pPr/>
-              <a:t>14</a:t>
-            </a:fld>
-            <a:endParaRPr lang="zh-CN" altLang="en-US"/>
-          </a:p>
-        </p:txBody>
-      </p:sp>
-      <p:sp>
-        <p:nvSpPr>
-          <p:cNvPr id="8" name="页脚占位符 7"/>
-          <p:cNvSpPr>
-            <a:spLocks noGrp="1"/>
-          </p:cNvSpPr>
-          <p:nvPr>
-            <p:ph type="ftr" sz="quarter" idx="11"/>
-          </p:nvPr>
-        </p:nvSpPr>
-        <p:spPr/>
-        <p:txBody>
-          <a:bodyPr/>
-          <a:lstStyle/>
-          <a:p>
-            <a:endParaRPr lang="zh-CN" altLang="en-US"/>
-          </a:p>
-        </p:txBody>
-      </p:sp>
-    </p:spTree>
-  </p:cSld>
-  <p:clrMapOvr>
-    <a:masterClrMapping/>
-  </p:clrMapOvr>
-  <p:timing>
-    <p:tnLst>
-      <p:par>
-        <p:cTn id="1" dur="indefinite" restart="never" nodeType="tmRoot"/>
-      </p:par>
-    </p:tnLst>
-  </p:timing>
-</p:sld>
-</file>
-
-<file path=ppt/slides/slide15.xml><?xml version="1.0" encoding="utf-8"?>
-<p:sld xmlns:a="http://schemas.openxmlformats.org/drawingml/2006/main" xmlns:r="http://schemas.openxmlformats.org/officeDocument/2006/relationships" xmlns:p="http://schemas.openxmlformats.org/presentationml/2006/main">
-  <p:cSld>
-    <p:spTree>
-      <p:nvGrpSpPr>
-        <p:cNvPr id="1" name=""/>
-        <p:cNvGrpSpPr/>
-        <p:nvPr/>
-      </p:nvGrpSpPr>
-      <p:grpSpPr>
-        <a:xfrm>
-          <a:off x="0" y="0"/>
-          <a:ext cx="0" cy="0"/>
-          <a:chOff x="0" y="0"/>
-          <a:chExt cx="0" cy="0"/>
-        </a:xfrm>
-      </p:grpSpPr>
-      <p:sp>
-        <p:nvSpPr>
-          <p:cNvPr id="2" name="标题 1"/>
-          <p:cNvSpPr>
-            <a:spLocks noGrp="1"/>
-          </p:cNvSpPr>
-          <p:nvPr>
-            <p:ph type="title"/>
-          </p:nvPr>
-        </p:nvSpPr>
-        <p:spPr/>
-        <p:txBody>
-          <a:bodyPr/>
-          <a:lstStyle/>
-          <a:p>
-            <a:r>
-              <a:rPr lang="zh-CN" altLang="en-US" dirty="0" smtClean="0"/>
               <a:t>静态</a:t>
             </a:r>
             <a:r>
@@ -9864,7 +7233,7 @@
             <a:fld id="{D114F199-ED81-4DDD-A1D7-86D5FA93F928}" type="slidenum">
               <a:rPr lang="zh-CN" altLang="en-US" smtClean="0"/>
               <a:pPr/>
-              <a:t>15</a:t>
+              <a:t>10</a:t>
             </a:fld>
             <a:endParaRPr lang="zh-CN" altLang="en-US"/>
           </a:p>
@@ -9904,7 +7273,7 @@
 </p:sld>
 </file>
 
-<file path=ppt/slides/slide16.xml><?xml version="1.0" encoding="utf-8"?>
+<file path=ppt/slides/slide11.xml><?xml version="1.0" encoding="utf-8"?>
 <p:sld xmlns:a="http://schemas.openxmlformats.org/drawingml/2006/main" xmlns:r="http://schemas.openxmlformats.org/officeDocument/2006/relationships" xmlns:p="http://schemas.openxmlformats.org/presentationml/2006/main">
   <p:cSld>
     <p:spTree>
@@ -10018,7 +7387,7 @@
             <a:fld id="{D114F199-ED81-4DDD-A1D7-86D5FA93F928}" type="slidenum">
               <a:rPr lang="zh-CN" altLang="en-US" smtClean="0"/>
               <a:pPr/>
-              <a:t>16</a:t>
+              <a:t>11</a:t>
             </a:fld>
             <a:endParaRPr lang="zh-CN" altLang="en-US"/>
           </a:p>
@@ -10058,7 +7427,7 @@
 </p:sld>
 </file>
 
-<file path=ppt/slides/slide17.xml><?xml version="1.0" encoding="utf-8"?>
+<file path=ppt/slides/slide12.xml><?xml version="1.0" encoding="utf-8"?>
 <p:sld xmlns:a="http://schemas.openxmlformats.org/drawingml/2006/main" xmlns:r="http://schemas.openxmlformats.org/officeDocument/2006/relationships" xmlns:p="http://schemas.openxmlformats.org/presentationml/2006/main">
   <p:cSld>
     <p:spTree>
@@ -10100,7 +7469,7 @@
             </a:r>
             <a:r>
               <a:rPr lang="en-US" altLang="zh-CN" dirty="0" smtClean="0"/>
-              <a:t>hash)</a:t>
+              <a:t>Hash)</a:t>
             </a:r>
           </a:p>
         </p:txBody>
@@ -10349,7 +7718,7 @@
                         </a:spcAft>
                       </a:pPr>
                       <a:r>
-                        <a:rPr lang="ru-RU" sz="1600" kern="100">
+                        <a:rPr lang="ru-RU" sz="1600" kern="100" dirty="0">
                           <a:solidFill>
                             <a:srgbClr val="000000"/>
                           </a:solidFill>
@@ -10359,7 +7728,7 @@
                         </a:rPr>
                         <a:t>MDS0 </a:t>
                       </a:r>
-                      <a:endParaRPr lang="zh-CN" sz="1600" kern="100">
+                      <a:endParaRPr lang="zh-CN" sz="1600" kern="100" dirty="0">
                         <a:solidFill>
                           <a:srgbClr val="000000"/>
                         </a:solidFill>
@@ -11968,7 +9337,7 @@
             <a:fld id="{D114F199-ED81-4DDD-A1D7-86D5FA93F928}" type="slidenum">
               <a:rPr lang="zh-CN" altLang="en-US" smtClean="0"/>
               <a:pPr/>
-              <a:t>17</a:t>
+              <a:t>12</a:t>
             </a:fld>
             <a:endParaRPr lang="zh-CN" altLang="en-US"/>
           </a:p>
@@ -11990,6 +9359,1570 @@
           <a:lstStyle/>
           <a:p>
             <a:endParaRPr lang="zh-CN" altLang="en-US"/>
+          </a:p>
+        </p:txBody>
+      </p:sp>
+    </p:spTree>
+  </p:cSld>
+  <p:clrMapOvr>
+    <a:masterClrMapping/>
+  </p:clrMapOvr>
+  <p:timing>
+    <p:tnLst>
+      <p:par>
+        <p:cTn id="1" dur="indefinite" restart="never" nodeType="tmRoot"/>
+      </p:par>
+    </p:tnLst>
+  </p:timing>
+</p:sld>
+</file>
+
+<file path=ppt/slides/slide13.xml><?xml version="1.0" encoding="utf-8"?>
+<p:sld xmlns:a="http://schemas.openxmlformats.org/drawingml/2006/main" xmlns:r="http://schemas.openxmlformats.org/officeDocument/2006/relationships" xmlns:p="http://schemas.openxmlformats.org/presentationml/2006/main">
+  <p:cSld>
+    <p:spTree>
+      <p:nvGrpSpPr>
+        <p:cNvPr id="1" name=""/>
+        <p:cNvGrpSpPr/>
+        <p:nvPr/>
+      </p:nvGrpSpPr>
+      <p:grpSpPr>
+        <a:xfrm>
+          <a:off x="0" y="0"/>
+          <a:ext cx="0" cy="0"/>
+          <a:chOff x="0" y="0"/>
+          <a:chExt cx="0" cy="0"/>
+        </a:xfrm>
+      </p:grpSpPr>
+      <p:sp>
+        <p:nvSpPr>
+          <p:cNvPr id="2" name="标题 1"/>
+          <p:cNvSpPr>
+            <a:spLocks noGrp="1"/>
+          </p:cNvSpPr>
+          <p:nvPr>
+            <p:ph type="title"/>
+          </p:nvPr>
+        </p:nvSpPr>
+        <p:spPr/>
+        <p:txBody>
+          <a:bodyPr/>
+          <a:lstStyle/>
+          <a:p>
+            <a:r>
+              <a:rPr lang="zh-CN" altLang="en-US" dirty="0" smtClean="0"/>
+              <a:t>课题目标和内容</a:t>
+            </a:r>
+            <a:endParaRPr lang="zh-CN" altLang="en-US" dirty="0"/>
+          </a:p>
+        </p:txBody>
+      </p:sp>
+      <p:sp>
+        <p:nvSpPr>
+          <p:cNvPr id="3" name="内容占位符 2"/>
+          <p:cNvSpPr>
+            <a:spLocks noGrp="1"/>
+          </p:cNvSpPr>
+          <p:nvPr>
+            <p:ph sz="quarter" idx="1"/>
+          </p:nvPr>
+        </p:nvSpPr>
+        <p:spPr/>
+        <p:txBody>
+          <a:bodyPr>
+            <a:normAutofit/>
+          </a:bodyPr>
+          <a:lstStyle/>
+          <a:p>
+            <a:r>
+              <a:rPr lang="zh-CN" altLang="en-US" dirty="0" smtClean="0"/>
+              <a:t>元数据集群算法研究</a:t>
+            </a:r>
+            <a:endParaRPr lang="en-US" dirty="0" smtClean="0"/>
+          </a:p>
+          <a:p>
+            <a:pPr lvl="1"/>
+            <a:r>
+              <a:rPr lang="ru-RU" dirty="0" smtClean="0"/>
+              <a:t>元数据分布策略</a:t>
+            </a:r>
+            <a:endParaRPr lang="en-US" dirty="0" smtClean="0"/>
+          </a:p>
+          <a:p>
+            <a:pPr lvl="1"/>
+            <a:r>
+              <a:rPr lang="ru-RU" dirty="0" smtClean="0"/>
+              <a:t> 元数据</a:t>
+            </a:r>
+            <a:r>
+              <a:rPr lang="zh-CN" altLang="en-US" dirty="0" smtClean="0"/>
+              <a:t>备份</a:t>
+            </a:r>
+            <a:r>
+              <a:rPr lang="ru-RU" dirty="0" smtClean="0"/>
+              <a:t>策略</a:t>
+            </a:r>
+            <a:endParaRPr lang="zh-CN" altLang="en-US" dirty="0" smtClean="0"/>
+          </a:p>
+          <a:p>
+            <a:pPr lvl="1"/>
+            <a:r>
+              <a:rPr lang="ru-RU" dirty="0" smtClean="0"/>
+              <a:t>可扩展性 </a:t>
+            </a:r>
+            <a:endParaRPr lang="en-US" dirty="0" smtClean="0"/>
+          </a:p>
+          <a:p>
+            <a:pPr lvl="1"/>
+            <a:r>
+              <a:rPr lang="ru-RU" dirty="0" smtClean="0"/>
+              <a:t>可用性 </a:t>
+            </a:r>
+            <a:endParaRPr lang="zh-CN" altLang="en-US" dirty="0" smtClean="0"/>
+          </a:p>
+          <a:p>
+            <a:pPr lvl="1"/>
+            <a:r>
+              <a:rPr lang="ru-RU" dirty="0" smtClean="0"/>
+              <a:t>负载均衡 </a:t>
+            </a:r>
+            <a:endParaRPr lang="en-US" dirty="0" smtClean="0"/>
+          </a:p>
+          <a:p>
+            <a:pPr lvl="1"/>
+            <a:r>
+              <a:rPr lang="zh-CN" altLang="en-US" dirty="0" smtClean="0"/>
+              <a:t>一致性</a:t>
+            </a:r>
+            <a:endParaRPr lang="en-US" altLang="zh-CN" dirty="0" smtClean="0"/>
+          </a:p>
+          <a:p>
+            <a:r>
+              <a:rPr lang="en-US" altLang="zh-CN" dirty="0" err="1" smtClean="0"/>
+              <a:t>MooseFS</a:t>
+            </a:r>
+            <a:r>
+              <a:rPr lang="zh-CN" altLang="en-US" dirty="0" smtClean="0"/>
+              <a:t>整合</a:t>
+            </a:r>
+            <a:endParaRPr lang="en-US" altLang="zh-CN" dirty="0" smtClean="0"/>
+          </a:p>
+          <a:p>
+            <a:pPr lvl="1"/>
+            <a:r>
+              <a:rPr lang="zh-CN" altLang="en-US" dirty="0" smtClean="0"/>
+              <a:t>将以上算法运用于</a:t>
+            </a:r>
+            <a:r>
+              <a:rPr lang="en-US" altLang="zh-CN" dirty="0" err="1" smtClean="0"/>
+              <a:t>MooseFS</a:t>
+            </a:r>
+            <a:endParaRPr lang="en-US" altLang="zh-CN" dirty="0" smtClean="0"/>
+          </a:p>
+          <a:p>
+            <a:pPr lvl="1"/>
+            <a:endParaRPr lang="en-US" altLang="zh-CN" dirty="0" smtClean="0"/>
+          </a:p>
+          <a:p>
+            <a:pPr lvl="1"/>
+            <a:endParaRPr lang="zh-CN" altLang="en-US" dirty="0" smtClean="0"/>
+          </a:p>
+        </p:txBody>
+      </p:sp>
+      <p:sp>
+        <p:nvSpPr>
+          <p:cNvPr id="4" name="灯片编号占位符 3"/>
+          <p:cNvSpPr>
+            <a:spLocks noGrp="1"/>
+          </p:cNvSpPr>
+          <p:nvPr>
+            <p:ph type="sldNum" sz="quarter" idx="12"/>
+          </p:nvPr>
+        </p:nvSpPr>
+        <p:spPr/>
+        <p:txBody>
+          <a:bodyPr/>
+          <a:lstStyle/>
+          <a:p>
+            <a:fld id="{D114F199-ED81-4DDD-A1D7-86D5FA93F928}" type="slidenum">
+              <a:rPr lang="zh-CN" altLang="en-US" smtClean="0"/>
+              <a:pPr/>
+              <a:t>13</a:t>
+            </a:fld>
+            <a:endParaRPr lang="zh-CN" altLang="en-US"/>
+          </a:p>
+        </p:txBody>
+      </p:sp>
+      <p:sp>
+        <p:nvSpPr>
+          <p:cNvPr id="5" name="页脚占位符 4"/>
+          <p:cNvSpPr>
+            <a:spLocks noGrp="1"/>
+          </p:cNvSpPr>
+          <p:nvPr>
+            <p:ph type="ftr" sz="quarter" idx="11"/>
+          </p:nvPr>
+        </p:nvSpPr>
+        <p:spPr/>
+        <p:txBody>
+          <a:bodyPr/>
+          <a:lstStyle/>
+          <a:p>
+            <a:endParaRPr lang="zh-CN" altLang="en-US"/>
+          </a:p>
+        </p:txBody>
+      </p:sp>
+    </p:spTree>
+  </p:cSld>
+  <p:clrMapOvr>
+    <a:masterClrMapping/>
+  </p:clrMapOvr>
+  <p:timing>
+    <p:tnLst>
+      <p:par>
+        <p:cTn id="1" dur="indefinite" restart="never" nodeType="tmRoot"/>
+      </p:par>
+    </p:tnLst>
+  </p:timing>
+</p:sld>
+</file>
+
+<file path=ppt/slides/slide14.xml><?xml version="1.0" encoding="utf-8"?>
+<p:sld xmlns:a="http://schemas.openxmlformats.org/drawingml/2006/main" xmlns:r="http://schemas.openxmlformats.org/officeDocument/2006/relationships" xmlns:p="http://schemas.openxmlformats.org/presentationml/2006/main">
+  <p:cSld>
+    <p:spTree>
+      <p:nvGrpSpPr>
+        <p:cNvPr id="1" name=""/>
+        <p:cNvGrpSpPr/>
+        <p:nvPr/>
+      </p:nvGrpSpPr>
+      <p:grpSpPr>
+        <a:xfrm>
+          <a:off x="0" y="0"/>
+          <a:ext cx="0" cy="0"/>
+          <a:chOff x="0" y="0"/>
+          <a:chExt cx="0" cy="0"/>
+        </a:xfrm>
+      </p:grpSpPr>
+      <p:sp>
+        <p:nvSpPr>
+          <p:cNvPr id="2" name="标题 1"/>
+          <p:cNvSpPr>
+            <a:spLocks noGrp="1"/>
+          </p:cNvSpPr>
+          <p:nvPr>
+            <p:ph type="title"/>
+          </p:nvPr>
+        </p:nvSpPr>
+        <p:spPr/>
+        <p:txBody>
+          <a:bodyPr>
+            <a:normAutofit/>
+          </a:bodyPr>
+          <a:lstStyle/>
+          <a:p>
+            <a:r>
+              <a:rPr lang="zh-CN" altLang="en-US" dirty="0" smtClean="0"/>
+              <a:t>关键技术</a:t>
+            </a:r>
+            <a:endParaRPr lang="zh-CN" altLang="en-US" dirty="0"/>
+          </a:p>
+        </p:txBody>
+      </p:sp>
+      <p:sp>
+        <p:nvSpPr>
+          <p:cNvPr id="3" name="内容占位符 2"/>
+          <p:cNvSpPr>
+            <a:spLocks noGrp="1"/>
+          </p:cNvSpPr>
+          <p:nvPr>
+            <p:ph sz="quarter" idx="1"/>
+          </p:nvPr>
+        </p:nvSpPr>
+        <p:spPr/>
+        <p:txBody>
+          <a:bodyPr/>
+          <a:lstStyle/>
+          <a:p>
+            <a:pPr lvl="0"/>
+            <a:r>
+              <a:rPr lang="ru-RU" dirty="0" smtClean="0"/>
+              <a:t>一致性</a:t>
+            </a:r>
+            <a:r>
+              <a:rPr lang="en-US" altLang="zh-CN" dirty="0" smtClean="0"/>
+              <a:t>H</a:t>
+            </a:r>
+            <a:r>
+              <a:rPr lang="ru-RU" dirty="0" smtClean="0"/>
+              <a:t>ash </a:t>
+            </a:r>
+            <a:endParaRPr lang="en-US" dirty="0" smtClean="0"/>
+          </a:p>
+          <a:p>
+            <a:pPr lvl="0"/>
+            <a:r>
+              <a:rPr lang="ru-RU" dirty="0" smtClean="0"/>
+              <a:t>冗余</a:t>
+            </a:r>
+            <a:r>
+              <a:rPr lang="zh-CN" altLang="en-US" dirty="0" smtClean="0"/>
+              <a:t>备份</a:t>
+            </a:r>
+            <a:r>
+              <a:rPr lang="en-US" altLang="zh-CN" dirty="0" smtClean="0"/>
+              <a:t>(</a:t>
+            </a:r>
+            <a:r>
+              <a:rPr lang="zh-CN" altLang="en-US" dirty="0" smtClean="0"/>
+              <a:t>存两份</a:t>
+            </a:r>
+            <a:r>
+              <a:rPr lang="en-US" altLang="zh-CN" dirty="0" smtClean="0"/>
+              <a:t>)</a:t>
+            </a:r>
+            <a:endParaRPr lang="zh-CN" altLang="en-US" dirty="0" smtClean="0"/>
+          </a:p>
+          <a:p>
+            <a:pPr lvl="0"/>
+            <a:r>
+              <a:rPr lang="ru-RU" dirty="0" smtClean="0"/>
+              <a:t>版本号 </a:t>
+            </a:r>
+            <a:endParaRPr lang="zh-CN" altLang="en-US" dirty="0" smtClean="0"/>
+          </a:p>
+          <a:p>
+            <a:pPr lvl="0"/>
+            <a:r>
+              <a:rPr lang="ru-RU" dirty="0" smtClean="0"/>
+              <a:t>分布式</a:t>
+            </a:r>
+            <a:r>
+              <a:rPr lang="zh-CN" altLang="en-US" dirty="0" smtClean="0"/>
+              <a:t>事务</a:t>
+            </a:r>
+            <a:r>
+              <a:rPr lang="ru-RU" dirty="0" smtClean="0"/>
+              <a:t>锁 </a:t>
+            </a:r>
+            <a:endParaRPr lang="zh-CN" altLang="en-US" dirty="0" smtClean="0"/>
+          </a:p>
+          <a:p>
+            <a:pPr lvl="0"/>
+            <a:r>
+              <a:rPr lang="ru-RU" dirty="0" smtClean="0"/>
+              <a:t>检查点和日志，两段提交协议 </a:t>
+            </a:r>
+            <a:endParaRPr lang="zh-CN" altLang="en-US" dirty="0" smtClean="0"/>
+          </a:p>
+          <a:p>
+            <a:endParaRPr lang="zh-CN" altLang="en-US" dirty="0"/>
+          </a:p>
+        </p:txBody>
+      </p:sp>
+      <p:sp>
+        <p:nvSpPr>
+          <p:cNvPr id="4" name="灯片编号占位符 3"/>
+          <p:cNvSpPr>
+            <a:spLocks noGrp="1"/>
+          </p:cNvSpPr>
+          <p:nvPr>
+            <p:ph type="sldNum" sz="quarter" idx="12"/>
+          </p:nvPr>
+        </p:nvSpPr>
+        <p:spPr/>
+        <p:txBody>
+          <a:bodyPr/>
+          <a:lstStyle/>
+          <a:p>
+            <a:fld id="{D114F199-ED81-4DDD-A1D7-86D5FA93F928}" type="slidenum">
+              <a:rPr lang="zh-CN" altLang="en-US" smtClean="0"/>
+              <a:pPr/>
+              <a:t>14</a:t>
+            </a:fld>
+            <a:endParaRPr lang="zh-CN" altLang="en-US"/>
+          </a:p>
+        </p:txBody>
+      </p:sp>
+      <p:sp>
+        <p:nvSpPr>
+          <p:cNvPr id="5" name="页脚占位符 4"/>
+          <p:cNvSpPr>
+            <a:spLocks noGrp="1"/>
+          </p:cNvSpPr>
+          <p:nvPr>
+            <p:ph type="ftr" sz="quarter" idx="11"/>
+          </p:nvPr>
+        </p:nvSpPr>
+        <p:spPr/>
+        <p:txBody>
+          <a:bodyPr/>
+          <a:lstStyle/>
+          <a:p>
+            <a:endParaRPr lang="zh-CN" altLang="en-US"/>
+          </a:p>
+        </p:txBody>
+      </p:sp>
+    </p:spTree>
+  </p:cSld>
+  <p:clrMapOvr>
+    <a:masterClrMapping/>
+  </p:clrMapOvr>
+  <p:timing>
+    <p:tnLst>
+      <p:par>
+        <p:cTn id="1" dur="indefinite" restart="never" nodeType="tmRoot"/>
+      </p:par>
+    </p:tnLst>
+  </p:timing>
+</p:sld>
+</file>
+
+<file path=ppt/slides/slide15.xml><?xml version="1.0" encoding="utf-8"?>
+<p:sld xmlns:a="http://schemas.openxmlformats.org/drawingml/2006/main" xmlns:r="http://schemas.openxmlformats.org/officeDocument/2006/relationships" xmlns:p="http://schemas.openxmlformats.org/presentationml/2006/main">
+  <p:cSld>
+    <p:spTree>
+      <p:nvGrpSpPr>
+        <p:cNvPr id="1" name=""/>
+        <p:cNvGrpSpPr/>
+        <p:nvPr/>
+      </p:nvGrpSpPr>
+      <p:grpSpPr>
+        <a:xfrm>
+          <a:off x="0" y="0"/>
+          <a:ext cx="0" cy="0"/>
+          <a:chOff x="0" y="0"/>
+          <a:chExt cx="0" cy="0"/>
+        </a:xfrm>
+      </p:grpSpPr>
+      <p:sp>
+        <p:nvSpPr>
+          <p:cNvPr id="2" name="标题 1"/>
+          <p:cNvSpPr>
+            <a:spLocks noGrp="1"/>
+          </p:cNvSpPr>
+          <p:nvPr>
+            <p:ph type="title"/>
+          </p:nvPr>
+        </p:nvSpPr>
+        <p:spPr/>
+        <p:txBody>
+          <a:bodyPr/>
+          <a:lstStyle/>
+          <a:p>
+            <a:r>
+              <a:rPr lang="zh-CN" altLang="en-US" dirty="0" smtClean="0"/>
+              <a:t>一致性</a:t>
+            </a:r>
+            <a:r>
+              <a:rPr lang="en-US" altLang="zh-CN" dirty="0" smtClean="0"/>
+              <a:t>Hash</a:t>
+            </a:r>
+            <a:endParaRPr lang="zh-CN" altLang="en-US" dirty="0"/>
+          </a:p>
+        </p:txBody>
+      </p:sp>
+      <p:sp>
+        <p:nvSpPr>
+          <p:cNvPr id="3" name="页脚占位符 2"/>
+          <p:cNvSpPr>
+            <a:spLocks noGrp="1"/>
+          </p:cNvSpPr>
+          <p:nvPr>
+            <p:ph type="ftr" sz="quarter" idx="11"/>
+          </p:nvPr>
+        </p:nvSpPr>
+        <p:spPr/>
+        <p:txBody>
+          <a:bodyPr/>
+          <a:lstStyle/>
+          <a:p>
+            <a:endParaRPr lang="zh-CN" altLang="en-US"/>
+          </a:p>
+        </p:txBody>
+      </p:sp>
+      <p:sp>
+        <p:nvSpPr>
+          <p:cNvPr id="4" name="灯片编号占位符 3"/>
+          <p:cNvSpPr>
+            <a:spLocks noGrp="1"/>
+          </p:cNvSpPr>
+          <p:nvPr>
+            <p:ph type="sldNum" sz="quarter" idx="12"/>
+          </p:nvPr>
+        </p:nvSpPr>
+        <p:spPr/>
+        <p:txBody>
+          <a:bodyPr/>
+          <a:lstStyle/>
+          <a:p>
+            <a:fld id="{D114F199-ED81-4DDD-A1D7-86D5FA93F928}" type="slidenum">
+              <a:rPr lang="zh-CN" altLang="en-US" smtClean="0"/>
+              <a:pPr/>
+              <a:t>15</a:t>
+            </a:fld>
+            <a:endParaRPr lang="zh-CN" altLang="en-US"/>
+          </a:p>
+        </p:txBody>
+      </p:sp>
+      <p:pic>
+        <p:nvPicPr>
+          <p:cNvPr id="6" name="图片 5" descr="consistentHash.jpg"/>
+          <p:cNvPicPr>
+            <a:picLocks noChangeAspect="1"/>
+          </p:cNvPicPr>
+          <p:nvPr/>
+        </p:nvPicPr>
+        <p:blipFill>
+          <a:blip r:embed="rId2"/>
+          <a:stretch>
+            <a:fillRect/>
+          </a:stretch>
+        </p:blipFill>
+        <p:spPr>
+          <a:xfrm>
+            <a:off x="2091047" y="1481381"/>
+            <a:ext cx="4961905" cy="3895238"/>
+          </a:xfrm>
+          <a:prstGeom prst="rect">
+            <a:avLst/>
+          </a:prstGeom>
+        </p:spPr>
+      </p:pic>
+    </p:spTree>
+  </p:cSld>
+  <p:clrMapOvr>
+    <a:masterClrMapping/>
+  </p:clrMapOvr>
+  <p:timing>
+    <p:tnLst>
+      <p:par>
+        <p:cTn id="1" dur="indefinite" restart="never" nodeType="tmRoot"/>
+      </p:par>
+    </p:tnLst>
+  </p:timing>
+</p:sld>
+</file>
+
+<file path=ppt/slides/slide16.xml><?xml version="1.0" encoding="utf-8"?>
+<p:sld xmlns:a="http://schemas.openxmlformats.org/drawingml/2006/main" xmlns:r="http://schemas.openxmlformats.org/officeDocument/2006/relationships" xmlns:p="http://schemas.openxmlformats.org/presentationml/2006/main">
+  <p:cSld>
+    <p:spTree>
+      <p:nvGrpSpPr>
+        <p:cNvPr id="1" name=""/>
+        <p:cNvGrpSpPr/>
+        <p:nvPr/>
+      </p:nvGrpSpPr>
+      <p:grpSpPr>
+        <a:xfrm>
+          <a:off x="0" y="0"/>
+          <a:ext cx="0" cy="0"/>
+          <a:chOff x="0" y="0"/>
+          <a:chExt cx="0" cy="0"/>
+        </a:xfrm>
+      </p:grpSpPr>
+      <p:sp>
+        <p:nvSpPr>
+          <p:cNvPr id="2" name="标题 1"/>
+          <p:cNvSpPr>
+            <a:spLocks noGrp="1"/>
+          </p:cNvSpPr>
+          <p:nvPr>
+            <p:ph type="title"/>
+          </p:nvPr>
+        </p:nvSpPr>
+        <p:spPr/>
+        <p:txBody>
+          <a:bodyPr/>
+          <a:lstStyle/>
+          <a:p>
+            <a:r>
+              <a:rPr lang="zh-CN" altLang="en-US" dirty="0" smtClean="0"/>
+              <a:t>环形的互相备份</a:t>
+            </a:r>
+            <a:endParaRPr lang="zh-CN" altLang="en-US" dirty="0"/>
+          </a:p>
+        </p:txBody>
+      </p:sp>
+      <p:sp>
+        <p:nvSpPr>
+          <p:cNvPr id="3" name="页脚占位符 2"/>
+          <p:cNvSpPr>
+            <a:spLocks noGrp="1"/>
+          </p:cNvSpPr>
+          <p:nvPr>
+            <p:ph type="ftr" sz="quarter" idx="11"/>
+          </p:nvPr>
+        </p:nvSpPr>
+        <p:spPr/>
+        <p:txBody>
+          <a:bodyPr/>
+          <a:lstStyle/>
+          <a:p>
+            <a:endParaRPr lang="zh-CN" altLang="en-US"/>
+          </a:p>
+        </p:txBody>
+      </p:sp>
+      <p:sp>
+        <p:nvSpPr>
+          <p:cNvPr id="4" name="灯片编号占位符 3"/>
+          <p:cNvSpPr>
+            <a:spLocks noGrp="1"/>
+          </p:cNvSpPr>
+          <p:nvPr>
+            <p:ph type="sldNum" sz="quarter" idx="12"/>
+          </p:nvPr>
+        </p:nvSpPr>
+        <p:spPr/>
+        <p:txBody>
+          <a:bodyPr/>
+          <a:lstStyle/>
+          <a:p>
+            <a:fld id="{D114F199-ED81-4DDD-A1D7-86D5FA93F928}" type="slidenum">
+              <a:rPr lang="zh-CN" altLang="en-US" smtClean="0"/>
+              <a:pPr/>
+              <a:t>16</a:t>
+            </a:fld>
+            <a:endParaRPr lang="zh-CN" altLang="en-US"/>
+          </a:p>
+        </p:txBody>
+      </p:sp>
+      <p:grpSp>
+        <p:nvGrpSpPr>
+          <p:cNvPr id="24" name="组合 23"/>
+          <p:cNvGrpSpPr/>
+          <p:nvPr/>
+        </p:nvGrpSpPr>
+        <p:grpSpPr>
+          <a:xfrm>
+            <a:off x="785786" y="1785926"/>
+            <a:ext cx="3988793" cy="3482956"/>
+            <a:chOff x="2500298" y="2008993"/>
+            <a:chExt cx="3988793" cy="3482956"/>
+          </a:xfrm>
+        </p:grpSpPr>
+        <p:sp>
+          <p:nvSpPr>
+            <p:cNvPr id="19" name="椭圆 18"/>
+            <p:cNvSpPr/>
+            <p:nvPr/>
+          </p:nvSpPr>
+          <p:spPr>
+            <a:xfrm>
+              <a:off x="3214678" y="2500306"/>
+              <a:ext cx="2500330" cy="2357454"/>
+            </a:xfrm>
+            <a:prstGeom prst="ellipse">
+              <a:avLst/>
+            </a:prstGeom>
+            <a:noFill/>
+            <a:ln>
+              <a:solidFill>
+                <a:schemeClr val="accent3">
+                  <a:lumMod val="75000"/>
+                </a:schemeClr>
+              </a:solidFill>
+            </a:ln>
+          </p:spPr>
+          <p:style>
+            <a:lnRef idx="2">
+              <a:schemeClr val="accent1">
+                <a:shade val="50000"/>
+              </a:schemeClr>
+            </a:lnRef>
+            <a:fillRef idx="1">
+              <a:schemeClr val="accent1"/>
+            </a:fillRef>
+            <a:effectRef idx="0">
+              <a:schemeClr val="accent1"/>
+            </a:effectRef>
+            <a:fontRef idx="minor">
+              <a:schemeClr val="lt1"/>
+            </a:fontRef>
+          </p:style>
+          <p:txBody>
+            <a:bodyPr rtlCol="0" anchor="ctr"/>
+            <a:lstStyle/>
+            <a:p>
+              <a:pPr algn="ctr"/>
+              <a:endParaRPr lang="zh-CN" altLang="en-US"/>
+            </a:p>
+          </p:txBody>
+        </p:sp>
+        <p:sp>
+          <p:nvSpPr>
+            <p:cNvPr id="6" name="椭圆 5"/>
+            <p:cNvSpPr/>
+            <p:nvPr/>
+          </p:nvSpPr>
+          <p:spPr>
+            <a:xfrm>
+              <a:off x="3071802" y="3143248"/>
+              <a:ext cx="357190" cy="357190"/>
+            </a:xfrm>
+            <a:prstGeom prst="ellipse">
+              <a:avLst/>
+            </a:prstGeom>
+          </p:spPr>
+          <p:style>
+            <a:lnRef idx="2">
+              <a:schemeClr val="accent1">
+                <a:shade val="50000"/>
+              </a:schemeClr>
+            </a:lnRef>
+            <a:fillRef idx="1">
+              <a:schemeClr val="accent1"/>
+            </a:fillRef>
+            <a:effectRef idx="0">
+              <a:schemeClr val="accent1"/>
+            </a:effectRef>
+            <a:fontRef idx="minor">
+              <a:schemeClr val="lt1"/>
+            </a:fontRef>
+          </p:style>
+          <p:txBody>
+            <a:bodyPr rtlCol="0" anchor="ctr"/>
+            <a:lstStyle/>
+            <a:p>
+              <a:pPr algn="ctr"/>
+              <a:endParaRPr lang="zh-CN" altLang="en-US"/>
+            </a:p>
+          </p:txBody>
+        </p:sp>
+        <p:sp>
+          <p:nvSpPr>
+            <p:cNvPr id="7" name="椭圆 6"/>
+            <p:cNvSpPr/>
+            <p:nvPr/>
+          </p:nvSpPr>
+          <p:spPr>
+            <a:xfrm>
+              <a:off x="4214810" y="2357430"/>
+              <a:ext cx="357190" cy="357190"/>
+            </a:xfrm>
+            <a:prstGeom prst="ellipse">
+              <a:avLst/>
+            </a:prstGeom>
+          </p:spPr>
+          <p:style>
+            <a:lnRef idx="2">
+              <a:schemeClr val="accent1">
+                <a:shade val="50000"/>
+              </a:schemeClr>
+            </a:lnRef>
+            <a:fillRef idx="1">
+              <a:schemeClr val="accent1"/>
+            </a:fillRef>
+            <a:effectRef idx="0">
+              <a:schemeClr val="accent1"/>
+            </a:effectRef>
+            <a:fontRef idx="minor">
+              <a:schemeClr val="lt1"/>
+            </a:fontRef>
+          </p:style>
+          <p:txBody>
+            <a:bodyPr rtlCol="0" anchor="ctr"/>
+            <a:lstStyle/>
+            <a:p>
+              <a:pPr algn="ctr"/>
+              <a:endParaRPr lang="zh-CN" altLang="en-US"/>
+            </a:p>
+          </p:txBody>
+        </p:sp>
+        <p:sp>
+          <p:nvSpPr>
+            <p:cNvPr id="8" name="椭圆 7"/>
+            <p:cNvSpPr/>
+            <p:nvPr/>
+          </p:nvSpPr>
+          <p:spPr>
+            <a:xfrm>
+              <a:off x="5357818" y="4143380"/>
+              <a:ext cx="357190" cy="357190"/>
+            </a:xfrm>
+            <a:prstGeom prst="ellipse">
+              <a:avLst/>
+            </a:prstGeom>
+          </p:spPr>
+          <p:style>
+            <a:lnRef idx="2">
+              <a:schemeClr val="accent1">
+                <a:shade val="50000"/>
+              </a:schemeClr>
+            </a:lnRef>
+            <a:fillRef idx="1">
+              <a:schemeClr val="accent1"/>
+            </a:fillRef>
+            <a:effectRef idx="0">
+              <a:schemeClr val="accent1"/>
+            </a:effectRef>
+            <a:fontRef idx="minor">
+              <a:schemeClr val="lt1"/>
+            </a:fontRef>
+          </p:style>
+          <p:txBody>
+            <a:bodyPr rtlCol="0" anchor="ctr"/>
+            <a:lstStyle/>
+            <a:p>
+              <a:pPr algn="ctr"/>
+              <a:endParaRPr lang="zh-CN" altLang="en-US"/>
+            </a:p>
+          </p:txBody>
+        </p:sp>
+        <p:sp>
+          <p:nvSpPr>
+            <p:cNvPr id="9" name="椭圆 8"/>
+            <p:cNvSpPr/>
+            <p:nvPr/>
+          </p:nvSpPr>
+          <p:spPr>
+            <a:xfrm>
+              <a:off x="4357686" y="4714884"/>
+              <a:ext cx="357190" cy="357190"/>
+            </a:xfrm>
+            <a:prstGeom prst="ellipse">
+              <a:avLst/>
+            </a:prstGeom>
+          </p:spPr>
+          <p:style>
+            <a:lnRef idx="2">
+              <a:schemeClr val="accent1">
+                <a:shade val="50000"/>
+              </a:schemeClr>
+            </a:lnRef>
+            <a:fillRef idx="1">
+              <a:schemeClr val="accent1"/>
+            </a:fillRef>
+            <a:effectRef idx="0">
+              <a:schemeClr val="accent1"/>
+            </a:effectRef>
+            <a:fontRef idx="minor">
+              <a:schemeClr val="lt1"/>
+            </a:fontRef>
+          </p:style>
+          <p:txBody>
+            <a:bodyPr rtlCol="0" anchor="ctr"/>
+            <a:lstStyle/>
+            <a:p>
+              <a:pPr algn="ctr"/>
+              <a:endParaRPr lang="zh-CN" altLang="en-US"/>
+            </a:p>
+          </p:txBody>
+        </p:sp>
+        <p:sp>
+          <p:nvSpPr>
+            <p:cNvPr id="10" name="椭圆 9"/>
+            <p:cNvSpPr/>
+            <p:nvPr/>
+          </p:nvSpPr>
+          <p:spPr>
+            <a:xfrm>
+              <a:off x="3214678" y="4214818"/>
+              <a:ext cx="357190" cy="357190"/>
+            </a:xfrm>
+            <a:prstGeom prst="ellipse">
+              <a:avLst/>
+            </a:prstGeom>
+          </p:spPr>
+          <p:style>
+            <a:lnRef idx="2">
+              <a:schemeClr val="accent1">
+                <a:shade val="50000"/>
+              </a:schemeClr>
+            </a:lnRef>
+            <a:fillRef idx="1">
+              <a:schemeClr val="accent1"/>
+            </a:fillRef>
+            <a:effectRef idx="0">
+              <a:schemeClr val="accent1"/>
+            </a:effectRef>
+            <a:fontRef idx="minor">
+              <a:schemeClr val="lt1"/>
+            </a:fontRef>
+          </p:style>
+          <p:txBody>
+            <a:bodyPr rtlCol="0" anchor="ctr"/>
+            <a:lstStyle/>
+            <a:p>
+              <a:pPr algn="ctr"/>
+              <a:endParaRPr lang="zh-CN" altLang="en-US"/>
+            </a:p>
+          </p:txBody>
+        </p:sp>
+        <p:sp>
+          <p:nvSpPr>
+            <p:cNvPr id="11" name="椭圆 10"/>
+            <p:cNvSpPr/>
+            <p:nvPr/>
+          </p:nvSpPr>
+          <p:spPr>
+            <a:xfrm>
+              <a:off x="5429256" y="3071810"/>
+              <a:ext cx="357190" cy="357190"/>
+            </a:xfrm>
+            <a:prstGeom prst="ellipse">
+              <a:avLst/>
+            </a:prstGeom>
+          </p:spPr>
+          <p:style>
+            <a:lnRef idx="2">
+              <a:schemeClr val="accent1">
+                <a:shade val="50000"/>
+              </a:schemeClr>
+            </a:lnRef>
+            <a:fillRef idx="1">
+              <a:schemeClr val="accent1"/>
+            </a:fillRef>
+            <a:effectRef idx="0">
+              <a:schemeClr val="accent1"/>
+            </a:effectRef>
+            <a:fontRef idx="minor">
+              <a:schemeClr val="lt1"/>
+            </a:fontRef>
+          </p:style>
+          <p:txBody>
+            <a:bodyPr rtlCol="0" anchor="ctr"/>
+            <a:lstStyle/>
+            <a:p>
+              <a:pPr algn="ctr"/>
+              <a:endParaRPr lang="zh-CN" altLang="en-US"/>
+            </a:p>
+          </p:txBody>
+        </p:sp>
+        <p:cxnSp>
+          <p:nvCxnSpPr>
+            <p:cNvPr id="23" name="直接箭头连接符 22"/>
+            <p:cNvCxnSpPr/>
+            <p:nvPr/>
+          </p:nvCxnSpPr>
+          <p:spPr>
+            <a:xfrm>
+              <a:off x="5143504" y="2571744"/>
+              <a:ext cx="322314" cy="285752"/>
+            </a:xfrm>
+            <a:prstGeom prst="straightConnector1">
+              <a:avLst/>
+            </a:prstGeom>
+            <a:ln w="25400">
+              <a:solidFill>
+                <a:srgbClr val="FF0000"/>
+              </a:solidFill>
+              <a:tailEnd type="arrow"/>
+            </a:ln>
+          </p:spPr>
+          <p:style>
+            <a:lnRef idx="1">
+              <a:schemeClr val="dk1"/>
+            </a:lnRef>
+            <a:fillRef idx="0">
+              <a:schemeClr val="dk1"/>
+            </a:fillRef>
+            <a:effectRef idx="0">
+              <a:schemeClr val="dk1"/>
+            </a:effectRef>
+            <a:fontRef idx="minor">
+              <a:schemeClr val="tx1"/>
+            </a:fontRef>
+          </p:style>
+        </p:cxnSp>
+        <p:cxnSp>
+          <p:nvCxnSpPr>
+            <p:cNvPr id="27" name="直接箭头连接符 26"/>
+            <p:cNvCxnSpPr/>
+            <p:nvPr/>
+          </p:nvCxnSpPr>
+          <p:spPr>
+            <a:xfrm rot="10800000">
+              <a:off x="3643306" y="4714884"/>
+              <a:ext cx="428628" cy="214314"/>
+            </a:xfrm>
+            <a:prstGeom prst="straightConnector1">
+              <a:avLst/>
+            </a:prstGeom>
+            <a:ln w="25400">
+              <a:solidFill>
+                <a:srgbClr val="FF0000"/>
+              </a:solidFill>
+              <a:tailEnd type="arrow"/>
+            </a:ln>
+          </p:spPr>
+          <p:style>
+            <a:lnRef idx="1">
+              <a:schemeClr val="dk1"/>
+            </a:lnRef>
+            <a:fillRef idx="0">
+              <a:schemeClr val="dk1"/>
+            </a:fillRef>
+            <a:effectRef idx="0">
+              <a:schemeClr val="dk1"/>
+            </a:effectRef>
+            <a:fontRef idx="minor">
+              <a:schemeClr val="tx1"/>
+            </a:fontRef>
+          </p:style>
+        </p:cxnSp>
+        <p:cxnSp>
+          <p:nvCxnSpPr>
+            <p:cNvPr id="30" name="直接箭头连接符 29"/>
+            <p:cNvCxnSpPr/>
+            <p:nvPr/>
+          </p:nvCxnSpPr>
+          <p:spPr>
+            <a:xfrm rot="10800000" flipV="1">
+              <a:off x="5000628" y="4643446"/>
+              <a:ext cx="357190" cy="214314"/>
+            </a:xfrm>
+            <a:prstGeom prst="straightConnector1">
+              <a:avLst/>
+            </a:prstGeom>
+            <a:ln w="25400">
+              <a:solidFill>
+                <a:srgbClr val="FF0000"/>
+              </a:solidFill>
+              <a:tailEnd type="arrow"/>
+            </a:ln>
+          </p:spPr>
+          <p:style>
+            <a:lnRef idx="1">
+              <a:schemeClr val="dk1"/>
+            </a:lnRef>
+            <a:fillRef idx="0">
+              <a:schemeClr val="dk1"/>
+            </a:fillRef>
+            <a:effectRef idx="0">
+              <a:schemeClr val="dk1"/>
+            </a:effectRef>
+            <a:fontRef idx="minor">
+              <a:schemeClr val="tx1"/>
+            </a:fontRef>
+          </p:style>
+        </p:cxnSp>
+        <p:cxnSp>
+          <p:nvCxnSpPr>
+            <p:cNvPr id="32" name="直接箭头连接符 31"/>
+            <p:cNvCxnSpPr/>
+            <p:nvPr/>
+          </p:nvCxnSpPr>
+          <p:spPr>
+            <a:xfrm rot="5400000">
+              <a:off x="5571338" y="3786190"/>
+              <a:ext cx="429422" cy="794"/>
+            </a:xfrm>
+            <a:prstGeom prst="straightConnector1">
+              <a:avLst/>
+            </a:prstGeom>
+            <a:ln w="25400">
+              <a:solidFill>
+                <a:srgbClr val="FF0000"/>
+              </a:solidFill>
+              <a:tailEnd type="arrow"/>
+            </a:ln>
+          </p:spPr>
+          <p:style>
+            <a:lnRef idx="1">
+              <a:schemeClr val="dk1"/>
+            </a:lnRef>
+            <a:fillRef idx="0">
+              <a:schemeClr val="dk1"/>
+            </a:fillRef>
+            <a:effectRef idx="0">
+              <a:schemeClr val="dk1"/>
+            </a:effectRef>
+            <a:fontRef idx="minor">
+              <a:schemeClr val="tx1"/>
+            </a:fontRef>
+          </p:style>
+        </p:cxnSp>
+        <p:cxnSp>
+          <p:nvCxnSpPr>
+            <p:cNvPr id="35" name="直接箭头连接符 34"/>
+            <p:cNvCxnSpPr/>
+            <p:nvPr/>
+          </p:nvCxnSpPr>
+          <p:spPr>
+            <a:xfrm flipV="1">
+              <a:off x="3428992" y="2572538"/>
+              <a:ext cx="357190" cy="284958"/>
+            </a:xfrm>
+            <a:prstGeom prst="straightConnector1">
+              <a:avLst/>
+            </a:prstGeom>
+            <a:ln w="25400">
+              <a:solidFill>
+                <a:srgbClr val="FF0000"/>
+              </a:solidFill>
+              <a:tailEnd type="arrow"/>
+            </a:ln>
+          </p:spPr>
+          <p:style>
+            <a:lnRef idx="1">
+              <a:schemeClr val="dk1"/>
+            </a:lnRef>
+            <a:fillRef idx="0">
+              <a:schemeClr val="dk1"/>
+            </a:fillRef>
+            <a:effectRef idx="0">
+              <a:schemeClr val="dk1"/>
+            </a:effectRef>
+            <a:fontRef idx="minor">
+              <a:schemeClr val="tx1"/>
+            </a:fontRef>
+          </p:style>
+        </p:cxnSp>
+        <p:cxnSp>
+          <p:nvCxnSpPr>
+            <p:cNvPr id="37" name="直接箭头连接符 36"/>
+            <p:cNvCxnSpPr/>
+            <p:nvPr/>
+          </p:nvCxnSpPr>
+          <p:spPr>
+            <a:xfrm rot="5400000" flipH="1" flipV="1">
+              <a:off x="2928926" y="3857628"/>
+              <a:ext cx="428628" cy="1588"/>
+            </a:xfrm>
+            <a:prstGeom prst="straightConnector1">
+              <a:avLst/>
+            </a:prstGeom>
+            <a:ln w="25400">
+              <a:solidFill>
+                <a:srgbClr val="FF0000"/>
+              </a:solidFill>
+              <a:tailEnd type="arrow"/>
+            </a:ln>
+          </p:spPr>
+          <p:style>
+            <a:lnRef idx="1">
+              <a:schemeClr val="dk1"/>
+            </a:lnRef>
+            <a:fillRef idx="0">
+              <a:schemeClr val="dk1"/>
+            </a:fillRef>
+            <a:effectRef idx="0">
+              <a:schemeClr val="dk1"/>
+            </a:effectRef>
+            <a:fontRef idx="minor">
+              <a:schemeClr val="tx1"/>
+            </a:fontRef>
+          </p:style>
+        </p:cxnSp>
+        <p:sp>
+          <p:nvSpPr>
+            <p:cNvPr id="40" name="TextBox 39"/>
+            <p:cNvSpPr txBox="1"/>
+            <p:nvPr/>
+          </p:nvSpPr>
+          <p:spPr>
+            <a:xfrm>
+              <a:off x="4143372" y="2008993"/>
+              <a:ext cx="559769" cy="276999"/>
+            </a:xfrm>
+            <a:prstGeom prst="rect">
+              <a:avLst/>
+            </a:prstGeom>
+            <a:noFill/>
+          </p:spPr>
+          <p:txBody>
+            <a:bodyPr wrap="none" rtlCol="0">
+              <a:spAutoFit/>
+            </a:bodyPr>
+            <a:lstStyle/>
+            <a:p>
+              <a:r>
+                <a:rPr lang="en-US" altLang="zh-CN" sz="1200" dirty="0" smtClean="0"/>
+                <a:t>MDS1</a:t>
+              </a:r>
+              <a:endParaRPr lang="zh-CN" altLang="en-US" dirty="0"/>
+            </a:p>
+          </p:txBody>
+        </p:sp>
+        <p:sp>
+          <p:nvSpPr>
+            <p:cNvPr id="43" name="TextBox 42"/>
+            <p:cNvSpPr txBox="1"/>
+            <p:nvPr/>
+          </p:nvSpPr>
+          <p:spPr>
+            <a:xfrm>
+              <a:off x="5929322" y="3071810"/>
+              <a:ext cx="559769" cy="276999"/>
+            </a:xfrm>
+            <a:prstGeom prst="rect">
+              <a:avLst/>
+            </a:prstGeom>
+            <a:noFill/>
+          </p:spPr>
+          <p:txBody>
+            <a:bodyPr wrap="none" rtlCol="0">
+              <a:spAutoFit/>
+            </a:bodyPr>
+            <a:lstStyle/>
+            <a:p>
+              <a:r>
+                <a:rPr lang="en-US" altLang="zh-CN" sz="1200" dirty="0" smtClean="0"/>
+                <a:t>MDS2</a:t>
+              </a:r>
+              <a:endParaRPr lang="zh-CN" altLang="en-US" dirty="0"/>
+            </a:p>
+          </p:txBody>
+        </p:sp>
+        <p:sp>
+          <p:nvSpPr>
+            <p:cNvPr id="44" name="TextBox 43"/>
+            <p:cNvSpPr txBox="1"/>
+            <p:nvPr/>
+          </p:nvSpPr>
+          <p:spPr>
+            <a:xfrm>
+              <a:off x="5786446" y="4357694"/>
+              <a:ext cx="559769" cy="276999"/>
+            </a:xfrm>
+            <a:prstGeom prst="rect">
+              <a:avLst/>
+            </a:prstGeom>
+            <a:noFill/>
+          </p:spPr>
+          <p:txBody>
+            <a:bodyPr wrap="none" rtlCol="0">
+              <a:spAutoFit/>
+            </a:bodyPr>
+            <a:lstStyle/>
+            <a:p>
+              <a:r>
+                <a:rPr lang="en-US" altLang="zh-CN" sz="1200" dirty="0" smtClean="0"/>
+                <a:t>MDS3</a:t>
+              </a:r>
+              <a:endParaRPr lang="zh-CN" altLang="en-US" dirty="0"/>
+            </a:p>
+          </p:txBody>
+        </p:sp>
+        <p:sp>
+          <p:nvSpPr>
+            <p:cNvPr id="45" name="TextBox 44"/>
+            <p:cNvSpPr txBox="1"/>
+            <p:nvPr/>
+          </p:nvSpPr>
+          <p:spPr>
+            <a:xfrm>
+              <a:off x="4357686" y="5214950"/>
+              <a:ext cx="559769" cy="276999"/>
+            </a:xfrm>
+            <a:prstGeom prst="rect">
+              <a:avLst/>
+            </a:prstGeom>
+            <a:noFill/>
+          </p:spPr>
+          <p:txBody>
+            <a:bodyPr wrap="none" rtlCol="0">
+              <a:spAutoFit/>
+            </a:bodyPr>
+            <a:lstStyle/>
+            <a:p>
+              <a:r>
+                <a:rPr lang="en-US" altLang="zh-CN" sz="1200" dirty="0" smtClean="0"/>
+                <a:t>MDS4</a:t>
+              </a:r>
+              <a:endParaRPr lang="zh-CN" altLang="en-US" dirty="0"/>
+            </a:p>
+          </p:txBody>
+        </p:sp>
+        <p:sp>
+          <p:nvSpPr>
+            <p:cNvPr id="46" name="TextBox 45"/>
+            <p:cNvSpPr txBox="1"/>
+            <p:nvPr/>
+          </p:nvSpPr>
+          <p:spPr>
+            <a:xfrm>
+              <a:off x="2714612" y="4643446"/>
+              <a:ext cx="543739" cy="276999"/>
+            </a:xfrm>
+            <a:prstGeom prst="rect">
+              <a:avLst/>
+            </a:prstGeom>
+            <a:noFill/>
+          </p:spPr>
+          <p:txBody>
+            <a:bodyPr wrap="none" rtlCol="0">
+              <a:spAutoFit/>
+            </a:bodyPr>
+            <a:lstStyle/>
+            <a:p>
+              <a:r>
+                <a:rPr lang="en-US" altLang="zh-CN" sz="1200" dirty="0" smtClean="0"/>
+                <a:t>M5S1</a:t>
+              </a:r>
+              <a:endParaRPr lang="zh-CN" altLang="en-US" dirty="0"/>
+            </a:p>
+          </p:txBody>
+        </p:sp>
+        <p:sp>
+          <p:nvSpPr>
+            <p:cNvPr id="47" name="TextBox 46"/>
+            <p:cNvSpPr txBox="1"/>
+            <p:nvPr/>
+          </p:nvSpPr>
+          <p:spPr>
+            <a:xfrm>
+              <a:off x="2500298" y="2857496"/>
+              <a:ext cx="559769" cy="276999"/>
+            </a:xfrm>
+            <a:prstGeom prst="rect">
+              <a:avLst/>
+            </a:prstGeom>
+            <a:noFill/>
+          </p:spPr>
+          <p:txBody>
+            <a:bodyPr wrap="none" rtlCol="0">
+              <a:spAutoFit/>
+            </a:bodyPr>
+            <a:lstStyle/>
+            <a:p>
+              <a:r>
+                <a:rPr lang="en-US" altLang="zh-CN" sz="1200" dirty="0" smtClean="0"/>
+                <a:t>MDS6</a:t>
+              </a:r>
+              <a:endParaRPr lang="zh-CN" altLang="en-US" dirty="0"/>
+            </a:p>
+          </p:txBody>
+        </p:sp>
+      </p:grpSp>
+    </p:spTree>
+  </p:cSld>
+  <p:clrMapOvr>
+    <a:masterClrMapping/>
+  </p:clrMapOvr>
+  <p:timing>
+    <p:tnLst>
+      <p:par>
+        <p:cTn id="1" dur="indefinite" restart="never" nodeType="tmRoot"/>
+      </p:par>
+    </p:tnLst>
+  </p:timing>
+</p:sld>
+</file>
+
+<file path=ppt/slides/slide17.xml><?xml version="1.0" encoding="utf-8"?>
+<p:sld xmlns:a="http://schemas.openxmlformats.org/drawingml/2006/main" xmlns:r="http://schemas.openxmlformats.org/officeDocument/2006/relationships" xmlns:p="http://schemas.openxmlformats.org/presentationml/2006/main">
+  <p:cSld>
+    <p:spTree>
+      <p:nvGrpSpPr>
+        <p:cNvPr id="1" name=""/>
+        <p:cNvGrpSpPr/>
+        <p:nvPr/>
+      </p:nvGrpSpPr>
+      <p:grpSpPr>
+        <a:xfrm>
+          <a:off x="0" y="0"/>
+          <a:ext cx="0" cy="0"/>
+          <a:chOff x="0" y="0"/>
+          <a:chExt cx="0" cy="0"/>
+        </a:xfrm>
+      </p:grpSpPr>
+      <p:sp>
+        <p:nvSpPr>
+          <p:cNvPr id="2" name="标题 1"/>
+          <p:cNvSpPr>
+            <a:spLocks noGrp="1"/>
+          </p:cNvSpPr>
+          <p:nvPr>
+            <p:ph type="title"/>
+          </p:nvPr>
+        </p:nvSpPr>
+        <p:spPr/>
+        <p:txBody>
+          <a:bodyPr/>
+          <a:lstStyle/>
+          <a:p>
+            <a:r>
+              <a:rPr lang="zh-CN" altLang="en-US" dirty="0" smtClean="0"/>
+              <a:t>研究计划</a:t>
+            </a:r>
+            <a:endParaRPr lang="zh-CN" altLang="en-US" dirty="0"/>
+          </a:p>
+        </p:txBody>
+      </p:sp>
+      <p:sp>
+        <p:nvSpPr>
+          <p:cNvPr id="3" name="页脚占位符 2"/>
+          <p:cNvSpPr>
+            <a:spLocks noGrp="1"/>
+          </p:cNvSpPr>
+          <p:nvPr>
+            <p:ph type="ftr" sz="quarter" idx="11"/>
+          </p:nvPr>
+        </p:nvSpPr>
+        <p:spPr/>
+        <p:txBody>
+          <a:bodyPr/>
+          <a:lstStyle/>
+          <a:p>
+            <a:endParaRPr lang="zh-CN" altLang="en-US"/>
+          </a:p>
+        </p:txBody>
+      </p:sp>
+      <p:sp>
+        <p:nvSpPr>
+          <p:cNvPr id="4" name="灯片编号占位符 3"/>
+          <p:cNvSpPr>
+            <a:spLocks noGrp="1"/>
+          </p:cNvSpPr>
+          <p:nvPr>
+            <p:ph type="sldNum" sz="quarter" idx="12"/>
+          </p:nvPr>
+        </p:nvSpPr>
+        <p:spPr/>
+        <p:txBody>
+          <a:bodyPr/>
+          <a:lstStyle/>
+          <a:p>
+            <a:fld id="{D114F199-ED81-4DDD-A1D7-86D5FA93F928}" type="slidenum">
+              <a:rPr lang="zh-CN" altLang="en-US" smtClean="0"/>
+              <a:pPr/>
+              <a:t>17</a:t>
+            </a:fld>
+            <a:endParaRPr lang="zh-CN" altLang="en-US"/>
+          </a:p>
+        </p:txBody>
+      </p:sp>
+      <p:sp>
+        <p:nvSpPr>
+          <p:cNvPr id="5" name="内容占位符 4"/>
+          <p:cNvSpPr>
+            <a:spLocks noGrp="1"/>
+          </p:cNvSpPr>
+          <p:nvPr>
+            <p:ph sz="quarter" idx="1"/>
+          </p:nvPr>
+        </p:nvSpPr>
+        <p:spPr/>
+        <p:txBody>
+          <a:bodyPr>
+            <a:normAutofit/>
+          </a:bodyPr>
+          <a:lstStyle/>
+          <a:p>
+            <a:r>
+              <a:rPr lang="ru-RU" b="1" i="1" dirty="0" smtClean="0"/>
+              <a:t>预期研究成果 </a:t>
+            </a:r>
+            <a:endParaRPr lang="zh-CN" altLang="en-US" b="1" i="1" dirty="0" smtClean="0"/>
+          </a:p>
+          <a:p>
+            <a:pPr lvl="1"/>
+            <a:r>
+              <a:rPr lang="ru-RU" dirty="0" smtClean="0"/>
+              <a:t>元数据服务器集群管理算法</a:t>
+            </a:r>
+            <a:endParaRPr lang="zh-CN" altLang="en-US" dirty="0" smtClean="0"/>
+          </a:p>
+          <a:p>
+            <a:pPr lvl="1"/>
+            <a:r>
+              <a:rPr lang="ru-RU" dirty="0" smtClean="0"/>
+              <a:t>MooseFS</a:t>
+            </a:r>
+            <a:r>
+              <a:rPr lang="zh-CN" altLang="en-US" dirty="0" smtClean="0"/>
+              <a:t>移植</a:t>
+            </a:r>
+            <a:endParaRPr lang="en-US" altLang="zh-CN" dirty="0" smtClean="0"/>
+          </a:p>
+          <a:p>
+            <a:pPr lvl="1"/>
+            <a:r>
+              <a:rPr lang="en-US" altLang="zh-CN" dirty="0" smtClean="0"/>
+              <a:t>Cache</a:t>
+            </a:r>
+            <a:r>
+              <a:rPr lang="zh-CN" altLang="en-US" dirty="0" smtClean="0"/>
+              <a:t>策略</a:t>
+            </a:r>
+            <a:endParaRPr lang="en-US" altLang="zh-CN" dirty="0" smtClean="0"/>
+          </a:p>
+          <a:p>
+            <a:pPr lvl="1"/>
+            <a:r>
+              <a:rPr lang="ru-RU" dirty="0" smtClean="0"/>
+              <a:t>Bench</a:t>
+            </a:r>
+            <a:r>
+              <a:rPr lang="en-US" dirty="0" smtClean="0"/>
+              <a:t>m</a:t>
+            </a:r>
+            <a:r>
+              <a:rPr lang="ru-RU" dirty="0" smtClean="0"/>
+              <a:t>ark</a:t>
+            </a:r>
+            <a:endParaRPr lang="en-US" dirty="0" smtClean="0"/>
+          </a:p>
+          <a:p>
+            <a:pPr lvl="1"/>
+            <a:r>
+              <a:rPr lang="zh-CN" altLang="en-US" dirty="0" smtClean="0"/>
+              <a:t>尝试使用</a:t>
+            </a:r>
+            <a:r>
+              <a:rPr lang="ru-RU" dirty="0" smtClean="0"/>
+              <a:t>Key-Value</a:t>
+            </a:r>
+            <a:r>
+              <a:rPr lang="zh-CN" altLang="en-US" dirty="0" smtClean="0"/>
+              <a:t>数据库实现元数据服务器</a:t>
+            </a:r>
+          </a:p>
+          <a:p>
+            <a:r>
+              <a:rPr lang="ru-RU" b="1" i="1" dirty="0" smtClean="0"/>
+              <a:t>研究计划及预期进展 </a:t>
+            </a:r>
+            <a:endParaRPr lang="zh-CN" altLang="en-US" b="1" i="1" dirty="0" smtClean="0"/>
+          </a:p>
+          <a:p>
+            <a:pPr lvl="1"/>
+            <a:r>
+              <a:rPr lang="ru-RU" dirty="0" smtClean="0"/>
+              <a:t>2010/05 – 2010/10	</a:t>
+            </a:r>
+            <a:r>
+              <a:rPr lang="zh-CN" altLang="en-US" dirty="0" smtClean="0"/>
+              <a:t>相关系统调研</a:t>
+            </a:r>
+          </a:p>
+          <a:p>
+            <a:pPr lvl="1"/>
+            <a:r>
+              <a:rPr lang="ru-RU" dirty="0" smtClean="0"/>
+              <a:t>2010/11 – 2010/12	</a:t>
+            </a:r>
+            <a:r>
+              <a:rPr lang="zh-CN" altLang="en-US" dirty="0" smtClean="0"/>
+              <a:t>元数据分布算法设计</a:t>
+            </a:r>
+          </a:p>
+          <a:p>
+            <a:pPr lvl="1"/>
+            <a:r>
+              <a:rPr lang="ru-RU" dirty="0" smtClean="0"/>
+              <a:t>2011/01 – 2011/02	</a:t>
+            </a:r>
+            <a:r>
+              <a:rPr lang="zh-CN" altLang="en-US" dirty="0" smtClean="0"/>
+              <a:t>系统实现，性能测试</a:t>
+            </a:r>
+          </a:p>
+          <a:p>
+            <a:pPr lvl="1"/>
+            <a:r>
+              <a:rPr lang="ru-RU" dirty="0" smtClean="0"/>
+              <a:t>2011/03 – 2011/04	</a:t>
+            </a:r>
+            <a:r>
+              <a:rPr lang="zh-CN" altLang="en-US" dirty="0" smtClean="0"/>
+              <a:t>论文写作</a:t>
+            </a:r>
+          </a:p>
+          <a:p>
+            <a:endParaRPr lang="zh-CN" altLang="en-US" dirty="0"/>
           </a:p>
         </p:txBody>
       </p:sp>
@@ -12035,14 +10968,23 @@
             <p:ph type="title"/>
           </p:nvPr>
         </p:nvSpPr>
-        <p:spPr/>
+        <p:spPr>
+          <a:xfrm>
+            <a:off x="428596" y="3000372"/>
+            <a:ext cx="8229600" cy="1143000"/>
+          </a:xfrm>
+        </p:spPr>
         <p:txBody>
           <a:bodyPr/>
           <a:lstStyle/>
           <a:p>
             <a:r>
               <a:rPr lang="zh-CN" altLang="en-US" dirty="0" smtClean="0"/>
-              <a:t>课题目标</a:t>
+              <a:t>谢谢各位老师 </a:t>
+            </a:r>
+            <a:r>
+              <a:rPr lang="en-US" altLang="zh-CN" dirty="0" smtClean="0"/>
+              <a:t>!</a:t>
             </a:r>
             <a:endParaRPr lang="zh-CN" altLang="en-US" dirty="0"/>
           </a:p>
@@ -12050,71 +10992,7 @@
       </p:sp>
       <p:sp>
         <p:nvSpPr>
-          <p:cNvPr id="3" name="内容占位符 2"/>
-          <p:cNvSpPr>
-            <a:spLocks noGrp="1"/>
-          </p:cNvSpPr>
-          <p:nvPr>
-            <p:ph sz="quarter" idx="1"/>
-          </p:nvPr>
-        </p:nvSpPr>
-        <p:spPr/>
-        <p:txBody>
-          <a:bodyPr>
-            <a:normAutofit/>
-          </a:bodyPr>
-          <a:lstStyle/>
-          <a:p>
-            <a:r>
-              <a:rPr lang="zh-CN" altLang="en-US" dirty="0" smtClean="0"/>
-              <a:t>元数据集群</a:t>
-            </a:r>
-            <a:endParaRPr lang="en-US" dirty="0" smtClean="0"/>
-          </a:p>
-          <a:p>
-            <a:pPr lvl="1"/>
-            <a:r>
-              <a:rPr lang="ru-RU" dirty="0" smtClean="0"/>
-              <a:t>元数据分布策略  </a:t>
-            </a:r>
-            <a:endParaRPr lang="zh-CN" altLang="en-US" dirty="0" smtClean="0"/>
-          </a:p>
-          <a:p>
-            <a:pPr lvl="1"/>
-            <a:r>
-              <a:rPr lang="ru-RU" dirty="0" smtClean="0"/>
-              <a:t>可扩展性 </a:t>
-            </a:r>
-            <a:endParaRPr lang="en-US" dirty="0" smtClean="0"/>
-          </a:p>
-          <a:p>
-            <a:pPr lvl="1"/>
-            <a:r>
-              <a:rPr lang="ru-RU" dirty="0" smtClean="0"/>
-              <a:t>可用性 </a:t>
-            </a:r>
-            <a:endParaRPr lang="zh-CN" altLang="en-US" dirty="0" smtClean="0"/>
-          </a:p>
-          <a:p>
-            <a:pPr lvl="1"/>
-            <a:r>
-              <a:rPr lang="ru-RU" dirty="0" smtClean="0"/>
-              <a:t>负载均衡 </a:t>
-            </a:r>
-            <a:endParaRPr lang="en-US" dirty="0" smtClean="0"/>
-          </a:p>
-          <a:p>
-            <a:pPr lvl="1"/>
-            <a:r>
-              <a:rPr lang="zh-CN" altLang="en-US" dirty="0" smtClean="0"/>
-              <a:t>一致性</a:t>
-            </a:r>
-          </a:p>
-        </p:txBody>
-      </p:sp>
-      <p:sp>
-        <p:nvSpPr>
-          <p:cNvPr id="4" name="灯片编号占位符 3"/>
+          <p:cNvPr id="3" name="灯片编号占位符 2"/>
           <p:cNvSpPr>
             <a:spLocks noGrp="1"/>
           </p:cNvSpPr>
@@ -12138,192 +11016,7 @@
       </p:sp>
       <p:sp>
         <p:nvSpPr>
-          <p:cNvPr id="5" name="页脚占位符 4"/>
-          <p:cNvSpPr>
-            <a:spLocks noGrp="1"/>
-          </p:cNvSpPr>
-          <p:nvPr>
-            <p:ph type="ftr" sz="quarter" idx="11"/>
-          </p:nvPr>
-        </p:nvSpPr>
-        <p:spPr/>
-        <p:txBody>
-          <a:bodyPr/>
-          <a:lstStyle/>
-          <a:p>
-            <a:endParaRPr lang="zh-CN" altLang="en-US"/>
-          </a:p>
-        </p:txBody>
-      </p:sp>
-    </p:spTree>
-  </p:cSld>
-  <p:clrMapOvr>
-    <a:masterClrMapping/>
-  </p:clrMapOvr>
-  <p:timing>
-    <p:tnLst>
-      <p:par>
-        <p:cTn id="1" dur="indefinite" restart="never" nodeType="tmRoot"/>
-      </p:par>
-    </p:tnLst>
-  </p:timing>
-</p:sld>
-</file>
-
-<file path=ppt/slides/slide19.xml><?xml version="1.0" encoding="utf-8"?>
-<p:sld xmlns:a="http://schemas.openxmlformats.org/drawingml/2006/main" xmlns:r="http://schemas.openxmlformats.org/officeDocument/2006/relationships" xmlns:p="http://schemas.openxmlformats.org/presentationml/2006/main">
-  <p:cSld>
-    <p:spTree>
-      <p:nvGrpSpPr>
-        <p:cNvPr id="1" name=""/>
-        <p:cNvGrpSpPr/>
-        <p:nvPr/>
-      </p:nvGrpSpPr>
-      <p:grpSpPr>
-        <a:xfrm>
-          <a:off x="0" y="0"/>
-          <a:ext cx="0" cy="0"/>
-          <a:chOff x="0" y="0"/>
-          <a:chExt cx="0" cy="0"/>
-        </a:xfrm>
-      </p:grpSpPr>
-      <p:sp>
-        <p:nvSpPr>
-          <p:cNvPr id="2" name="标题 1"/>
-          <p:cNvSpPr>
-            <a:spLocks noGrp="1"/>
-          </p:cNvSpPr>
-          <p:nvPr>
-            <p:ph type="title"/>
-          </p:nvPr>
-        </p:nvSpPr>
-        <p:spPr/>
-        <p:txBody>
-          <a:bodyPr>
-            <a:normAutofit/>
-          </a:bodyPr>
-          <a:lstStyle/>
-          <a:p>
-            <a:r>
-              <a:rPr lang="zh-CN" altLang="en-US" dirty="0" smtClean="0"/>
-              <a:t>关键技术</a:t>
-            </a:r>
-            <a:endParaRPr lang="zh-CN" altLang="en-US" dirty="0"/>
-          </a:p>
-        </p:txBody>
-      </p:sp>
-      <p:sp>
-        <p:nvSpPr>
-          <p:cNvPr id="3" name="内容占位符 2"/>
-          <p:cNvSpPr>
-            <a:spLocks noGrp="1"/>
-          </p:cNvSpPr>
-          <p:nvPr>
-            <p:ph sz="quarter" idx="1"/>
-          </p:nvPr>
-        </p:nvSpPr>
-        <p:spPr/>
-        <p:txBody>
-          <a:bodyPr/>
-          <a:lstStyle/>
-          <a:p>
-            <a:pPr lvl="0"/>
-            <a:r>
-              <a:rPr lang="ru-RU" dirty="0" smtClean="0"/>
-              <a:t>一致性</a:t>
-            </a:r>
-            <a:r>
-              <a:rPr lang="en-US" altLang="zh-CN" dirty="0" smtClean="0"/>
-              <a:t>H</a:t>
-            </a:r>
-            <a:r>
-              <a:rPr lang="ru-RU" dirty="0" smtClean="0"/>
-              <a:t>ash </a:t>
-            </a:r>
-            <a:endParaRPr lang="zh-CN" altLang="en-US" dirty="0" smtClean="0"/>
-          </a:p>
-          <a:p>
-            <a:pPr lvl="0"/>
-            <a:r>
-              <a:rPr lang="ru-RU" dirty="0" smtClean="0"/>
-              <a:t>冗余</a:t>
-            </a:r>
-            <a:r>
-              <a:rPr lang="zh-CN" altLang="en-US" dirty="0" smtClean="0"/>
-              <a:t>备份</a:t>
-            </a:r>
-          </a:p>
-          <a:p>
-            <a:pPr lvl="0"/>
-            <a:r>
-              <a:rPr lang="ru-RU" dirty="0" smtClean="0"/>
-              <a:t>版本号 </a:t>
-            </a:r>
-            <a:endParaRPr lang="zh-CN" altLang="en-US" dirty="0" smtClean="0"/>
-          </a:p>
-          <a:p>
-            <a:pPr lvl="0"/>
-            <a:r>
-              <a:rPr lang="en-US" altLang="zh-CN" dirty="0" smtClean="0"/>
-              <a:t>P</a:t>
-            </a:r>
-            <a:r>
-              <a:rPr lang="ru-RU" dirty="0" smtClean="0"/>
-              <a:t>axos </a:t>
-            </a:r>
-            <a:r>
-              <a:rPr lang="zh-CN" altLang="en-US" dirty="0" smtClean="0"/>
-              <a:t>选举算法 </a:t>
-            </a:r>
-          </a:p>
-          <a:p>
-            <a:pPr lvl="0"/>
-            <a:r>
-              <a:rPr lang="ru-RU" dirty="0" smtClean="0"/>
-              <a:t>分布式事物锁 </a:t>
-            </a:r>
-            <a:endParaRPr lang="zh-CN" altLang="en-US" dirty="0" smtClean="0"/>
-          </a:p>
-          <a:p>
-            <a:pPr lvl="0"/>
-            <a:r>
-              <a:rPr lang="ru-RU" dirty="0" smtClean="0"/>
-              <a:t>检查点和日志，两段提交协议 </a:t>
-            </a:r>
-            <a:endParaRPr lang="zh-CN" altLang="en-US" dirty="0" smtClean="0"/>
-          </a:p>
-          <a:p>
-            <a:endParaRPr lang="zh-CN" altLang="en-US" dirty="0"/>
-          </a:p>
-        </p:txBody>
-      </p:sp>
-      <p:sp>
-        <p:nvSpPr>
-          <p:cNvPr id="4" name="灯片编号占位符 3"/>
-          <p:cNvSpPr>
-            <a:spLocks noGrp="1"/>
-          </p:cNvSpPr>
-          <p:nvPr>
-            <p:ph type="sldNum" sz="quarter" idx="12"/>
-          </p:nvPr>
-        </p:nvSpPr>
-        <p:spPr/>
-        <p:txBody>
-          <a:bodyPr/>
-          <a:lstStyle/>
-          <a:p>
-            <a:fld id="{D114F199-ED81-4DDD-A1D7-86D5FA93F928}" type="slidenum">
-              <a:rPr lang="zh-CN" altLang="en-US" smtClean="0"/>
-              <a:pPr/>
-              <a:t>19</a:t>
-            </a:fld>
-            <a:endParaRPr lang="zh-CN" altLang="en-US"/>
-          </a:p>
-        </p:txBody>
-      </p:sp>
-      <p:sp>
-        <p:nvSpPr>
-          <p:cNvPr id="5" name="页脚占位符 4"/>
+          <p:cNvPr id="4" name="页脚占位符 3"/>
           <p:cNvSpPr>
             <a:spLocks noGrp="1"/>
           </p:cNvSpPr>
@@ -12412,7 +11105,7 @@
           <a:p>
             <a:r>
               <a:rPr lang="zh-CN" altLang="en-US" dirty="0" smtClean="0"/>
-              <a:t>集群存储系统的发展</a:t>
+              <a:t>课题来源（集群存储系统的发展）</a:t>
             </a:r>
             <a:endParaRPr lang="en-US" altLang="zh-CN" dirty="0" smtClean="0"/>
           </a:p>
@@ -12426,34 +11119,36 @@
           <a:p>
             <a:r>
               <a:rPr lang="zh-CN" altLang="en-US" dirty="0" smtClean="0"/>
-              <a:t>单一</a:t>
-            </a:r>
-            <a:r>
-              <a:rPr lang="en-US" altLang="zh-CN" dirty="0" smtClean="0"/>
-              <a:t>MDS</a:t>
-            </a:r>
+              <a:t>单元数据服务器 带来的问题</a:t>
+            </a:r>
+            <a:endParaRPr lang="en-US" altLang="zh-CN" dirty="0" smtClean="0"/>
+          </a:p>
+          <a:p>
             <a:r>
               <a:rPr lang="zh-CN" altLang="en-US" dirty="0" smtClean="0"/>
-              <a:t>带来的问题</a:t>
+              <a:t>元数据集群方案调研</a:t>
             </a:r>
             <a:endParaRPr lang="en-US" altLang="zh-CN" dirty="0" smtClean="0"/>
           </a:p>
           <a:p>
             <a:r>
-              <a:rPr lang="en-US" altLang="zh-CN" dirty="0" smtClean="0"/>
-              <a:t>MDS</a:t>
-            </a:r>
-            <a:r>
               <a:rPr lang="zh-CN" altLang="en-US" dirty="0" smtClean="0"/>
-              <a:t>集群方案调研</a:t>
+              <a:t>拟采取的</a:t>
+            </a:r>
+            <a:r>
+              <a:rPr lang="zh-CN" altLang="en-US" dirty="0" smtClean="0"/>
+              <a:t>方法</a:t>
             </a:r>
             <a:endParaRPr lang="en-US" altLang="zh-CN" dirty="0" smtClean="0"/>
           </a:p>
           <a:p>
             <a:r>
               <a:rPr lang="zh-CN" altLang="en-US" dirty="0" smtClean="0"/>
-              <a:t>拟采取的方法</a:t>
-            </a:r>
+              <a:t>研究计划</a:t>
+            </a:r>
+            <a:endParaRPr lang="en-US" altLang="zh-CN" dirty="0" smtClean="0"/>
+          </a:p>
+          <a:p>
             <a:endParaRPr lang="en-US" altLang="zh-CN" dirty="0" smtClean="0"/>
           </a:p>
           <a:p>
@@ -12491,1007 +11186,6 @@
       <p:sp>
         <p:nvSpPr>
           <p:cNvPr id="5" name="页脚占位符 4"/>
-          <p:cNvSpPr>
-            <a:spLocks noGrp="1"/>
-          </p:cNvSpPr>
-          <p:nvPr>
-            <p:ph type="ftr" sz="quarter" idx="11"/>
-          </p:nvPr>
-        </p:nvSpPr>
-        <p:spPr/>
-        <p:txBody>
-          <a:bodyPr/>
-          <a:lstStyle/>
-          <a:p>
-            <a:endParaRPr lang="zh-CN" altLang="en-US"/>
-          </a:p>
-        </p:txBody>
-      </p:sp>
-    </p:spTree>
-  </p:cSld>
-  <p:clrMapOvr>
-    <a:masterClrMapping/>
-  </p:clrMapOvr>
-  <p:timing>
-    <p:tnLst>
-      <p:par>
-        <p:cTn id="1" dur="indefinite" restart="never" nodeType="tmRoot"/>
-      </p:par>
-    </p:tnLst>
-  </p:timing>
-</p:sld>
-</file>
-
-<file path=ppt/slides/slide20.xml><?xml version="1.0" encoding="utf-8"?>
-<p:sld xmlns:a="http://schemas.openxmlformats.org/drawingml/2006/main" xmlns:r="http://schemas.openxmlformats.org/officeDocument/2006/relationships" xmlns:p="http://schemas.openxmlformats.org/presentationml/2006/main">
-  <p:cSld>
-    <p:spTree>
-      <p:nvGrpSpPr>
-        <p:cNvPr id="1" name=""/>
-        <p:cNvGrpSpPr/>
-        <p:nvPr/>
-      </p:nvGrpSpPr>
-      <p:grpSpPr>
-        <a:xfrm>
-          <a:off x="0" y="0"/>
-          <a:ext cx="0" cy="0"/>
-          <a:chOff x="0" y="0"/>
-          <a:chExt cx="0" cy="0"/>
-        </a:xfrm>
-      </p:grpSpPr>
-      <p:sp>
-        <p:nvSpPr>
-          <p:cNvPr id="2" name="标题 1"/>
-          <p:cNvSpPr>
-            <a:spLocks noGrp="1"/>
-          </p:cNvSpPr>
-          <p:nvPr>
-            <p:ph type="title"/>
-          </p:nvPr>
-        </p:nvSpPr>
-        <p:spPr/>
-        <p:txBody>
-          <a:bodyPr/>
-          <a:lstStyle/>
-          <a:p>
-            <a:r>
-              <a:rPr lang="zh-CN" altLang="en-US" dirty="0" smtClean="0"/>
-              <a:t>一致性</a:t>
-            </a:r>
-            <a:r>
-              <a:rPr lang="en-US" altLang="zh-CN" dirty="0" smtClean="0"/>
-              <a:t>Hash</a:t>
-            </a:r>
-            <a:endParaRPr lang="zh-CN" altLang="en-US" dirty="0"/>
-          </a:p>
-        </p:txBody>
-      </p:sp>
-      <p:sp>
-        <p:nvSpPr>
-          <p:cNvPr id="3" name="页脚占位符 2"/>
-          <p:cNvSpPr>
-            <a:spLocks noGrp="1"/>
-          </p:cNvSpPr>
-          <p:nvPr>
-            <p:ph type="ftr" sz="quarter" idx="11"/>
-          </p:nvPr>
-        </p:nvSpPr>
-        <p:spPr/>
-        <p:txBody>
-          <a:bodyPr/>
-          <a:lstStyle/>
-          <a:p>
-            <a:endParaRPr lang="zh-CN" altLang="en-US"/>
-          </a:p>
-        </p:txBody>
-      </p:sp>
-      <p:sp>
-        <p:nvSpPr>
-          <p:cNvPr id="4" name="灯片编号占位符 3"/>
-          <p:cNvSpPr>
-            <a:spLocks noGrp="1"/>
-          </p:cNvSpPr>
-          <p:nvPr>
-            <p:ph type="sldNum" sz="quarter" idx="12"/>
-          </p:nvPr>
-        </p:nvSpPr>
-        <p:spPr/>
-        <p:txBody>
-          <a:bodyPr/>
-          <a:lstStyle/>
-          <a:p>
-            <a:fld id="{D114F199-ED81-4DDD-A1D7-86D5FA93F928}" type="slidenum">
-              <a:rPr lang="zh-CN" altLang="en-US" smtClean="0"/>
-              <a:pPr/>
-              <a:t>20</a:t>
-            </a:fld>
-            <a:endParaRPr lang="zh-CN" altLang="en-US"/>
-          </a:p>
-        </p:txBody>
-      </p:sp>
-      <p:pic>
-        <p:nvPicPr>
-          <p:cNvPr id="6" name="图片 5" descr="consistentHash.jpg"/>
-          <p:cNvPicPr>
-            <a:picLocks noChangeAspect="1"/>
-          </p:cNvPicPr>
-          <p:nvPr/>
-        </p:nvPicPr>
-        <p:blipFill>
-          <a:blip r:embed="rId2"/>
-          <a:stretch>
-            <a:fillRect/>
-          </a:stretch>
-        </p:blipFill>
-        <p:spPr>
-          <a:xfrm>
-            <a:off x="2091047" y="1481381"/>
-            <a:ext cx="4961905" cy="3895238"/>
-          </a:xfrm>
-          <a:prstGeom prst="rect">
-            <a:avLst/>
-          </a:prstGeom>
-        </p:spPr>
-      </p:pic>
-    </p:spTree>
-  </p:cSld>
-  <p:clrMapOvr>
-    <a:masterClrMapping/>
-  </p:clrMapOvr>
-</p:sld>
-</file>
-
-<file path=ppt/slides/slide21.xml><?xml version="1.0" encoding="utf-8"?>
-<p:sld xmlns:a="http://schemas.openxmlformats.org/drawingml/2006/main" xmlns:r="http://schemas.openxmlformats.org/officeDocument/2006/relationships" xmlns:p="http://schemas.openxmlformats.org/presentationml/2006/main">
-  <p:cSld>
-    <p:spTree>
-      <p:nvGrpSpPr>
-        <p:cNvPr id="1" name=""/>
-        <p:cNvGrpSpPr/>
-        <p:nvPr/>
-      </p:nvGrpSpPr>
-      <p:grpSpPr>
-        <a:xfrm>
-          <a:off x="0" y="0"/>
-          <a:ext cx="0" cy="0"/>
-          <a:chOff x="0" y="0"/>
-          <a:chExt cx="0" cy="0"/>
-        </a:xfrm>
-      </p:grpSpPr>
-      <p:sp>
-        <p:nvSpPr>
-          <p:cNvPr id="19" name="椭圆 18"/>
-          <p:cNvSpPr/>
-          <p:nvPr/>
-        </p:nvSpPr>
-        <p:spPr>
-          <a:xfrm>
-            <a:off x="3214678" y="2500306"/>
-            <a:ext cx="2500330" cy="2357454"/>
-          </a:xfrm>
-          <a:prstGeom prst="ellipse">
-            <a:avLst/>
-          </a:prstGeom>
-          <a:noFill/>
-          <a:ln>
-            <a:solidFill>
-              <a:schemeClr val="accent3">
-                <a:lumMod val="75000"/>
-              </a:schemeClr>
-            </a:solidFill>
-          </a:ln>
-        </p:spPr>
-        <p:style>
-          <a:lnRef idx="2">
-            <a:schemeClr val="accent1">
-              <a:shade val="50000"/>
-            </a:schemeClr>
-          </a:lnRef>
-          <a:fillRef idx="1">
-            <a:schemeClr val="accent1"/>
-          </a:fillRef>
-          <a:effectRef idx="0">
-            <a:schemeClr val="accent1"/>
-          </a:effectRef>
-          <a:fontRef idx="minor">
-            <a:schemeClr val="lt1"/>
-          </a:fontRef>
-        </p:style>
-        <p:txBody>
-          <a:bodyPr rtlCol="0" anchor="ctr"/>
-          <a:lstStyle/>
-          <a:p>
-            <a:pPr algn="ctr"/>
-            <a:endParaRPr lang="zh-CN" altLang="en-US"/>
-          </a:p>
-        </p:txBody>
-      </p:sp>
-      <p:sp>
-        <p:nvSpPr>
-          <p:cNvPr id="2" name="标题 1"/>
-          <p:cNvSpPr>
-            <a:spLocks noGrp="1"/>
-          </p:cNvSpPr>
-          <p:nvPr>
-            <p:ph type="title"/>
-          </p:nvPr>
-        </p:nvSpPr>
-        <p:spPr/>
-        <p:txBody>
-          <a:bodyPr/>
-          <a:lstStyle/>
-          <a:p>
-            <a:r>
-              <a:rPr lang="zh-CN" altLang="en-US" dirty="0" smtClean="0"/>
-              <a:t>环形的互相备份</a:t>
-            </a:r>
-            <a:endParaRPr lang="zh-CN" altLang="en-US" dirty="0"/>
-          </a:p>
-        </p:txBody>
-      </p:sp>
-      <p:sp>
-        <p:nvSpPr>
-          <p:cNvPr id="3" name="页脚占位符 2"/>
-          <p:cNvSpPr>
-            <a:spLocks noGrp="1"/>
-          </p:cNvSpPr>
-          <p:nvPr>
-            <p:ph type="ftr" sz="quarter" idx="11"/>
-          </p:nvPr>
-        </p:nvSpPr>
-        <p:spPr/>
-        <p:txBody>
-          <a:bodyPr/>
-          <a:lstStyle/>
-          <a:p>
-            <a:endParaRPr lang="zh-CN" altLang="en-US"/>
-          </a:p>
-        </p:txBody>
-      </p:sp>
-      <p:sp>
-        <p:nvSpPr>
-          <p:cNvPr id="4" name="灯片编号占位符 3"/>
-          <p:cNvSpPr>
-            <a:spLocks noGrp="1"/>
-          </p:cNvSpPr>
-          <p:nvPr>
-            <p:ph type="sldNum" sz="quarter" idx="12"/>
-          </p:nvPr>
-        </p:nvSpPr>
-        <p:spPr/>
-        <p:txBody>
-          <a:bodyPr/>
-          <a:lstStyle/>
-          <a:p>
-            <a:fld id="{D114F199-ED81-4DDD-A1D7-86D5FA93F928}" type="slidenum">
-              <a:rPr lang="zh-CN" altLang="en-US" smtClean="0"/>
-              <a:pPr/>
-              <a:t>21</a:t>
-            </a:fld>
-            <a:endParaRPr lang="zh-CN" altLang="en-US"/>
-          </a:p>
-        </p:txBody>
-      </p:sp>
-      <p:sp>
-        <p:nvSpPr>
-          <p:cNvPr id="6" name="椭圆 5"/>
-          <p:cNvSpPr/>
-          <p:nvPr/>
-        </p:nvSpPr>
-        <p:spPr>
-          <a:xfrm>
-            <a:off x="3071802" y="3143248"/>
-            <a:ext cx="357190" cy="357190"/>
-          </a:xfrm>
-          <a:prstGeom prst="ellipse">
-            <a:avLst/>
-          </a:prstGeom>
-        </p:spPr>
-        <p:style>
-          <a:lnRef idx="2">
-            <a:schemeClr val="accent1">
-              <a:shade val="50000"/>
-            </a:schemeClr>
-          </a:lnRef>
-          <a:fillRef idx="1">
-            <a:schemeClr val="accent1"/>
-          </a:fillRef>
-          <a:effectRef idx="0">
-            <a:schemeClr val="accent1"/>
-          </a:effectRef>
-          <a:fontRef idx="minor">
-            <a:schemeClr val="lt1"/>
-          </a:fontRef>
-        </p:style>
-        <p:txBody>
-          <a:bodyPr rtlCol="0" anchor="ctr"/>
-          <a:lstStyle/>
-          <a:p>
-            <a:pPr algn="ctr"/>
-            <a:endParaRPr lang="zh-CN" altLang="en-US"/>
-          </a:p>
-        </p:txBody>
-      </p:sp>
-      <p:sp>
-        <p:nvSpPr>
-          <p:cNvPr id="7" name="椭圆 6"/>
-          <p:cNvSpPr/>
-          <p:nvPr/>
-        </p:nvSpPr>
-        <p:spPr>
-          <a:xfrm>
-            <a:off x="4214810" y="2357430"/>
-            <a:ext cx="357190" cy="357190"/>
-          </a:xfrm>
-          <a:prstGeom prst="ellipse">
-            <a:avLst/>
-          </a:prstGeom>
-        </p:spPr>
-        <p:style>
-          <a:lnRef idx="2">
-            <a:schemeClr val="accent1">
-              <a:shade val="50000"/>
-            </a:schemeClr>
-          </a:lnRef>
-          <a:fillRef idx="1">
-            <a:schemeClr val="accent1"/>
-          </a:fillRef>
-          <a:effectRef idx="0">
-            <a:schemeClr val="accent1"/>
-          </a:effectRef>
-          <a:fontRef idx="minor">
-            <a:schemeClr val="lt1"/>
-          </a:fontRef>
-        </p:style>
-        <p:txBody>
-          <a:bodyPr rtlCol="0" anchor="ctr"/>
-          <a:lstStyle/>
-          <a:p>
-            <a:pPr algn="ctr"/>
-            <a:endParaRPr lang="zh-CN" altLang="en-US"/>
-          </a:p>
-        </p:txBody>
-      </p:sp>
-      <p:sp>
-        <p:nvSpPr>
-          <p:cNvPr id="8" name="椭圆 7"/>
-          <p:cNvSpPr/>
-          <p:nvPr/>
-        </p:nvSpPr>
-        <p:spPr>
-          <a:xfrm>
-            <a:off x="5357818" y="4143380"/>
-            <a:ext cx="357190" cy="357190"/>
-          </a:xfrm>
-          <a:prstGeom prst="ellipse">
-            <a:avLst/>
-          </a:prstGeom>
-        </p:spPr>
-        <p:style>
-          <a:lnRef idx="2">
-            <a:schemeClr val="accent1">
-              <a:shade val="50000"/>
-            </a:schemeClr>
-          </a:lnRef>
-          <a:fillRef idx="1">
-            <a:schemeClr val="accent1"/>
-          </a:fillRef>
-          <a:effectRef idx="0">
-            <a:schemeClr val="accent1"/>
-          </a:effectRef>
-          <a:fontRef idx="minor">
-            <a:schemeClr val="lt1"/>
-          </a:fontRef>
-        </p:style>
-        <p:txBody>
-          <a:bodyPr rtlCol="0" anchor="ctr"/>
-          <a:lstStyle/>
-          <a:p>
-            <a:pPr algn="ctr"/>
-            <a:endParaRPr lang="zh-CN" altLang="en-US"/>
-          </a:p>
-        </p:txBody>
-      </p:sp>
-      <p:sp>
-        <p:nvSpPr>
-          <p:cNvPr id="9" name="椭圆 8"/>
-          <p:cNvSpPr/>
-          <p:nvPr/>
-        </p:nvSpPr>
-        <p:spPr>
-          <a:xfrm>
-            <a:off x="4357686" y="4714884"/>
-            <a:ext cx="357190" cy="357190"/>
-          </a:xfrm>
-          <a:prstGeom prst="ellipse">
-            <a:avLst/>
-          </a:prstGeom>
-        </p:spPr>
-        <p:style>
-          <a:lnRef idx="2">
-            <a:schemeClr val="accent1">
-              <a:shade val="50000"/>
-            </a:schemeClr>
-          </a:lnRef>
-          <a:fillRef idx="1">
-            <a:schemeClr val="accent1"/>
-          </a:fillRef>
-          <a:effectRef idx="0">
-            <a:schemeClr val="accent1"/>
-          </a:effectRef>
-          <a:fontRef idx="minor">
-            <a:schemeClr val="lt1"/>
-          </a:fontRef>
-        </p:style>
-        <p:txBody>
-          <a:bodyPr rtlCol="0" anchor="ctr"/>
-          <a:lstStyle/>
-          <a:p>
-            <a:pPr algn="ctr"/>
-            <a:endParaRPr lang="zh-CN" altLang="en-US"/>
-          </a:p>
-        </p:txBody>
-      </p:sp>
-      <p:sp>
-        <p:nvSpPr>
-          <p:cNvPr id="10" name="椭圆 9"/>
-          <p:cNvSpPr/>
-          <p:nvPr/>
-        </p:nvSpPr>
-        <p:spPr>
-          <a:xfrm>
-            <a:off x="3214678" y="4214818"/>
-            <a:ext cx="357190" cy="357190"/>
-          </a:xfrm>
-          <a:prstGeom prst="ellipse">
-            <a:avLst/>
-          </a:prstGeom>
-        </p:spPr>
-        <p:style>
-          <a:lnRef idx="2">
-            <a:schemeClr val="accent1">
-              <a:shade val="50000"/>
-            </a:schemeClr>
-          </a:lnRef>
-          <a:fillRef idx="1">
-            <a:schemeClr val="accent1"/>
-          </a:fillRef>
-          <a:effectRef idx="0">
-            <a:schemeClr val="accent1"/>
-          </a:effectRef>
-          <a:fontRef idx="minor">
-            <a:schemeClr val="lt1"/>
-          </a:fontRef>
-        </p:style>
-        <p:txBody>
-          <a:bodyPr rtlCol="0" anchor="ctr"/>
-          <a:lstStyle/>
-          <a:p>
-            <a:pPr algn="ctr"/>
-            <a:endParaRPr lang="zh-CN" altLang="en-US"/>
-          </a:p>
-        </p:txBody>
-      </p:sp>
-      <p:sp>
-        <p:nvSpPr>
-          <p:cNvPr id="11" name="椭圆 10"/>
-          <p:cNvSpPr/>
-          <p:nvPr/>
-        </p:nvSpPr>
-        <p:spPr>
-          <a:xfrm>
-            <a:off x="5429256" y="3071810"/>
-            <a:ext cx="357190" cy="357190"/>
-          </a:xfrm>
-          <a:prstGeom prst="ellipse">
-            <a:avLst/>
-          </a:prstGeom>
-        </p:spPr>
-        <p:style>
-          <a:lnRef idx="2">
-            <a:schemeClr val="accent1">
-              <a:shade val="50000"/>
-            </a:schemeClr>
-          </a:lnRef>
-          <a:fillRef idx="1">
-            <a:schemeClr val="accent1"/>
-          </a:fillRef>
-          <a:effectRef idx="0">
-            <a:schemeClr val="accent1"/>
-          </a:effectRef>
-          <a:fontRef idx="minor">
-            <a:schemeClr val="lt1"/>
-          </a:fontRef>
-        </p:style>
-        <p:txBody>
-          <a:bodyPr rtlCol="0" anchor="ctr"/>
-          <a:lstStyle/>
-          <a:p>
-            <a:pPr algn="ctr"/>
-            <a:endParaRPr lang="zh-CN" altLang="en-US"/>
-          </a:p>
-        </p:txBody>
-      </p:sp>
-      <p:cxnSp>
-        <p:nvCxnSpPr>
-          <p:cNvPr id="23" name="直接箭头连接符 22"/>
-          <p:cNvCxnSpPr/>
-          <p:nvPr/>
-        </p:nvCxnSpPr>
-        <p:spPr>
-          <a:xfrm>
-            <a:off x="5143504" y="2571744"/>
-            <a:ext cx="322314" cy="285752"/>
-          </a:xfrm>
-          <a:prstGeom prst="straightConnector1">
-            <a:avLst/>
-          </a:prstGeom>
-          <a:ln w="25400">
-            <a:solidFill>
-              <a:srgbClr val="FF0000"/>
-            </a:solidFill>
-            <a:tailEnd type="arrow"/>
-          </a:ln>
-        </p:spPr>
-        <p:style>
-          <a:lnRef idx="1">
-            <a:schemeClr val="dk1"/>
-          </a:lnRef>
-          <a:fillRef idx="0">
-            <a:schemeClr val="dk1"/>
-          </a:fillRef>
-          <a:effectRef idx="0">
-            <a:schemeClr val="dk1"/>
-          </a:effectRef>
-          <a:fontRef idx="minor">
-            <a:schemeClr val="tx1"/>
-          </a:fontRef>
-        </p:style>
-      </p:cxnSp>
-      <p:cxnSp>
-        <p:nvCxnSpPr>
-          <p:cNvPr id="27" name="直接箭头连接符 26"/>
-          <p:cNvCxnSpPr/>
-          <p:nvPr/>
-        </p:nvCxnSpPr>
-        <p:spPr>
-          <a:xfrm rot="10800000">
-            <a:off x="3643306" y="4714884"/>
-            <a:ext cx="428628" cy="214314"/>
-          </a:xfrm>
-          <a:prstGeom prst="straightConnector1">
-            <a:avLst/>
-          </a:prstGeom>
-          <a:ln w="25400">
-            <a:solidFill>
-              <a:srgbClr val="FF0000"/>
-            </a:solidFill>
-            <a:tailEnd type="arrow"/>
-          </a:ln>
-        </p:spPr>
-        <p:style>
-          <a:lnRef idx="1">
-            <a:schemeClr val="dk1"/>
-          </a:lnRef>
-          <a:fillRef idx="0">
-            <a:schemeClr val="dk1"/>
-          </a:fillRef>
-          <a:effectRef idx="0">
-            <a:schemeClr val="dk1"/>
-          </a:effectRef>
-          <a:fontRef idx="minor">
-            <a:schemeClr val="tx1"/>
-          </a:fontRef>
-        </p:style>
-      </p:cxnSp>
-      <p:cxnSp>
-        <p:nvCxnSpPr>
-          <p:cNvPr id="30" name="直接箭头连接符 29"/>
-          <p:cNvCxnSpPr/>
-          <p:nvPr/>
-        </p:nvCxnSpPr>
-        <p:spPr>
-          <a:xfrm rot="10800000" flipV="1">
-            <a:off x="5000628" y="4643446"/>
-            <a:ext cx="357190" cy="214314"/>
-          </a:xfrm>
-          <a:prstGeom prst="straightConnector1">
-            <a:avLst/>
-          </a:prstGeom>
-          <a:ln w="25400">
-            <a:solidFill>
-              <a:srgbClr val="FF0000"/>
-            </a:solidFill>
-            <a:tailEnd type="arrow"/>
-          </a:ln>
-        </p:spPr>
-        <p:style>
-          <a:lnRef idx="1">
-            <a:schemeClr val="dk1"/>
-          </a:lnRef>
-          <a:fillRef idx="0">
-            <a:schemeClr val="dk1"/>
-          </a:fillRef>
-          <a:effectRef idx="0">
-            <a:schemeClr val="dk1"/>
-          </a:effectRef>
-          <a:fontRef idx="minor">
-            <a:schemeClr val="tx1"/>
-          </a:fontRef>
-        </p:style>
-      </p:cxnSp>
-      <p:cxnSp>
-        <p:nvCxnSpPr>
-          <p:cNvPr id="32" name="直接箭头连接符 31"/>
-          <p:cNvCxnSpPr/>
-          <p:nvPr/>
-        </p:nvCxnSpPr>
-        <p:spPr>
-          <a:xfrm rot="5400000">
-            <a:off x="5571338" y="3786190"/>
-            <a:ext cx="429422" cy="794"/>
-          </a:xfrm>
-          <a:prstGeom prst="straightConnector1">
-            <a:avLst/>
-          </a:prstGeom>
-          <a:ln w="25400">
-            <a:solidFill>
-              <a:srgbClr val="FF0000"/>
-            </a:solidFill>
-            <a:tailEnd type="arrow"/>
-          </a:ln>
-        </p:spPr>
-        <p:style>
-          <a:lnRef idx="1">
-            <a:schemeClr val="dk1"/>
-          </a:lnRef>
-          <a:fillRef idx="0">
-            <a:schemeClr val="dk1"/>
-          </a:fillRef>
-          <a:effectRef idx="0">
-            <a:schemeClr val="dk1"/>
-          </a:effectRef>
-          <a:fontRef idx="minor">
-            <a:schemeClr val="tx1"/>
-          </a:fontRef>
-        </p:style>
-      </p:cxnSp>
-      <p:cxnSp>
-        <p:nvCxnSpPr>
-          <p:cNvPr id="35" name="直接箭头连接符 34"/>
-          <p:cNvCxnSpPr/>
-          <p:nvPr/>
-        </p:nvCxnSpPr>
-        <p:spPr>
-          <a:xfrm flipV="1">
-            <a:off x="3428992" y="2572538"/>
-            <a:ext cx="357190" cy="284958"/>
-          </a:xfrm>
-          <a:prstGeom prst="straightConnector1">
-            <a:avLst/>
-          </a:prstGeom>
-          <a:ln w="25400">
-            <a:solidFill>
-              <a:srgbClr val="FF0000"/>
-            </a:solidFill>
-            <a:tailEnd type="arrow"/>
-          </a:ln>
-        </p:spPr>
-        <p:style>
-          <a:lnRef idx="1">
-            <a:schemeClr val="dk1"/>
-          </a:lnRef>
-          <a:fillRef idx="0">
-            <a:schemeClr val="dk1"/>
-          </a:fillRef>
-          <a:effectRef idx="0">
-            <a:schemeClr val="dk1"/>
-          </a:effectRef>
-          <a:fontRef idx="minor">
-            <a:schemeClr val="tx1"/>
-          </a:fontRef>
-        </p:style>
-      </p:cxnSp>
-      <p:cxnSp>
-        <p:nvCxnSpPr>
-          <p:cNvPr id="37" name="直接箭头连接符 36"/>
-          <p:cNvCxnSpPr/>
-          <p:nvPr/>
-        </p:nvCxnSpPr>
-        <p:spPr>
-          <a:xfrm rot="5400000" flipH="1" flipV="1">
-            <a:off x="2928926" y="3857628"/>
-            <a:ext cx="428628" cy="1588"/>
-          </a:xfrm>
-          <a:prstGeom prst="straightConnector1">
-            <a:avLst/>
-          </a:prstGeom>
-          <a:ln w="25400">
-            <a:solidFill>
-              <a:srgbClr val="FF0000"/>
-            </a:solidFill>
-            <a:tailEnd type="arrow"/>
-          </a:ln>
-        </p:spPr>
-        <p:style>
-          <a:lnRef idx="1">
-            <a:schemeClr val="dk1"/>
-          </a:lnRef>
-          <a:fillRef idx="0">
-            <a:schemeClr val="dk1"/>
-          </a:fillRef>
-          <a:effectRef idx="0">
-            <a:schemeClr val="dk1"/>
-          </a:effectRef>
-          <a:fontRef idx="minor">
-            <a:schemeClr val="tx1"/>
-          </a:fontRef>
-        </p:style>
-      </p:cxnSp>
-      <p:sp>
-        <p:nvSpPr>
-          <p:cNvPr id="40" name="TextBox 39"/>
-          <p:cNvSpPr txBox="1"/>
-          <p:nvPr/>
-        </p:nvSpPr>
-        <p:spPr>
-          <a:xfrm>
-            <a:off x="4143372" y="2008993"/>
-            <a:ext cx="559769" cy="276999"/>
-          </a:xfrm>
-          <a:prstGeom prst="rect">
-            <a:avLst/>
-          </a:prstGeom>
-          <a:noFill/>
-        </p:spPr>
-        <p:txBody>
-          <a:bodyPr wrap="none" rtlCol="0">
-            <a:spAutoFit/>
-          </a:bodyPr>
-          <a:lstStyle/>
-          <a:p>
-            <a:r>
-              <a:rPr lang="en-US" altLang="zh-CN" sz="1200" dirty="0" smtClean="0"/>
-              <a:t>MDS1</a:t>
-            </a:r>
-            <a:endParaRPr lang="zh-CN" altLang="en-US" dirty="0"/>
-          </a:p>
-        </p:txBody>
-      </p:sp>
-      <p:sp>
-        <p:nvSpPr>
-          <p:cNvPr id="43" name="TextBox 42"/>
-          <p:cNvSpPr txBox="1"/>
-          <p:nvPr/>
-        </p:nvSpPr>
-        <p:spPr>
-          <a:xfrm>
-            <a:off x="5929322" y="3071810"/>
-            <a:ext cx="559769" cy="276999"/>
-          </a:xfrm>
-          <a:prstGeom prst="rect">
-            <a:avLst/>
-          </a:prstGeom>
-          <a:noFill/>
-        </p:spPr>
-        <p:txBody>
-          <a:bodyPr wrap="none" rtlCol="0">
-            <a:spAutoFit/>
-          </a:bodyPr>
-          <a:lstStyle/>
-          <a:p>
-            <a:r>
-              <a:rPr lang="en-US" altLang="zh-CN" sz="1200" dirty="0" smtClean="0"/>
-              <a:t>MDS2</a:t>
-            </a:r>
-            <a:endParaRPr lang="zh-CN" altLang="en-US" dirty="0"/>
-          </a:p>
-        </p:txBody>
-      </p:sp>
-      <p:sp>
-        <p:nvSpPr>
-          <p:cNvPr id="44" name="TextBox 43"/>
-          <p:cNvSpPr txBox="1"/>
-          <p:nvPr/>
-        </p:nvSpPr>
-        <p:spPr>
-          <a:xfrm>
-            <a:off x="5786446" y="4357694"/>
-            <a:ext cx="559769" cy="276999"/>
-          </a:xfrm>
-          <a:prstGeom prst="rect">
-            <a:avLst/>
-          </a:prstGeom>
-          <a:noFill/>
-        </p:spPr>
-        <p:txBody>
-          <a:bodyPr wrap="none" rtlCol="0">
-            <a:spAutoFit/>
-          </a:bodyPr>
-          <a:lstStyle/>
-          <a:p>
-            <a:r>
-              <a:rPr lang="en-US" altLang="zh-CN" sz="1200" dirty="0" smtClean="0"/>
-              <a:t>MDS3</a:t>
-            </a:r>
-            <a:endParaRPr lang="zh-CN" altLang="en-US" dirty="0"/>
-          </a:p>
-        </p:txBody>
-      </p:sp>
-      <p:sp>
-        <p:nvSpPr>
-          <p:cNvPr id="45" name="TextBox 44"/>
-          <p:cNvSpPr txBox="1"/>
-          <p:nvPr/>
-        </p:nvSpPr>
-        <p:spPr>
-          <a:xfrm>
-            <a:off x="4357686" y="5214950"/>
-            <a:ext cx="559769" cy="276999"/>
-          </a:xfrm>
-          <a:prstGeom prst="rect">
-            <a:avLst/>
-          </a:prstGeom>
-          <a:noFill/>
-        </p:spPr>
-        <p:txBody>
-          <a:bodyPr wrap="none" rtlCol="0">
-            <a:spAutoFit/>
-          </a:bodyPr>
-          <a:lstStyle/>
-          <a:p>
-            <a:r>
-              <a:rPr lang="en-US" altLang="zh-CN" sz="1200" dirty="0" smtClean="0"/>
-              <a:t>MDS4</a:t>
-            </a:r>
-            <a:endParaRPr lang="zh-CN" altLang="en-US" dirty="0"/>
-          </a:p>
-        </p:txBody>
-      </p:sp>
-      <p:sp>
-        <p:nvSpPr>
-          <p:cNvPr id="46" name="TextBox 45"/>
-          <p:cNvSpPr txBox="1"/>
-          <p:nvPr/>
-        </p:nvSpPr>
-        <p:spPr>
-          <a:xfrm>
-            <a:off x="2714612" y="4643446"/>
-            <a:ext cx="543739" cy="276999"/>
-          </a:xfrm>
-          <a:prstGeom prst="rect">
-            <a:avLst/>
-          </a:prstGeom>
-          <a:noFill/>
-        </p:spPr>
-        <p:txBody>
-          <a:bodyPr wrap="none" rtlCol="0">
-            <a:spAutoFit/>
-          </a:bodyPr>
-          <a:lstStyle/>
-          <a:p>
-            <a:r>
-              <a:rPr lang="en-US" altLang="zh-CN" sz="1200" dirty="0" smtClean="0"/>
-              <a:t>M5S1</a:t>
-            </a:r>
-            <a:endParaRPr lang="zh-CN" altLang="en-US" dirty="0"/>
-          </a:p>
-        </p:txBody>
-      </p:sp>
-      <p:sp>
-        <p:nvSpPr>
-          <p:cNvPr id="47" name="TextBox 46"/>
-          <p:cNvSpPr txBox="1"/>
-          <p:nvPr/>
-        </p:nvSpPr>
-        <p:spPr>
-          <a:xfrm>
-            <a:off x="2500298" y="2857496"/>
-            <a:ext cx="559769" cy="276999"/>
-          </a:xfrm>
-          <a:prstGeom prst="rect">
-            <a:avLst/>
-          </a:prstGeom>
-          <a:noFill/>
-        </p:spPr>
-        <p:txBody>
-          <a:bodyPr wrap="none" rtlCol="0">
-            <a:spAutoFit/>
-          </a:bodyPr>
-          <a:lstStyle/>
-          <a:p>
-            <a:r>
-              <a:rPr lang="en-US" altLang="zh-CN" sz="1200" dirty="0" smtClean="0"/>
-              <a:t>MDS6</a:t>
-            </a:r>
-            <a:endParaRPr lang="zh-CN" altLang="en-US" dirty="0"/>
-          </a:p>
-        </p:txBody>
-      </p:sp>
-    </p:spTree>
-  </p:cSld>
-  <p:clrMapOvr>
-    <a:masterClrMapping/>
-  </p:clrMapOvr>
-</p:sld>
-</file>
-
-<file path=ppt/slides/slide22.xml><?xml version="1.0" encoding="utf-8"?>
-<p:sld xmlns:a="http://schemas.openxmlformats.org/drawingml/2006/main" xmlns:r="http://schemas.openxmlformats.org/officeDocument/2006/relationships" xmlns:p="http://schemas.openxmlformats.org/presentationml/2006/main">
-  <p:cSld>
-    <p:spTree>
-      <p:nvGrpSpPr>
-        <p:cNvPr id="1" name=""/>
-        <p:cNvGrpSpPr/>
-        <p:nvPr/>
-      </p:nvGrpSpPr>
-      <p:grpSpPr>
-        <a:xfrm>
-          <a:off x="0" y="0"/>
-          <a:ext cx="0" cy="0"/>
-          <a:chOff x="0" y="0"/>
-          <a:chExt cx="0" cy="0"/>
-        </a:xfrm>
-      </p:grpSpPr>
-      <p:sp>
-        <p:nvSpPr>
-          <p:cNvPr id="2" name="标题 1"/>
-          <p:cNvSpPr>
-            <a:spLocks noGrp="1"/>
-          </p:cNvSpPr>
-          <p:nvPr>
-            <p:ph type="title"/>
-          </p:nvPr>
-        </p:nvSpPr>
-        <p:spPr>
-          <a:xfrm>
-            <a:off x="428596" y="3000372"/>
-            <a:ext cx="8229600" cy="1143000"/>
-          </a:xfrm>
-        </p:spPr>
-        <p:txBody>
-          <a:bodyPr/>
-          <a:lstStyle/>
-          <a:p>
-            <a:r>
-              <a:rPr lang="zh-CN" altLang="en-US" dirty="0" smtClean="0"/>
-              <a:t>谢谢各位老师 </a:t>
-            </a:r>
-            <a:r>
-              <a:rPr lang="en-US" altLang="zh-CN" dirty="0" smtClean="0"/>
-              <a:t>!</a:t>
-            </a:r>
-            <a:endParaRPr lang="zh-CN" altLang="en-US" dirty="0"/>
-          </a:p>
-        </p:txBody>
-      </p:sp>
-      <p:sp>
-        <p:nvSpPr>
-          <p:cNvPr id="3" name="灯片编号占位符 2"/>
-          <p:cNvSpPr>
-            <a:spLocks noGrp="1"/>
-          </p:cNvSpPr>
-          <p:nvPr>
-            <p:ph type="sldNum" sz="quarter" idx="12"/>
-          </p:nvPr>
-        </p:nvSpPr>
-        <p:spPr/>
-        <p:txBody>
-          <a:bodyPr/>
-          <a:lstStyle/>
-          <a:p>
-            <a:fld id="{D114F199-ED81-4DDD-A1D7-86D5FA93F928}" type="slidenum">
-              <a:rPr lang="zh-CN" altLang="en-US" smtClean="0"/>
-              <a:pPr/>
-              <a:t>22</a:t>
-            </a:fld>
-            <a:endParaRPr lang="zh-CN" altLang="en-US"/>
-          </a:p>
-        </p:txBody>
-      </p:sp>
-      <p:sp>
-        <p:nvSpPr>
-          <p:cNvPr id="4" name="页脚占位符 3"/>
           <p:cNvSpPr>
             <a:spLocks noGrp="1"/>
           </p:cNvSpPr>
@@ -13557,7 +11251,7 @@
           <a:p>
             <a:r>
               <a:rPr lang="zh-CN" altLang="en-US" dirty="0" smtClean="0"/>
-              <a:t>集群文件系统的发展</a:t>
+              <a:t>课题来源</a:t>
             </a:r>
             <a:endParaRPr lang="zh-CN" altLang="en-US" dirty="0"/>
           </a:p>
@@ -13582,129 +11276,156 @@
           <a:p>
             <a:r>
               <a:rPr lang="zh-CN" altLang="en-US" dirty="0" smtClean="0"/>
-              <a:t>松耦合网络文件系统</a:t>
+              <a:t>大规模存储的需求</a:t>
+            </a:r>
+            <a:endParaRPr lang="en-US" altLang="zh-CN" dirty="0" smtClean="0"/>
+          </a:p>
+          <a:p>
+            <a:pPr lvl="1"/>
+            <a:r>
+              <a:rPr lang="zh-CN" altLang="en-US" dirty="0" smtClean="0"/>
+              <a:t>互联网</a:t>
+            </a:r>
+            <a:r>
+              <a:rPr lang="zh-CN" altLang="en-US" dirty="0" smtClean="0"/>
+              <a:t>存储</a:t>
             </a:r>
             <a:r>
               <a:rPr lang="en-US" altLang="zh-CN" dirty="0" smtClean="0"/>
-              <a:t>NAS(1980s)</a:t>
-            </a:r>
-            <a:endParaRPr lang="zh-CN" altLang="en-US" dirty="0" smtClean="0"/>
+              <a:t>(</a:t>
+            </a:r>
+            <a:r>
+              <a:rPr lang="en-US" altLang="zh-CN" dirty="0" err="1" smtClean="0"/>
+              <a:t>youtube</a:t>
+            </a:r>
+            <a:r>
+              <a:rPr lang="en-US" altLang="zh-CN" dirty="0" smtClean="0"/>
+              <a:t>,  </a:t>
+            </a:r>
+            <a:r>
+              <a:rPr lang="en-US" altLang="zh-CN" dirty="0" err="1" smtClean="0"/>
+              <a:t>Douban</a:t>
+            </a:r>
+            <a:r>
+              <a:rPr lang="en-US" altLang="zh-CN" dirty="0" smtClean="0"/>
+              <a:t>)</a:t>
+            </a:r>
+            <a:endParaRPr lang="en-US" altLang="zh-CN" dirty="0" smtClean="0"/>
           </a:p>
           <a:p>
             <a:pPr lvl="1"/>
             <a:r>
-              <a:rPr lang="en-US" altLang="zh-CN" dirty="0" smtClean="0"/>
-              <a:t>Sun  NFS</a:t>
-            </a:r>
-          </a:p>
-          <a:p>
-            <a:r>
               <a:rPr lang="zh-CN" altLang="en-US" dirty="0" smtClean="0"/>
-              <a:t>共享存储</a:t>
-            </a:r>
-            <a:r>
-              <a:rPr lang="en-US" altLang="zh-CN" dirty="0" smtClean="0"/>
-              <a:t>(SAN)</a:t>
-            </a:r>
+              <a:t>联想网盘</a:t>
+            </a:r>
+            <a:endParaRPr lang="en-US" altLang="zh-CN" dirty="0" smtClean="0"/>
+          </a:p>
+          <a:p>
             <a:r>
               <a:rPr lang="zh-CN" altLang="en-US" dirty="0" smtClean="0"/>
               <a:t>集群文件系统</a:t>
             </a:r>
+            <a:endParaRPr lang="en-US" altLang="zh-CN" dirty="0" smtClean="0"/>
+          </a:p>
+          <a:p>
+            <a:pPr lvl="1"/>
             <a:r>
               <a:rPr lang="en-US" altLang="zh-CN" dirty="0" smtClean="0"/>
-              <a:t>(1990s)</a:t>
-            </a:r>
-            <a:endParaRPr lang="zh-CN" altLang="en-US" dirty="0" smtClean="0"/>
+              <a:t>NAS (NFS)</a:t>
+            </a:r>
           </a:p>
           <a:p>
             <a:pPr lvl="1"/>
             <a:r>
               <a:rPr lang="en-US" altLang="zh-CN" dirty="0" smtClean="0"/>
-              <a:t>IBM</a:t>
+              <a:t>SAN (GPFS, </a:t>
             </a:r>
             <a:r>
               <a:rPr lang="zh-CN" altLang="en-US" dirty="0" smtClean="0"/>
-              <a:t> </a:t>
+              <a:t>蓝鲸</a:t>
             </a:r>
             <a:r>
               <a:rPr lang="en-US" altLang="zh-CN" dirty="0" smtClean="0"/>
-              <a:t>GPFS (General Parallel File System)</a:t>
+              <a:t>)</a:t>
             </a:r>
           </a:p>
           <a:p>
             <a:pPr lvl="1"/>
-            <a:r>
-              <a:rPr lang="en-US" altLang="zh-CN" dirty="0" err="1" smtClean="0"/>
-              <a:t>Redhat</a:t>
-            </a:r>
-            <a:r>
-              <a:rPr lang="zh-CN" altLang="en-US" dirty="0" smtClean="0"/>
-              <a:t> </a:t>
-            </a:r>
-            <a:r>
-              <a:rPr lang="en-US" altLang="zh-CN" dirty="0" smtClean="0"/>
-              <a:t>GFS(Global File System)</a:t>
-            </a:r>
-          </a:p>
-          <a:p>
-            <a:pPr lvl="1"/>
-            <a:r>
-              <a:rPr lang="zh-CN" altLang="en-US" dirty="0" smtClean="0"/>
-              <a:t>蓝鲸分布式文件系统</a:t>
-            </a:r>
-            <a:endParaRPr lang="en-US" altLang="zh-CN" dirty="0" smtClean="0"/>
-          </a:p>
-          <a:p>
-            <a:pPr lvl="1"/>
-            <a:r>
-              <a:rPr lang="zh-CN" altLang="en-US" dirty="0" smtClean="0"/>
-              <a:t>中科院</a:t>
-            </a:r>
-            <a:r>
-              <a:rPr lang="en-US" altLang="zh-CN" dirty="0" smtClean="0"/>
-              <a:t>DCFS2</a:t>
-            </a:r>
-            <a:endParaRPr lang="zh-CN" altLang="en-US" dirty="0" smtClean="0"/>
-          </a:p>
-          <a:p>
             <a:r>
               <a:rPr lang="zh-CN" altLang="en-US" dirty="0" smtClean="0"/>
               <a:t>基于对象的存储系统 </a:t>
             </a:r>
             <a:r>
               <a:rPr lang="en-US" altLang="zh-CN" dirty="0" smtClean="0"/>
-              <a:t>(2000s)</a:t>
-            </a:r>
-            <a:endParaRPr lang="zh-CN" altLang="en-US" dirty="0" smtClean="0"/>
-          </a:p>
-          <a:p>
-            <a:pPr lvl="1"/>
-            <a:r>
-              <a:rPr lang="en-US" altLang="zh-CN" dirty="0" smtClean="0"/>
-              <a:t>Luster</a:t>
-            </a:r>
-            <a:endParaRPr lang="zh-CN" altLang="en-US" dirty="0" smtClean="0"/>
-          </a:p>
-          <a:p>
-            <a:pPr lvl="1"/>
-            <a:r>
-              <a:rPr lang="en-US" altLang="zh-CN" dirty="0" smtClean="0"/>
-              <a:t>PVFS</a:t>
-            </a:r>
-          </a:p>
-          <a:p>
-            <a:pPr lvl="1"/>
-            <a:r>
-              <a:rPr lang="en-US" altLang="zh-CN" dirty="0" smtClean="0"/>
-              <a:t>Google File System</a:t>
-            </a:r>
-          </a:p>
-          <a:p>
-            <a:pPr lvl="1"/>
+              <a:t>OBS (Luster, GFS, </a:t>
+            </a:r>
             <a:r>
               <a:rPr lang="en-US" altLang="zh-CN" dirty="0" err="1" smtClean="0"/>
               <a:t>MooseFS</a:t>
             </a:r>
+            <a:r>
+              <a:rPr lang="en-US" altLang="zh-CN" dirty="0" smtClean="0"/>
+              <a:t>)</a:t>
+            </a:r>
+          </a:p>
+          <a:p>
+            <a:pPr lvl="2"/>
+            <a:r>
+              <a:rPr lang="zh-CN" altLang="en-US" b="1" dirty="0" smtClean="0"/>
+              <a:t>以对象为基本存储管理单位</a:t>
+            </a:r>
+            <a:endParaRPr lang="en-US" altLang="zh-CN" b="1" dirty="0" smtClean="0"/>
+          </a:p>
+          <a:p>
+            <a:pPr lvl="2"/>
+            <a:r>
+              <a:rPr lang="zh-CN" altLang="en-US" b="1" dirty="0" smtClean="0"/>
+              <a:t>易于扩展</a:t>
+            </a:r>
+            <a:endParaRPr lang="en-US" altLang="zh-CN" b="1" dirty="0" smtClean="0"/>
+          </a:p>
+          <a:p>
+            <a:pPr lvl="2"/>
+            <a:r>
+              <a:rPr lang="zh-CN" altLang="en-US" b="1" dirty="0" smtClean="0"/>
+              <a:t>高容量</a:t>
+            </a:r>
+            <a:endParaRPr lang="en-US" altLang="zh-CN" b="1" dirty="0" smtClean="0"/>
+          </a:p>
+          <a:p>
+            <a:pPr lvl="2"/>
+            <a:r>
+              <a:rPr lang="zh-CN" altLang="en-US" b="1" dirty="0" smtClean="0"/>
+              <a:t>高性能</a:t>
+            </a:r>
+            <a:endParaRPr lang="en-US" altLang="zh-CN" dirty="0" smtClean="0"/>
+          </a:p>
+          <a:p>
+            <a:pPr lvl="2"/>
+            <a:r>
+              <a:rPr lang="zh-CN" altLang="en-US" b="1" dirty="0" smtClean="0"/>
+              <a:t>独立的</a:t>
+            </a:r>
+            <a:r>
+              <a:rPr lang="zh-CN" altLang="en-US" b="1" dirty="0" smtClean="0"/>
+              <a:t>元数据管理</a:t>
+            </a:r>
+            <a:endParaRPr lang="en-US" altLang="zh-CN" b="1" dirty="0" smtClean="0"/>
+          </a:p>
+          <a:p>
+            <a:pPr lvl="2"/>
+            <a:r>
+              <a:rPr lang="zh-CN" altLang="en-US" b="1" dirty="0" smtClean="0"/>
+              <a:t>易于</a:t>
+            </a:r>
+            <a:r>
+              <a:rPr lang="zh-CN" altLang="en-US" b="1" dirty="0" smtClean="0"/>
+              <a:t>管理</a:t>
+            </a:r>
+            <a:endParaRPr lang="en-US" altLang="zh-CN" b="1" dirty="0" smtClean="0"/>
+          </a:p>
+          <a:p>
+            <a:pPr lvl="2"/>
             <a:endParaRPr lang="en-US" altLang="zh-CN" dirty="0" smtClean="0"/>
           </a:p>
         </p:txBody>
@@ -15034,11 +12755,15 @@
           <a:p>
             <a:r>
               <a:rPr lang="zh-CN" altLang="en-US" dirty="0" smtClean="0"/>
-              <a:t>基于对象的存储系统 </a:t>
+              <a:t>单</a:t>
             </a:r>
             <a:r>
               <a:rPr lang="en-US" altLang="zh-CN" dirty="0" smtClean="0"/>
-              <a:t>	</a:t>
+              <a:t>MDS</a:t>
+            </a:r>
+            <a:r>
+              <a:rPr lang="zh-CN" altLang="en-US" dirty="0" smtClean="0"/>
+              <a:t>设计</a:t>
             </a:r>
             <a:endParaRPr lang="zh-CN" altLang="en-US" dirty="0"/>
           </a:p>
@@ -15056,56 +12781,144 @@
         </p:nvSpPr>
         <p:spPr/>
         <p:txBody>
-          <a:bodyPr/>
+          <a:bodyPr>
+            <a:normAutofit fontScale="92500" lnSpcReduction="10000"/>
+          </a:bodyPr>
           <a:lstStyle/>
           <a:p>
             <a:r>
               <a:rPr lang="zh-CN" altLang="en-US" dirty="0" smtClean="0"/>
-              <a:t>以对象为基本存储管理单位</a:t>
+              <a:t>优点</a:t>
             </a:r>
             <a:endParaRPr lang="en-US" altLang="zh-CN" dirty="0" smtClean="0"/>
           </a:p>
           <a:p>
+            <a:pPr lvl="1"/>
             <a:r>
               <a:rPr lang="zh-CN" altLang="en-US" dirty="0" smtClean="0"/>
-              <a:t>独立的元数据管理</a:t>
+              <a:t>设计简单，容易提供统一名字空间</a:t>
             </a:r>
             <a:endParaRPr lang="en-US" altLang="zh-CN" dirty="0" smtClean="0"/>
           </a:p>
           <a:p>
+            <a:pPr lvl="1"/>
+            <a:endParaRPr lang="en-US" altLang="zh-CN" dirty="0" smtClean="0"/>
+          </a:p>
+          <a:p>
             <a:r>
               <a:rPr lang="zh-CN" altLang="en-US" dirty="0" smtClean="0"/>
-              <a:t>高容量</a:t>
+              <a:t>缺点</a:t>
             </a:r>
             <a:endParaRPr lang="en-US" altLang="zh-CN" dirty="0" smtClean="0"/>
           </a:p>
           <a:p>
+            <a:pPr lvl="1"/>
+            <a:r>
+              <a:rPr lang="ru-RU" altLang="en-US" dirty="0" smtClean="0"/>
+              <a:t>单点失效 </a:t>
+            </a:r>
+            <a:endParaRPr lang="en-US" altLang="en-US" dirty="0" smtClean="0"/>
+          </a:p>
+          <a:p>
+            <a:pPr lvl="1"/>
             <a:r>
               <a:rPr lang="zh-CN" altLang="en-US" dirty="0" smtClean="0"/>
-              <a:t>高性能</a:t>
+              <a:t>性能</a:t>
+            </a:r>
+            <a:r>
+              <a:rPr lang="zh-CN" altLang="en-US" dirty="0" smtClean="0"/>
+              <a:t>瓶颈</a:t>
+            </a:r>
+            <a:endParaRPr lang="en-US" altLang="zh-CN" dirty="0" smtClean="0"/>
+          </a:p>
+          <a:p>
+            <a:pPr lvl="1"/>
+            <a:r>
+              <a:rPr lang="zh-CN" altLang="en-US" dirty="0" smtClean="0"/>
+              <a:t>名字空间受限</a:t>
+            </a:r>
+            <a:endParaRPr lang="en-US" altLang="zh-CN" dirty="0" smtClean="0"/>
+          </a:p>
+          <a:p>
+            <a:pPr lvl="1"/>
+            <a:r>
+              <a:rPr lang="zh-CN" altLang="en-US" dirty="0" smtClean="0"/>
+              <a:t>初始化时间长</a:t>
             </a:r>
             <a:r>
               <a:rPr lang="en-US" altLang="zh-CN" dirty="0" smtClean="0"/>
-              <a:t>-</a:t>
-            </a:r>
+              <a:t>	</a:t>
+            </a:r>
+          </a:p>
+          <a:p>
+            <a:pPr lvl="1"/>
+            <a:endParaRPr lang="en-US" altLang="zh-CN" dirty="0" smtClean="0"/>
+          </a:p>
+          <a:p>
             <a:r>
               <a:rPr lang="zh-CN" altLang="en-US" dirty="0" smtClean="0"/>
-              <a:t>多个客户端的数据传输可以并行，聚合带宽高</a:t>
+              <a:t>折中方案</a:t>
             </a:r>
             <a:endParaRPr lang="en-US" altLang="zh-CN" dirty="0" smtClean="0"/>
           </a:p>
           <a:p>
+            <a:pPr lvl="1"/>
             <a:r>
               <a:rPr lang="zh-CN" altLang="en-US" dirty="0" smtClean="0"/>
-              <a:t>易于扩展</a:t>
+              <a:t>限制集群规模</a:t>
             </a:r>
             <a:endParaRPr lang="en-US" altLang="zh-CN" dirty="0" smtClean="0"/>
           </a:p>
           <a:p>
+            <a:pPr lvl="1"/>
             <a:r>
               <a:rPr lang="zh-CN" altLang="en-US" dirty="0" smtClean="0"/>
-              <a:t>易于管理</a:t>
-            </a:r>
+              <a:t>划分</a:t>
+            </a:r>
+            <a:r>
+              <a:rPr lang="en-US" altLang="zh-CN" dirty="0" smtClean="0"/>
+              <a:t>Volume</a:t>
+            </a:r>
+          </a:p>
+          <a:p>
+            <a:pPr lvl="1"/>
+            <a:r>
+              <a:rPr lang="en-US" altLang="zh-CN" dirty="0" smtClean="0"/>
+              <a:t>MDS</a:t>
+            </a:r>
+            <a:r>
+              <a:rPr lang="zh-CN" altLang="en-US" dirty="0" smtClean="0"/>
+              <a:t>的主从备份</a:t>
+            </a:r>
+            <a:r>
+              <a:rPr lang="en-US" altLang="zh-CN" dirty="0" smtClean="0"/>
+              <a:t>(</a:t>
+            </a:r>
+            <a:r>
+              <a:rPr lang="en-US" altLang="zh-CN" dirty="0" err="1" smtClean="0"/>
+              <a:t>Lustre</a:t>
+            </a:r>
+            <a:r>
+              <a:rPr lang="en-US" altLang="zh-CN" dirty="0" smtClean="0"/>
+              <a:t>, Google File System</a:t>
+            </a:r>
+            <a:r>
+              <a:rPr lang="zh-CN" altLang="en-US" dirty="0" smtClean="0"/>
+              <a:t>等</a:t>
+            </a:r>
+            <a:r>
+              <a:rPr lang="en-US" altLang="zh-CN" dirty="0" smtClean="0"/>
+              <a:t>)</a:t>
+            </a:r>
+          </a:p>
+          <a:p>
+            <a:endParaRPr lang="en-US" altLang="zh-CN" dirty="0" smtClean="0"/>
+          </a:p>
+          <a:p>
+            <a:pPr lvl="1"/>
+            <a:endParaRPr lang="en-US" altLang="zh-CN" dirty="0" smtClean="0"/>
+          </a:p>
+          <a:p>
             <a:endParaRPr lang="en-US" altLang="zh-CN" dirty="0" smtClean="0"/>
           </a:p>
           <a:p>
@@ -15188,23 +13001,72 @@
           <a:chExt cx="0" cy="0"/>
         </a:xfrm>
       </p:grpSpPr>
+      <p:sp>
+        <p:nvSpPr>
+          <p:cNvPr id="46" name="圆角矩形 45"/>
+          <p:cNvSpPr/>
+          <p:nvPr/>
+        </p:nvSpPr>
+        <p:spPr>
+          <a:xfrm>
+            <a:off x="5715008" y="2571744"/>
+            <a:ext cx="2428892" cy="857256"/>
+          </a:xfrm>
+          <a:prstGeom prst="roundRect">
+            <a:avLst/>
+          </a:prstGeom>
+          <a:noFill/>
+          <a:ln w="22225">
+            <a:solidFill>
+              <a:schemeClr val="accent1">
+                <a:shade val="50000"/>
+              </a:schemeClr>
+            </a:solidFill>
+            <a:prstDash val="sysDot"/>
+          </a:ln>
+        </p:spPr>
+        <p:style>
+          <a:lnRef idx="2">
+            <a:schemeClr val="accent1">
+              <a:shade val="50000"/>
+            </a:schemeClr>
+          </a:lnRef>
+          <a:fillRef idx="1">
+            <a:schemeClr val="accent1"/>
+          </a:fillRef>
+          <a:effectRef idx="0">
+            <a:schemeClr val="accent1"/>
+          </a:effectRef>
+          <a:fontRef idx="minor">
+            <a:schemeClr val="lt1"/>
+          </a:fontRef>
+        </p:style>
+        <p:txBody>
+          <a:bodyPr rtlCol="0" anchor="ctr"/>
+          <a:lstStyle/>
+          <a:p>
+            <a:pPr algn="ctr"/>
+            <a:endParaRPr lang="zh-CN" altLang="en-US"/>
+          </a:p>
+        </p:txBody>
+      </p:sp>
       <p:grpSp>
         <p:nvGrpSpPr>
-          <p:cNvPr id="3" name="组合 30"/>
+          <p:cNvPr id="2" name="组合 30"/>
           <p:cNvGrpSpPr/>
           <p:nvPr/>
         </p:nvGrpSpPr>
         <p:grpSpPr>
           <a:xfrm>
             <a:off x="1643042" y="1857364"/>
-            <a:ext cx="6107428" cy="3655480"/>
+            <a:ext cx="6389043" cy="3655480"/>
             <a:chOff x="1714480" y="1142984"/>
-            <a:chExt cx="6107428" cy="3655480"/>
+            <a:chExt cx="6389043" cy="3655480"/>
           </a:xfrm>
         </p:grpSpPr>
         <p:grpSp>
           <p:nvGrpSpPr>
-            <p:cNvPr id="4" name="组合 17"/>
+            <p:cNvPr id="3" name="组合 17"/>
             <p:cNvGrpSpPr/>
             <p:nvPr/>
           </p:nvGrpSpPr>
@@ -15844,39 +13706,6 @@
             </a:p>
           </p:txBody>
         </p:sp>
-        <p:pic>
-          <p:nvPicPr>
-            <p:cNvPr id="2050" name="Picture 2"/>
-            <p:cNvPicPr>
-              <a:picLocks noChangeAspect="1" noChangeArrowheads="1"/>
-            </p:cNvPicPr>
-            <p:nvPr/>
-          </p:nvPicPr>
-          <p:blipFill>
-            <a:blip r:embed="rId2"/>
-            <a:srcRect/>
-            <a:stretch>
-              <a:fillRect/>
-            </a:stretch>
-          </p:blipFill>
-          <p:spPr bwMode="auto">
-            <a:xfrm>
-              <a:off x="5929322" y="2143116"/>
-              <a:ext cx="1628775" cy="323850"/>
-            </a:xfrm>
-            <a:prstGeom prst="rect">
-              <a:avLst/>
-            </a:prstGeom>
-            <a:noFill/>
-            <a:ln w="9525">
-              <a:noFill/>
-              <a:miter lim="800000"/>
-              <a:headEnd/>
-              <a:tailEnd/>
-            </a:ln>
-            <a:effectLst/>
-          </p:spPr>
-        </p:pic>
         <p:sp>
           <p:nvSpPr>
             <p:cNvPr id="23" name="TextBox 22"/>
@@ -15886,7 +13715,7 @@
           <p:spPr>
             <a:xfrm>
               <a:off x="6072198" y="1500174"/>
-              <a:ext cx="1749710" cy="646331"/>
+              <a:ext cx="2031325" cy="369332"/>
             </a:xfrm>
             <a:prstGeom prst="rect">
               <a:avLst/>
@@ -15905,16 +13734,13 @@
                     <a:srgbClr val="FF0000"/>
                   </a:solidFill>
                 </a:rPr>
-                <a:t>元数据服务器</a:t>
+                <a:t>元数据服务器集群</a:t>
               </a:r>
-              <a:endParaRPr lang="en-US" altLang="zh-CN" dirty="0" smtClean="0"/>
-            </a:p>
-            <a:p>
-              <a:r>
-                <a:rPr lang="en-US" altLang="zh-CN" dirty="0" smtClean="0"/>
-                <a:t>Metadata Server</a:t>
-              </a:r>
-              <a:endParaRPr lang="zh-CN" altLang="en-US" dirty="0"/>
+              <a:endParaRPr lang="en-US" altLang="zh-CN" b="1" dirty="0" smtClean="0">
+                <a:solidFill>
+                  <a:srgbClr val="FF0000"/>
+                </a:solidFill>
+              </a:endParaRPr>
             </a:p>
           </p:txBody>
         </p:sp>
@@ -15999,8 +13825,8 @@
           </p:nvCxnSpPr>
           <p:spPr>
             <a:xfrm rot="10800000" flipV="1">
-              <a:off x="4929190" y="2643181"/>
-              <a:ext cx="1643074" cy="1428760"/>
+              <a:off x="4929190" y="2786057"/>
+              <a:ext cx="1285884" cy="1285883"/>
             </a:xfrm>
             <a:prstGeom prst="straightConnector1">
               <a:avLst/>
@@ -16058,129 +13884,195 @@
       </p:grpSp>
       <p:sp>
         <p:nvSpPr>
-          <p:cNvPr id="30" name="圆角矩形标注 29" descr="ffffffffffffff"/>
-          <p:cNvSpPr/>
-          <p:nvPr/>
+          <p:cNvPr id="27" name="标题 1"/>
+          <p:cNvSpPr>
+            <a:spLocks noGrp="1"/>
+          </p:cNvSpPr>
+          <p:nvPr>
+            <p:ph type="title"/>
+          </p:nvPr>
         </p:nvSpPr>
-        <p:spPr>
-          <a:xfrm>
-            <a:off x="3714744" y="214291"/>
-            <a:ext cx="3571900" cy="1634490"/>
-          </a:xfrm>
-          <a:prstGeom prst="wedgeRoundRectCallout">
-            <a:avLst>
-              <a:gd name="adj1" fmla="val 38283"/>
-              <a:gd name="adj2" fmla="val 65295"/>
-              <a:gd name="adj3" fmla="val 16667"/>
-            </a:avLst>
-          </a:prstGeom>
-        </p:spPr>
-        <p:style>
-          <a:lnRef idx="2">
-            <a:schemeClr val="accent6"/>
-          </a:lnRef>
-          <a:fillRef idx="1">
-            <a:schemeClr val="lt1"/>
-          </a:fillRef>
-          <a:effectRef idx="0">
-            <a:schemeClr val="accent6"/>
-          </a:effectRef>
-          <a:fontRef idx="minor">
-            <a:schemeClr val="dk1"/>
-          </a:fontRef>
-        </p:style>
+        <p:spPr/>
         <p:txBody>
-          <a:bodyPr wrap="square" lIns="0" rIns="0" rtlCol="0" anchor="t">
-            <a:spAutoFit/>
-          </a:bodyPr>
+          <a:bodyPr/>
           <a:lstStyle/>
           <a:p>
-            <a:pPr>
-              <a:buFont typeface="Arial" pitchFamily="34" charset="0"/>
-              <a:buChar char="•"/>
-            </a:pPr>
-            <a:r>
-              <a:rPr lang="en-US" altLang="zh-CN" dirty="0" smtClean="0"/>
-              <a:t> </a:t>
-            </a:r>
             <a:r>
               <a:rPr lang="zh-CN" altLang="en-US" dirty="0" smtClean="0"/>
-              <a:t>管理名字空间</a:t>
-            </a:r>
-            <a:endParaRPr lang="en-US" altLang="zh-CN" dirty="0" smtClean="0"/>
-          </a:p>
-          <a:p>
-            <a:pPr>
-              <a:buFont typeface="Arial" pitchFamily="34" charset="0"/>
-              <a:buChar char="•"/>
-            </a:pPr>
-            <a:r>
-              <a:rPr lang="en-US" altLang="zh-CN" dirty="0" smtClean="0"/>
-              <a:t> </a:t>
-            </a:r>
-            <a:r>
-              <a:rPr lang="zh-CN" altLang="en-US" dirty="0" smtClean="0"/>
-              <a:t>负责元数据操作</a:t>
-            </a:r>
-            <a:r>
-              <a:rPr lang="en-US" altLang="zh-CN" dirty="0" smtClean="0"/>
-              <a:t>( </a:t>
-            </a:r>
-            <a:r>
-              <a:rPr lang="en-US" altLang="zh-CN" dirty="0" err="1" smtClean="0"/>
-              <a:t>mkdir</a:t>
-            </a:r>
-            <a:r>
-              <a:rPr lang="en-US" altLang="zh-CN" dirty="0" smtClean="0"/>
-              <a:t> )</a:t>
-            </a:r>
-          </a:p>
-          <a:p>
-            <a:pPr>
-              <a:buFont typeface="Arial" pitchFamily="34" charset="0"/>
-              <a:buChar char="•"/>
-            </a:pPr>
-            <a:r>
-              <a:rPr lang="zh-CN" altLang="en-US" dirty="0" smtClean="0"/>
-              <a:t> 维护元数据信息</a:t>
-            </a:r>
-            <a:r>
-              <a:rPr lang="en-US" altLang="zh-CN" dirty="0" smtClean="0"/>
-              <a:t>(</a:t>
-            </a:r>
-            <a:r>
-              <a:rPr lang="zh-CN" altLang="en-US" dirty="0" smtClean="0"/>
-              <a:t>文件的</a:t>
-            </a:r>
-            <a:r>
-              <a:rPr lang="en-US" altLang="zh-CN" dirty="0" smtClean="0"/>
-              <a:t>size, owner</a:t>
-            </a:r>
-            <a:r>
-              <a:rPr lang="zh-CN" altLang="en-US" dirty="0" smtClean="0"/>
-              <a:t>等</a:t>
-            </a:r>
-            <a:r>
-              <a:rPr lang="en-US" altLang="zh-CN" dirty="0" smtClean="0"/>
-              <a:t>)</a:t>
-            </a:r>
-          </a:p>
-          <a:p>
-            <a:pPr>
-              <a:buFont typeface="Arial" pitchFamily="34" charset="0"/>
-              <a:buChar char="•"/>
-            </a:pPr>
-            <a:r>
-              <a:rPr lang="zh-CN" altLang="en-US" dirty="0" smtClean="0"/>
-              <a:t> 访问控制</a:t>
-            </a:r>
-            <a:endParaRPr lang="en-US" altLang="zh-CN" dirty="0" smtClean="0"/>
+              <a:t>元数据服务器集群</a:t>
+            </a:r>
+            <a:endParaRPr lang="zh-CN" altLang="en-US" dirty="0"/>
           </a:p>
         </p:txBody>
       </p:sp>
+      <p:pic>
+        <p:nvPicPr>
+          <p:cNvPr id="2051" name="Picture 3"/>
+          <p:cNvPicPr>
+            <a:picLocks noChangeAspect="1" noChangeArrowheads="1"/>
+          </p:cNvPicPr>
+          <p:nvPr/>
+        </p:nvPicPr>
+        <p:blipFill>
+          <a:blip r:embed="rId2"/>
+          <a:srcRect/>
+          <a:stretch>
+            <a:fillRect/>
+          </a:stretch>
+        </p:blipFill>
+        <p:spPr bwMode="auto">
+          <a:xfrm>
+            <a:off x="7072330" y="3195637"/>
+            <a:ext cx="914400" cy="161925"/>
+          </a:xfrm>
+          <a:prstGeom prst="rect">
+            <a:avLst/>
+          </a:prstGeom>
+          <a:noFill/>
+          <a:ln w="9525">
+            <a:noFill/>
+            <a:miter lim="800000"/>
+            <a:headEnd/>
+            <a:tailEnd/>
+          </a:ln>
+          <a:effectLst/>
+        </p:spPr>
+      </p:pic>
+      <p:pic>
+        <p:nvPicPr>
+          <p:cNvPr id="34" name="Picture 3"/>
+          <p:cNvPicPr>
+            <a:picLocks noChangeAspect="1" noChangeArrowheads="1"/>
+          </p:cNvPicPr>
+          <p:nvPr/>
+        </p:nvPicPr>
+        <p:blipFill>
+          <a:blip r:embed="rId2"/>
+          <a:srcRect/>
+          <a:stretch>
+            <a:fillRect/>
+          </a:stretch>
+        </p:blipFill>
+        <p:spPr bwMode="auto">
+          <a:xfrm>
+            <a:off x="6429388" y="2909885"/>
+            <a:ext cx="914400" cy="161925"/>
+          </a:xfrm>
+          <a:prstGeom prst="rect">
+            <a:avLst/>
+          </a:prstGeom>
+          <a:noFill/>
+          <a:ln w="9525">
+            <a:noFill/>
+            <a:miter lim="800000"/>
+            <a:headEnd/>
+            <a:tailEnd/>
+          </a:ln>
+          <a:effectLst/>
+        </p:spPr>
+      </p:pic>
+      <p:pic>
+        <p:nvPicPr>
+          <p:cNvPr id="35" name="Picture 3"/>
+          <p:cNvPicPr>
+            <a:picLocks noChangeAspect="1" noChangeArrowheads="1"/>
+          </p:cNvPicPr>
+          <p:nvPr/>
+        </p:nvPicPr>
+        <p:blipFill>
+          <a:blip r:embed="rId2"/>
+          <a:srcRect/>
+          <a:stretch>
+            <a:fillRect/>
+          </a:stretch>
+        </p:blipFill>
+        <p:spPr bwMode="auto">
+          <a:xfrm>
+            <a:off x="5929322" y="3195637"/>
+            <a:ext cx="914400" cy="161925"/>
+          </a:xfrm>
+          <a:prstGeom prst="rect">
+            <a:avLst/>
+          </a:prstGeom>
+          <a:noFill/>
+          <a:ln w="9525">
+            <a:noFill/>
+            <a:miter lim="800000"/>
+            <a:headEnd/>
+            <a:tailEnd/>
+          </a:ln>
+          <a:effectLst/>
+        </p:spPr>
+      </p:pic>
+      <p:pic>
+        <p:nvPicPr>
+          <p:cNvPr id="36" name="Picture 3"/>
+          <p:cNvPicPr>
+            <a:picLocks noChangeAspect="1" noChangeArrowheads="1"/>
+          </p:cNvPicPr>
+          <p:nvPr/>
+        </p:nvPicPr>
+        <p:blipFill>
+          <a:blip r:embed="rId2"/>
+          <a:srcRect/>
+          <a:stretch>
+            <a:fillRect/>
+          </a:stretch>
+        </p:blipFill>
+        <p:spPr bwMode="auto">
+          <a:xfrm>
+            <a:off x="5929322" y="2643182"/>
+            <a:ext cx="914400" cy="161925"/>
+          </a:xfrm>
+          <a:prstGeom prst="rect">
+            <a:avLst/>
+          </a:prstGeom>
+          <a:noFill/>
+          <a:ln w="9525">
+            <a:noFill/>
+            <a:miter lim="800000"/>
+            <a:headEnd/>
+            <a:tailEnd/>
+          </a:ln>
+          <a:effectLst/>
+        </p:spPr>
+      </p:pic>
+      <p:pic>
+        <p:nvPicPr>
+          <p:cNvPr id="45" name="Picture 3"/>
+          <p:cNvPicPr>
+            <a:picLocks noChangeAspect="1" noChangeArrowheads="1"/>
+          </p:cNvPicPr>
+          <p:nvPr/>
+        </p:nvPicPr>
+        <p:blipFill>
+          <a:blip r:embed="rId2"/>
+          <a:srcRect/>
+          <a:stretch>
+            <a:fillRect/>
+          </a:stretch>
+        </p:blipFill>
+        <p:spPr bwMode="auto">
+          <a:xfrm>
+            <a:off x="7072330" y="2643182"/>
+            <a:ext cx="914400" cy="161925"/>
+          </a:xfrm>
+          <a:prstGeom prst="rect">
+            <a:avLst/>
+          </a:prstGeom>
+          <a:noFill/>
+          <a:ln w="9525">
+            <a:noFill/>
+            <a:miter lim="800000"/>
+            <a:headEnd/>
+            <a:tailEnd/>
+          </a:ln>
+          <a:effectLst/>
+        </p:spPr>
+      </p:pic>
       <p:sp>
         <p:nvSpPr>
-          <p:cNvPr id="27" name="灯片编号占位符 26"/>
+          <p:cNvPr id="31" name="灯片编号占位符 30"/>
           <p:cNvSpPr>
             <a:spLocks noGrp="1"/>
           </p:cNvSpPr>
@@ -16204,7 +14096,7 @@
       </p:sp>
       <p:sp>
         <p:nvSpPr>
-          <p:cNvPr id="31" name="页脚占位符 30"/>
+          <p:cNvPr id="32" name="页脚占位符 31"/>
           <p:cNvSpPr>
             <a:spLocks noGrp="1"/>
           </p:cNvSpPr>
@@ -16253,958 +14145,207 @@
           <a:chExt cx="0" cy="0"/>
         </a:xfrm>
       </p:grpSpPr>
-      <p:grpSp>
-        <p:nvGrpSpPr>
-          <p:cNvPr id="2" name="组合 30"/>
-          <p:cNvGrpSpPr/>
-          <p:nvPr/>
-        </p:nvGrpSpPr>
-        <p:grpSpPr>
-          <a:xfrm>
-            <a:off x="1643042" y="1857364"/>
-            <a:ext cx="6107428" cy="3655480"/>
-            <a:chOff x="1714480" y="1142984"/>
-            <a:chExt cx="6107428" cy="3655480"/>
-          </a:xfrm>
-        </p:grpSpPr>
-        <p:grpSp>
-          <p:nvGrpSpPr>
-            <p:cNvPr id="3" name="组合 17"/>
-            <p:cNvGrpSpPr/>
-            <p:nvPr/>
-          </p:nvGrpSpPr>
-          <p:grpSpPr>
-            <a:xfrm>
-              <a:off x="1714480" y="1785926"/>
-              <a:ext cx="2881333" cy="1000132"/>
-              <a:chOff x="1643042" y="1571612"/>
-              <a:chExt cx="2881333" cy="1214446"/>
-            </a:xfrm>
-          </p:grpSpPr>
-          <p:sp>
-            <p:nvSpPr>
-              <p:cNvPr id="6" name="圆柱形 5"/>
-              <p:cNvSpPr/>
-              <p:nvPr/>
-            </p:nvSpPr>
-            <p:spPr>
-              <a:xfrm>
-                <a:off x="1643042" y="1571612"/>
-                <a:ext cx="428628" cy="642942"/>
-              </a:xfrm>
-              <a:prstGeom prst="can">
-                <a:avLst/>
-              </a:prstGeom>
-              <a:solidFill>
-                <a:schemeClr val="bg1"/>
-              </a:solidFill>
-            </p:spPr>
-            <p:style>
-              <a:lnRef idx="2">
-                <a:schemeClr val="accent1">
-                  <a:shade val="50000"/>
-                </a:schemeClr>
-              </a:lnRef>
-              <a:fillRef idx="1">
-                <a:schemeClr val="accent1"/>
-              </a:fillRef>
-              <a:effectRef idx="0">
-                <a:schemeClr val="accent1"/>
-              </a:effectRef>
-              <a:fontRef idx="minor">
-                <a:schemeClr val="lt1"/>
-              </a:fontRef>
-            </p:style>
-            <p:txBody>
-              <a:bodyPr rtlCol="0" anchor="ctr"/>
-              <a:lstStyle/>
-              <a:p>
-                <a:pPr algn="ctr"/>
-                <a:endParaRPr lang="zh-CN" altLang="en-US"/>
-              </a:p>
-            </p:txBody>
-          </p:sp>
-          <p:sp>
-            <p:nvSpPr>
-              <p:cNvPr id="7" name="圆柱形 6"/>
-              <p:cNvSpPr/>
-              <p:nvPr/>
-            </p:nvSpPr>
-            <p:spPr>
-              <a:xfrm>
-                <a:off x="2333609" y="1571612"/>
-                <a:ext cx="428628" cy="642942"/>
-              </a:xfrm>
-              <a:prstGeom prst="can">
-                <a:avLst/>
-              </a:prstGeom>
-              <a:solidFill>
-                <a:schemeClr val="bg1"/>
-              </a:solidFill>
-            </p:spPr>
-            <p:style>
-              <a:lnRef idx="2">
-                <a:schemeClr val="accent1">
-                  <a:shade val="50000"/>
-                </a:schemeClr>
-              </a:lnRef>
-              <a:fillRef idx="1">
-                <a:schemeClr val="accent1"/>
-              </a:fillRef>
-              <a:effectRef idx="0">
-                <a:schemeClr val="accent1"/>
-              </a:effectRef>
-              <a:fontRef idx="minor">
-                <a:schemeClr val="lt1"/>
-              </a:fontRef>
-            </p:style>
-            <p:txBody>
-              <a:bodyPr rtlCol="0" anchor="ctr"/>
-              <a:lstStyle/>
-              <a:p>
-                <a:pPr algn="ctr"/>
-                <a:endParaRPr lang="zh-CN" altLang="en-US"/>
-              </a:p>
-            </p:txBody>
-          </p:sp>
-          <p:sp>
-            <p:nvSpPr>
-              <p:cNvPr id="8" name="圆柱形 7"/>
-              <p:cNvSpPr/>
-              <p:nvPr/>
-            </p:nvSpPr>
-            <p:spPr>
-              <a:xfrm>
-                <a:off x="3024176" y="1571612"/>
-                <a:ext cx="428628" cy="642942"/>
-              </a:xfrm>
-              <a:prstGeom prst="can">
-                <a:avLst/>
-              </a:prstGeom>
-              <a:solidFill>
-                <a:schemeClr val="bg1"/>
-              </a:solidFill>
-            </p:spPr>
-            <p:style>
-              <a:lnRef idx="2">
-                <a:schemeClr val="accent1">
-                  <a:shade val="50000"/>
-                </a:schemeClr>
-              </a:lnRef>
-              <a:fillRef idx="1">
-                <a:schemeClr val="accent1"/>
-              </a:fillRef>
-              <a:effectRef idx="0">
-                <a:schemeClr val="accent1"/>
-              </a:effectRef>
-              <a:fontRef idx="minor">
-                <a:schemeClr val="lt1"/>
-              </a:fontRef>
-            </p:style>
-            <p:txBody>
-              <a:bodyPr rtlCol="0" anchor="ctr"/>
-              <a:lstStyle/>
-              <a:p>
-                <a:pPr algn="ctr"/>
-                <a:endParaRPr lang="zh-CN" altLang="en-US"/>
-              </a:p>
-            </p:txBody>
-          </p:sp>
-          <p:sp>
-            <p:nvSpPr>
-              <p:cNvPr id="9" name="圆柱形 8"/>
-              <p:cNvSpPr/>
-              <p:nvPr/>
-            </p:nvSpPr>
-            <p:spPr>
-              <a:xfrm>
-                <a:off x="3714744" y="1571612"/>
-                <a:ext cx="428628" cy="642942"/>
-              </a:xfrm>
-              <a:prstGeom prst="can">
-                <a:avLst/>
-              </a:prstGeom>
-              <a:solidFill>
-                <a:schemeClr val="bg1"/>
-              </a:solidFill>
-            </p:spPr>
-            <p:style>
-              <a:lnRef idx="2">
-                <a:schemeClr val="accent1">
-                  <a:shade val="50000"/>
-                </a:schemeClr>
-              </a:lnRef>
-              <a:fillRef idx="1">
-                <a:schemeClr val="accent1"/>
-              </a:fillRef>
-              <a:effectRef idx="0">
-                <a:schemeClr val="accent1"/>
-              </a:effectRef>
-              <a:fontRef idx="minor">
-                <a:schemeClr val="lt1"/>
-              </a:fontRef>
-            </p:style>
-            <p:txBody>
-              <a:bodyPr rtlCol="0" anchor="ctr"/>
-              <a:lstStyle/>
-              <a:p>
-                <a:pPr algn="ctr"/>
-                <a:endParaRPr lang="zh-CN" altLang="en-US"/>
-              </a:p>
-            </p:txBody>
-          </p:sp>
-          <p:sp>
-            <p:nvSpPr>
-              <p:cNvPr id="10" name="圆柱形 9"/>
-              <p:cNvSpPr/>
-              <p:nvPr/>
-            </p:nvSpPr>
-            <p:spPr>
-              <a:xfrm>
-                <a:off x="1809731" y="1857364"/>
-                <a:ext cx="428628" cy="642942"/>
-              </a:xfrm>
-              <a:prstGeom prst="can">
-                <a:avLst/>
-              </a:prstGeom>
-              <a:solidFill>
-                <a:schemeClr val="bg1"/>
-              </a:solidFill>
-            </p:spPr>
-            <p:style>
-              <a:lnRef idx="2">
-                <a:schemeClr val="accent1">
-                  <a:shade val="50000"/>
-                </a:schemeClr>
-              </a:lnRef>
-              <a:fillRef idx="1">
-                <a:schemeClr val="accent1"/>
-              </a:fillRef>
-              <a:effectRef idx="0">
-                <a:schemeClr val="accent1"/>
-              </a:effectRef>
-              <a:fontRef idx="minor">
-                <a:schemeClr val="lt1"/>
-              </a:fontRef>
-            </p:style>
-            <p:txBody>
-              <a:bodyPr rtlCol="0" anchor="ctr"/>
-              <a:lstStyle/>
-              <a:p>
-                <a:pPr algn="ctr"/>
-                <a:endParaRPr lang="zh-CN" altLang="en-US"/>
-              </a:p>
-            </p:txBody>
-          </p:sp>
-          <p:sp>
-            <p:nvSpPr>
-              <p:cNvPr id="11" name="圆柱形 10"/>
-              <p:cNvSpPr/>
-              <p:nvPr/>
-            </p:nvSpPr>
-            <p:spPr>
-              <a:xfrm>
-                <a:off x="2500298" y="1857364"/>
-                <a:ext cx="428628" cy="642942"/>
-              </a:xfrm>
-              <a:prstGeom prst="can">
-                <a:avLst/>
-              </a:prstGeom>
-              <a:solidFill>
-                <a:schemeClr val="bg1"/>
-              </a:solidFill>
-            </p:spPr>
-            <p:style>
-              <a:lnRef idx="2">
-                <a:schemeClr val="accent1">
-                  <a:shade val="50000"/>
-                </a:schemeClr>
-              </a:lnRef>
-              <a:fillRef idx="1">
-                <a:schemeClr val="accent1"/>
-              </a:fillRef>
-              <a:effectRef idx="0">
-                <a:schemeClr val="accent1"/>
-              </a:effectRef>
-              <a:fontRef idx="minor">
-                <a:schemeClr val="lt1"/>
-              </a:fontRef>
-            </p:style>
-            <p:txBody>
-              <a:bodyPr rtlCol="0" anchor="ctr"/>
-              <a:lstStyle/>
-              <a:p>
-                <a:pPr algn="ctr"/>
-                <a:endParaRPr lang="zh-CN" altLang="en-US"/>
-              </a:p>
-            </p:txBody>
-          </p:sp>
-          <p:sp>
-            <p:nvSpPr>
-              <p:cNvPr id="12" name="圆柱形 11"/>
-              <p:cNvSpPr/>
-              <p:nvPr/>
-            </p:nvSpPr>
-            <p:spPr>
-              <a:xfrm>
-                <a:off x="3190865" y="1857364"/>
-                <a:ext cx="428628" cy="642942"/>
-              </a:xfrm>
-              <a:prstGeom prst="can">
-                <a:avLst/>
-              </a:prstGeom>
-              <a:solidFill>
-                <a:schemeClr val="bg1"/>
-              </a:solidFill>
-            </p:spPr>
-            <p:style>
-              <a:lnRef idx="2">
-                <a:schemeClr val="accent1">
-                  <a:shade val="50000"/>
-                </a:schemeClr>
-              </a:lnRef>
-              <a:fillRef idx="1">
-                <a:schemeClr val="accent1"/>
-              </a:fillRef>
-              <a:effectRef idx="0">
-                <a:schemeClr val="accent1"/>
-              </a:effectRef>
-              <a:fontRef idx="minor">
-                <a:schemeClr val="lt1"/>
-              </a:fontRef>
-            </p:style>
-            <p:txBody>
-              <a:bodyPr rtlCol="0" anchor="ctr"/>
-              <a:lstStyle/>
-              <a:p>
-                <a:pPr algn="ctr"/>
-                <a:endParaRPr lang="zh-CN" altLang="en-US"/>
-              </a:p>
-            </p:txBody>
-          </p:sp>
-          <p:sp>
-            <p:nvSpPr>
-              <p:cNvPr id="13" name="圆柱形 12"/>
-              <p:cNvSpPr/>
-              <p:nvPr/>
-            </p:nvSpPr>
-            <p:spPr>
-              <a:xfrm>
-                <a:off x="3881433" y="1857364"/>
-                <a:ext cx="428628" cy="642942"/>
-              </a:xfrm>
-              <a:prstGeom prst="can">
-                <a:avLst/>
-              </a:prstGeom>
-              <a:solidFill>
-                <a:schemeClr val="bg1"/>
-              </a:solidFill>
-            </p:spPr>
-            <p:style>
-              <a:lnRef idx="2">
-                <a:schemeClr val="accent1">
-                  <a:shade val="50000"/>
-                </a:schemeClr>
-              </a:lnRef>
-              <a:fillRef idx="1">
-                <a:schemeClr val="accent1"/>
-              </a:fillRef>
-              <a:effectRef idx="0">
-                <a:schemeClr val="accent1"/>
-              </a:effectRef>
-              <a:fontRef idx="minor">
-                <a:schemeClr val="lt1"/>
-              </a:fontRef>
-            </p:style>
-            <p:txBody>
-              <a:bodyPr rtlCol="0" anchor="ctr"/>
-              <a:lstStyle/>
-              <a:p>
-                <a:pPr algn="ctr"/>
-                <a:endParaRPr lang="zh-CN" altLang="en-US"/>
-              </a:p>
-            </p:txBody>
-          </p:sp>
-          <p:sp>
-            <p:nvSpPr>
-              <p:cNvPr id="14" name="圆柱形 13"/>
-              <p:cNvSpPr/>
-              <p:nvPr/>
-            </p:nvSpPr>
-            <p:spPr>
-              <a:xfrm>
-                <a:off x="2024045" y="2143116"/>
-                <a:ext cx="428628" cy="642942"/>
-              </a:xfrm>
-              <a:prstGeom prst="can">
-                <a:avLst/>
-              </a:prstGeom>
-              <a:solidFill>
-                <a:schemeClr val="bg1"/>
-              </a:solidFill>
-            </p:spPr>
-            <p:style>
-              <a:lnRef idx="2">
-                <a:schemeClr val="accent1">
-                  <a:shade val="50000"/>
-                </a:schemeClr>
-              </a:lnRef>
-              <a:fillRef idx="1">
-                <a:schemeClr val="accent1"/>
-              </a:fillRef>
-              <a:effectRef idx="0">
-                <a:schemeClr val="accent1"/>
-              </a:effectRef>
-              <a:fontRef idx="minor">
-                <a:schemeClr val="lt1"/>
-              </a:fontRef>
-            </p:style>
-            <p:txBody>
-              <a:bodyPr rtlCol="0" anchor="ctr"/>
-              <a:lstStyle/>
-              <a:p>
-                <a:pPr algn="ctr"/>
-                <a:endParaRPr lang="zh-CN" altLang="en-US"/>
-              </a:p>
-            </p:txBody>
-          </p:sp>
-          <p:sp>
-            <p:nvSpPr>
-              <p:cNvPr id="15" name="圆柱形 14"/>
-              <p:cNvSpPr/>
-              <p:nvPr/>
-            </p:nvSpPr>
-            <p:spPr>
-              <a:xfrm>
-                <a:off x="2714612" y="2143116"/>
-                <a:ext cx="428628" cy="642942"/>
-              </a:xfrm>
-              <a:prstGeom prst="can">
-                <a:avLst/>
-              </a:prstGeom>
-              <a:solidFill>
-                <a:schemeClr val="bg1"/>
-              </a:solidFill>
-            </p:spPr>
-            <p:style>
-              <a:lnRef idx="2">
-                <a:schemeClr val="accent1">
-                  <a:shade val="50000"/>
-                </a:schemeClr>
-              </a:lnRef>
-              <a:fillRef idx="1">
-                <a:schemeClr val="accent1"/>
-              </a:fillRef>
-              <a:effectRef idx="0">
-                <a:schemeClr val="accent1"/>
-              </a:effectRef>
-              <a:fontRef idx="minor">
-                <a:schemeClr val="lt1"/>
-              </a:fontRef>
-            </p:style>
-            <p:txBody>
-              <a:bodyPr rtlCol="0" anchor="ctr"/>
-              <a:lstStyle/>
-              <a:p>
-                <a:pPr algn="ctr"/>
-                <a:endParaRPr lang="zh-CN" altLang="en-US"/>
-              </a:p>
-            </p:txBody>
-          </p:sp>
-          <p:sp>
-            <p:nvSpPr>
-              <p:cNvPr id="16" name="圆柱形 15"/>
-              <p:cNvSpPr/>
-              <p:nvPr/>
-            </p:nvSpPr>
-            <p:spPr>
-              <a:xfrm>
-                <a:off x="3405179" y="2143116"/>
-                <a:ext cx="428628" cy="642942"/>
-              </a:xfrm>
-              <a:prstGeom prst="can">
-                <a:avLst/>
-              </a:prstGeom>
-              <a:solidFill>
-                <a:schemeClr val="bg1"/>
-              </a:solidFill>
-            </p:spPr>
-            <p:style>
-              <a:lnRef idx="2">
-                <a:schemeClr val="accent1">
-                  <a:shade val="50000"/>
-                </a:schemeClr>
-              </a:lnRef>
-              <a:fillRef idx="1">
-                <a:schemeClr val="accent1"/>
-              </a:fillRef>
-              <a:effectRef idx="0">
-                <a:schemeClr val="accent1"/>
-              </a:effectRef>
-              <a:fontRef idx="minor">
-                <a:schemeClr val="lt1"/>
-              </a:fontRef>
-            </p:style>
-            <p:txBody>
-              <a:bodyPr rtlCol="0" anchor="ctr"/>
-              <a:lstStyle/>
-              <a:p>
-                <a:pPr algn="ctr"/>
-                <a:endParaRPr lang="zh-CN" altLang="en-US"/>
-              </a:p>
-            </p:txBody>
-          </p:sp>
-          <p:sp>
-            <p:nvSpPr>
-              <p:cNvPr id="17" name="圆柱形 16"/>
-              <p:cNvSpPr/>
-              <p:nvPr/>
-            </p:nvSpPr>
-            <p:spPr>
-              <a:xfrm>
-                <a:off x="4095747" y="2143116"/>
-                <a:ext cx="428628" cy="642942"/>
-              </a:xfrm>
-              <a:prstGeom prst="can">
-                <a:avLst/>
-              </a:prstGeom>
-              <a:solidFill>
-                <a:schemeClr val="bg1"/>
-              </a:solidFill>
-            </p:spPr>
-            <p:style>
-              <a:lnRef idx="2">
-                <a:schemeClr val="accent1">
-                  <a:shade val="50000"/>
-                </a:schemeClr>
-              </a:lnRef>
-              <a:fillRef idx="1">
-                <a:schemeClr val="accent1"/>
-              </a:fillRef>
-              <a:effectRef idx="0">
-                <a:schemeClr val="accent1"/>
-              </a:effectRef>
-              <a:fontRef idx="minor">
-                <a:schemeClr val="lt1"/>
-              </a:fontRef>
-            </p:style>
-            <p:txBody>
-              <a:bodyPr rtlCol="0" anchor="ctr"/>
-              <a:lstStyle/>
-              <a:p>
-                <a:pPr algn="ctr"/>
-                <a:endParaRPr lang="zh-CN" altLang="en-US"/>
-              </a:p>
-            </p:txBody>
-          </p:sp>
-        </p:grpSp>
-        <p:sp>
-          <p:nvSpPr>
-            <p:cNvPr id="19" name="笑脸 18"/>
-            <p:cNvSpPr/>
-            <p:nvPr/>
-          </p:nvSpPr>
-          <p:spPr>
-            <a:xfrm>
-              <a:off x="4214810" y="4357694"/>
-              <a:ext cx="357190" cy="428628"/>
-            </a:xfrm>
-            <a:prstGeom prst="smileyFace">
-              <a:avLst/>
-            </a:prstGeom>
-          </p:spPr>
-          <p:style>
-            <a:lnRef idx="2">
-              <a:schemeClr val="accent1">
-                <a:shade val="50000"/>
-              </a:schemeClr>
-            </a:lnRef>
-            <a:fillRef idx="1">
-              <a:schemeClr val="accent1"/>
-            </a:fillRef>
-            <a:effectRef idx="0">
-              <a:schemeClr val="accent1"/>
-            </a:effectRef>
-            <a:fontRef idx="minor">
-              <a:schemeClr val="lt1"/>
-            </a:fontRef>
-          </p:style>
-          <p:txBody>
-            <a:bodyPr rtlCol="0" anchor="ctr"/>
-            <a:lstStyle/>
-            <a:p>
-              <a:pPr algn="ctr"/>
-              <a:endParaRPr lang="zh-CN" altLang="en-US"/>
-            </a:p>
-          </p:txBody>
-        </p:sp>
-        <p:sp>
-          <p:nvSpPr>
-            <p:cNvPr id="20" name="TextBox 19"/>
-            <p:cNvSpPr txBox="1"/>
-            <p:nvPr/>
-          </p:nvSpPr>
-          <p:spPr>
-            <a:xfrm>
-              <a:off x="2571736" y="4429132"/>
-              <a:ext cx="1471365" cy="369332"/>
-            </a:xfrm>
-            <a:prstGeom prst="rect">
-              <a:avLst/>
-            </a:prstGeom>
-            <a:noFill/>
-          </p:spPr>
-          <p:txBody>
-            <a:bodyPr wrap="none" rtlCol="0">
-              <a:spAutoFit/>
-            </a:bodyPr>
-            <a:lstStyle/>
-            <a:p>
-              <a:r>
-                <a:rPr lang="zh-CN" altLang="en-US" dirty="0" smtClean="0"/>
-                <a:t>客户端 </a:t>
-              </a:r>
-              <a:r>
-                <a:rPr lang="en-US" altLang="zh-CN" dirty="0" smtClean="0"/>
-                <a:t>Client</a:t>
-              </a:r>
-              <a:endParaRPr lang="zh-CN" altLang="en-US" dirty="0"/>
-            </a:p>
-          </p:txBody>
-        </p:sp>
-        <p:sp>
-          <p:nvSpPr>
-            <p:cNvPr id="21" name="TextBox 20"/>
-            <p:cNvSpPr txBox="1"/>
-            <p:nvPr/>
-          </p:nvSpPr>
-          <p:spPr>
-            <a:xfrm>
-              <a:off x="2071670" y="1142984"/>
-              <a:ext cx="2247282" cy="646331"/>
-            </a:xfrm>
-            <a:prstGeom prst="rect">
-              <a:avLst/>
-            </a:prstGeom>
-            <a:noFill/>
-          </p:spPr>
-          <p:txBody>
-            <a:bodyPr wrap="none" rtlCol="0">
-              <a:spAutoFit/>
-            </a:bodyPr>
-            <a:lstStyle/>
-            <a:p>
-              <a:r>
-                <a:rPr lang="zh-CN" altLang="en-US" b="1" dirty="0" smtClean="0">
-                  <a:solidFill>
-                    <a:srgbClr val="FF0000"/>
-                  </a:solidFill>
-                </a:rPr>
-                <a:t>对象服务器</a:t>
-              </a:r>
-              <a:endParaRPr lang="en-US" altLang="zh-CN" b="1" dirty="0" smtClean="0">
-                <a:solidFill>
-                  <a:srgbClr val="FF0000"/>
-                </a:solidFill>
-              </a:endParaRPr>
-            </a:p>
-            <a:p>
-              <a:r>
-                <a:rPr lang="en-US" altLang="zh-CN" dirty="0" smtClean="0"/>
-                <a:t>Object Storage Device</a:t>
-              </a:r>
-              <a:endParaRPr lang="zh-CN" altLang="en-US" dirty="0"/>
-            </a:p>
-          </p:txBody>
-        </p:sp>
-        <p:pic>
-          <p:nvPicPr>
-            <p:cNvPr id="2050" name="Picture 2"/>
-            <p:cNvPicPr>
-              <a:picLocks noChangeAspect="1" noChangeArrowheads="1"/>
-            </p:cNvPicPr>
-            <p:nvPr/>
-          </p:nvPicPr>
-          <p:blipFill>
-            <a:blip r:embed="rId2"/>
-            <a:srcRect/>
-            <a:stretch>
-              <a:fillRect/>
-            </a:stretch>
-          </p:blipFill>
-          <p:spPr bwMode="auto">
-            <a:xfrm>
-              <a:off x="5929322" y="2143116"/>
-              <a:ext cx="1628775" cy="323850"/>
-            </a:xfrm>
-            <a:prstGeom prst="rect">
-              <a:avLst/>
-            </a:prstGeom>
-            <a:noFill/>
-            <a:ln w="9525">
-              <a:noFill/>
-              <a:miter lim="800000"/>
-              <a:headEnd/>
-              <a:tailEnd/>
-            </a:ln>
-            <a:effectLst/>
-          </p:spPr>
-        </p:pic>
-        <p:sp>
-          <p:nvSpPr>
-            <p:cNvPr id="23" name="TextBox 22"/>
-            <p:cNvSpPr txBox="1"/>
-            <p:nvPr/>
-          </p:nvSpPr>
-          <p:spPr>
-            <a:xfrm>
-              <a:off x="6072198" y="1500174"/>
-              <a:ext cx="1749710" cy="646331"/>
-            </a:xfrm>
-            <a:prstGeom prst="rect">
-              <a:avLst/>
-            </a:prstGeom>
-            <a:noFill/>
-          </p:spPr>
-          <p:txBody>
-            <a:bodyPr wrap="none" rtlCol="0">
-              <a:spAutoFit/>
-            </a:bodyPr>
-            <a:lstStyle/>
-            <a:p>
-              <a:r>
-                <a:rPr lang="zh-CN" altLang="en-US" dirty="0" smtClean="0"/>
-                <a:t>元数据服务器</a:t>
-              </a:r>
-              <a:endParaRPr lang="en-US" altLang="zh-CN" dirty="0" smtClean="0"/>
-            </a:p>
-            <a:p>
-              <a:r>
-                <a:rPr lang="en-US" altLang="zh-CN" dirty="0" smtClean="0"/>
-                <a:t>Metadata Server</a:t>
-              </a:r>
-              <a:endParaRPr lang="zh-CN" altLang="en-US" dirty="0"/>
-            </a:p>
-          </p:txBody>
-        </p:sp>
-        <p:sp>
-          <p:nvSpPr>
-            <p:cNvPr id="25" name="上下箭头 24"/>
-            <p:cNvSpPr/>
-            <p:nvPr/>
-          </p:nvSpPr>
-          <p:spPr>
-            <a:xfrm>
-              <a:off x="4071934" y="2928934"/>
-              <a:ext cx="428628" cy="1214446"/>
-            </a:xfrm>
-            <a:prstGeom prst="upDownArrow">
-              <a:avLst/>
-            </a:prstGeom>
-            <a:solidFill>
-              <a:schemeClr val="bg1"/>
-            </a:solidFill>
-          </p:spPr>
-          <p:style>
-            <a:lnRef idx="2">
-              <a:schemeClr val="accent1">
-                <a:shade val="50000"/>
-              </a:schemeClr>
-            </a:lnRef>
-            <a:fillRef idx="1">
-              <a:schemeClr val="accent1"/>
-            </a:fillRef>
-            <a:effectRef idx="0">
-              <a:schemeClr val="accent1"/>
-            </a:effectRef>
-            <a:fontRef idx="minor">
-              <a:schemeClr val="lt1"/>
-            </a:fontRef>
-          </p:style>
-          <p:txBody>
-            <a:bodyPr rtlCol="0" anchor="ctr"/>
-            <a:lstStyle/>
-            <a:p>
-              <a:pPr algn="ctr"/>
-              <a:endParaRPr lang="zh-CN" altLang="en-US"/>
-            </a:p>
-          </p:txBody>
-        </p:sp>
-        <p:sp>
-          <p:nvSpPr>
-            <p:cNvPr id="26" name="TextBox 25"/>
-            <p:cNvSpPr txBox="1"/>
-            <p:nvPr/>
-          </p:nvSpPr>
-          <p:spPr>
-            <a:xfrm>
-              <a:off x="3143240" y="3357562"/>
-              <a:ext cx="1107996" cy="369332"/>
-            </a:xfrm>
-            <a:prstGeom prst="rect">
-              <a:avLst/>
-            </a:prstGeom>
-            <a:noFill/>
-          </p:spPr>
-          <p:txBody>
-            <a:bodyPr wrap="none" rtlCol="0">
-              <a:spAutoFit/>
-            </a:bodyPr>
-            <a:lstStyle/>
-            <a:p>
-              <a:r>
-                <a:rPr lang="zh-CN" altLang="en-US" dirty="0" smtClean="0"/>
-                <a:t>数据传输</a:t>
-              </a:r>
-              <a:endParaRPr lang="zh-CN" altLang="en-US" dirty="0"/>
-            </a:p>
-          </p:txBody>
-        </p:sp>
-        <p:cxnSp>
-          <p:nvCxnSpPr>
-            <p:cNvPr id="28" name="直接箭头连接符 27"/>
-            <p:cNvCxnSpPr/>
-            <p:nvPr/>
-          </p:nvCxnSpPr>
-          <p:spPr>
-            <a:xfrm rot="10800000" flipV="1">
-              <a:off x="4929190" y="2643181"/>
-              <a:ext cx="1643074" cy="1428760"/>
-            </a:xfrm>
-            <a:prstGeom prst="straightConnector1">
-              <a:avLst/>
-            </a:prstGeom>
-            <a:ln>
-              <a:headEnd type="arrow"/>
-              <a:tailEnd type="arrow"/>
-            </a:ln>
-          </p:spPr>
-          <p:style>
-            <a:lnRef idx="1">
-              <a:schemeClr val="accent1"/>
-            </a:lnRef>
-            <a:fillRef idx="0">
-              <a:schemeClr val="accent1"/>
-            </a:fillRef>
-            <a:effectRef idx="0">
-              <a:schemeClr val="accent1"/>
-            </a:effectRef>
-            <a:fontRef idx="minor">
-              <a:schemeClr val="tx1"/>
-            </a:fontRef>
-          </p:style>
-        </p:cxnSp>
-        <p:sp>
-          <p:nvSpPr>
-            <p:cNvPr id="29" name="TextBox 28"/>
-            <p:cNvSpPr txBox="1"/>
-            <p:nvPr/>
-          </p:nvSpPr>
-          <p:spPr>
-            <a:xfrm>
-              <a:off x="5715008" y="3357562"/>
-              <a:ext cx="1338828" cy="369332"/>
-            </a:xfrm>
-            <a:prstGeom prst="rect">
-              <a:avLst/>
-            </a:prstGeom>
-            <a:noFill/>
-          </p:spPr>
-          <p:txBody>
-            <a:bodyPr wrap="none" rtlCol="0">
-              <a:spAutoFit/>
-            </a:bodyPr>
-            <a:lstStyle/>
-            <a:p>
-              <a:r>
-                <a:rPr lang="zh-CN" altLang="en-US" dirty="0" smtClean="0"/>
-                <a:t>元数据请求</a:t>
-              </a:r>
-              <a:endParaRPr lang="zh-CN" altLang="en-US" dirty="0"/>
-            </a:p>
-          </p:txBody>
-        </p:sp>
-      </p:grpSp>
       <p:sp>
         <p:nvSpPr>
-          <p:cNvPr id="30" name="圆角矩形标注 29" descr="ffffffffffffff"/>
-          <p:cNvSpPr/>
-          <p:nvPr/>
+          <p:cNvPr id="2" name="标题 1"/>
+          <p:cNvSpPr>
+            <a:spLocks noGrp="1"/>
+          </p:cNvSpPr>
+          <p:nvPr>
+            <p:ph type="title"/>
+          </p:nvPr>
         </p:nvSpPr>
-        <p:spPr>
-          <a:xfrm>
-            <a:off x="3000364" y="642918"/>
-            <a:ext cx="3571900" cy="1021556"/>
-          </a:xfrm>
-          <a:prstGeom prst="wedgeRoundRectCallout">
-            <a:avLst>
-              <a:gd name="adj1" fmla="val -40984"/>
-              <a:gd name="adj2" fmla="val 69339"/>
-              <a:gd name="adj3" fmla="val 16667"/>
-            </a:avLst>
-          </a:prstGeom>
-        </p:spPr>
-        <p:style>
-          <a:lnRef idx="2">
-            <a:schemeClr val="accent6"/>
-          </a:lnRef>
-          <a:fillRef idx="1">
-            <a:schemeClr val="lt1"/>
-          </a:fillRef>
-          <a:effectRef idx="0">
-            <a:schemeClr val="accent6"/>
-          </a:effectRef>
-          <a:fontRef idx="minor">
-            <a:schemeClr val="dk1"/>
-          </a:fontRef>
-        </p:style>
+        <p:spPr/>
         <p:txBody>
-          <a:bodyPr wrap="square" lIns="0" rIns="0" rtlCol="0" anchor="t">
-            <a:spAutoFit/>
-          </a:bodyPr>
+          <a:bodyPr/>
           <a:lstStyle/>
           <a:p>
-            <a:pPr>
-              <a:buFont typeface="Arial" pitchFamily="34" charset="0"/>
-              <a:buChar char="•"/>
-            </a:pPr>
+            <a:r>
+              <a:rPr lang="zh-CN" altLang="en-US" dirty="0" smtClean="0"/>
+              <a:t>现有</a:t>
+            </a:r>
             <a:r>
               <a:rPr lang="en-US" altLang="zh-CN" dirty="0" smtClean="0"/>
-              <a:t> </a:t>
+              <a:t>MDS</a:t>
             </a:r>
             <a:r>
               <a:rPr lang="zh-CN" altLang="en-US" dirty="0" smtClean="0"/>
-              <a:t>以对象的形式存储文件内容</a:t>
-            </a:r>
-            <a:endParaRPr lang="en-US" altLang="zh-CN" dirty="0" smtClean="0"/>
-          </a:p>
-          <a:p>
-            <a:pPr>
-              <a:buFont typeface="Arial" pitchFamily="34" charset="0"/>
-              <a:buChar char="•"/>
-            </a:pPr>
-            <a:r>
-              <a:rPr lang="en-US" altLang="zh-CN" dirty="0" smtClean="0"/>
-              <a:t> </a:t>
-            </a:r>
-            <a:r>
-              <a:rPr lang="zh-CN" altLang="en-US" dirty="0" smtClean="0"/>
-              <a:t>有一定的智能</a:t>
-            </a:r>
-            <a:endParaRPr lang="en-US" altLang="zh-CN" dirty="0" smtClean="0"/>
-          </a:p>
-          <a:p>
-            <a:pPr>
-              <a:buFont typeface="Arial" pitchFamily="34" charset="0"/>
-              <a:buChar char="•"/>
-            </a:pPr>
-            <a:endParaRPr lang="en-US" altLang="zh-CN" dirty="0" smtClean="0"/>
+              <a:t>集群中元数据分布的方案</a:t>
+            </a:r>
+            <a:endParaRPr lang="zh-CN" altLang="en-US" dirty="0"/>
           </a:p>
         </p:txBody>
       </p:sp>
       <p:sp>
         <p:nvSpPr>
-          <p:cNvPr id="27" name="灯片编号占位符 26"/>
+          <p:cNvPr id="3" name="内容占位符 2"/>
+          <p:cNvSpPr>
+            <a:spLocks noGrp="1"/>
+          </p:cNvSpPr>
+          <p:nvPr>
+            <p:ph sz="quarter" idx="1"/>
+          </p:nvPr>
+        </p:nvSpPr>
+        <p:spPr/>
+        <p:txBody>
+          <a:bodyPr>
+            <a:normAutofit lnSpcReduction="10000"/>
+          </a:bodyPr>
+          <a:lstStyle/>
+          <a:p>
+            <a:pPr>
+              <a:buNone/>
+            </a:pPr>
+            <a:r>
+              <a:rPr lang="en-US" altLang="zh-CN" dirty="0" smtClean="0"/>
+              <a:t> </a:t>
+            </a:r>
+          </a:p>
+          <a:p>
+            <a:r>
+              <a:rPr lang="zh-CN" altLang="en-US" dirty="0" smtClean="0"/>
+              <a:t>静态子树分割</a:t>
+            </a:r>
+            <a:endParaRPr lang="en-US" altLang="zh-CN" dirty="0" smtClean="0"/>
+          </a:p>
+          <a:p>
+            <a:r>
+              <a:rPr lang="zh-CN" altLang="en-US" dirty="0" smtClean="0"/>
+              <a:t>静态</a:t>
+            </a:r>
+            <a:r>
+              <a:rPr lang="en-US" altLang="zh-CN" dirty="0" smtClean="0"/>
+              <a:t>Hash</a:t>
+            </a:r>
+            <a:r>
+              <a:rPr lang="zh-CN" altLang="en-US" dirty="0" smtClean="0"/>
+              <a:t>分割 </a:t>
+            </a:r>
+            <a:endParaRPr lang="en-US" altLang="zh-CN" dirty="0" smtClean="0"/>
+          </a:p>
+          <a:p>
+            <a:r>
+              <a:rPr lang="zh-CN" altLang="en-US" dirty="0" smtClean="0"/>
+              <a:t>动态</a:t>
+            </a:r>
+            <a:r>
+              <a:rPr lang="zh-CN" altLang="en-US" dirty="0" smtClean="0"/>
+              <a:t>子树</a:t>
+            </a:r>
+            <a:r>
+              <a:rPr lang="zh-CN" altLang="en-US" dirty="0" smtClean="0"/>
+              <a:t>分割</a:t>
+            </a:r>
+            <a:endParaRPr lang="en-US" altLang="zh-CN" dirty="0" smtClean="0"/>
+          </a:p>
+          <a:p>
+            <a:r>
+              <a:rPr lang="ru-RU" dirty="0" smtClean="0"/>
+              <a:t>Lazy Hybrid</a:t>
+            </a:r>
+            <a:r>
+              <a:rPr lang="en-US" dirty="0" smtClean="0"/>
+              <a:t> </a:t>
+            </a:r>
+            <a:r>
+              <a:rPr lang="zh-CN" altLang="en-US" dirty="0" smtClean="0"/>
+              <a:t>方法</a:t>
+            </a:r>
+            <a:r>
+              <a:rPr lang="en-US" altLang="zh-CN" dirty="0" smtClean="0"/>
+              <a:t>(</a:t>
+            </a:r>
+            <a:r>
+              <a:rPr lang="zh-CN" altLang="en-US" dirty="0" smtClean="0"/>
+              <a:t>相当于动态</a:t>
+            </a:r>
+            <a:r>
+              <a:rPr lang="en-US" altLang="zh-CN" dirty="0" smtClean="0"/>
+              <a:t>Hash</a:t>
+            </a:r>
+            <a:r>
+              <a:rPr lang="en-US" altLang="zh-CN" dirty="0" smtClean="0"/>
+              <a:t>)</a:t>
+            </a:r>
+          </a:p>
+          <a:p>
+            <a:r>
+              <a:rPr lang="zh-CN" altLang="en-US" dirty="0" smtClean="0"/>
+              <a:t>集中分配   </a:t>
+            </a:r>
+            <a:r>
+              <a:rPr lang="en-US" altLang="zh-CN" dirty="0" smtClean="0"/>
+              <a:t>(</a:t>
+            </a:r>
+            <a:r>
+              <a:rPr lang="zh-CN" altLang="en-US" dirty="0" smtClean="0"/>
+              <a:t>有</a:t>
+            </a:r>
+            <a:r>
+              <a:rPr lang="zh-CN" altLang="en-US" dirty="0" smtClean="0"/>
+              <a:t>个绑定服务器，一对一绑定</a:t>
+            </a:r>
+            <a:r>
+              <a:rPr lang="en-US" altLang="zh-CN" dirty="0" smtClean="0"/>
+              <a:t>)</a:t>
+            </a:r>
+            <a:endParaRPr lang="en-US" altLang="zh-CN" dirty="0" smtClean="0"/>
+          </a:p>
+          <a:p>
+            <a:r>
+              <a:rPr lang="zh-CN" altLang="en-US" dirty="0" smtClean="0"/>
+              <a:t>分布式</a:t>
+            </a:r>
+            <a:r>
+              <a:rPr lang="en-US" altLang="zh-CN" dirty="0" smtClean="0"/>
+              <a:t>Hash</a:t>
+            </a:r>
+            <a:r>
+              <a:rPr lang="zh-CN" altLang="en-US" dirty="0" smtClean="0"/>
+              <a:t>表</a:t>
+            </a:r>
+            <a:r>
+              <a:rPr lang="en-US" altLang="zh-CN" dirty="0" smtClean="0"/>
+              <a:t>(Chord)</a:t>
+            </a:r>
+          </a:p>
+          <a:p>
+            <a:endParaRPr lang="en-US" altLang="zh-CN" dirty="0" smtClean="0"/>
+          </a:p>
+          <a:p>
+            <a:endParaRPr lang="en-US" altLang="zh-CN" dirty="0" smtClean="0"/>
+          </a:p>
+          <a:p>
+            <a:endParaRPr lang="en-US" altLang="zh-CN" dirty="0" smtClean="0"/>
+          </a:p>
+          <a:p>
+            <a:r>
+              <a:rPr lang="zh-CN" altLang="en-US" sz="1600" dirty="0" smtClean="0"/>
+              <a:t>目前开源系统只有</a:t>
+            </a:r>
+            <a:r>
+              <a:rPr lang="en-US" altLang="zh-CN" sz="1600" dirty="0" smtClean="0"/>
+              <a:t>Lustre2.0</a:t>
+            </a:r>
+            <a:r>
+              <a:rPr lang="zh-CN" altLang="en-US" sz="1600" dirty="0" smtClean="0"/>
+              <a:t>和</a:t>
+            </a:r>
+            <a:r>
+              <a:rPr lang="en-US" altLang="zh-CN" sz="1600" dirty="0" err="1" smtClean="0"/>
+              <a:t>Ceph</a:t>
+            </a:r>
+            <a:r>
+              <a:rPr lang="zh-CN" altLang="en-US" sz="1600" dirty="0" smtClean="0"/>
+              <a:t>具有元数据集群</a:t>
+            </a:r>
+            <a:endParaRPr lang="zh-CN" altLang="en-US" sz="1600" dirty="0"/>
+          </a:p>
+        </p:txBody>
+      </p:sp>
+      <p:sp>
+        <p:nvSpPr>
+          <p:cNvPr id="4" name="灯片编号占位符 3"/>
           <p:cNvSpPr>
             <a:spLocks noGrp="1"/>
           </p:cNvSpPr>
@@ -17228,7 +14369,7 @@
       </p:sp>
       <p:sp>
         <p:nvSpPr>
-          <p:cNvPr id="31" name="页脚占位符 30"/>
+          <p:cNvPr id="5" name="页脚占位符 4"/>
           <p:cNvSpPr>
             <a:spLocks noGrp="1"/>
           </p:cNvSpPr>
@@ -17277,913 +14418,839 @@
           <a:chExt cx="0" cy="0"/>
         </a:xfrm>
       </p:grpSpPr>
-      <p:grpSp>
-        <p:nvGrpSpPr>
-          <p:cNvPr id="2" name="组合 30"/>
-          <p:cNvGrpSpPr/>
-          <p:nvPr/>
-        </p:nvGrpSpPr>
-        <p:grpSpPr>
-          <a:xfrm>
-            <a:off x="1643042" y="1857364"/>
-            <a:ext cx="6107428" cy="3655480"/>
-            <a:chOff x="1714480" y="1142984"/>
-            <a:chExt cx="6107428" cy="3655480"/>
-          </a:xfrm>
-        </p:grpSpPr>
-        <p:grpSp>
-          <p:nvGrpSpPr>
-            <p:cNvPr id="3" name="组合 17"/>
-            <p:cNvGrpSpPr/>
-            <p:nvPr/>
-          </p:nvGrpSpPr>
-          <p:grpSpPr>
-            <a:xfrm>
-              <a:off x="1714480" y="1785926"/>
-              <a:ext cx="2881333" cy="1000132"/>
-              <a:chOff x="1643042" y="1571612"/>
-              <a:chExt cx="2881333" cy="1214446"/>
-            </a:xfrm>
-          </p:grpSpPr>
-          <p:sp>
-            <p:nvSpPr>
-              <p:cNvPr id="6" name="圆柱形 5"/>
-              <p:cNvSpPr/>
-              <p:nvPr/>
-            </p:nvSpPr>
-            <p:spPr>
-              <a:xfrm>
-                <a:off x="1643042" y="1571612"/>
-                <a:ext cx="428628" cy="642942"/>
-              </a:xfrm>
-              <a:prstGeom prst="can">
-                <a:avLst/>
-              </a:prstGeom>
-              <a:solidFill>
-                <a:schemeClr val="bg1"/>
-              </a:solidFill>
-            </p:spPr>
-            <p:style>
-              <a:lnRef idx="2">
-                <a:schemeClr val="accent1">
-                  <a:shade val="50000"/>
-                </a:schemeClr>
-              </a:lnRef>
-              <a:fillRef idx="1">
-                <a:schemeClr val="accent1"/>
-              </a:fillRef>
-              <a:effectRef idx="0">
-                <a:schemeClr val="accent1"/>
-              </a:effectRef>
-              <a:fontRef idx="minor">
-                <a:schemeClr val="lt1"/>
-              </a:fontRef>
-            </p:style>
-            <p:txBody>
-              <a:bodyPr rtlCol="0" anchor="ctr"/>
-              <a:lstStyle/>
-              <a:p>
-                <a:pPr algn="ctr"/>
-                <a:endParaRPr lang="zh-CN" altLang="en-US"/>
-              </a:p>
-            </p:txBody>
-          </p:sp>
-          <p:sp>
-            <p:nvSpPr>
-              <p:cNvPr id="7" name="圆柱形 6"/>
-              <p:cNvSpPr/>
-              <p:nvPr/>
-            </p:nvSpPr>
-            <p:spPr>
-              <a:xfrm>
-                <a:off x="2333609" y="1571612"/>
-                <a:ext cx="428628" cy="642942"/>
-              </a:xfrm>
-              <a:prstGeom prst="can">
-                <a:avLst/>
-              </a:prstGeom>
-              <a:solidFill>
-                <a:schemeClr val="bg1"/>
-              </a:solidFill>
-            </p:spPr>
-            <p:style>
-              <a:lnRef idx="2">
-                <a:schemeClr val="accent1">
-                  <a:shade val="50000"/>
-                </a:schemeClr>
-              </a:lnRef>
-              <a:fillRef idx="1">
-                <a:schemeClr val="accent1"/>
-              </a:fillRef>
-              <a:effectRef idx="0">
-                <a:schemeClr val="accent1"/>
-              </a:effectRef>
-              <a:fontRef idx="minor">
-                <a:schemeClr val="lt1"/>
-              </a:fontRef>
-            </p:style>
-            <p:txBody>
-              <a:bodyPr rtlCol="0" anchor="ctr"/>
-              <a:lstStyle/>
-              <a:p>
-                <a:pPr algn="ctr"/>
-                <a:endParaRPr lang="zh-CN" altLang="en-US"/>
-              </a:p>
-            </p:txBody>
-          </p:sp>
-          <p:sp>
-            <p:nvSpPr>
-              <p:cNvPr id="8" name="圆柱形 7"/>
-              <p:cNvSpPr/>
-              <p:nvPr/>
-            </p:nvSpPr>
-            <p:spPr>
-              <a:xfrm>
-                <a:off x="3024176" y="1571612"/>
-                <a:ext cx="428628" cy="642942"/>
-              </a:xfrm>
-              <a:prstGeom prst="can">
-                <a:avLst/>
-              </a:prstGeom>
-              <a:solidFill>
-                <a:schemeClr val="bg1"/>
-              </a:solidFill>
-            </p:spPr>
-            <p:style>
-              <a:lnRef idx="2">
-                <a:schemeClr val="accent1">
-                  <a:shade val="50000"/>
-                </a:schemeClr>
-              </a:lnRef>
-              <a:fillRef idx="1">
-                <a:schemeClr val="accent1"/>
-              </a:fillRef>
-              <a:effectRef idx="0">
-                <a:schemeClr val="accent1"/>
-              </a:effectRef>
-              <a:fontRef idx="minor">
-                <a:schemeClr val="lt1"/>
-              </a:fontRef>
-            </p:style>
-            <p:txBody>
-              <a:bodyPr rtlCol="0" anchor="ctr"/>
-              <a:lstStyle/>
-              <a:p>
-                <a:pPr algn="ctr"/>
-                <a:endParaRPr lang="zh-CN" altLang="en-US"/>
-              </a:p>
-            </p:txBody>
-          </p:sp>
-          <p:sp>
-            <p:nvSpPr>
-              <p:cNvPr id="9" name="圆柱形 8"/>
-              <p:cNvSpPr/>
-              <p:nvPr/>
-            </p:nvSpPr>
-            <p:spPr>
-              <a:xfrm>
-                <a:off x="3714744" y="1571612"/>
-                <a:ext cx="428628" cy="642942"/>
-              </a:xfrm>
-              <a:prstGeom prst="can">
-                <a:avLst/>
-              </a:prstGeom>
-              <a:solidFill>
-                <a:schemeClr val="bg1"/>
-              </a:solidFill>
-            </p:spPr>
-            <p:style>
-              <a:lnRef idx="2">
-                <a:schemeClr val="accent1">
-                  <a:shade val="50000"/>
-                </a:schemeClr>
-              </a:lnRef>
-              <a:fillRef idx="1">
-                <a:schemeClr val="accent1"/>
-              </a:fillRef>
-              <a:effectRef idx="0">
-                <a:schemeClr val="accent1"/>
-              </a:effectRef>
-              <a:fontRef idx="minor">
-                <a:schemeClr val="lt1"/>
-              </a:fontRef>
-            </p:style>
-            <p:txBody>
-              <a:bodyPr rtlCol="0" anchor="ctr"/>
-              <a:lstStyle/>
-              <a:p>
-                <a:pPr algn="ctr"/>
-                <a:endParaRPr lang="zh-CN" altLang="en-US"/>
-              </a:p>
-            </p:txBody>
-          </p:sp>
-          <p:sp>
-            <p:nvSpPr>
-              <p:cNvPr id="10" name="圆柱形 9"/>
-              <p:cNvSpPr/>
-              <p:nvPr/>
-            </p:nvSpPr>
-            <p:spPr>
-              <a:xfrm>
-                <a:off x="1809731" y="1857364"/>
-                <a:ext cx="428628" cy="642942"/>
-              </a:xfrm>
-              <a:prstGeom prst="can">
-                <a:avLst/>
-              </a:prstGeom>
-              <a:solidFill>
-                <a:schemeClr val="bg1"/>
-              </a:solidFill>
-            </p:spPr>
-            <p:style>
-              <a:lnRef idx="2">
-                <a:schemeClr val="accent1">
-                  <a:shade val="50000"/>
-                </a:schemeClr>
-              </a:lnRef>
-              <a:fillRef idx="1">
-                <a:schemeClr val="accent1"/>
-              </a:fillRef>
-              <a:effectRef idx="0">
-                <a:schemeClr val="accent1"/>
-              </a:effectRef>
-              <a:fontRef idx="minor">
-                <a:schemeClr val="lt1"/>
-              </a:fontRef>
-            </p:style>
-            <p:txBody>
-              <a:bodyPr rtlCol="0" anchor="ctr"/>
-              <a:lstStyle/>
-              <a:p>
-                <a:pPr algn="ctr"/>
-                <a:endParaRPr lang="zh-CN" altLang="en-US"/>
-              </a:p>
-            </p:txBody>
-          </p:sp>
-          <p:sp>
-            <p:nvSpPr>
-              <p:cNvPr id="11" name="圆柱形 10"/>
-              <p:cNvSpPr/>
-              <p:nvPr/>
-            </p:nvSpPr>
-            <p:spPr>
-              <a:xfrm>
-                <a:off x="2500298" y="1857364"/>
-                <a:ext cx="428628" cy="642942"/>
-              </a:xfrm>
-              <a:prstGeom prst="can">
-                <a:avLst/>
-              </a:prstGeom>
-              <a:solidFill>
-                <a:schemeClr val="bg1"/>
-              </a:solidFill>
-            </p:spPr>
-            <p:style>
-              <a:lnRef idx="2">
-                <a:schemeClr val="accent1">
-                  <a:shade val="50000"/>
-                </a:schemeClr>
-              </a:lnRef>
-              <a:fillRef idx="1">
-                <a:schemeClr val="accent1"/>
-              </a:fillRef>
-              <a:effectRef idx="0">
-                <a:schemeClr val="accent1"/>
-              </a:effectRef>
-              <a:fontRef idx="minor">
-                <a:schemeClr val="lt1"/>
-              </a:fontRef>
-            </p:style>
-            <p:txBody>
-              <a:bodyPr rtlCol="0" anchor="ctr"/>
-              <a:lstStyle/>
-              <a:p>
-                <a:pPr algn="ctr"/>
-                <a:endParaRPr lang="zh-CN" altLang="en-US"/>
-              </a:p>
-            </p:txBody>
-          </p:sp>
-          <p:sp>
-            <p:nvSpPr>
-              <p:cNvPr id="12" name="圆柱形 11"/>
-              <p:cNvSpPr/>
-              <p:nvPr/>
-            </p:nvSpPr>
-            <p:spPr>
-              <a:xfrm>
-                <a:off x="3190865" y="1857364"/>
-                <a:ext cx="428628" cy="642942"/>
-              </a:xfrm>
-              <a:prstGeom prst="can">
-                <a:avLst/>
-              </a:prstGeom>
-              <a:solidFill>
-                <a:schemeClr val="bg1"/>
-              </a:solidFill>
-            </p:spPr>
-            <p:style>
-              <a:lnRef idx="2">
-                <a:schemeClr val="accent1">
-                  <a:shade val="50000"/>
-                </a:schemeClr>
-              </a:lnRef>
-              <a:fillRef idx="1">
-                <a:schemeClr val="accent1"/>
-              </a:fillRef>
-              <a:effectRef idx="0">
-                <a:schemeClr val="accent1"/>
-              </a:effectRef>
-              <a:fontRef idx="minor">
-                <a:schemeClr val="lt1"/>
-              </a:fontRef>
-            </p:style>
-            <p:txBody>
-              <a:bodyPr rtlCol="0" anchor="ctr"/>
-              <a:lstStyle/>
-              <a:p>
-                <a:pPr algn="ctr"/>
-                <a:endParaRPr lang="zh-CN" altLang="en-US"/>
-              </a:p>
-            </p:txBody>
-          </p:sp>
-          <p:sp>
-            <p:nvSpPr>
-              <p:cNvPr id="13" name="圆柱形 12"/>
-              <p:cNvSpPr/>
-              <p:nvPr/>
-            </p:nvSpPr>
-            <p:spPr>
-              <a:xfrm>
-                <a:off x="3881433" y="1857364"/>
-                <a:ext cx="428628" cy="642942"/>
-              </a:xfrm>
-              <a:prstGeom prst="can">
-                <a:avLst/>
-              </a:prstGeom>
-              <a:solidFill>
-                <a:schemeClr val="bg1"/>
-              </a:solidFill>
-            </p:spPr>
-            <p:style>
-              <a:lnRef idx="2">
-                <a:schemeClr val="accent1">
-                  <a:shade val="50000"/>
-                </a:schemeClr>
-              </a:lnRef>
-              <a:fillRef idx="1">
-                <a:schemeClr val="accent1"/>
-              </a:fillRef>
-              <a:effectRef idx="0">
-                <a:schemeClr val="accent1"/>
-              </a:effectRef>
-              <a:fontRef idx="minor">
-                <a:schemeClr val="lt1"/>
-              </a:fontRef>
-            </p:style>
-            <p:txBody>
-              <a:bodyPr rtlCol="0" anchor="ctr"/>
-              <a:lstStyle/>
-              <a:p>
-                <a:pPr algn="ctr"/>
-                <a:endParaRPr lang="zh-CN" altLang="en-US"/>
-              </a:p>
-            </p:txBody>
-          </p:sp>
-          <p:sp>
-            <p:nvSpPr>
-              <p:cNvPr id="14" name="圆柱形 13"/>
-              <p:cNvSpPr/>
-              <p:nvPr/>
-            </p:nvSpPr>
-            <p:spPr>
-              <a:xfrm>
-                <a:off x="2024045" y="2143116"/>
-                <a:ext cx="428628" cy="642942"/>
-              </a:xfrm>
-              <a:prstGeom prst="can">
-                <a:avLst/>
-              </a:prstGeom>
-              <a:solidFill>
-                <a:schemeClr val="bg1"/>
-              </a:solidFill>
-            </p:spPr>
-            <p:style>
-              <a:lnRef idx="2">
-                <a:schemeClr val="accent1">
-                  <a:shade val="50000"/>
-                </a:schemeClr>
-              </a:lnRef>
-              <a:fillRef idx="1">
-                <a:schemeClr val="accent1"/>
-              </a:fillRef>
-              <a:effectRef idx="0">
-                <a:schemeClr val="accent1"/>
-              </a:effectRef>
-              <a:fontRef idx="minor">
-                <a:schemeClr val="lt1"/>
-              </a:fontRef>
-            </p:style>
-            <p:txBody>
-              <a:bodyPr rtlCol="0" anchor="ctr"/>
-              <a:lstStyle/>
-              <a:p>
-                <a:pPr algn="ctr"/>
-                <a:endParaRPr lang="zh-CN" altLang="en-US"/>
-              </a:p>
-            </p:txBody>
-          </p:sp>
-          <p:sp>
-            <p:nvSpPr>
-              <p:cNvPr id="15" name="圆柱形 14"/>
-              <p:cNvSpPr/>
-              <p:nvPr/>
-            </p:nvSpPr>
-            <p:spPr>
-              <a:xfrm>
-                <a:off x="2714612" y="2143116"/>
-                <a:ext cx="428628" cy="642942"/>
-              </a:xfrm>
-              <a:prstGeom prst="can">
-                <a:avLst/>
-              </a:prstGeom>
-              <a:solidFill>
-                <a:schemeClr val="bg1"/>
-              </a:solidFill>
-            </p:spPr>
-            <p:style>
-              <a:lnRef idx="2">
-                <a:schemeClr val="accent1">
-                  <a:shade val="50000"/>
-                </a:schemeClr>
-              </a:lnRef>
-              <a:fillRef idx="1">
-                <a:schemeClr val="accent1"/>
-              </a:fillRef>
-              <a:effectRef idx="0">
-                <a:schemeClr val="accent1"/>
-              </a:effectRef>
-              <a:fontRef idx="minor">
-                <a:schemeClr val="lt1"/>
-              </a:fontRef>
-            </p:style>
-            <p:txBody>
-              <a:bodyPr rtlCol="0" anchor="ctr"/>
-              <a:lstStyle/>
-              <a:p>
-                <a:pPr algn="ctr"/>
-                <a:endParaRPr lang="zh-CN" altLang="en-US"/>
-              </a:p>
-            </p:txBody>
-          </p:sp>
-          <p:sp>
-            <p:nvSpPr>
-              <p:cNvPr id="16" name="圆柱形 15"/>
-              <p:cNvSpPr/>
-              <p:nvPr/>
-            </p:nvSpPr>
-            <p:spPr>
-              <a:xfrm>
-                <a:off x="3405179" y="2143116"/>
-                <a:ext cx="428628" cy="642942"/>
-              </a:xfrm>
-              <a:prstGeom prst="can">
-                <a:avLst/>
-              </a:prstGeom>
-              <a:solidFill>
-                <a:schemeClr val="bg1"/>
-              </a:solidFill>
-            </p:spPr>
-            <p:style>
-              <a:lnRef idx="2">
-                <a:schemeClr val="accent1">
-                  <a:shade val="50000"/>
-                </a:schemeClr>
-              </a:lnRef>
-              <a:fillRef idx="1">
-                <a:schemeClr val="accent1"/>
-              </a:fillRef>
-              <a:effectRef idx="0">
-                <a:schemeClr val="accent1"/>
-              </a:effectRef>
-              <a:fontRef idx="minor">
-                <a:schemeClr val="lt1"/>
-              </a:fontRef>
-            </p:style>
-            <p:txBody>
-              <a:bodyPr rtlCol="0" anchor="ctr"/>
-              <a:lstStyle/>
-              <a:p>
-                <a:pPr algn="ctr"/>
-                <a:endParaRPr lang="zh-CN" altLang="en-US"/>
-              </a:p>
-            </p:txBody>
-          </p:sp>
-          <p:sp>
-            <p:nvSpPr>
-              <p:cNvPr id="17" name="圆柱形 16"/>
-              <p:cNvSpPr/>
-              <p:nvPr/>
-            </p:nvSpPr>
-            <p:spPr>
-              <a:xfrm>
-                <a:off x="4095747" y="2143116"/>
-                <a:ext cx="428628" cy="642942"/>
-              </a:xfrm>
-              <a:prstGeom prst="can">
-                <a:avLst/>
-              </a:prstGeom>
-              <a:solidFill>
-                <a:schemeClr val="bg1"/>
-              </a:solidFill>
-            </p:spPr>
-            <p:style>
-              <a:lnRef idx="2">
-                <a:schemeClr val="accent1">
-                  <a:shade val="50000"/>
-                </a:schemeClr>
-              </a:lnRef>
-              <a:fillRef idx="1">
-                <a:schemeClr val="accent1"/>
-              </a:fillRef>
-              <a:effectRef idx="0">
-                <a:schemeClr val="accent1"/>
-              </a:effectRef>
-              <a:fontRef idx="minor">
-                <a:schemeClr val="lt1"/>
-              </a:fontRef>
-            </p:style>
-            <p:txBody>
-              <a:bodyPr rtlCol="0" anchor="ctr"/>
-              <a:lstStyle/>
-              <a:p>
-                <a:pPr algn="ctr"/>
-                <a:endParaRPr lang="zh-CN" altLang="en-US"/>
-              </a:p>
-            </p:txBody>
-          </p:sp>
-        </p:grpSp>
-        <p:sp>
-          <p:nvSpPr>
-            <p:cNvPr id="19" name="笑脸 18"/>
-            <p:cNvSpPr/>
-            <p:nvPr/>
-          </p:nvSpPr>
-          <p:spPr>
-            <a:xfrm>
-              <a:off x="4214810" y="4357694"/>
-              <a:ext cx="357190" cy="428628"/>
-            </a:xfrm>
-            <a:prstGeom prst="smileyFace">
-              <a:avLst/>
-            </a:prstGeom>
-          </p:spPr>
-          <p:style>
-            <a:lnRef idx="2">
-              <a:schemeClr val="accent1">
-                <a:shade val="50000"/>
-              </a:schemeClr>
-            </a:lnRef>
-            <a:fillRef idx="1">
-              <a:schemeClr val="accent1"/>
-            </a:fillRef>
-            <a:effectRef idx="0">
-              <a:schemeClr val="accent1"/>
-            </a:effectRef>
-            <a:fontRef idx="minor">
-              <a:schemeClr val="lt1"/>
-            </a:fontRef>
-          </p:style>
-          <p:txBody>
-            <a:bodyPr rtlCol="0" anchor="ctr"/>
-            <a:lstStyle/>
-            <a:p>
-              <a:pPr algn="ctr"/>
-              <a:endParaRPr lang="zh-CN" altLang="en-US"/>
-            </a:p>
-          </p:txBody>
-        </p:sp>
-        <p:sp>
-          <p:nvSpPr>
-            <p:cNvPr id="20" name="TextBox 19"/>
-            <p:cNvSpPr txBox="1"/>
-            <p:nvPr/>
-          </p:nvSpPr>
-          <p:spPr>
-            <a:xfrm>
-              <a:off x="2571736" y="4429132"/>
-              <a:ext cx="1471365" cy="369332"/>
-            </a:xfrm>
-            <a:prstGeom prst="rect">
-              <a:avLst/>
-            </a:prstGeom>
-            <a:noFill/>
-          </p:spPr>
-          <p:txBody>
-            <a:bodyPr wrap="none" rtlCol="0">
-              <a:spAutoFit/>
-            </a:bodyPr>
-            <a:lstStyle/>
-            <a:p>
-              <a:r>
-                <a:rPr lang="zh-CN" altLang="en-US" b="1" dirty="0" smtClean="0">
-                  <a:solidFill>
-                    <a:srgbClr val="FF0000"/>
-                  </a:solidFill>
-                </a:rPr>
-                <a:t>客户端</a:t>
-              </a:r>
-              <a:r>
-                <a:rPr lang="zh-CN" altLang="en-US" dirty="0" smtClean="0"/>
-                <a:t> </a:t>
-              </a:r>
-              <a:r>
-                <a:rPr lang="en-US" altLang="zh-CN" dirty="0" smtClean="0"/>
-                <a:t>Client</a:t>
-              </a:r>
-              <a:endParaRPr lang="zh-CN" altLang="en-US" dirty="0"/>
-            </a:p>
-          </p:txBody>
-        </p:sp>
-        <p:sp>
-          <p:nvSpPr>
-            <p:cNvPr id="21" name="TextBox 20"/>
-            <p:cNvSpPr txBox="1"/>
-            <p:nvPr/>
-          </p:nvSpPr>
-          <p:spPr>
-            <a:xfrm>
-              <a:off x="2071670" y="1142984"/>
-              <a:ext cx="2247282" cy="646331"/>
-            </a:xfrm>
-            <a:prstGeom prst="rect">
-              <a:avLst/>
-            </a:prstGeom>
-            <a:noFill/>
-          </p:spPr>
-          <p:txBody>
-            <a:bodyPr wrap="none" rtlCol="0">
-              <a:spAutoFit/>
-            </a:bodyPr>
-            <a:lstStyle/>
-            <a:p>
-              <a:r>
-                <a:rPr lang="zh-CN" altLang="en-US" dirty="0" smtClean="0"/>
-                <a:t>对象服务器</a:t>
-              </a:r>
-              <a:endParaRPr lang="en-US" altLang="zh-CN" dirty="0" smtClean="0"/>
-            </a:p>
-            <a:p>
-              <a:r>
-                <a:rPr lang="en-US" altLang="zh-CN" dirty="0" smtClean="0"/>
-                <a:t>Object Storage Device</a:t>
-              </a:r>
-              <a:endParaRPr lang="zh-CN" altLang="en-US" dirty="0"/>
-            </a:p>
-          </p:txBody>
-        </p:sp>
-        <p:pic>
-          <p:nvPicPr>
-            <p:cNvPr id="2050" name="Picture 2"/>
-            <p:cNvPicPr>
-              <a:picLocks noChangeAspect="1" noChangeArrowheads="1"/>
-            </p:cNvPicPr>
-            <p:nvPr/>
-          </p:nvPicPr>
-          <p:blipFill>
-            <a:blip r:embed="rId2"/>
-            <a:srcRect/>
-            <a:stretch>
-              <a:fillRect/>
-            </a:stretch>
-          </p:blipFill>
-          <p:spPr bwMode="auto">
-            <a:xfrm>
-              <a:off x="5929322" y="2143116"/>
-              <a:ext cx="1628775" cy="323850"/>
-            </a:xfrm>
-            <a:prstGeom prst="rect">
-              <a:avLst/>
-            </a:prstGeom>
-            <a:noFill/>
-            <a:ln w="9525">
-              <a:noFill/>
-              <a:miter lim="800000"/>
-              <a:headEnd/>
-              <a:tailEnd/>
-            </a:ln>
-            <a:effectLst/>
-          </p:spPr>
-        </p:pic>
-        <p:sp>
-          <p:nvSpPr>
-            <p:cNvPr id="23" name="TextBox 22"/>
-            <p:cNvSpPr txBox="1"/>
-            <p:nvPr/>
-          </p:nvSpPr>
-          <p:spPr>
-            <a:xfrm>
-              <a:off x="6072198" y="1500174"/>
-              <a:ext cx="1749710" cy="646331"/>
-            </a:xfrm>
-            <a:prstGeom prst="rect">
-              <a:avLst/>
-            </a:prstGeom>
-            <a:noFill/>
-          </p:spPr>
-          <p:txBody>
-            <a:bodyPr wrap="none" rtlCol="0">
-              <a:spAutoFit/>
-            </a:bodyPr>
-            <a:lstStyle/>
-            <a:p>
-              <a:r>
-                <a:rPr lang="zh-CN" altLang="en-US" dirty="0" smtClean="0"/>
-                <a:t>元数据服务器</a:t>
-              </a:r>
-              <a:endParaRPr lang="en-US" altLang="zh-CN" dirty="0" smtClean="0"/>
-            </a:p>
-            <a:p>
-              <a:r>
-                <a:rPr lang="en-US" altLang="zh-CN" dirty="0" smtClean="0"/>
-                <a:t>Metadata Server</a:t>
-              </a:r>
-              <a:endParaRPr lang="zh-CN" altLang="en-US" dirty="0"/>
-            </a:p>
-          </p:txBody>
-        </p:sp>
-        <p:sp>
-          <p:nvSpPr>
-            <p:cNvPr id="25" name="上下箭头 24"/>
-            <p:cNvSpPr/>
-            <p:nvPr/>
-          </p:nvSpPr>
-          <p:spPr>
-            <a:xfrm>
-              <a:off x="4071934" y="2928934"/>
-              <a:ext cx="428628" cy="1214446"/>
-            </a:xfrm>
-            <a:prstGeom prst="upDownArrow">
-              <a:avLst/>
-            </a:prstGeom>
-            <a:solidFill>
-              <a:schemeClr val="bg1"/>
-            </a:solidFill>
-          </p:spPr>
-          <p:style>
-            <a:lnRef idx="2">
-              <a:schemeClr val="accent1">
-                <a:shade val="50000"/>
-              </a:schemeClr>
-            </a:lnRef>
-            <a:fillRef idx="1">
-              <a:schemeClr val="accent1"/>
-            </a:fillRef>
-            <a:effectRef idx="0">
-              <a:schemeClr val="accent1"/>
-            </a:effectRef>
-            <a:fontRef idx="minor">
-              <a:schemeClr val="lt1"/>
-            </a:fontRef>
-          </p:style>
-          <p:txBody>
-            <a:bodyPr rtlCol="0" anchor="ctr"/>
-            <a:lstStyle/>
-            <a:p>
-              <a:pPr algn="ctr"/>
-              <a:endParaRPr lang="zh-CN" altLang="en-US"/>
-            </a:p>
-          </p:txBody>
-        </p:sp>
-        <p:sp>
-          <p:nvSpPr>
-            <p:cNvPr id="26" name="TextBox 25"/>
-            <p:cNvSpPr txBox="1"/>
-            <p:nvPr/>
-          </p:nvSpPr>
-          <p:spPr>
-            <a:xfrm>
-              <a:off x="3143240" y="3357562"/>
-              <a:ext cx="1107996" cy="369332"/>
-            </a:xfrm>
-            <a:prstGeom prst="rect">
-              <a:avLst/>
-            </a:prstGeom>
-            <a:noFill/>
-          </p:spPr>
-          <p:txBody>
-            <a:bodyPr wrap="none" rtlCol="0">
-              <a:spAutoFit/>
-            </a:bodyPr>
-            <a:lstStyle/>
-            <a:p>
-              <a:r>
-                <a:rPr lang="zh-CN" altLang="en-US" dirty="0" smtClean="0"/>
-                <a:t>数据传输</a:t>
-              </a:r>
-              <a:endParaRPr lang="zh-CN" altLang="en-US" dirty="0"/>
-            </a:p>
-          </p:txBody>
-        </p:sp>
-        <p:cxnSp>
-          <p:nvCxnSpPr>
-            <p:cNvPr id="28" name="直接箭头连接符 27"/>
-            <p:cNvCxnSpPr/>
-            <p:nvPr/>
-          </p:nvCxnSpPr>
-          <p:spPr>
-            <a:xfrm rot="10800000" flipV="1">
-              <a:off x="4929190" y="2643181"/>
-              <a:ext cx="1643074" cy="1428760"/>
-            </a:xfrm>
-            <a:prstGeom prst="straightConnector1">
-              <a:avLst/>
-            </a:prstGeom>
-            <a:ln>
-              <a:headEnd type="arrow"/>
-              <a:tailEnd type="arrow"/>
-            </a:ln>
-          </p:spPr>
-          <p:style>
-            <a:lnRef idx="1">
-              <a:schemeClr val="accent1"/>
-            </a:lnRef>
-            <a:fillRef idx="0">
-              <a:schemeClr val="accent1"/>
-            </a:fillRef>
-            <a:effectRef idx="0">
-              <a:schemeClr val="accent1"/>
-            </a:effectRef>
-            <a:fontRef idx="minor">
-              <a:schemeClr val="tx1"/>
-            </a:fontRef>
-          </p:style>
-        </p:cxnSp>
-        <p:sp>
-          <p:nvSpPr>
-            <p:cNvPr id="29" name="TextBox 28"/>
-            <p:cNvSpPr txBox="1"/>
-            <p:nvPr/>
-          </p:nvSpPr>
-          <p:spPr>
-            <a:xfrm>
-              <a:off x="5715008" y="3357562"/>
-              <a:ext cx="1338828" cy="369332"/>
-            </a:xfrm>
-            <a:prstGeom prst="rect">
-              <a:avLst/>
-            </a:prstGeom>
-            <a:noFill/>
-          </p:spPr>
-          <p:txBody>
-            <a:bodyPr wrap="none" rtlCol="0">
-              <a:spAutoFit/>
-            </a:bodyPr>
-            <a:lstStyle/>
-            <a:p>
-              <a:r>
-                <a:rPr lang="zh-CN" altLang="en-US" dirty="0" smtClean="0"/>
-                <a:t>元数据请求</a:t>
-              </a:r>
-              <a:endParaRPr lang="zh-CN" altLang="en-US" dirty="0"/>
-            </a:p>
-          </p:txBody>
-        </p:sp>
-      </p:grpSp>
       <p:sp>
         <p:nvSpPr>
-          <p:cNvPr id="30" name="圆角矩形标注 29" descr="ffffffffffffff"/>
-          <p:cNvSpPr/>
+          <p:cNvPr id="2" name="标题 1"/>
+          <p:cNvSpPr>
+            <a:spLocks noGrp="1"/>
+          </p:cNvSpPr>
+          <p:nvPr>
+            <p:ph type="title"/>
+          </p:nvPr>
+        </p:nvSpPr>
+        <p:spPr/>
+        <p:txBody>
+          <a:bodyPr/>
+          <a:lstStyle/>
+          <a:p>
+            <a:r>
+              <a:rPr lang="zh-CN" altLang="en-US" dirty="0" smtClean="0"/>
+              <a:t>静态子树分割</a:t>
+            </a:r>
+            <a:endParaRPr lang="en-US" altLang="zh-CN" dirty="0" smtClean="0"/>
+          </a:p>
+        </p:txBody>
+      </p:sp>
+      <p:graphicFrame>
+        <p:nvGraphicFramePr>
+          <p:cNvPr id="4" name="表格 3"/>
+          <p:cNvGraphicFramePr>
+            <a:graphicFrameLocks noGrp="1"/>
+          </p:cNvGraphicFramePr>
+          <p:nvPr/>
+        </p:nvGraphicFramePr>
+        <p:xfrm>
+          <a:off x="285720" y="2643182"/>
+          <a:ext cx="2928958" cy="1931670"/>
+        </p:xfrm>
+        <a:graphic>
+          <a:graphicData uri="http://schemas.openxmlformats.org/drawingml/2006/table">
+            <a:tbl>
+              <a:tblPr/>
+              <a:tblGrid>
+                <a:gridCol w="1464479"/>
+                <a:gridCol w="1464479"/>
+              </a:tblGrid>
+              <a:tr h="328615">
+                <a:tc>
+                  <a:txBody>
+                    <a:bodyPr/>
+                    <a:lstStyle/>
+                    <a:p>
+                      <a:pPr>
+                        <a:spcAft>
+                          <a:spcPts val="0"/>
+                        </a:spcAft>
+                      </a:pPr>
+                      <a:r>
+                        <a:rPr lang="ru-RU" sz="1800" kern="100" dirty="0">
+                          <a:solidFill>
+                            <a:srgbClr val="000000"/>
+                          </a:solidFill>
+                          <a:latin typeface="Verdana"/>
+                          <a:ea typeface="Verdana"/>
+                          <a:cs typeface="Verdana"/>
+                        </a:rPr>
+                        <a:t>目录 </a:t>
+                      </a:r>
+                      <a:endParaRPr lang="zh-CN" sz="1800" kern="100" dirty="0">
+                        <a:solidFill>
+                          <a:srgbClr val="000000"/>
+                        </a:solidFill>
+                        <a:latin typeface="Verdana"/>
+                        <a:ea typeface="Verdana"/>
+                        <a:cs typeface="Verdana"/>
+                      </a:endParaRPr>
+                    </a:p>
+                  </a:txBody>
+                  <a:tcPr marL="28575" marR="28575" marT="28575" marB="28575" anchor="ctr">
+                    <a:lnL w="12700" cap="flat" cmpd="sng" algn="ctr">
+                      <a:solidFill>
+                        <a:schemeClr val="tx1"/>
+                      </a:solidFill>
+                      <a:prstDash val="solid"/>
+                      <a:round/>
+                      <a:headEnd type="none" w="med" len="med"/>
+                      <a:tailEnd type="none" w="med" len="med"/>
+                    </a:lnL>
+                    <a:lnR w="12700" cap="flat" cmpd="sng" algn="ctr">
+                      <a:solidFill>
+                        <a:schemeClr val="tx1"/>
+                      </a:solidFill>
+                      <a:prstDash val="solid"/>
+                      <a:round/>
+                      <a:headEnd type="none" w="med" len="med"/>
+                      <a:tailEnd type="none" w="med" len="med"/>
+                    </a:lnR>
+                    <a:lnT w="12700" cap="flat" cmpd="sng" algn="ctr">
+                      <a:solidFill>
+                        <a:schemeClr val="tx1"/>
+                      </a:solidFill>
+                      <a:prstDash val="solid"/>
+                      <a:round/>
+                      <a:headEnd type="none" w="med" len="med"/>
+                      <a:tailEnd type="none" w="med" len="med"/>
+                    </a:lnT>
+                    <a:lnB w="12700" cap="flat" cmpd="sng" algn="ctr">
+                      <a:solidFill>
+                        <a:schemeClr val="tx1"/>
+                      </a:solidFill>
+                      <a:prstDash val="solid"/>
+                      <a:round/>
+                      <a:headEnd type="none" w="med" len="med"/>
+                      <a:tailEnd type="none" w="med" len="med"/>
+                    </a:lnB>
+                  </a:tcPr>
+                </a:tc>
+                <a:tc>
+                  <a:txBody>
+                    <a:bodyPr/>
+                    <a:lstStyle/>
+                    <a:p>
+                      <a:pPr>
+                        <a:spcAft>
+                          <a:spcPts val="0"/>
+                        </a:spcAft>
+                      </a:pPr>
+                      <a:r>
+                        <a:rPr lang="ru-RU" sz="1800" kern="100" dirty="0">
+                          <a:solidFill>
+                            <a:srgbClr val="000000"/>
+                          </a:solidFill>
+                          <a:latin typeface="Verdana"/>
+                          <a:ea typeface="Verdana"/>
+                          <a:cs typeface="Verdana"/>
+                        </a:rPr>
+                        <a:t>提供服务的 MDS </a:t>
+                      </a:r>
+                      <a:endParaRPr lang="zh-CN" sz="1800" kern="100" dirty="0">
+                        <a:solidFill>
+                          <a:srgbClr val="000000"/>
+                        </a:solidFill>
+                        <a:latin typeface="Verdana"/>
+                        <a:ea typeface="Verdana"/>
+                        <a:cs typeface="Verdana"/>
+                      </a:endParaRPr>
+                    </a:p>
+                  </a:txBody>
+                  <a:tcPr marL="28575" marR="28575" marT="28575" marB="28575" anchor="ctr">
+                    <a:lnL w="12700" cap="flat" cmpd="sng" algn="ctr">
+                      <a:solidFill>
+                        <a:schemeClr val="tx1"/>
+                      </a:solidFill>
+                      <a:prstDash val="solid"/>
+                      <a:round/>
+                      <a:headEnd type="none" w="med" len="med"/>
+                      <a:tailEnd type="none" w="med" len="med"/>
+                    </a:lnL>
+                    <a:lnR w="12700" cap="flat" cmpd="sng" algn="ctr">
+                      <a:solidFill>
+                        <a:schemeClr val="tx1"/>
+                      </a:solidFill>
+                      <a:prstDash val="solid"/>
+                      <a:round/>
+                      <a:headEnd type="none" w="med" len="med"/>
+                      <a:tailEnd type="none" w="med" len="med"/>
+                    </a:lnR>
+                    <a:lnT w="12700" cap="flat" cmpd="sng" algn="ctr">
+                      <a:solidFill>
+                        <a:schemeClr val="tx1"/>
+                      </a:solidFill>
+                      <a:prstDash val="solid"/>
+                      <a:round/>
+                      <a:headEnd type="none" w="med" len="med"/>
+                      <a:tailEnd type="none" w="med" len="med"/>
+                    </a:lnT>
+                    <a:lnB w="12700" cap="flat" cmpd="sng" algn="ctr">
+                      <a:solidFill>
+                        <a:schemeClr val="tx1"/>
+                      </a:solidFill>
+                      <a:prstDash val="solid"/>
+                      <a:round/>
+                      <a:headEnd type="none" w="med" len="med"/>
+                      <a:tailEnd type="none" w="med" len="med"/>
+                    </a:lnB>
+                  </a:tcPr>
+                </a:tc>
+              </a:tr>
+              <a:tr h="328615">
+                <a:tc>
+                  <a:txBody>
+                    <a:bodyPr/>
+                    <a:lstStyle/>
+                    <a:p>
+                      <a:pPr>
+                        <a:spcAft>
+                          <a:spcPts val="0"/>
+                        </a:spcAft>
+                      </a:pPr>
+                      <a:r>
+                        <a:rPr lang="ru-RU" sz="1800" kern="100">
+                          <a:solidFill>
+                            <a:srgbClr val="000000"/>
+                          </a:solidFill>
+                          <a:latin typeface="Verdana"/>
+                          <a:ea typeface="Verdana"/>
+                          <a:cs typeface="Verdana"/>
+                        </a:rPr>
+                        <a:t>/usr/bin  </a:t>
+                      </a:r>
+                      <a:endParaRPr lang="zh-CN" sz="1800" kern="100">
+                        <a:solidFill>
+                          <a:srgbClr val="000000"/>
+                        </a:solidFill>
+                        <a:latin typeface="Verdana"/>
+                        <a:ea typeface="Verdana"/>
+                        <a:cs typeface="Verdana"/>
+                      </a:endParaRPr>
+                    </a:p>
+                  </a:txBody>
+                  <a:tcPr marL="28575" marR="28575" marT="28575" marB="28575" anchor="ctr">
+                    <a:lnL w="12700" cap="flat" cmpd="sng" algn="ctr">
+                      <a:solidFill>
+                        <a:schemeClr val="tx1"/>
+                      </a:solidFill>
+                      <a:prstDash val="solid"/>
+                      <a:round/>
+                      <a:headEnd type="none" w="med" len="med"/>
+                      <a:tailEnd type="none" w="med" len="med"/>
+                    </a:lnL>
+                    <a:lnR w="12700" cap="flat" cmpd="sng" algn="ctr">
+                      <a:solidFill>
+                        <a:schemeClr val="tx1"/>
+                      </a:solidFill>
+                      <a:prstDash val="solid"/>
+                      <a:round/>
+                      <a:headEnd type="none" w="med" len="med"/>
+                      <a:tailEnd type="none" w="med" len="med"/>
+                    </a:lnR>
+                    <a:lnT w="12700" cap="flat" cmpd="sng" algn="ctr">
+                      <a:solidFill>
+                        <a:schemeClr val="tx1"/>
+                      </a:solidFill>
+                      <a:prstDash val="solid"/>
+                      <a:round/>
+                      <a:headEnd type="none" w="med" len="med"/>
+                      <a:tailEnd type="none" w="med" len="med"/>
+                    </a:lnT>
+                    <a:lnB w="12700" cap="flat" cmpd="sng" algn="ctr">
+                      <a:solidFill>
+                        <a:schemeClr val="tx1"/>
+                      </a:solidFill>
+                      <a:prstDash val="solid"/>
+                      <a:round/>
+                      <a:headEnd type="none" w="med" len="med"/>
+                      <a:tailEnd type="none" w="med" len="med"/>
+                    </a:lnB>
+                  </a:tcPr>
+                </a:tc>
+                <a:tc>
+                  <a:txBody>
+                    <a:bodyPr/>
+                    <a:lstStyle/>
+                    <a:p>
+                      <a:pPr>
+                        <a:spcAft>
+                          <a:spcPts val="0"/>
+                        </a:spcAft>
+                      </a:pPr>
+                      <a:r>
+                        <a:rPr lang="ru-RU" sz="1800" kern="100" dirty="0">
+                          <a:solidFill>
+                            <a:srgbClr val="000000"/>
+                          </a:solidFill>
+                          <a:latin typeface="Verdana"/>
+                          <a:ea typeface="Verdana"/>
+                          <a:cs typeface="Verdana"/>
+                        </a:rPr>
+                        <a:t>MDS0 </a:t>
+                      </a:r>
+                      <a:endParaRPr lang="zh-CN" sz="1800" kern="100" dirty="0">
+                        <a:solidFill>
+                          <a:srgbClr val="000000"/>
+                        </a:solidFill>
+                        <a:latin typeface="Verdana"/>
+                        <a:ea typeface="Verdana"/>
+                        <a:cs typeface="Verdana"/>
+                      </a:endParaRPr>
+                    </a:p>
+                  </a:txBody>
+                  <a:tcPr marL="28575" marR="28575" marT="28575" marB="28575" anchor="ctr">
+                    <a:lnL w="12700" cap="flat" cmpd="sng" algn="ctr">
+                      <a:solidFill>
+                        <a:schemeClr val="tx1"/>
+                      </a:solidFill>
+                      <a:prstDash val="solid"/>
+                      <a:round/>
+                      <a:headEnd type="none" w="med" len="med"/>
+                      <a:tailEnd type="none" w="med" len="med"/>
+                    </a:lnL>
+                    <a:lnR w="12700" cap="flat" cmpd="sng" algn="ctr">
+                      <a:solidFill>
+                        <a:schemeClr val="tx1"/>
+                      </a:solidFill>
+                      <a:prstDash val="solid"/>
+                      <a:round/>
+                      <a:headEnd type="none" w="med" len="med"/>
+                      <a:tailEnd type="none" w="med" len="med"/>
+                    </a:lnR>
+                    <a:lnT w="12700" cap="flat" cmpd="sng" algn="ctr">
+                      <a:solidFill>
+                        <a:schemeClr val="tx1"/>
+                      </a:solidFill>
+                      <a:prstDash val="solid"/>
+                      <a:round/>
+                      <a:headEnd type="none" w="med" len="med"/>
+                      <a:tailEnd type="none" w="med" len="med"/>
+                    </a:lnT>
+                    <a:lnB w="12700" cap="flat" cmpd="sng" algn="ctr">
+                      <a:solidFill>
+                        <a:schemeClr val="tx1"/>
+                      </a:solidFill>
+                      <a:prstDash val="solid"/>
+                      <a:round/>
+                      <a:headEnd type="none" w="med" len="med"/>
+                      <a:tailEnd type="none" w="med" len="med"/>
+                    </a:lnB>
+                  </a:tcPr>
+                </a:tc>
+              </a:tr>
+              <a:tr h="328615">
+                <a:tc>
+                  <a:txBody>
+                    <a:bodyPr/>
+                    <a:lstStyle/>
+                    <a:p>
+                      <a:pPr>
+                        <a:spcAft>
+                          <a:spcPts val="0"/>
+                        </a:spcAft>
+                      </a:pPr>
+                      <a:r>
+                        <a:rPr lang="ru-RU" sz="1800" kern="100">
+                          <a:solidFill>
+                            <a:srgbClr val="000000"/>
+                          </a:solidFill>
+                          <a:latin typeface="Verdana"/>
+                          <a:ea typeface="Verdana"/>
+                          <a:cs typeface="Verdana"/>
+                        </a:rPr>
+                        <a:t>/usr/include </a:t>
+                      </a:r>
+                      <a:endParaRPr lang="zh-CN" sz="1800" kern="100">
+                        <a:solidFill>
+                          <a:srgbClr val="000000"/>
+                        </a:solidFill>
+                        <a:latin typeface="Verdana"/>
+                        <a:ea typeface="Verdana"/>
+                        <a:cs typeface="Verdana"/>
+                      </a:endParaRPr>
+                    </a:p>
+                  </a:txBody>
+                  <a:tcPr marL="28575" marR="28575" marT="28575" marB="28575" anchor="ctr">
+                    <a:lnL w="12700" cap="flat" cmpd="sng" algn="ctr">
+                      <a:solidFill>
+                        <a:schemeClr val="tx1"/>
+                      </a:solidFill>
+                      <a:prstDash val="solid"/>
+                      <a:round/>
+                      <a:headEnd type="none" w="med" len="med"/>
+                      <a:tailEnd type="none" w="med" len="med"/>
+                    </a:lnL>
+                    <a:lnR w="12700" cap="flat" cmpd="sng" algn="ctr">
+                      <a:solidFill>
+                        <a:schemeClr val="tx1"/>
+                      </a:solidFill>
+                      <a:prstDash val="solid"/>
+                      <a:round/>
+                      <a:headEnd type="none" w="med" len="med"/>
+                      <a:tailEnd type="none" w="med" len="med"/>
+                    </a:lnR>
+                    <a:lnT w="12700" cap="flat" cmpd="sng" algn="ctr">
+                      <a:solidFill>
+                        <a:schemeClr val="tx1"/>
+                      </a:solidFill>
+                      <a:prstDash val="solid"/>
+                      <a:round/>
+                      <a:headEnd type="none" w="med" len="med"/>
+                      <a:tailEnd type="none" w="med" len="med"/>
+                    </a:lnT>
+                    <a:lnB w="12700" cap="flat" cmpd="sng" algn="ctr">
+                      <a:solidFill>
+                        <a:schemeClr val="tx1"/>
+                      </a:solidFill>
+                      <a:prstDash val="solid"/>
+                      <a:round/>
+                      <a:headEnd type="none" w="med" len="med"/>
+                      <a:tailEnd type="none" w="med" len="med"/>
+                    </a:lnB>
+                  </a:tcPr>
+                </a:tc>
+                <a:tc>
+                  <a:txBody>
+                    <a:bodyPr/>
+                    <a:lstStyle/>
+                    <a:p>
+                      <a:pPr>
+                        <a:spcAft>
+                          <a:spcPts val="0"/>
+                        </a:spcAft>
+                      </a:pPr>
+                      <a:r>
+                        <a:rPr lang="ru-RU" sz="1800" kern="100">
+                          <a:solidFill>
+                            <a:srgbClr val="000000"/>
+                          </a:solidFill>
+                          <a:latin typeface="Verdana"/>
+                          <a:ea typeface="Verdana"/>
+                          <a:cs typeface="Verdana"/>
+                        </a:rPr>
+                        <a:t>MDS1 </a:t>
+                      </a:r>
+                      <a:endParaRPr lang="zh-CN" sz="1800" kern="100">
+                        <a:solidFill>
+                          <a:srgbClr val="000000"/>
+                        </a:solidFill>
+                        <a:latin typeface="Verdana"/>
+                        <a:ea typeface="Verdana"/>
+                        <a:cs typeface="Verdana"/>
+                      </a:endParaRPr>
+                    </a:p>
+                  </a:txBody>
+                  <a:tcPr marL="28575" marR="28575" marT="28575" marB="28575" anchor="ctr">
+                    <a:lnL w="12700" cap="flat" cmpd="sng" algn="ctr">
+                      <a:solidFill>
+                        <a:schemeClr val="tx1"/>
+                      </a:solidFill>
+                      <a:prstDash val="solid"/>
+                      <a:round/>
+                      <a:headEnd type="none" w="med" len="med"/>
+                      <a:tailEnd type="none" w="med" len="med"/>
+                    </a:lnL>
+                    <a:lnR w="12700" cap="flat" cmpd="sng" algn="ctr">
+                      <a:solidFill>
+                        <a:schemeClr val="tx1"/>
+                      </a:solidFill>
+                      <a:prstDash val="solid"/>
+                      <a:round/>
+                      <a:headEnd type="none" w="med" len="med"/>
+                      <a:tailEnd type="none" w="med" len="med"/>
+                    </a:lnR>
+                    <a:lnT w="12700" cap="flat" cmpd="sng" algn="ctr">
+                      <a:solidFill>
+                        <a:schemeClr val="tx1"/>
+                      </a:solidFill>
+                      <a:prstDash val="solid"/>
+                      <a:round/>
+                      <a:headEnd type="none" w="med" len="med"/>
+                      <a:tailEnd type="none" w="med" len="med"/>
+                    </a:lnT>
+                    <a:lnB w="12700" cap="flat" cmpd="sng" algn="ctr">
+                      <a:solidFill>
+                        <a:schemeClr val="tx1"/>
+                      </a:solidFill>
+                      <a:prstDash val="solid"/>
+                      <a:round/>
+                      <a:headEnd type="none" w="med" len="med"/>
+                      <a:tailEnd type="none" w="med" len="med"/>
+                    </a:lnB>
+                  </a:tcPr>
+                </a:tc>
+              </a:tr>
+              <a:tr h="328615">
+                <a:tc>
+                  <a:txBody>
+                    <a:bodyPr/>
+                    <a:lstStyle/>
+                    <a:p>
+                      <a:pPr>
+                        <a:spcAft>
+                          <a:spcPts val="0"/>
+                        </a:spcAft>
+                      </a:pPr>
+                      <a:r>
+                        <a:rPr lang="ru-RU" sz="1800" kern="100">
+                          <a:solidFill>
+                            <a:srgbClr val="000000"/>
+                          </a:solidFill>
+                          <a:latin typeface="Verdana"/>
+                          <a:ea typeface="Verdana"/>
+                          <a:cs typeface="Verdana"/>
+                        </a:rPr>
+                        <a:t>/usr/lib </a:t>
+                      </a:r>
+                      <a:endParaRPr lang="zh-CN" sz="1800" kern="100">
+                        <a:solidFill>
+                          <a:srgbClr val="000000"/>
+                        </a:solidFill>
+                        <a:latin typeface="Verdana"/>
+                        <a:ea typeface="Verdana"/>
+                        <a:cs typeface="Verdana"/>
+                      </a:endParaRPr>
+                    </a:p>
+                  </a:txBody>
+                  <a:tcPr marL="28575" marR="28575" marT="28575" marB="28575" anchor="ctr">
+                    <a:lnL w="12700" cap="flat" cmpd="sng" algn="ctr">
+                      <a:solidFill>
+                        <a:schemeClr val="tx1"/>
+                      </a:solidFill>
+                      <a:prstDash val="solid"/>
+                      <a:round/>
+                      <a:headEnd type="none" w="med" len="med"/>
+                      <a:tailEnd type="none" w="med" len="med"/>
+                    </a:lnL>
+                    <a:lnR w="12700" cap="flat" cmpd="sng" algn="ctr">
+                      <a:solidFill>
+                        <a:schemeClr val="tx1"/>
+                      </a:solidFill>
+                      <a:prstDash val="solid"/>
+                      <a:round/>
+                      <a:headEnd type="none" w="med" len="med"/>
+                      <a:tailEnd type="none" w="med" len="med"/>
+                    </a:lnR>
+                    <a:lnT w="12700" cap="flat" cmpd="sng" algn="ctr">
+                      <a:solidFill>
+                        <a:schemeClr val="tx1"/>
+                      </a:solidFill>
+                      <a:prstDash val="solid"/>
+                      <a:round/>
+                      <a:headEnd type="none" w="med" len="med"/>
+                      <a:tailEnd type="none" w="med" len="med"/>
+                    </a:lnT>
+                    <a:lnB w="12700" cap="flat" cmpd="sng" algn="ctr">
+                      <a:solidFill>
+                        <a:schemeClr val="tx1"/>
+                      </a:solidFill>
+                      <a:prstDash val="solid"/>
+                      <a:round/>
+                      <a:headEnd type="none" w="med" len="med"/>
+                      <a:tailEnd type="none" w="med" len="med"/>
+                    </a:lnB>
+                  </a:tcPr>
+                </a:tc>
+                <a:tc>
+                  <a:txBody>
+                    <a:bodyPr/>
+                    <a:lstStyle/>
+                    <a:p>
+                      <a:pPr>
+                        <a:spcAft>
+                          <a:spcPts val="0"/>
+                        </a:spcAft>
+                      </a:pPr>
+                      <a:r>
+                        <a:rPr lang="ru-RU" sz="1800" kern="100" dirty="0">
+                          <a:solidFill>
+                            <a:srgbClr val="000000"/>
+                          </a:solidFill>
+                          <a:latin typeface="Verdana"/>
+                          <a:ea typeface="Verdana"/>
+                          <a:cs typeface="Verdana"/>
+                        </a:rPr>
+                        <a:t>MDS2 </a:t>
+                      </a:r>
+                      <a:endParaRPr lang="zh-CN" sz="1800" kern="100" dirty="0">
+                        <a:solidFill>
+                          <a:srgbClr val="000000"/>
+                        </a:solidFill>
+                        <a:latin typeface="Verdana"/>
+                        <a:ea typeface="Verdana"/>
+                        <a:cs typeface="Verdana"/>
+                      </a:endParaRPr>
+                    </a:p>
+                  </a:txBody>
+                  <a:tcPr marL="28575" marR="28575" marT="28575" marB="28575" anchor="ctr">
+                    <a:lnL w="12700" cap="flat" cmpd="sng" algn="ctr">
+                      <a:solidFill>
+                        <a:schemeClr val="tx1"/>
+                      </a:solidFill>
+                      <a:prstDash val="solid"/>
+                      <a:round/>
+                      <a:headEnd type="none" w="med" len="med"/>
+                      <a:tailEnd type="none" w="med" len="med"/>
+                    </a:lnL>
+                    <a:lnR w="12700" cap="flat" cmpd="sng" algn="ctr">
+                      <a:solidFill>
+                        <a:schemeClr val="tx1"/>
+                      </a:solidFill>
+                      <a:prstDash val="solid"/>
+                      <a:round/>
+                      <a:headEnd type="none" w="med" len="med"/>
+                      <a:tailEnd type="none" w="med" len="med"/>
+                    </a:lnR>
+                    <a:lnT w="12700" cap="flat" cmpd="sng" algn="ctr">
+                      <a:solidFill>
+                        <a:schemeClr val="tx1"/>
+                      </a:solidFill>
+                      <a:prstDash val="solid"/>
+                      <a:round/>
+                      <a:headEnd type="none" w="med" len="med"/>
+                      <a:tailEnd type="none" w="med" len="med"/>
+                    </a:lnT>
+                    <a:lnB w="12700" cap="flat" cmpd="sng" algn="ctr">
+                      <a:solidFill>
+                        <a:schemeClr val="tx1"/>
+                      </a:solidFill>
+                      <a:prstDash val="solid"/>
+                      <a:round/>
+                      <a:headEnd type="none" w="med" len="med"/>
+                      <a:tailEnd type="none" w="med" len="med"/>
+                    </a:lnB>
+                  </a:tcPr>
+                </a:tc>
+              </a:tr>
+              <a:tr h="328615">
+                <a:tc>
+                  <a:txBody>
+                    <a:bodyPr/>
+                    <a:lstStyle/>
+                    <a:p>
+                      <a:pPr>
+                        <a:spcAft>
+                          <a:spcPts val="0"/>
+                        </a:spcAft>
+                      </a:pPr>
+                      <a:r>
+                        <a:rPr lang="ru-RU" sz="1800" kern="100">
+                          <a:solidFill>
+                            <a:srgbClr val="000000"/>
+                          </a:solidFill>
+                          <a:latin typeface="Verdana"/>
+                          <a:ea typeface="Verdana"/>
+                          <a:cs typeface="Verdana"/>
+                        </a:rPr>
+                        <a:t>/usr/share </a:t>
+                      </a:r>
+                      <a:endParaRPr lang="zh-CN" sz="1800" kern="100">
+                        <a:solidFill>
+                          <a:srgbClr val="000000"/>
+                        </a:solidFill>
+                        <a:latin typeface="Verdana"/>
+                        <a:ea typeface="Verdana"/>
+                        <a:cs typeface="Verdana"/>
+                      </a:endParaRPr>
+                    </a:p>
+                  </a:txBody>
+                  <a:tcPr marL="28575" marR="28575" marT="28575" marB="28575" anchor="ctr">
+                    <a:lnL w="12700" cap="flat" cmpd="sng" algn="ctr">
+                      <a:solidFill>
+                        <a:schemeClr val="tx1"/>
+                      </a:solidFill>
+                      <a:prstDash val="solid"/>
+                      <a:round/>
+                      <a:headEnd type="none" w="med" len="med"/>
+                      <a:tailEnd type="none" w="med" len="med"/>
+                    </a:lnL>
+                    <a:lnR w="12700" cap="flat" cmpd="sng" algn="ctr">
+                      <a:solidFill>
+                        <a:schemeClr val="tx1"/>
+                      </a:solidFill>
+                      <a:prstDash val="solid"/>
+                      <a:round/>
+                      <a:headEnd type="none" w="med" len="med"/>
+                      <a:tailEnd type="none" w="med" len="med"/>
+                    </a:lnR>
+                    <a:lnT w="12700" cap="flat" cmpd="sng" algn="ctr">
+                      <a:solidFill>
+                        <a:schemeClr val="tx1"/>
+                      </a:solidFill>
+                      <a:prstDash val="solid"/>
+                      <a:round/>
+                      <a:headEnd type="none" w="med" len="med"/>
+                      <a:tailEnd type="none" w="med" len="med"/>
+                    </a:lnT>
+                    <a:lnB w="12700" cap="flat" cmpd="sng" algn="ctr">
+                      <a:solidFill>
+                        <a:schemeClr val="tx1"/>
+                      </a:solidFill>
+                      <a:prstDash val="solid"/>
+                      <a:round/>
+                      <a:headEnd type="none" w="med" len="med"/>
+                      <a:tailEnd type="none" w="med" len="med"/>
+                    </a:lnB>
+                  </a:tcPr>
+                </a:tc>
+                <a:tc>
+                  <a:txBody>
+                    <a:bodyPr/>
+                    <a:lstStyle/>
+                    <a:p>
+                      <a:pPr>
+                        <a:spcAft>
+                          <a:spcPts val="0"/>
+                        </a:spcAft>
+                      </a:pPr>
+                      <a:r>
+                        <a:rPr lang="ru-RU" sz="1800" kern="100" dirty="0">
+                          <a:solidFill>
+                            <a:srgbClr val="000000"/>
+                          </a:solidFill>
+                          <a:latin typeface="Verdana"/>
+                          <a:ea typeface="Verdana"/>
+                          <a:cs typeface="Verdana"/>
+                        </a:rPr>
+                        <a:t>MDS3 </a:t>
+                      </a:r>
+                      <a:endParaRPr lang="zh-CN" sz="1800" kern="100" dirty="0">
+                        <a:solidFill>
+                          <a:srgbClr val="000000"/>
+                        </a:solidFill>
+                        <a:latin typeface="Verdana"/>
+                        <a:ea typeface="Verdana"/>
+                        <a:cs typeface="Verdana"/>
+                      </a:endParaRPr>
+                    </a:p>
+                  </a:txBody>
+                  <a:tcPr marL="28575" marR="28575" marT="28575" marB="28575" anchor="ctr">
+                    <a:lnL w="12700" cap="flat" cmpd="sng" algn="ctr">
+                      <a:solidFill>
+                        <a:schemeClr val="tx1"/>
+                      </a:solidFill>
+                      <a:prstDash val="solid"/>
+                      <a:round/>
+                      <a:headEnd type="none" w="med" len="med"/>
+                      <a:tailEnd type="none" w="med" len="med"/>
+                    </a:lnL>
+                    <a:lnR w="12700" cap="flat" cmpd="sng" algn="ctr">
+                      <a:solidFill>
+                        <a:schemeClr val="tx1"/>
+                      </a:solidFill>
+                      <a:prstDash val="solid"/>
+                      <a:round/>
+                      <a:headEnd type="none" w="med" len="med"/>
+                      <a:tailEnd type="none" w="med" len="med"/>
+                    </a:lnR>
+                    <a:lnT w="12700" cap="flat" cmpd="sng" algn="ctr">
+                      <a:solidFill>
+                        <a:schemeClr val="tx1"/>
+                      </a:solidFill>
+                      <a:prstDash val="solid"/>
+                      <a:round/>
+                      <a:headEnd type="none" w="med" len="med"/>
+                      <a:tailEnd type="none" w="med" len="med"/>
+                    </a:lnT>
+                    <a:lnB w="12700" cap="flat" cmpd="sng" algn="ctr">
+                      <a:solidFill>
+                        <a:schemeClr val="tx1"/>
+                      </a:solidFill>
+                      <a:prstDash val="solid"/>
+                      <a:round/>
+                      <a:headEnd type="none" w="med" len="med"/>
+                      <a:tailEnd type="none" w="med" len="med"/>
+                    </a:lnB>
+                  </a:tcPr>
+                </a:tc>
+              </a:tr>
+            </a:tbl>
+          </a:graphicData>
+        </a:graphic>
+      </p:graphicFrame>
+      <p:sp>
+        <p:nvSpPr>
+          <p:cNvPr id="12290" name="Rectangle 2"/>
+          <p:cNvSpPr>
+            <a:spLocks noChangeArrowheads="1"/>
+          </p:cNvSpPr>
+          <p:nvPr/>
+        </p:nvSpPr>
+        <p:spPr bwMode="auto">
+          <a:xfrm>
+            <a:off x="0" y="0"/>
+            <a:ext cx="9144000" cy="0"/>
+          </a:xfrm>
+          <a:prstGeom prst="rect">
+            <a:avLst/>
+          </a:prstGeom>
+          <a:noFill/>
+          <a:ln w="9525">
+            <a:noFill/>
+            <a:miter lim="800000"/>
+            <a:headEnd/>
+            <a:tailEnd/>
+          </a:ln>
+          <a:effectLst/>
+        </p:spPr>
+        <p:txBody>
+          <a:bodyPr vert="horz" wrap="none" lIns="91440" tIns="45720" rIns="91440" bIns="45720" numCol="1" anchor="ctr" anchorCtr="0" compatLnSpc="1">
+            <a:prstTxWarp prst="textNoShape">
+              <a:avLst/>
+            </a:prstTxWarp>
+            <a:spAutoFit/>
+          </a:bodyPr>
+          <a:lstStyle/>
+          <a:p>
+            <a:endParaRPr lang="zh-CN" altLang="en-US"/>
+          </a:p>
+        </p:txBody>
+      </p:sp>
+      <p:graphicFrame>
+        <p:nvGraphicFramePr>
+          <p:cNvPr id="12289" name="Object 1"/>
+          <p:cNvGraphicFramePr>
+            <a:graphicFrameLocks noChangeAspect="1"/>
+          </p:cNvGraphicFramePr>
+          <p:nvPr/>
+        </p:nvGraphicFramePr>
+        <p:xfrm>
+          <a:off x="3300442" y="1857364"/>
+          <a:ext cx="5486400" cy="3571875"/>
+        </p:xfrm>
+        <a:graphic>
+          <a:graphicData uri="http://schemas.openxmlformats.org/presentationml/2006/ole">
+            <p:oleObj spid="_x0000_s12289" name="Visio" r:id="rId3" imgW="6844622" imgH="4462449" progId="Visio.Drawing.11">
+              <p:embed/>
+            </p:oleObj>
+          </a:graphicData>
+        </a:graphic>
+      </p:graphicFrame>
+      <p:sp>
+        <p:nvSpPr>
+          <p:cNvPr id="6" name="TextBox 5"/>
+          <p:cNvSpPr txBox="1"/>
           <p:nvPr/>
         </p:nvSpPr>
         <p:spPr>
           <a:xfrm>
-            <a:off x="4071934" y="5529977"/>
-            <a:ext cx="3571900" cy="1328023"/>
+            <a:off x="142844" y="5568751"/>
+            <a:ext cx="2857488" cy="646331"/>
           </a:xfrm>
-          <a:prstGeom prst="wedgeRoundRectCallout">
-            <a:avLst>
-              <a:gd name="adj1" fmla="val -59181"/>
-              <a:gd name="adj2" fmla="val -53686"/>
-              <a:gd name="adj3" fmla="val 16667"/>
-            </a:avLst>
+          <a:prstGeom prst="rect">
+            <a:avLst/>
           </a:prstGeom>
+          <a:noFill/>
         </p:spPr>
-        <p:style>
-          <a:lnRef idx="2">
-            <a:schemeClr val="accent6"/>
-          </a:lnRef>
-          <a:fillRef idx="1">
-            <a:schemeClr val="lt1"/>
-          </a:fillRef>
-          <a:effectRef idx="0">
-            <a:schemeClr val="accent6"/>
-          </a:effectRef>
-          <a:fontRef idx="minor">
-            <a:schemeClr val="dk1"/>
-          </a:fontRef>
-        </p:style>
         <p:txBody>
-          <a:bodyPr wrap="square" lIns="0" rIns="0" rtlCol="0" anchor="t">
+          <a:bodyPr wrap="square" rtlCol="0">
             <a:spAutoFit/>
           </a:bodyPr>
           <a:lstStyle/>
@@ -18193,17 +15260,10 @@
               <a:buChar char="•"/>
             </a:pPr>
             <a:r>
-              <a:rPr lang="en-US" altLang="zh-CN" dirty="0" smtClean="0"/>
-              <a:t>  </a:t>
-            </a:r>
-            <a:r>
               <a:rPr lang="zh-CN" altLang="en-US" dirty="0" smtClean="0"/>
-              <a:t>提供文件系统接口</a:t>
-            </a:r>
-            <a:r>
-              <a:rPr lang="en-US" altLang="zh-CN" dirty="0" smtClean="0"/>
-              <a:t>(POSIX/API)</a:t>
-            </a:r>
+              <a:t> 不能有效负载均衡</a:t>
+            </a:r>
+            <a:endParaRPr lang="en-US" altLang="zh-CN" dirty="0" smtClean="0"/>
           </a:p>
           <a:p>
             <a:pPr>
@@ -18211,46 +15271,16 @@
               <a:buChar char="•"/>
             </a:pPr>
             <a:r>
-              <a:rPr lang="en-US" altLang="zh-CN" dirty="0" smtClean="0"/>
-              <a:t> </a:t>
-            </a:r>
-            <a:r>
               <a:rPr lang="zh-CN" altLang="en-US" dirty="0" smtClean="0"/>
-              <a:t>与</a:t>
-            </a:r>
-            <a:r>
-              <a:rPr lang="en-US" altLang="zh-CN" dirty="0" smtClean="0"/>
-              <a:t>MDS, OSD</a:t>
-            </a:r>
-            <a:r>
-              <a:rPr lang="zh-CN" altLang="en-US" dirty="0" smtClean="0"/>
-              <a:t>交互</a:t>
-            </a:r>
-            <a:endParaRPr lang="en-US" altLang="zh-CN" dirty="0" smtClean="0"/>
-          </a:p>
-          <a:p>
-            <a:pPr>
-              <a:buFont typeface="Arial" pitchFamily="34" charset="0"/>
-              <a:buChar char="•"/>
-            </a:pPr>
-            <a:r>
-              <a:rPr lang="en-US" altLang="zh-CN" dirty="0" smtClean="0"/>
-              <a:t> </a:t>
-            </a:r>
-            <a:r>
-              <a:rPr lang="zh-CN" altLang="en-US" dirty="0" smtClean="0"/>
-              <a:t>实现应用层逻辑</a:t>
-            </a:r>
-            <a:endParaRPr lang="en-US" altLang="zh-CN" dirty="0" smtClean="0"/>
-          </a:p>
-          <a:p>
-            <a:endParaRPr lang="en-US" altLang="zh-CN" dirty="0" smtClean="0"/>
+              <a:t> 需要手动调整分割策略</a:t>
+            </a:r>
+            <a:endParaRPr lang="zh-CN" altLang="en-US" dirty="0"/>
           </a:p>
         </p:txBody>
       </p:sp>
       <p:sp>
         <p:nvSpPr>
-          <p:cNvPr id="27" name="灯片编号占位符 26"/>
+          <p:cNvPr id="7" name="灯片编号占位符 6"/>
           <p:cNvSpPr>
             <a:spLocks noGrp="1"/>
           </p:cNvSpPr>
@@ -18274,7 +15304,7 @@
       </p:sp>
       <p:sp>
         <p:nvSpPr>
-          <p:cNvPr id="31" name="页脚占位符 30"/>
+          <p:cNvPr id="8" name="页脚占位符 7"/>
           <p:cNvSpPr>
             <a:spLocks noGrp="1"/>
           </p:cNvSpPr>
@@ -18314,7 +15344,7 @@
         <a:sysClr val="windowText" lastClr="000000"/>
       </a:dk1>
       <a:lt1>
-        <a:sysClr val="window" lastClr="F4F4F4"/>
+        <a:sysClr val="window" lastClr="FFFFFF"/>
       </a:lt1>
       <a:dk2>
         <a:srgbClr val="464653"/>
@@ -18642,7 +15672,7 @@
         <a:sysClr val="windowText" lastClr="000000"/>
       </a:dk1>
       <a:lt1>
-        <a:sysClr val="window" lastClr="F4F4F4"/>
+        <a:sysClr val="window" lastClr="FFFFFF"/>
       </a:lt1>
       <a:dk2>
         <a:srgbClr val="1F497D"/>

--- a/trunk/draft/MDS集群.pptx
+++ b/trunk/draft/MDS集群.pptx
@@ -5,7 +5,7 @@
     <p:sldMasterId id="2147483732" r:id="rId1"/>
   </p:sldMasterIdLst>
   <p:notesMasterIdLst>
-    <p:notesMasterId r:id="rId20"/>
+    <p:notesMasterId r:id="rId18"/>
   </p:notesMasterIdLst>
   <p:sldIdLst>
     <p:sldId id="256" r:id="rId2"/>
@@ -22,10 +22,8 @@
     <p:sldId id="270" r:id="rId13"/>
     <p:sldId id="262" r:id="rId14"/>
     <p:sldId id="271" r:id="rId15"/>
-    <p:sldId id="286" r:id="rId16"/>
-    <p:sldId id="285" r:id="rId17"/>
-    <p:sldId id="287" r:id="rId18"/>
-    <p:sldId id="273" r:id="rId19"/>
+    <p:sldId id="287" r:id="rId16"/>
+    <p:sldId id="273" r:id="rId17"/>
   </p:sldIdLst>
   <p:sldSz cx="9144000" cy="6858000" type="screen4x3"/>
   <p:notesSz cx="6858000" cy="9144000"/>
@@ -210,7 +208,7 @@
             <a:fld id="{BC34AF02-0B6E-41F5-B0B5-3101AB1A50AF}" type="datetimeFigureOut">
               <a:rPr lang="zh-CN" altLang="en-US" smtClean="0"/>
               <a:pPr/>
-              <a:t>2011-1-16</a:t>
+              <a:t>2011-1-17</a:t>
             </a:fld>
             <a:endParaRPr lang="zh-CN" altLang="en-US"/>
           </a:p>
@@ -620,7 +618,7 @@
             <a:fld id="{EFBDA57C-9B28-4D34-BA4F-A9D0F2E83126}" type="datetime1">
               <a:rPr lang="zh-CN" altLang="en-US" smtClean="0"/>
               <a:pPr/>
-              <a:t>2011-1-16</a:t>
+              <a:t>2011-1-17</a:t>
             </a:fld>
             <a:endParaRPr lang="zh-CN" altLang="en-US"/>
           </a:p>
@@ -981,7 +979,7 @@
             <a:fld id="{3B62315A-E9F5-4FD9-87B7-B3D6369A24A2}" type="datetime1">
               <a:rPr lang="zh-CN" altLang="en-US" smtClean="0"/>
               <a:pPr/>
-              <a:t>2011-1-16</a:t>
+              <a:t>2011-1-17</a:t>
             </a:fld>
             <a:endParaRPr lang="zh-CN" altLang="en-US"/>
           </a:p>
@@ -1158,7 +1156,7 @@
             <a:fld id="{D83C9C96-7EA4-4506-BA90-D81DD0D18947}" type="datetime1">
               <a:rPr lang="zh-CN" altLang="en-US" smtClean="0"/>
               <a:pPr/>
-              <a:t>2011-1-16</a:t>
+              <a:t>2011-1-17</a:t>
             </a:fld>
             <a:endParaRPr lang="zh-CN" altLang="en-US"/>
           </a:p>
@@ -1395,7 +1393,7 @@
             <a:fld id="{5AEA8FA9-498E-467B-904D-120A1849C34D}" type="datetime1">
               <a:rPr lang="zh-CN" altLang="en-US" smtClean="0"/>
               <a:pPr/>
-              <a:t>2011-1-16</a:t>
+              <a:t>2011-1-17</a:t>
             </a:fld>
             <a:endParaRPr lang="zh-CN" altLang="en-US"/>
           </a:p>
@@ -1666,7 +1664,7 @@
             <a:fld id="{8D117A2C-BF79-4868-B0FB-4F590C841F4C}" type="datetime1">
               <a:rPr lang="zh-CN" altLang="en-US" smtClean="0"/>
               <a:pPr/>
-              <a:t>2011-1-16</a:t>
+              <a:t>2011-1-17</a:t>
             </a:fld>
             <a:endParaRPr lang="zh-CN" altLang="en-US"/>
           </a:p>
@@ -1888,7 +1886,7 @@
             <a:fld id="{D4BDE1B0-BD0E-42A4-B9D0-C134740EA01D}" type="datetime1">
               <a:rPr lang="zh-CN" altLang="en-US" smtClean="0"/>
               <a:pPr/>
-              <a:t>2011-1-16</a:t>
+              <a:t>2011-1-17</a:t>
             </a:fld>
             <a:endParaRPr lang="zh-CN" altLang="en-US"/>
           </a:p>
@@ -2242,7 +2240,7 @@
             <a:fld id="{5BDA5EE1-AE80-4B47-B260-78768DC0D630}" type="datetime1">
               <a:rPr lang="zh-CN" altLang="en-US" smtClean="0"/>
               <a:pPr/>
-              <a:t>2011-1-16</a:t>
+              <a:t>2011-1-17</a:t>
             </a:fld>
             <a:endParaRPr lang="zh-CN" altLang="en-US"/>
           </a:p>
@@ -2476,7 +2474,7 @@
             <a:fld id="{703F853D-2DF6-4DD9-828A-C54515CEFACE}" type="datetime1">
               <a:rPr lang="zh-CN" altLang="en-US" smtClean="0"/>
               <a:pPr/>
-              <a:t>2011-1-16</a:t>
+              <a:t>2011-1-17</a:t>
             </a:fld>
             <a:endParaRPr lang="zh-CN" altLang="en-US"/>
           </a:p>
@@ -2618,7 +2616,7 @@
             <a:fld id="{93EAD33C-627C-46A9-9996-5EE9B951FFD3}" type="datetime1">
               <a:rPr lang="zh-CN" altLang="en-US" smtClean="0"/>
               <a:pPr/>
-              <a:t>2011-1-16</a:t>
+              <a:t>2011-1-17</a:t>
             </a:fld>
             <a:endParaRPr lang="zh-CN" altLang="en-US"/>
           </a:p>
@@ -2897,7 +2895,7 @@
             <a:fld id="{ADD980F3-1F6B-452E-A1C8-D1A2D3A5A5A2}" type="datetime1">
               <a:rPr lang="zh-CN" altLang="en-US" smtClean="0"/>
               <a:pPr/>
-              <a:t>2011-1-16</a:t>
+              <a:t>2011-1-17</a:t>
             </a:fld>
             <a:endParaRPr lang="zh-CN" altLang="en-US"/>
           </a:p>
@@ -3306,7 +3304,7 @@
             <a:fld id="{7876F26D-1664-4575-9A6E-A6A74E0AD8C6}" type="datetime1">
               <a:rPr lang="zh-CN" altLang="en-US" smtClean="0"/>
               <a:pPr/>
-              <a:t>2011-1-16</a:t>
+              <a:t>2011-1-17</a:t>
             </a:fld>
             <a:endParaRPr lang="zh-CN" altLang="en-US"/>
           </a:p>
@@ -3646,7 +3644,7 @@
             <a:fld id="{15B1867F-0797-4535-83E3-857130BC3785}" type="datetime1">
               <a:rPr lang="zh-CN" altLang="en-US" smtClean="0"/>
               <a:pPr/>
-              <a:t>2011-1-16</a:t>
+              <a:t>2011-1-17</a:t>
             </a:fld>
             <a:endParaRPr lang="zh-CN" altLang="en-US"/>
           </a:p>
@@ -4209,7 +4207,7 @@
             </a:br>
             <a:r>
               <a:rPr lang="zh-CN" altLang="en-US" dirty="0" smtClean="0"/>
-              <a:t>元数据集群的设计</a:t>
+              <a:t>元数据管理算法研究</a:t>
             </a:r>
             <a:endParaRPr lang="zh-CN" altLang="en-US" dirty="0"/>
           </a:p>
@@ -4256,6 +4254,34 @@
             <a:r>
               <a:rPr lang="en-US" altLang="zh-CN" dirty="0" smtClean="0"/>
               <a:t> </a:t>
+            </a:r>
+            <a:endParaRPr lang="zh-CN" altLang="en-US" dirty="0"/>
+          </a:p>
+        </p:txBody>
+      </p:sp>
+      <p:sp>
+        <p:nvSpPr>
+          <p:cNvPr id="5" name="页脚占位符 4"/>
+          <p:cNvSpPr>
+            <a:spLocks noGrp="1"/>
+          </p:cNvSpPr>
+          <p:nvPr>
+            <p:ph type="ftr" sz="quarter" idx="11"/>
+          </p:nvPr>
+        </p:nvSpPr>
+        <p:spPr>
+          <a:xfrm>
+            <a:off x="4714876" y="6215082"/>
+            <a:ext cx="3505200" cy="365760"/>
+          </a:xfrm>
+        </p:spPr>
+        <p:txBody>
+          <a:bodyPr/>
+          <a:lstStyle/>
+          <a:p>
+            <a:r>
+              <a:rPr lang="en-US" altLang="zh-CN" dirty="0" smtClean="0"/>
+              <a:t>2011-01-17</a:t>
             </a:r>
             <a:endParaRPr lang="zh-CN" altLang="en-US" dirty="0"/>
           </a:p>
@@ -7179,7 +7205,7 @@
         <p:spPr>
           <a:xfrm>
             <a:off x="142844" y="5568751"/>
-            <a:ext cx="8143932" cy="646331"/>
+            <a:ext cx="8143932" cy="369332"/>
           </a:xfrm>
           <a:prstGeom prst="rect">
             <a:avLst/>
@@ -7198,20 +7224,17 @@
             </a:pPr>
             <a:r>
               <a:rPr lang="zh-CN" altLang="en-US" dirty="0" smtClean="0"/>
-              <a:t> 在集群中加入或删除节点，会导致映射关系发生变化，需要大量元数据迁移</a:t>
+              <a:t> 在集群中加入或删除节点时，</a:t>
+            </a:r>
+            <a:r>
+              <a:rPr lang="en-US" altLang="zh-CN" dirty="0" smtClean="0"/>
+              <a:t>Hash</a:t>
+            </a:r>
+            <a:r>
+              <a:rPr lang="zh-CN" altLang="en-US" dirty="0" smtClean="0"/>
+              <a:t>函数会发生变化，需要大量元数据迁移</a:t>
             </a:r>
             <a:endParaRPr lang="en-US" altLang="zh-CN" dirty="0" smtClean="0"/>
-          </a:p>
-          <a:p>
-            <a:pPr>
-              <a:buFont typeface="Arial" pitchFamily="34" charset="0"/>
-              <a:buChar char="•"/>
-            </a:pPr>
-            <a:r>
-              <a:rPr lang="zh-CN" altLang="en-US" dirty="0" smtClean="0"/>
-              <a:t> 需要手动调整分割策略</a:t>
-            </a:r>
-            <a:endParaRPr lang="zh-CN" altLang="en-US" dirty="0"/>
           </a:p>
         </p:txBody>
       </p:sp>
@@ -9436,7 +9459,7 @@
           <a:p>
             <a:r>
               <a:rPr lang="zh-CN" altLang="en-US" dirty="0" smtClean="0"/>
-              <a:t>元数据集群算法研究</a:t>
+              <a:t>设计实现一个元数据集群化管理算法</a:t>
             </a:r>
             <a:endParaRPr lang="en-US" dirty="0" smtClean="0"/>
           </a:p>
@@ -9452,7 +9475,7 @@
             <a:pPr lvl="1"/>
             <a:r>
               <a:rPr lang="ru-RU" dirty="0" smtClean="0"/>
-              <a:t> 元数据</a:t>
+              <a:t>元数据</a:t>
             </a:r>
             <a:r>
               <a:rPr lang="zh-CN" altLang="en-US" dirty="0" smtClean="0"/>
@@ -9516,6 +9539,14 @@
             <a:r>
               <a:rPr lang="en-US" altLang="zh-CN" dirty="0" err="1" smtClean="0"/>
               <a:t>MooseFS</a:t>
+            </a:r>
+            <a:endParaRPr lang="en-US" altLang="zh-CN" dirty="0" smtClean="0"/>
+          </a:p>
+          <a:p>
+            <a:pPr lvl="1"/>
+            <a:r>
+              <a:rPr lang="zh-CN" altLang="en-US" dirty="0" smtClean="0"/>
+              <a:t>进行性能测试</a:t>
             </a:r>
             <a:endParaRPr lang="en-US" altLang="zh-CN" dirty="0" smtClean="0"/>
           </a:p>
@@ -9604,6 +9635,30 @@
           <a:chExt cx="0" cy="0"/>
         </a:xfrm>
       </p:grpSpPr>
+      <p:pic>
+        <p:nvPicPr>
+          <p:cNvPr id="6" name="图片 5" descr="consistentHash.jpg"/>
+          <p:cNvPicPr>
+            <a:picLocks noChangeAspect="1"/>
+          </p:cNvPicPr>
+          <p:nvPr/>
+        </p:nvPicPr>
+        <p:blipFill>
+          <a:blip r:embed="rId2"/>
+          <a:stretch>
+            <a:fillRect/>
+          </a:stretch>
+        </p:blipFill>
+        <p:spPr>
+          <a:xfrm>
+            <a:off x="-5143568" y="2428868"/>
+            <a:ext cx="4961905" cy="3895238"/>
+          </a:xfrm>
+          <a:prstGeom prst="rect">
+            <a:avLst/>
+          </a:prstGeom>
+        </p:spPr>
+      </p:pic>
       <p:sp>
         <p:nvSpPr>
           <p:cNvPr id="2" name="标题 1"/>
@@ -9623,7 +9678,7 @@
           <a:p>
             <a:r>
               <a:rPr lang="zh-CN" altLang="en-US" dirty="0" smtClean="0"/>
-              <a:t>关键技术</a:t>
+              <a:t>技术路线</a:t>
             </a:r>
             <a:endParaRPr lang="zh-CN" altLang="en-US" dirty="0"/>
           </a:p>
@@ -9675,7 +9730,7 @@
             </a:r>
             <a:r>
               <a:rPr lang="zh-CN" altLang="en-US" dirty="0" smtClean="0"/>
-              <a:t>存两份</a:t>
+              <a:t>环形备份</a:t>
             </a:r>
             <a:r>
               <a:rPr lang="en-US" altLang="zh-CN" dirty="0" smtClean="0"/>
@@ -9711,7 +9766,15 @@
             <a:pPr lvl="0"/>
             <a:r>
               <a:rPr lang="ru-RU" dirty="0" smtClean="0"/>
-              <a:t>检查点和日志，两段提交协议 </a:t>
+              <a:t>检查点和日志</a:t>
+            </a:r>
+            <a:endParaRPr lang="en-US" dirty="0" smtClean="0"/>
+          </a:p>
+          <a:p>
+            <a:pPr lvl="0"/>
+            <a:r>
+              <a:rPr lang="ru-RU" dirty="0" smtClean="0"/>
+              <a:t>两段提交协议 </a:t>
             </a:r>
             <a:endParaRPr lang="zh-CN" altLang="en-US" dirty="0" smtClean="0"/>
           </a:p>
@@ -9759,251 +9822,27 @@
           <a:bodyPr/>
           <a:lstStyle/>
           <a:p>
-            <a:endParaRPr lang="zh-CN" altLang="en-US"/>
-          </a:p>
-        </p:txBody>
-      </p:sp>
-    </p:spTree>
-  </p:cSld>
-  <p:clrMapOvr>
-    <a:masterClrMapping/>
-  </p:clrMapOvr>
-  <p:timing>
-    <p:tnLst>
-      <p:par>
-        <p:cTn id="1" dur="indefinite" restart="never" nodeType="tmRoot"/>
-      </p:par>
-    </p:tnLst>
-  </p:timing>
-</p:sld>
-</file>
-
-<file path=ppt/slides/slide15.xml><?xml version="1.0" encoding="utf-8"?>
-<p:sld xmlns:a="http://schemas.openxmlformats.org/drawingml/2006/main" xmlns:r="http://schemas.openxmlformats.org/officeDocument/2006/relationships" xmlns:p="http://schemas.openxmlformats.org/presentationml/2006/main">
-  <p:cSld>
-    <p:spTree>
-      <p:nvGrpSpPr>
-        <p:cNvPr id="1" name=""/>
-        <p:cNvGrpSpPr/>
-        <p:nvPr/>
-      </p:nvGrpSpPr>
-      <p:grpSpPr>
-        <a:xfrm>
-          <a:off x="0" y="0"/>
-          <a:ext cx="0" cy="0"/>
-          <a:chOff x="0" y="0"/>
-          <a:chExt cx="0" cy="0"/>
-        </a:xfrm>
-      </p:grpSpPr>
-      <p:sp>
-        <p:nvSpPr>
-          <p:cNvPr id="2" name="标题 1"/>
-          <p:cNvSpPr>
-            <a:spLocks noGrp="1"/>
-          </p:cNvSpPr>
-          <p:nvPr>
-            <p:ph type="title"/>
-          </p:nvPr>
-        </p:nvSpPr>
-        <p:spPr/>
-        <p:txBody>
-          <a:bodyPr/>
-          <a:lstStyle/>
-          <a:p>
-            <a:r>
-              <a:rPr lang="zh-CN" altLang="en-US" dirty="0" smtClean="0"/>
-              <a:t>一致性</a:t>
-            </a:r>
-            <a:r>
-              <a:rPr lang="en-US" altLang="zh-CN" dirty="0" smtClean="0"/>
-              <a:t>Hash</a:t>
-            </a:r>
             <a:endParaRPr lang="zh-CN" altLang="en-US" dirty="0"/>
-          </a:p>
-        </p:txBody>
-      </p:sp>
-      <p:sp>
-        <p:nvSpPr>
-          <p:cNvPr id="3" name="页脚占位符 2"/>
-          <p:cNvSpPr>
-            <a:spLocks noGrp="1"/>
-          </p:cNvSpPr>
-          <p:nvPr>
-            <p:ph type="ftr" sz="quarter" idx="11"/>
-          </p:nvPr>
-        </p:nvSpPr>
-        <p:spPr/>
-        <p:txBody>
-          <a:bodyPr/>
-          <a:lstStyle/>
-          <a:p>
-            <a:endParaRPr lang="zh-CN" altLang="en-US"/>
-          </a:p>
-        </p:txBody>
-      </p:sp>
-      <p:sp>
-        <p:nvSpPr>
-          <p:cNvPr id="4" name="灯片编号占位符 3"/>
-          <p:cNvSpPr>
-            <a:spLocks noGrp="1"/>
-          </p:cNvSpPr>
-          <p:nvPr>
-            <p:ph type="sldNum" sz="quarter" idx="12"/>
-          </p:nvPr>
-        </p:nvSpPr>
-        <p:spPr/>
-        <p:txBody>
-          <a:bodyPr/>
-          <a:lstStyle/>
-          <a:p>
-            <a:fld id="{D114F199-ED81-4DDD-A1D7-86D5FA93F928}" type="slidenum">
-              <a:rPr lang="zh-CN" altLang="en-US" smtClean="0"/>
-              <a:pPr/>
-              <a:t>15</a:t>
-            </a:fld>
-            <a:endParaRPr lang="zh-CN" altLang="en-US"/>
-          </a:p>
-        </p:txBody>
-      </p:sp>
-      <p:pic>
-        <p:nvPicPr>
-          <p:cNvPr id="6" name="图片 5" descr="consistentHash.jpg"/>
-          <p:cNvPicPr>
-            <a:picLocks noChangeAspect="1"/>
-          </p:cNvPicPr>
-          <p:nvPr/>
-        </p:nvPicPr>
-        <p:blipFill>
-          <a:blip r:embed="rId2"/>
-          <a:stretch>
-            <a:fillRect/>
-          </a:stretch>
-        </p:blipFill>
-        <p:spPr>
-          <a:xfrm>
-            <a:off x="2091047" y="1481381"/>
-            <a:ext cx="4961905" cy="3895238"/>
-          </a:xfrm>
-          <a:prstGeom prst="rect">
-            <a:avLst/>
-          </a:prstGeom>
-        </p:spPr>
-      </p:pic>
-    </p:spTree>
-  </p:cSld>
-  <p:clrMapOvr>
-    <a:masterClrMapping/>
-  </p:clrMapOvr>
-  <p:timing>
-    <p:tnLst>
-      <p:par>
-        <p:cTn id="1" dur="indefinite" restart="never" nodeType="tmRoot"/>
-      </p:par>
-    </p:tnLst>
-  </p:timing>
-</p:sld>
-</file>
-
-<file path=ppt/slides/slide16.xml><?xml version="1.0" encoding="utf-8"?>
-<p:sld xmlns:a="http://schemas.openxmlformats.org/drawingml/2006/main" xmlns:r="http://schemas.openxmlformats.org/officeDocument/2006/relationships" xmlns:p="http://schemas.openxmlformats.org/presentationml/2006/main">
-  <p:cSld>
-    <p:spTree>
-      <p:nvGrpSpPr>
-        <p:cNvPr id="1" name=""/>
-        <p:cNvGrpSpPr/>
-        <p:nvPr/>
-      </p:nvGrpSpPr>
-      <p:grpSpPr>
-        <a:xfrm>
-          <a:off x="0" y="0"/>
-          <a:ext cx="0" cy="0"/>
-          <a:chOff x="0" y="0"/>
-          <a:chExt cx="0" cy="0"/>
-        </a:xfrm>
-      </p:grpSpPr>
-      <p:sp>
-        <p:nvSpPr>
-          <p:cNvPr id="2" name="标题 1"/>
-          <p:cNvSpPr>
-            <a:spLocks noGrp="1"/>
-          </p:cNvSpPr>
-          <p:nvPr>
-            <p:ph type="title"/>
-          </p:nvPr>
-        </p:nvSpPr>
-        <p:spPr/>
-        <p:txBody>
-          <a:bodyPr/>
-          <a:lstStyle/>
-          <a:p>
-            <a:r>
-              <a:rPr lang="zh-CN" altLang="en-US" dirty="0" smtClean="0"/>
-              <a:t>环形的互相备份</a:t>
-            </a:r>
-            <a:endParaRPr lang="zh-CN" altLang="en-US" dirty="0"/>
-          </a:p>
-        </p:txBody>
-      </p:sp>
-      <p:sp>
-        <p:nvSpPr>
-          <p:cNvPr id="3" name="页脚占位符 2"/>
-          <p:cNvSpPr>
-            <a:spLocks noGrp="1"/>
-          </p:cNvSpPr>
-          <p:nvPr>
-            <p:ph type="ftr" sz="quarter" idx="11"/>
-          </p:nvPr>
-        </p:nvSpPr>
-        <p:spPr/>
-        <p:txBody>
-          <a:bodyPr/>
-          <a:lstStyle/>
-          <a:p>
-            <a:endParaRPr lang="zh-CN" altLang="en-US"/>
-          </a:p>
-        </p:txBody>
-      </p:sp>
-      <p:sp>
-        <p:nvSpPr>
-          <p:cNvPr id="4" name="灯片编号占位符 3"/>
-          <p:cNvSpPr>
-            <a:spLocks noGrp="1"/>
-          </p:cNvSpPr>
-          <p:nvPr>
-            <p:ph type="sldNum" sz="quarter" idx="12"/>
-          </p:nvPr>
-        </p:nvSpPr>
-        <p:spPr/>
-        <p:txBody>
-          <a:bodyPr/>
-          <a:lstStyle/>
-          <a:p>
-            <a:fld id="{D114F199-ED81-4DDD-A1D7-86D5FA93F928}" type="slidenum">
-              <a:rPr lang="zh-CN" altLang="en-US" smtClean="0"/>
-              <a:pPr/>
-              <a:t>16</a:t>
-            </a:fld>
-            <a:endParaRPr lang="zh-CN" altLang="en-US"/>
           </a:p>
         </p:txBody>
       </p:sp>
       <p:grpSp>
         <p:nvGrpSpPr>
-          <p:cNvPr id="24" name="组合 23"/>
+          <p:cNvPr id="7" name="组合 6"/>
           <p:cNvGrpSpPr/>
           <p:nvPr/>
         </p:nvGrpSpPr>
         <p:grpSpPr>
           <a:xfrm>
-            <a:off x="785786" y="1785926"/>
-            <a:ext cx="3988793" cy="3482956"/>
+            <a:off x="-3286180" y="-285776"/>
+            <a:ext cx="2928959" cy="2540410"/>
             <a:chOff x="2500298" y="2008993"/>
             <a:chExt cx="3988793" cy="3482956"/>
           </a:xfrm>
         </p:grpSpPr>
         <p:sp>
           <p:nvSpPr>
-            <p:cNvPr id="19" name="椭圆 18"/>
+            <p:cNvPr id="8" name="椭圆 7"/>
             <p:cNvSpPr/>
             <p:nvPr/>
           </p:nvSpPr>
@@ -10051,7 +9890,7 @@
         </p:sp>
         <p:sp>
           <p:nvSpPr>
-            <p:cNvPr id="6" name="椭圆 5"/>
+            <p:cNvPr id="9" name="椭圆 8"/>
             <p:cNvSpPr/>
             <p:nvPr/>
           </p:nvSpPr>
@@ -10091,7 +9930,7 @@
         </p:sp>
         <p:sp>
           <p:nvSpPr>
-            <p:cNvPr id="7" name="椭圆 6"/>
+            <p:cNvPr id="10" name="椭圆 9"/>
             <p:cNvSpPr/>
             <p:nvPr/>
           </p:nvSpPr>
@@ -10131,7 +9970,7 @@
         </p:sp>
         <p:sp>
           <p:nvSpPr>
-            <p:cNvPr id="8" name="椭圆 7"/>
+            <p:cNvPr id="11" name="椭圆 10"/>
             <p:cNvSpPr/>
             <p:nvPr/>
           </p:nvSpPr>
@@ -10171,7 +10010,7 @@
         </p:sp>
         <p:sp>
           <p:nvSpPr>
-            <p:cNvPr id="9" name="椭圆 8"/>
+            <p:cNvPr id="12" name="椭圆 11"/>
             <p:cNvSpPr/>
             <p:nvPr/>
           </p:nvSpPr>
@@ -10211,7 +10050,7 @@
         </p:sp>
         <p:sp>
           <p:nvSpPr>
-            <p:cNvPr id="10" name="椭圆 9"/>
+            <p:cNvPr id="13" name="椭圆 12"/>
             <p:cNvSpPr/>
             <p:nvPr/>
           </p:nvSpPr>
@@ -10251,7 +10090,7 @@
         </p:sp>
         <p:sp>
           <p:nvSpPr>
-            <p:cNvPr id="11" name="椭圆 10"/>
+            <p:cNvPr id="14" name="椭圆 13"/>
             <p:cNvSpPr/>
             <p:nvPr/>
           </p:nvSpPr>
@@ -10291,7 +10130,7 @@
         </p:sp>
         <p:cxnSp>
           <p:nvCxnSpPr>
-            <p:cNvPr id="23" name="直接箭头连接符 22"/>
+            <p:cNvPr id="15" name="直接箭头连接符 14"/>
             <p:cNvCxnSpPr/>
             <p:nvPr/>
           </p:nvCxnSpPr>
@@ -10327,7 +10166,7 @@
         </p:cxnSp>
         <p:cxnSp>
           <p:nvCxnSpPr>
-            <p:cNvPr id="27" name="直接箭头连接符 26"/>
+            <p:cNvPr id="16" name="直接箭头连接符 15"/>
             <p:cNvCxnSpPr/>
             <p:nvPr/>
           </p:nvCxnSpPr>
@@ -10363,7 +10202,7 @@
         </p:cxnSp>
         <p:cxnSp>
           <p:nvCxnSpPr>
-            <p:cNvPr id="30" name="直接箭头连接符 29"/>
+            <p:cNvPr id="17" name="直接箭头连接符 16"/>
             <p:cNvCxnSpPr/>
             <p:nvPr/>
           </p:nvCxnSpPr>
@@ -10399,7 +10238,7 @@
         </p:cxnSp>
         <p:cxnSp>
           <p:nvCxnSpPr>
-            <p:cNvPr id="32" name="直接箭头连接符 31"/>
+            <p:cNvPr id="18" name="直接箭头连接符 17"/>
             <p:cNvCxnSpPr/>
             <p:nvPr/>
           </p:nvCxnSpPr>
@@ -10435,7 +10274,7 @@
         </p:cxnSp>
         <p:cxnSp>
           <p:nvCxnSpPr>
-            <p:cNvPr id="35" name="直接箭头连接符 34"/>
+            <p:cNvPr id="19" name="直接箭头连接符 18"/>
             <p:cNvCxnSpPr/>
             <p:nvPr/>
           </p:nvCxnSpPr>
@@ -10471,7 +10310,7 @@
         </p:cxnSp>
         <p:cxnSp>
           <p:nvCxnSpPr>
-            <p:cNvPr id="37" name="直接箭头连接符 36"/>
+            <p:cNvPr id="20" name="直接箭头连接符 19"/>
             <p:cNvCxnSpPr/>
             <p:nvPr/>
           </p:nvCxnSpPr>
@@ -10507,7 +10346,7 @@
         </p:cxnSp>
         <p:sp>
           <p:nvSpPr>
-            <p:cNvPr id="40" name="TextBox 39"/>
+            <p:cNvPr id="21" name="TextBox 20"/>
             <p:cNvSpPr txBox="1"/>
             <p:nvPr/>
           </p:nvSpPr>
@@ -10537,7 +10376,7 @@
         </p:sp>
         <p:sp>
           <p:nvSpPr>
-            <p:cNvPr id="43" name="TextBox 42"/>
+            <p:cNvPr id="22" name="TextBox 21"/>
             <p:cNvSpPr txBox="1"/>
             <p:nvPr/>
           </p:nvSpPr>
@@ -10567,14 +10406,14 @@
         </p:sp>
         <p:sp>
           <p:nvSpPr>
-            <p:cNvPr id="44" name="TextBox 43"/>
+            <p:cNvPr id="23" name="TextBox 22"/>
             <p:cNvSpPr txBox="1"/>
             <p:nvPr/>
           </p:nvSpPr>
           <p:spPr>
             <a:xfrm>
               <a:off x="5786446" y="4357694"/>
-              <a:ext cx="559769" cy="276999"/>
+              <a:ext cx="559769" cy="276998"/>
             </a:xfrm>
             <a:prstGeom prst="rect">
               <a:avLst/>
@@ -10597,7 +10436,7 @@
         </p:sp>
         <p:sp>
           <p:nvSpPr>
-            <p:cNvPr id="45" name="TextBox 44"/>
+            <p:cNvPr id="24" name="TextBox 23"/>
             <p:cNvSpPr txBox="1"/>
             <p:nvPr/>
           </p:nvSpPr>
@@ -10627,7 +10466,7 @@
         </p:sp>
         <p:sp>
           <p:nvSpPr>
-            <p:cNvPr id="46" name="TextBox 45"/>
+            <p:cNvPr id="25" name="TextBox 24"/>
             <p:cNvSpPr txBox="1"/>
             <p:nvPr/>
           </p:nvSpPr>
@@ -10657,7 +10496,7 @@
         </p:sp>
         <p:sp>
           <p:nvSpPr>
-            <p:cNvPr id="47" name="TextBox 46"/>
+            <p:cNvPr id="26" name="TextBox 25"/>
             <p:cNvSpPr txBox="1"/>
             <p:nvPr/>
           </p:nvSpPr>
@@ -10686,6 +10525,1611 @@
           </p:txBody>
         </p:sp>
       </p:grpSp>
+      <p:grpSp>
+        <p:nvGrpSpPr>
+          <p:cNvPr id="98" name="组合 97"/>
+          <p:cNvGrpSpPr/>
+          <p:nvPr/>
+        </p:nvGrpSpPr>
+        <p:grpSpPr>
+          <a:xfrm>
+            <a:off x="3357554" y="1142984"/>
+            <a:ext cx="5429256" cy="4765317"/>
+            <a:chOff x="3714744" y="726632"/>
+            <a:chExt cx="5429256" cy="4765317"/>
+          </a:xfrm>
+        </p:grpSpPr>
+        <p:grpSp>
+          <p:nvGrpSpPr>
+            <p:cNvPr id="70" name="组合 69"/>
+            <p:cNvGrpSpPr/>
+            <p:nvPr/>
+          </p:nvGrpSpPr>
+          <p:grpSpPr>
+            <a:xfrm>
+              <a:off x="4429092" y="1643050"/>
+              <a:ext cx="4714908" cy="3007146"/>
+              <a:chOff x="4929190" y="0"/>
+              <a:chExt cx="4714908" cy="3007146"/>
+            </a:xfrm>
+          </p:grpSpPr>
+          <p:sp>
+            <p:nvSpPr>
+              <p:cNvPr id="45" name="椭圆 44"/>
+              <p:cNvSpPr/>
+              <p:nvPr/>
+            </p:nvSpPr>
+            <p:spPr>
+              <a:xfrm>
+                <a:off x="5143504" y="285728"/>
+                <a:ext cx="2898564" cy="2714644"/>
+              </a:xfrm>
+              <a:prstGeom prst="ellipse">
+                <a:avLst/>
+              </a:prstGeom>
+              <a:noFill/>
+              <a:ln w="38100">
+                <a:solidFill>
+                  <a:schemeClr val="tx1">
+                    <a:lumMod val="95000"/>
+                    <a:lumOff val="5000"/>
+                  </a:schemeClr>
+                </a:solidFill>
+              </a:ln>
+            </p:spPr>
+            <p:style>
+              <a:lnRef idx="2">
+                <a:schemeClr val="accent1">
+                  <a:shade val="50000"/>
+                </a:schemeClr>
+              </a:lnRef>
+              <a:fillRef idx="1">
+                <a:schemeClr val="accent1"/>
+              </a:fillRef>
+              <a:effectRef idx="0">
+                <a:schemeClr val="accent1"/>
+              </a:effectRef>
+              <a:fontRef idx="minor">
+                <a:schemeClr val="lt1"/>
+              </a:fontRef>
+            </p:style>
+            <p:txBody>
+              <a:bodyPr rtlCol="0" anchor="ctr"/>
+              <a:lstStyle/>
+              <a:p>
+                <a:pPr algn="ctr"/>
+                <a:endParaRPr lang="zh-CN" altLang="en-US" sz="2000"/>
+              </a:p>
+            </p:txBody>
+          </p:sp>
+          <p:grpSp>
+            <p:nvGrpSpPr>
+              <p:cNvPr id="28" name="组合 27"/>
+              <p:cNvGrpSpPr/>
+              <p:nvPr/>
+            </p:nvGrpSpPr>
+            <p:grpSpPr>
+              <a:xfrm>
+                <a:off x="6351176" y="0"/>
+                <a:ext cx="506840" cy="506840"/>
+                <a:chOff x="3608249" y="712246"/>
+                <a:chExt cx="506840" cy="506840"/>
+              </a:xfrm>
+            </p:grpSpPr>
+            <p:sp>
+              <p:nvSpPr>
+                <p:cNvPr id="29" name="椭圆 28"/>
+                <p:cNvSpPr/>
+                <p:nvPr/>
+              </p:nvSpPr>
+              <p:spPr>
+                <a:xfrm>
+                  <a:off x="3608249" y="712246"/>
+                  <a:ext cx="506840" cy="506840"/>
+                </a:xfrm>
+                <a:prstGeom prst="ellipse">
+                  <a:avLst/>
+                </a:prstGeom>
+                <a:solidFill>
+                  <a:srgbClr val="0070C0"/>
+                </a:solidFill>
+              </p:spPr>
+              <p:style>
+                <a:lnRef idx="2">
+                  <a:schemeClr val="lt2">
+                    <a:hueOff val="0"/>
+                    <a:satOff val="0"/>
+                    <a:lumOff val="0"/>
+                    <a:alphaOff val="0"/>
+                  </a:schemeClr>
+                </a:lnRef>
+                <a:fillRef idx="1">
+                  <a:schemeClr val="dk2">
+                    <a:hueOff val="0"/>
+                    <a:satOff val="0"/>
+                    <a:lumOff val="0"/>
+                    <a:alphaOff val="0"/>
+                  </a:schemeClr>
+                </a:fillRef>
+                <a:effectRef idx="0">
+                  <a:schemeClr val="dk2">
+                    <a:hueOff val="0"/>
+                    <a:satOff val="0"/>
+                    <a:lumOff val="0"/>
+                    <a:alphaOff val="0"/>
+                  </a:schemeClr>
+                </a:effectRef>
+                <a:fontRef idx="minor">
+                  <a:schemeClr val="lt1"/>
+                </a:fontRef>
+              </p:style>
+            </p:sp>
+            <p:sp>
+              <p:nvSpPr>
+                <p:cNvPr id="30" name="椭圆 4"/>
+                <p:cNvSpPr/>
+                <p:nvPr/>
+              </p:nvSpPr>
+              <p:spPr>
+                <a:xfrm>
+                  <a:off x="3685261" y="786471"/>
+                  <a:ext cx="358390" cy="358390"/>
+                </a:xfrm>
+                <a:prstGeom prst="rect">
+                  <a:avLst/>
+                </a:prstGeom>
+              </p:spPr>
+              <p:style>
+                <a:lnRef idx="0">
+                  <a:scrgbClr r="0" g="0" b="0"/>
+                </a:lnRef>
+                <a:fillRef idx="0">
+                  <a:scrgbClr r="0" g="0" b="0"/>
+                </a:fillRef>
+                <a:effectRef idx="0">
+                  <a:scrgbClr r="0" g="0" b="0"/>
+                </a:effectRef>
+                <a:fontRef idx="minor">
+                  <a:schemeClr val="lt1"/>
+                </a:fontRef>
+              </p:style>
+              <p:txBody>
+                <a:bodyPr spcFirstLastPara="0" vert="horz" wrap="square" lIns="12700" tIns="12700" rIns="12700" bIns="12700" numCol="1" spcCol="1270" anchor="ctr" anchorCtr="0">
+                  <a:noAutofit/>
+                </a:bodyPr>
+                <a:lstStyle/>
+                <a:p>
+                  <a:pPr lvl="0" algn="ctr" defTabSz="444500">
+                    <a:lnSpc>
+                      <a:spcPct val="90000"/>
+                    </a:lnSpc>
+                    <a:spcBef>
+                      <a:spcPct val="0"/>
+                    </a:spcBef>
+                    <a:spcAft>
+                      <a:spcPct val="35000"/>
+                    </a:spcAft>
+                  </a:pPr>
+                  <a:r>
+                    <a:rPr lang="en-US" altLang="zh-CN" sz="1050" b="1" kern="1200" dirty="0" smtClean="0"/>
+                    <a:t>MDS1</a:t>
+                  </a:r>
+                  <a:endParaRPr lang="zh-CN" altLang="en-US" sz="1050" b="1" kern="1200" dirty="0"/>
+                </a:p>
+              </p:txBody>
+            </p:sp>
+          </p:grpSp>
+          <p:grpSp>
+            <p:nvGrpSpPr>
+              <p:cNvPr id="31" name="组合 30"/>
+              <p:cNvGrpSpPr/>
+              <p:nvPr/>
+            </p:nvGrpSpPr>
+            <p:grpSpPr>
+              <a:xfrm>
+                <a:off x="7643834" y="785794"/>
+                <a:ext cx="506840" cy="506840"/>
+                <a:chOff x="3543585" y="712246"/>
+                <a:chExt cx="506840" cy="506840"/>
+              </a:xfrm>
+            </p:grpSpPr>
+            <p:sp>
+              <p:nvSpPr>
+                <p:cNvPr id="32" name="椭圆 31"/>
+                <p:cNvSpPr/>
+                <p:nvPr/>
+              </p:nvSpPr>
+              <p:spPr>
+                <a:xfrm>
+                  <a:off x="3543585" y="712246"/>
+                  <a:ext cx="506840" cy="506840"/>
+                </a:xfrm>
+                <a:prstGeom prst="ellipse">
+                  <a:avLst/>
+                </a:prstGeom>
+                <a:solidFill>
+                  <a:srgbClr val="0070C0"/>
+                </a:solidFill>
+              </p:spPr>
+              <p:style>
+                <a:lnRef idx="2">
+                  <a:schemeClr val="lt2">
+                    <a:hueOff val="0"/>
+                    <a:satOff val="0"/>
+                    <a:lumOff val="0"/>
+                    <a:alphaOff val="0"/>
+                  </a:schemeClr>
+                </a:lnRef>
+                <a:fillRef idx="1">
+                  <a:schemeClr val="dk2">
+                    <a:hueOff val="0"/>
+                    <a:satOff val="0"/>
+                    <a:lumOff val="0"/>
+                    <a:alphaOff val="0"/>
+                  </a:schemeClr>
+                </a:fillRef>
+                <a:effectRef idx="0">
+                  <a:schemeClr val="dk2">
+                    <a:hueOff val="0"/>
+                    <a:satOff val="0"/>
+                    <a:lumOff val="0"/>
+                    <a:alphaOff val="0"/>
+                  </a:schemeClr>
+                </a:effectRef>
+                <a:fontRef idx="minor">
+                  <a:schemeClr val="lt1"/>
+                </a:fontRef>
+              </p:style>
+            </p:sp>
+            <p:sp>
+              <p:nvSpPr>
+                <p:cNvPr id="33" name="椭圆 4"/>
+                <p:cNvSpPr/>
+                <p:nvPr/>
+              </p:nvSpPr>
+              <p:spPr>
+                <a:xfrm>
+                  <a:off x="3617810" y="786471"/>
+                  <a:ext cx="358390" cy="358390"/>
+                </a:xfrm>
+                <a:prstGeom prst="rect">
+                  <a:avLst/>
+                </a:prstGeom>
+              </p:spPr>
+              <p:style>
+                <a:lnRef idx="0">
+                  <a:scrgbClr r="0" g="0" b="0"/>
+                </a:lnRef>
+                <a:fillRef idx="0">
+                  <a:scrgbClr r="0" g="0" b="0"/>
+                </a:fillRef>
+                <a:effectRef idx="0">
+                  <a:scrgbClr r="0" g="0" b="0"/>
+                </a:effectRef>
+                <a:fontRef idx="minor">
+                  <a:schemeClr val="lt1"/>
+                </a:fontRef>
+              </p:style>
+              <p:txBody>
+                <a:bodyPr spcFirstLastPara="0" vert="horz" wrap="square" lIns="12700" tIns="12700" rIns="12700" bIns="12700" numCol="1" spcCol="1270" anchor="ctr" anchorCtr="0">
+                  <a:noAutofit/>
+                </a:bodyPr>
+                <a:lstStyle/>
+                <a:p>
+                  <a:pPr lvl="0" algn="ctr" defTabSz="444500">
+                    <a:lnSpc>
+                      <a:spcPct val="90000"/>
+                    </a:lnSpc>
+                    <a:spcBef>
+                      <a:spcPct val="0"/>
+                    </a:spcBef>
+                    <a:spcAft>
+                      <a:spcPct val="35000"/>
+                    </a:spcAft>
+                  </a:pPr>
+                  <a:r>
+                    <a:rPr lang="en-US" altLang="zh-CN" sz="1050" b="1" kern="1200" dirty="0" smtClean="0"/>
+                    <a:t>MDS2</a:t>
+                  </a:r>
+                  <a:endParaRPr lang="zh-CN" altLang="en-US" sz="1050" b="1" kern="1200" dirty="0"/>
+                </a:p>
+              </p:txBody>
+            </p:sp>
+          </p:grpSp>
+          <p:grpSp>
+            <p:nvGrpSpPr>
+              <p:cNvPr id="34" name="组合 33"/>
+              <p:cNvGrpSpPr/>
+              <p:nvPr/>
+            </p:nvGrpSpPr>
+            <p:grpSpPr>
+              <a:xfrm>
+                <a:off x="4929190" y="857232"/>
+                <a:ext cx="506840" cy="506840"/>
+                <a:chOff x="3543585" y="712246"/>
+                <a:chExt cx="506840" cy="506840"/>
+              </a:xfrm>
+            </p:grpSpPr>
+            <p:sp>
+              <p:nvSpPr>
+                <p:cNvPr id="35" name="椭圆 34"/>
+                <p:cNvSpPr/>
+                <p:nvPr/>
+              </p:nvSpPr>
+              <p:spPr>
+                <a:xfrm>
+                  <a:off x="3543585" y="712246"/>
+                  <a:ext cx="506840" cy="506840"/>
+                </a:xfrm>
+                <a:prstGeom prst="ellipse">
+                  <a:avLst/>
+                </a:prstGeom>
+                <a:solidFill>
+                  <a:srgbClr val="0070C0"/>
+                </a:solidFill>
+              </p:spPr>
+              <p:style>
+                <a:lnRef idx="2">
+                  <a:schemeClr val="lt2">
+                    <a:hueOff val="0"/>
+                    <a:satOff val="0"/>
+                    <a:lumOff val="0"/>
+                    <a:alphaOff val="0"/>
+                  </a:schemeClr>
+                </a:lnRef>
+                <a:fillRef idx="1">
+                  <a:schemeClr val="dk2">
+                    <a:hueOff val="0"/>
+                    <a:satOff val="0"/>
+                    <a:lumOff val="0"/>
+                    <a:alphaOff val="0"/>
+                  </a:schemeClr>
+                </a:fillRef>
+                <a:effectRef idx="0">
+                  <a:schemeClr val="dk2">
+                    <a:hueOff val="0"/>
+                    <a:satOff val="0"/>
+                    <a:lumOff val="0"/>
+                    <a:alphaOff val="0"/>
+                  </a:schemeClr>
+                </a:effectRef>
+                <a:fontRef idx="minor">
+                  <a:schemeClr val="lt1"/>
+                </a:fontRef>
+              </p:style>
+            </p:sp>
+            <p:sp>
+              <p:nvSpPr>
+                <p:cNvPr id="36" name="椭圆 4"/>
+                <p:cNvSpPr/>
+                <p:nvPr/>
+              </p:nvSpPr>
+              <p:spPr>
+                <a:xfrm>
+                  <a:off x="3617810" y="786471"/>
+                  <a:ext cx="358390" cy="358390"/>
+                </a:xfrm>
+                <a:prstGeom prst="rect">
+                  <a:avLst/>
+                </a:prstGeom>
+              </p:spPr>
+              <p:style>
+                <a:lnRef idx="0">
+                  <a:scrgbClr r="0" g="0" b="0"/>
+                </a:lnRef>
+                <a:fillRef idx="0">
+                  <a:scrgbClr r="0" g="0" b="0"/>
+                </a:fillRef>
+                <a:effectRef idx="0">
+                  <a:scrgbClr r="0" g="0" b="0"/>
+                </a:effectRef>
+                <a:fontRef idx="minor">
+                  <a:schemeClr val="lt1"/>
+                </a:fontRef>
+              </p:style>
+              <p:txBody>
+                <a:bodyPr spcFirstLastPara="0" vert="horz" wrap="square" lIns="12700" tIns="12700" rIns="12700" bIns="12700" numCol="1" spcCol="1270" anchor="ctr" anchorCtr="0">
+                  <a:noAutofit/>
+                </a:bodyPr>
+                <a:lstStyle/>
+                <a:p>
+                  <a:pPr lvl="0" algn="ctr" defTabSz="444500">
+                    <a:lnSpc>
+                      <a:spcPct val="90000"/>
+                    </a:lnSpc>
+                    <a:spcBef>
+                      <a:spcPct val="0"/>
+                    </a:spcBef>
+                    <a:spcAft>
+                      <a:spcPct val="35000"/>
+                    </a:spcAft>
+                  </a:pPr>
+                  <a:r>
+                    <a:rPr lang="en-US" altLang="zh-CN" sz="1050" b="1" kern="1200" dirty="0" smtClean="0"/>
+                    <a:t>MDS5</a:t>
+                  </a:r>
+                  <a:endParaRPr lang="zh-CN" altLang="en-US" sz="1050" b="1" kern="1200" dirty="0"/>
+                </a:p>
+              </p:txBody>
+            </p:sp>
+          </p:grpSp>
+          <p:grpSp>
+            <p:nvGrpSpPr>
+              <p:cNvPr id="37" name="组合 36"/>
+              <p:cNvGrpSpPr/>
+              <p:nvPr/>
+            </p:nvGrpSpPr>
+            <p:grpSpPr>
+              <a:xfrm>
+                <a:off x="7286644" y="2500306"/>
+                <a:ext cx="506840" cy="506840"/>
+                <a:chOff x="3543585" y="712246"/>
+                <a:chExt cx="506840" cy="506840"/>
+              </a:xfrm>
+            </p:grpSpPr>
+            <p:sp>
+              <p:nvSpPr>
+                <p:cNvPr id="38" name="椭圆 37"/>
+                <p:cNvSpPr/>
+                <p:nvPr/>
+              </p:nvSpPr>
+              <p:spPr>
+                <a:xfrm>
+                  <a:off x="3543585" y="712246"/>
+                  <a:ext cx="506840" cy="506840"/>
+                </a:xfrm>
+                <a:prstGeom prst="ellipse">
+                  <a:avLst/>
+                </a:prstGeom>
+                <a:solidFill>
+                  <a:srgbClr val="0070C0"/>
+                </a:solidFill>
+              </p:spPr>
+              <p:style>
+                <a:lnRef idx="2">
+                  <a:schemeClr val="lt2">
+                    <a:hueOff val="0"/>
+                    <a:satOff val="0"/>
+                    <a:lumOff val="0"/>
+                    <a:alphaOff val="0"/>
+                  </a:schemeClr>
+                </a:lnRef>
+                <a:fillRef idx="1">
+                  <a:schemeClr val="dk2">
+                    <a:hueOff val="0"/>
+                    <a:satOff val="0"/>
+                    <a:lumOff val="0"/>
+                    <a:alphaOff val="0"/>
+                  </a:schemeClr>
+                </a:fillRef>
+                <a:effectRef idx="0">
+                  <a:schemeClr val="dk2">
+                    <a:hueOff val="0"/>
+                    <a:satOff val="0"/>
+                    <a:lumOff val="0"/>
+                    <a:alphaOff val="0"/>
+                  </a:schemeClr>
+                </a:effectRef>
+                <a:fontRef idx="minor">
+                  <a:schemeClr val="lt1"/>
+                </a:fontRef>
+              </p:style>
+              <p:txBody>
+                <a:bodyPr/>
+                <a:lstStyle/>
+                <a:p>
+                  <a:endParaRPr lang="zh-CN" altLang="en-US" dirty="0"/>
+                </a:p>
+              </p:txBody>
+            </p:sp>
+            <p:sp>
+              <p:nvSpPr>
+                <p:cNvPr id="39" name="椭圆 4"/>
+                <p:cNvSpPr/>
+                <p:nvPr/>
+              </p:nvSpPr>
+              <p:spPr>
+                <a:xfrm>
+                  <a:off x="3617810" y="786471"/>
+                  <a:ext cx="358390" cy="358390"/>
+                </a:xfrm>
+                <a:prstGeom prst="rect">
+                  <a:avLst/>
+                </a:prstGeom>
+              </p:spPr>
+              <p:style>
+                <a:lnRef idx="0">
+                  <a:scrgbClr r="0" g="0" b="0"/>
+                </a:lnRef>
+                <a:fillRef idx="0">
+                  <a:scrgbClr r="0" g="0" b="0"/>
+                </a:fillRef>
+                <a:effectRef idx="0">
+                  <a:scrgbClr r="0" g="0" b="0"/>
+                </a:effectRef>
+                <a:fontRef idx="minor">
+                  <a:schemeClr val="lt1"/>
+                </a:fontRef>
+              </p:style>
+              <p:txBody>
+                <a:bodyPr spcFirstLastPara="0" vert="horz" wrap="square" lIns="12700" tIns="12700" rIns="12700" bIns="12700" numCol="1" spcCol="1270" anchor="ctr" anchorCtr="0">
+                  <a:noAutofit/>
+                </a:bodyPr>
+                <a:lstStyle/>
+                <a:p>
+                  <a:pPr lvl="0" algn="ctr" defTabSz="444500">
+                    <a:lnSpc>
+                      <a:spcPct val="90000"/>
+                    </a:lnSpc>
+                    <a:spcBef>
+                      <a:spcPct val="0"/>
+                    </a:spcBef>
+                    <a:spcAft>
+                      <a:spcPct val="35000"/>
+                    </a:spcAft>
+                  </a:pPr>
+                  <a:r>
+                    <a:rPr lang="en-US" altLang="zh-CN" sz="1050" b="1" kern="1200" dirty="0" smtClean="0"/>
+                    <a:t>MDS3</a:t>
+                  </a:r>
+                  <a:endParaRPr lang="zh-CN" altLang="en-US" sz="1050" b="1" kern="1200" dirty="0"/>
+                </a:p>
+              </p:txBody>
+            </p:sp>
+          </p:grpSp>
+          <p:grpSp>
+            <p:nvGrpSpPr>
+              <p:cNvPr id="40" name="组合 39"/>
+              <p:cNvGrpSpPr/>
+              <p:nvPr/>
+            </p:nvGrpSpPr>
+            <p:grpSpPr>
+              <a:xfrm>
+                <a:off x="5500694" y="2500306"/>
+                <a:ext cx="506840" cy="506840"/>
+                <a:chOff x="3543585" y="712246"/>
+                <a:chExt cx="506840" cy="506840"/>
+              </a:xfrm>
+            </p:grpSpPr>
+            <p:sp>
+              <p:nvSpPr>
+                <p:cNvPr id="41" name="椭圆 40"/>
+                <p:cNvSpPr/>
+                <p:nvPr/>
+              </p:nvSpPr>
+              <p:spPr>
+                <a:xfrm>
+                  <a:off x="3543585" y="712246"/>
+                  <a:ext cx="506840" cy="506840"/>
+                </a:xfrm>
+                <a:prstGeom prst="ellipse">
+                  <a:avLst/>
+                </a:prstGeom>
+                <a:solidFill>
+                  <a:srgbClr val="0070C0"/>
+                </a:solidFill>
+              </p:spPr>
+              <p:style>
+                <a:lnRef idx="2">
+                  <a:schemeClr val="lt2">
+                    <a:hueOff val="0"/>
+                    <a:satOff val="0"/>
+                    <a:lumOff val="0"/>
+                    <a:alphaOff val="0"/>
+                  </a:schemeClr>
+                </a:lnRef>
+                <a:fillRef idx="1">
+                  <a:schemeClr val="dk2">
+                    <a:hueOff val="0"/>
+                    <a:satOff val="0"/>
+                    <a:lumOff val="0"/>
+                    <a:alphaOff val="0"/>
+                  </a:schemeClr>
+                </a:fillRef>
+                <a:effectRef idx="0">
+                  <a:schemeClr val="dk2">
+                    <a:hueOff val="0"/>
+                    <a:satOff val="0"/>
+                    <a:lumOff val="0"/>
+                    <a:alphaOff val="0"/>
+                  </a:schemeClr>
+                </a:effectRef>
+                <a:fontRef idx="minor">
+                  <a:schemeClr val="lt1"/>
+                </a:fontRef>
+              </p:style>
+            </p:sp>
+            <p:sp>
+              <p:nvSpPr>
+                <p:cNvPr id="42" name="椭圆 4"/>
+                <p:cNvSpPr/>
+                <p:nvPr/>
+              </p:nvSpPr>
+              <p:spPr>
+                <a:xfrm>
+                  <a:off x="3617810" y="786471"/>
+                  <a:ext cx="358390" cy="358390"/>
+                </a:xfrm>
+                <a:prstGeom prst="rect">
+                  <a:avLst/>
+                </a:prstGeom>
+              </p:spPr>
+              <p:style>
+                <a:lnRef idx="0">
+                  <a:scrgbClr r="0" g="0" b="0"/>
+                </a:lnRef>
+                <a:fillRef idx="0">
+                  <a:scrgbClr r="0" g="0" b="0"/>
+                </a:fillRef>
+                <a:effectRef idx="0">
+                  <a:scrgbClr r="0" g="0" b="0"/>
+                </a:effectRef>
+                <a:fontRef idx="minor">
+                  <a:schemeClr val="lt1"/>
+                </a:fontRef>
+              </p:style>
+              <p:txBody>
+                <a:bodyPr spcFirstLastPara="0" vert="horz" wrap="square" lIns="12700" tIns="12700" rIns="12700" bIns="12700" numCol="1" spcCol="1270" anchor="ctr" anchorCtr="0">
+                  <a:noAutofit/>
+                </a:bodyPr>
+                <a:lstStyle/>
+                <a:p>
+                  <a:pPr lvl="0" algn="ctr" defTabSz="444500">
+                    <a:lnSpc>
+                      <a:spcPct val="90000"/>
+                    </a:lnSpc>
+                    <a:spcBef>
+                      <a:spcPct val="0"/>
+                    </a:spcBef>
+                    <a:spcAft>
+                      <a:spcPct val="35000"/>
+                    </a:spcAft>
+                  </a:pPr>
+                  <a:r>
+                    <a:rPr lang="en-US" altLang="zh-CN" sz="1050" b="1" kern="1200" dirty="0" smtClean="0"/>
+                    <a:t>MDS4</a:t>
+                  </a:r>
+                  <a:endParaRPr lang="zh-CN" altLang="en-US" sz="1050" b="1" kern="1200" dirty="0"/>
+                </a:p>
+              </p:txBody>
+            </p:sp>
+          </p:grpSp>
+          <p:sp>
+            <p:nvSpPr>
+              <p:cNvPr id="46" name="圆角矩形 45"/>
+              <p:cNvSpPr/>
+              <p:nvPr/>
+            </p:nvSpPr>
+            <p:spPr>
+              <a:xfrm>
+                <a:off x="9072594" y="500066"/>
+                <a:ext cx="571504" cy="285752"/>
+              </a:xfrm>
+              <a:prstGeom prst="roundRect">
+                <a:avLst/>
+              </a:prstGeom>
+            </p:spPr>
+            <p:style>
+              <a:lnRef idx="2">
+                <a:schemeClr val="accent1">
+                  <a:shade val="50000"/>
+                </a:schemeClr>
+              </a:lnRef>
+              <a:fillRef idx="1002">
+                <a:schemeClr val="lt2"/>
+              </a:fillRef>
+              <a:effectRef idx="0">
+                <a:schemeClr val="accent1"/>
+              </a:effectRef>
+              <a:fontRef idx="minor">
+                <a:schemeClr val="lt1"/>
+              </a:fontRef>
+            </p:style>
+            <p:txBody>
+              <a:bodyPr rtlCol="0" anchor="ctr"/>
+              <a:lstStyle/>
+              <a:p>
+                <a:pPr algn="just"/>
+                <a:r>
+                  <a:rPr lang="zh-CN" altLang="en-US" b="1" dirty="0" smtClean="0">
+                    <a:solidFill>
+                      <a:sysClr val="windowText" lastClr="000000"/>
+                    </a:solidFill>
+                  </a:rPr>
+                  <a:t> 键</a:t>
+                </a:r>
+                <a:endParaRPr lang="zh-CN" altLang="en-US" b="1" dirty="0">
+                  <a:solidFill>
+                    <a:sysClr val="windowText" lastClr="000000"/>
+                  </a:solidFill>
+                </a:endParaRPr>
+              </a:p>
+            </p:txBody>
+          </p:sp>
+          <p:cxnSp>
+            <p:nvCxnSpPr>
+              <p:cNvPr id="48" name="直接箭头连接符 47"/>
+              <p:cNvCxnSpPr/>
+              <p:nvPr/>
+            </p:nvCxnSpPr>
+            <p:spPr>
+              <a:xfrm rot="10800000" flipV="1">
+                <a:off x="8143900" y="857256"/>
+                <a:ext cx="1214446" cy="1071546"/>
+              </a:xfrm>
+              <a:prstGeom prst="straightConnector1">
+                <a:avLst/>
+              </a:prstGeom>
+              <a:ln w="28575">
+                <a:solidFill>
+                  <a:srgbClr val="00B050"/>
+                </a:solidFill>
+                <a:tailEnd type="arrow"/>
+              </a:ln>
+            </p:spPr>
+            <p:style>
+              <a:lnRef idx="1">
+                <a:schemeClr val="accent1"/>
+              </a:lnRef>
+              <a:fillRef idx="0">
+                <a:schemeClr val="accent1"/>
+              </a:fillRef>
+              <a:effectRef idx="0">
+                <a:schemeClr val="accent1"/>
+              </a:effectRef>
+              <a:fontRef idx="minor">
+                <a:schemeClr val="tx1"/>
+              </a:fontRef>
+            </p:style>
+          </p:cxnSp>
+          <p:sp>
+            <p:nvSpPr>
+              <p:cNvPr id="49" name="圆角矩形 48"/>
+              <p:cNvSpPr/>
+              <p:nvPr/>
+            </p:nvSpPr>
+            <p:spPr>
+              <a:xfrm>
+                <a:off x="8215370" y="1155284"/>
+                <a:ext cx="1357322" cy="285752"/>
+              </a:xfrm>
+              <a:prstGeom prst="roundRect">
+                <a:avLst/>
+              </a:prstGeom>
+            </p:spPr>
+            <p:style>
+              <a:lnRef idx="1">
+                <a:schemeClr val="accent3"/>
+              </a:lnRef>
+              <a:fillRef idx="2">
+                <a:schemeClr val="accent3"/>
+              </a:fillRef>
+              <a:effectRef idx="1">
+                <a:schemeClr val="accent3"/>
+              </a:effectRef>
+              <a:fontRef idx="minor">
+                <a:schemeClr val="dk1"/>
+              </a:fontRef>
+            </p:style>
+            <p:txBody>
+              <a:bodyPr rtlCol="0" anchor="ctr"/>
+              <a:lstStyle/>
+              <a:p>
+                <a:pPr algn="just"/>
+                <a:r>
+                  <a:rPr lang="zh-CN" altLang="en-US" b="1" dirty="0" smtClean="0">
+                    <a:solidFill>
+                      <a:sysClr val="windowText" lastClr="000000"/>
+                    </a:solidFill>
+                  </a:rPr>
+                  <a:t> </a:t>
+                </a:r>
+                <a:r>
+                  <a:rPr lang="zh-CN" altLang="en-US" sz="1600" b="1" dirty="0" smtClean="0">
+                    <a:solidFill>
+                      <a:sysClr val="windowText" lastClr="000000"/>
+                    </a:solidFill>
+                  </a:rPr>
+                  <a:t>计算 </a:t>
+                </a:r>
+                <a:r>
+                  <a:rPr lang="en-US" altLang="zh-CN" sz="1600" b="1" dirty="0" smtClean="0">
+                    <a:solidFill>
+                      <a:sysClr val="windowText" lastClr="000000"/>
+                    </a:solidFill>
+                  </a:rPr>
+                  <a:t>Hash</a:t>
+                </a:r>
+                <a:r>
+                  <a:rPr lang="zh-CN" altLang="en-US" sz="1600" b="1" dirty="0" smtClean="0">
+                    <a:solidFill>
+                      <a:sysClr val="windowText" lastClr="000000"/>
+                    </a:solidFill>
+                  </a:rPr>
+                  <a:t>值</a:t>
+                </a:r>
+                <a:endParaRPr lang="zh-CN" altLang="en-US" b="1" dirty="0">
+                  <a:solidFill>
+                    <a:sysClr val="windowText" lastClr="000000"/>
+                  </a:solidFill>
+                </a:endParaRPr>
+              </a:p>
+            </p:txBody>
+          </p:sp>
+          <p:sp>
+            <p:nvSpPr>
+              <p:cNvPr id="52" name="弧形 51"/>
+              <p:cNvSpPr/>
+              <p:nvPr/>
+            </p:nvSpPr>
+            <p:spPr>
+              <a:xfrm rot="1847075" flipH="1">
+                <a:off x="7472584" y="1839549"/>
+                <a:ext cx="562535" cy="857256"/>
+              </a:xfrm>
+              <a:prstGeom prst="arc">
+                <a:avLst>
+                  <a:gd name="adj1" fmla="val 15913906"/>
+                  <a:gd name="adj2" fmla="val 4108442"/>
+                </a:avLst>
+              </a:prstGeom>
+              <a:ln>
+                <a:solidFill>
+                  <a:srgbClr val="FF0000"/>
+                </a:solidFill>
+                <a:prstDash val="sysDash"/>
+                <a:headEnd type="none" w="med" len="med"/>
+                <a:tailEnd type="arrow" w="med" len="med"/>
+              </a:ln>
+            </p:spPr>
+            <p:style>
+              <a:lnRef idx="1">
+                <a:schemeClr val="accent1"/>
+              </a:lnRef>
+              <a:fillRef idx="0">
+                <a:schemeClr val="accent1"/>
+              </a:fillRef>
+              <a:effectRef idx="0">
+                <a:schemeClr val="accent1"/>
+              </a:effectRef>
+              <a:fontRef idx="minor">
+                <a:schemeClr val="tx1"/>
+              </a:fontRef>
+            </p:style>
+            <p:txBody>
+              <a:bodyPr rtlCol="0" anchor="ctr"/>
+              <a:lstStyle/>
+              <a:p>
+                <a:pPr algn="ctr"/>
+                <a:endParaRPr lang="zh-CN" altLang="en-US"/>
+              </a:p>
+            </p:txBody>
+          </p:sp>
+          <p:sp>
+            <p:nvSpPr>
+              <p:cNvPr id="59" name="椭圆 58"/>
+              <p:cNvSpPr/>
+              <p:nvPr/>
+            </p:nvSpPr>
+            <p:spPr>
+              <a:xfrm>
+                <a:off x="7929586" y="1857364"/>
+                <a:ext cx="142876" cy="142876"/>
+              </a:xfrm>
+              <a:prstGeom prst="ellipse">
+                <a:avLst/>
+              </a:prstGeom>
+              <a:gradFill flip="none" rotWithShape="1">
+                <a:gsLst>
+                  <a:gs pos="0">
+                    <a:srgbClr val="BF0BB2">
+                      <a:tint val="66000"/>
+                      <a:satMod val="160000"/>
+                    </a:srgbClr>
+                  </a:gs>
+                  <a:gs pos="50000">
+                    <a:srgbClr val="BF0BB2">
+                      <a:tint val="44500"/>
+                      <a:satMod val="160000"/>
+                    </a:srgbClr>
+                  </a:gs>
+                  <a:gs pos="100000">
+                    <a:srgbClr val="BF0BB2">
+                      <a:tint val="23500"/>
+                      <a:satMod val="160000"/>
+                    </a:srgbClr>
+                  </a:gs>
+                </a:gsLst>
+                <a:lin ang="10800000" scaled="1"/>
+                <a:tileRect/>
+              </a:gradFill>
+            </p:spPr>
+            <p:style>
+              <a:lnRef idx="2">
+                <a:schemeClr val="accent1">
+                  <a:shade val="50000"/>
+                </a:schemeClr>
+              </a:lnRef>
+              <a:fillRef idx="1">
+                <a:schemeClr val="accent1"/>
+              </a:fillRef>
+              <a:effectRef idx="0">
+                <a:schemeClr val="accent1"/>
+              </a:effectRef>
+              <a:fontRef idx="minor">
+                <a:schemeClr val="lt1"/>
+              </a:fontRef>
+            </p:style>
+            <p:txBody>
+              <a:bodyPr rtlCol="0" anchor="ctr"/>
+              <a:lstStyle/>
+              <a:p>
+                <a:pPr algn="ctr"/>
+                <a:endParaRPr lang="zh-CN" altLang="en-US"/>
+              </a:p>
+            </p:txBody>
+          </p:sp>
+          <p:sp>
+            <p:nvSpPr>
+              <p:cNvPr id="60" name="椭圆 59"/>
+              <p:cNvSpPr/>
+              <p:nvPr/>
+            </p:nvSpPr>
+            <p:spPr>
+              <a:xfrm>
+                <a:off x="5143504" y="2009764"/>
+                <a:ext cx="142876" cy="142876"/>
+              </a:xfrm>
+              <a:prstGeom prst="ellipse">
+                <a:avLst/>
+              </a:prstGeom>
+              <a:gradFill flip="none" rotWithShape="1">
+                <a:gsLst>
+                  <a:gs pos="0">
+                    <a:srgbClr val="BF0BB2">
+                      <a:tint val="66000"/>
+                      <a:satMod val="160000"/>
+                    </a:srgbClr>
+                  </a:gs>
+                  <a:gs pos="50000">
+                    <a:srgbClr val="BF0BB2">
+                      <a:tint val="44500"/>
+                      <a:satMod val="160000"/>
+                    </a:srgbClr>
+                  </a:gs>
+                  <a:gs pos="100000">
+                    <a:srgbClr val="BF0BB2">
+                      <a:tint val="23500"/>
+                      <a:satMod val="160000"/>
+                    </a:srgbClr>
+                  </a:gs>
+                </a:gsLst>
+                <a:lin ang="10800000" scaled="1"/>
+                <a:tileRect/>
+              </a:gradFill>
+            </p:spPr>
+            <p:style>
+              <a:lnRef idx="2">
+                <a:schemeClr val="accent1">
+                  <a:shade val="50000"/>
+                </a:schemeClr>
+              </a:lnRef>
+              <a:fillRef idx="1">
+                <a:schemeClr val="accent1"/>
+              </a:fillRef>
+              <a:effectRef idx="0">
+                <a:schemeClr val="accent1"/>
+              </a:effectRef>
+              <a:fontRef idx="minor">
+                <a:schemeClr val="lt1"/>
+              </a:fontRef>
+            </p:style>
+            <p:txBody>
+              <a:bodyPr rtlCol="0" anchor="ctr"/>
+              <a:lstStyle/>
+              <a:p>
+                <a:pPr algn="ctr"/>
+                <a:endParaRPr lang="zh-CN" altLang="en-US"/>
+              </a:p>
+            </p:txBody>
+          </p:sp>
+          <p:sp>
+            <p:nvSpPr>
+              <p:cNvPr id="61" name="弧形 60"/>
+              <p:cNvSpPr/>
+              <p:nvPr/>
+            </p:nvSpPr>
+            <p:spPr>
+              <a:xfrm flipV="1">
+                <a:off x="4947046" y="1206294"/>
+                <a:ext cx="553648" cy="865384"/>
+              </a:xfrm>
+              <a:prstGeom prst="arc">
+                <a:avLst>
+                  <a:gd name="adj1" fmla="val 16988162"/>
+                  <a:gd name="adj2" fmla="val 4108442"/>
+                </a:avLst>
+              </a:prstGeom>
+              <a:ln>
+                <a:solidFill>
+                  <a:srgbClr val="FF0000"/>
+                </a:solidFill>
+                <a:prstDash val="sysDash"/>
+                <a:headEnd type="none" w="med" len="med"/>
+                <a:tailEnd type="arrow" w="med" len="med"/>
+              </a:ln>
+            </p:spPr>
+            <p:style>
+              <a:lnRef idx="1">
+                <a:schemeClr val="accent1"/>
+              </a:lnRef>
+              <a:fillRef idx="0">
+                <a:schemeClr val="accent1"/>
+              </a:fillRef>
+              <a:effectRef idx="0">
+                <a:schemeClr val="accent1"/>
+              </a:effectRef>
+              <a:fontRef idx="minor">
+                <a:schemeClr val="tx1"/>
+              </a:fontRef>
+            </p:style>
+            <p:txBody>
+              <a:bodyPr rtlCol="0" anchor="ctr"/>
+              <a:lstStyle/>
+              <a:p>
+                <a:pPr algn="ctr"/>
+                <a:endParaRPr lang="zh-CN" altLang="en-US"/>
+              </a:p>
+            </p:txBody>
+          </p:sp>
+          <p:sp>
+            <p:nvSpPr>
+              <p:cNvPr id="66" name="椭圆 65"/>
+              <p:cNvSpPr/>
+              <p:nvPr/>
+            </p:nvSpPr>
+            <p:spPr>
+              <a:xfrm>
+                <a:off x="5357818" y="2357430"/>
+                <a:ext cx="142876" cy="142876"/>
+              </a:xfrm>
+              <a:prstGeom prst="ellipse">
+                <a:avLst/>
+              </a:prstGeom>
+              <a:gradFill flip="none" rotWithShape="1">
+                <a:gsLst>
+                  <a:gs pos="0">
+                    <a:srgbClr val="BF0BB2">
+                      <a:tint val="66000"/>
+                      <a:satMod val="160000"/>
+                    </a:srgbClr>
+                  </a:gs>
+                  <a:gs pos="50000">
+                    <a:srgbClr val="BF0BB2">
+                      <a:tint val="44500"/>
+                      <a:satMod val="160000"/>
+                    </a:srgbClr>
+                  </a:gs>
+                  <a:gs pos="100000">
+                    <a:srgbClr val="BF0BB2">
+                      <a:tint val="23500"/>
+                      <a:satMod val="160000"/>
+                    </a:srgbClr>
+                  </a:gs>
+                </a:gsLst>
+                <a:lin ang="10800000" scaled="1"/>
+                <a:tileRect/>
+              </a:gradFill>
+            </p:spPr>
+            <p:style>
+              <a:lnRef idx="2">
+                <a:schemeClr val="accent1">
+                  <a:shade val="50000"/>
+                </a:schemeClr>
+              </a:lnRef>
+              <a:fillRef idx="1">
+                <a:schemeClr val="accent1"/>
+              </a:fillRef>
+              <a:effectRef idx="0">
+                <a:schemeClr val="accent1"/>
+              </a:effectRef>
+              <a:fontRef idx="minor">
+                <a:schemeClr val="lt1"/>
+              </a:fontRef>
+            </p:style>
+            <p:txBody>
+              <a:bodyPr rtlCol="0" anchor="ctr"/>
+              <a:lstStyle/>
+              <a:p>
+                <a:pPr algn="ctr"/>
+                <a:endParaRPr lang="zh-CN" altLang="en-US"/>
+              </a:p>
+            </p:txBody>
+          </p:sp>
+          <p:sp>
+            <p:nvSpPr>
+              <p:cNvPr id="67" name="弧形 66"/>
+              <p:cNvSpPr/>
+              <p:nvPr/>
+            </p:nvSpPr>
+            <p:spPr>
+              <a:xfrm flipV="1">
+                <a:off x="4929190" y="1214422"/>
+                <a:ext cx="829876" cy="1213050"/>
+              </a:xfrm>
+              <a:prstGeom prst="arc">
+                <a:avLst>
+                  <a:gd name="adj1" fmla="val 16988162"/>
+                  <a:gd name="adj2" fmla="val 5052593"/>
+                </a:avLst>
+              </a:prstGeom>
+              <a:ln>
+                <a:solidFill>
+                  <a:srgbClr val="FF0000"/>
+                </a:solidFill>
+                <a:prstDash val="sysDash"/>
+                <a:headEnd type="none" w="med" len="med"/>
+                <a:tailEnd type="arrow" w="med" len="med"/>
+              </a:ln>
+            </p:spPr>
+            <p:style>
+              <a:lnRef idx="1">
+                <a:schemeClr val="accent1"/>
+              </a:lnRef>
+              <a:fillRef idx="0">
+                <a:schemeClr val="accent1"/>
+              </a:fillRef>
+              <a:effectRef idx="0">
+                <a:schemeClr val="accent1"/>
+              </a:effectRef>
+              <a:fontRef idx="minor">
+                <a:schemeClr val="tx1"/>
+              </a:fontRef>
+            </p:style>
+            <p:txBody>
+              <a:bodyPr rtlCol="0" anchor="ctr"/>
+              <a:lstStyle/>
+              <a:p>
+                <a:pPr algn="ctr"/>
+                <a:endParaRPr lang="zh-CN" altLang="en-US"/>
+              </a:p>
+            </p:txBody>
+          </p:sp>
+          <p:sp>
+            <p:nvSpPr>
+              <p:cNvPr id="68" name="椭圆 67"/>
+              <p:cNvSpPr/>
+              <p:nvPr/>
+            </p:nvSpPr>
+            <p:spPr>
+              <a:xfrm>
+                <a:off x="5072066" y="1643050"/>
+                <a:ext cx="142876" cy="142876"/>
+              </a:xfrm>
+              <a:prstGeom prst="ellipse">
+                <a:avLst/>
+              </a:prstGeom>
+              <a:gradFill flip="none" rotWithShape="1">
+                <a:gsLst>
+                  <a:gs pos="0">
+                    <a:srgbClr val="BF0BB2">
+                      <a:tint val="66000"/>
+                      <a:satMod val="160000"/>
+                    </a:srgbClr>
+                  </a:gs>
+                  <a:gs pos="50000">
+                    <a:srgbClr val="BF0BB2">
+                      <a:tint val="44500"/>
+                      <a:satMod val="160000"/>
+                    </a:srgbClr>
+                  </a:gs>
+                  <a:gs pos="100000">
+                    <a:srgbClr val="BF0BB2">
+                      <a:tint val="23500"/>
+                      <a:satMod val="160000"/>
+                    </a:srgbClr>
+                  </a:gs>
+                </a:gsLst>
+                <a:lin ang="10800000" scaled="1"/>
+                <a:tileRect/>
+              </a:gradFill>
+            </p:spPr>
+            <p:style>
+              <a:lnRef idx="2">
+                <a:schemeClr val="accent1">
+                  <a:shade val="50000"/>
+                </a:schemeClr>
+              </a:lnRef>
+              <a:fillRef idx="1">
+                <a:schemeClr val="accent1"/>
+              </a:fillRef>
+              <a:effectRef idx="0">
+                <a:schemeClr val="accent1"/>
+              </a:effectRef>
+              <a:fontRef idx="minor">
+                <a:schemeClr val="lt1"/>
+              </a:fontRef>
+            </p:style>
+            <p:txBody>
+              <a:bodyPr rtlCol="0" anchor="ctr"/>
+              <a:lstStyle/>
+              <a:p>
+                <a:pPr algn="ctr"/>
+                <a:endParaRPr lang="zh-CN" altLang="en-US"/>
+              </a:p>
+            </p:txBody>
+          </p:sp>
+          <p:sp>
+            <p:nvSpPr>
+              <p:cNvPr id="69" name="弧形 68"/>
+              <p:cNvSpPr/>
+              <p:nvPr/>
+            </p:nvSpPr>
+            <p:spPr>
+              <a:xfrm flipV="1">
+                <a:off x="5072066" y="1285860"/>
+                <a:ext cx="285752" cy="428628"/>
+              </a:xfrm>
+              <a:prstGeom prst="arc">
+                <a:avLst>
+                  <a:gd name="adj1" fmla="val 16988162"/>
+                  <a:gd name="adj2" fmla="val 4108442"/>
+                </a:avLst>
+              </a:prstGeom>
+              <a:ln>
+                <a:solidFill>
+                  <a:srgbClr val="FF0000"/>
+                </a:solidFill>
+                <a:prstDash val="sysDash"/>
+                <a:headEnd type="none" w="med" len="med"/>
+                <a:tailEnd type="arrow" w="med" len="med"/>
+              </a:ln>
+            </p:spPr>
+            <p:style>
+              <a:lnRef idx="1">
+                <a:schemeClr val="accent1"/>
+              </a:lnRef>
+              <a:fillRef idx="0">
+                <a:schemeClr val="accent1"/>
+              </a:fillRef>
+              <a:effectRef idx="0">
+                <a:schemeClr val="accent1"/>
+              </a:effectRef>
+              <a:fontRef idx="minor">
+                <a:schemeClr val="tx1"/>
+              </a:fontRef>
+            </p:style>
+            <p:txBody>
+              <a:bodyPr rtlCol="0" anchor="ctr"/>
+              <a:lstStyle/>
+              <a:p>
+                <a:pPr algn="ctr"/>
+                <a:endParaRPr lang="zh-CN" altLang="en-US"/>
+              </a:p>
+            </p:txBody>
+          </p:sp>
+        </p:grpSp>
+        <p:cxnSp>
+          <p:nvCxnSpPr>
+            <p:cNvPr id="75" name="直接连接符 74"/>
+            <p:cNvCxnSpPr/>
+            <p:nvPr/>
+          </p:nvCxnSpPr>
+          <p:spPr>
+            <a:xfrm rot="5400000">
+              <a:off x="5856661" y="1285463"/>
+              <a:ext cx="429422" cy="1588"/>
+            </a:xfrm>
+            <a:prstGeom prst="line">
+              <a:avLst/>
+            </a:prstGeom>
+          </p:spPr>
+          <p:style>
+            <a:lnRef idx="1">
+              <a:schemeClr val="accent1"/>
+            </a:lnRef>
+            <a:fillRef idx="0">
+              <a:schemeClr val="accent1"/>
+            </a:fillRef>
+            <a:effectRef idx="0">
+              <a:schemeClr val="accent1"/>
+            </a:effectRef>
+            <a:fontRef idx="minor">
+              <a:schemeClr val="tx1"/>
+            </a:fontRef>
+          </p:style>
+        </p:cxnSp>
+        <p:cxnSp>
+          <p:nvCxnSpPr>
+            <p:cNvPr id="78" name="直接连接符 77"/>
+            <p:cNvCxnSpPr/>
+            <p:nvPr/>
+          </p:nvCxnSpPr>
+          <p:spPr>
+            <a:xfrm rot="5400000">
+              <a:off x="7710081" y="2148275"/>
+              <a:ext cx="296070" cy="285752"/>
+            </a:xfrm>
+            <a:prstGeom prst="line">
+              <a:avLst/>
+            </a:prstGeom>
+          </p:spPr>
+          <p:style>
+            <a:lnRef idx="1">
+              <a:schemeClr val="accent1"/>
+            </a:lnRef>
+            <a:fillRef idx="0">
+              <a:schemeClr val="accent1"/>
+            </a:fillRef>
+            <a:effectRef idx="0">
+              <a:schemeClr val="accent1"/>
+            </a:effectRef>
+            <a:fontRef idx="minor">
+              <a:schemeClr val="tx1"/>
+            </a:fontRef>
+          </p:style>
+        </p:cxnSp>
+        <p:sp>
+          <p:nvSpPr>
+            <p:cNvPr id="82" name="TextBox 81"/>
+            <p:cNvSpPr txBox="1"/>
+            <p:nvPr/>
+          </p:nvSpPr>
+          <p:spPr>
+            <a:xfrm>
+              <a:off x="5857852" y="726632"/>
+              <a:ext cx="697627" cy="276999"/>
+            </a:xfrm>
+            <a:prstGeom prst="rect">
+              <a:avLst/>
+            </a:prstGeom>
+            <a:noFill/>
+          </p:spPr>
+          <p:txBody>
+            <a:bodyPr wrap="none" rtlCol="0">
+              <a:spAutoFit/>
+            </a:bodyPr>
+            <a:lstStyle/>
+            <a:p>
+              <a:r>
+                <a:rPr lang="en-US" altLang="zh-CN" sz="1200" b="1" dirty="0" smtClean="0"/>
+                <a:t>0X </a:t>
+              </a:r>
+              <a:r>
+                <a:rPr lang="en-US" altLang="zh-CN" sz="1200" dirty="0" smtClean="0"/>
+                <a:t>0000</a:t>
+              </a:r>
+              <a:endParaRPr lang="zh-CN" altLang="en-US" dirty="0"/>
+            </a:p>
+          </p:txBody>
+        </p:sp>
+        <p:sp>
+          <p:nvSpPr>
+            <p:cNvPr id="83" name="TextBox 82"/>
+            <p:cNvSpPr txBox="1"/>
+            <p:nvPr/>
+          </p:nvSpPr>
+          <p:spPr>
+            <a:xfrm>
+              <a:off x="7858116" y="1857364"/>
+              <a:ext cx="697627" cy="276999"/>
+            </a:xfrm>
+            <a:prstGeom prst="rect">
+              <a:avLst/>
+            </a:prstGeom>
+            <a:noFill/>
+          </p:spPr>
+          <p:txBody>
+            <a:bodyPr wrap="none" rtlCol="0">
+              <a:spAutoFit/>
+            </a:bodyPr>
+            <a:lstStyle/>
+            <a:p>
+              <a:r>
+                <a:rPr lang="en-US" altLang="zh-CN" sz="1200" b="1" dirty="0" smtClean="0"/>
+                <a:t>0X 3</a:t>
+              </a:r>
+              <a:r>
+                <a:rPr lang="en-US" altLang="zh-CN" sz="1200" dirty="0" smtClean="0"/>
+                <a:t>000</a:t>
+              </a:r>
+              <a:endParaRPr lang="zh-CN" altLang="en-US" dirty="0"/>
+            </a:p>
+          </p:txBody>
+        </p:sp>
+        <p:cxnSp>
+          <p:nvCxnSpPr>
+            <p:cNvPr id="84" name="直接连接符 83"/>
+            <p:cNvCxnSpPr/>
+            <p:nvPr/>
+          </p:nvCxnSpPr>
+          <p:spPr>
+            <a:xfrm rot="16200000" flipV="1">
+              <a:off x="4071902" y="2285992"/>
+              <a:ext cx="285752" cy="285752"/>
+            </a:xfrm>
+            <a:prstGeom prst="line">
+              <a:avLst/>
+            </a:prstGeom>
+          </p:spPr>
+          <p:style>
+            <a:lnRef idx="1">
+              <a:schemeClr val="accent1"/>
+            </a:lnRef>
+            <a:fillRef idx="0">
+              <a:schemeClr val="accent1"/>
+            </a:fillRef>
+            <a:effectRef idx="0">
+              <a:schemeClr val="accent1"/>
+            </a:effectRef>
+            <a:fontRef idx="minor">
+              <a:schemeClr val="tx1"/>
+            </a:fontRef>
+          </p:style>
+        </p:cxnSp>
+        <p:cxnSp>
+          <p:nvCxnSpPr>
+            <p:cNvPr id="87" name="直接连接符 86"/>
+            <p:cNvCxnSpPr/>
+            <p:nvPr/>
+          </p:nvCxnSpPr>
+          <p:spPr>
+            <a:xfrm rot="5400000" flipH="1" flipV="1">
+              <a:off x="4714876" y="4714884"/>
+              <a:ext cx="428628" cy="285752"/>
+            </a:xfrm>
+            <a:prstGeom prst="line">
+              <a:avLst/>
+            </a:prstGeom>
+          </p:spPr>
+          <p:style>
+            <a:lnRef idx="1">
+              <a:schemeClr val="accent1"/>
+            </a:lnRef>
+            <a:fillRef idx="0">
+              <a:schemeClr val="accent1"/>
+            </a:fillRef>
+            <a:effectRef idx="0">
+              <a:schemeClr val="accent1"/>
+            </a:effectRef>
+            <a:fontRef idx="minor">
+              <a:schemeClr val="tx1"/>
+            </a:fontRef>
+          </p:style>
+        </p:cxnSp>
+        <p:cxnSp>
+          <p:nvCxnSpPr>
+            <p:cNvPr id="90" name="直接连接符 89"/>
+            <p:cNvCxnSpPr/>
+            <p:nvPr/>
+          </p:nvCxnSpPr>
+          <p:spPr>
+            <a:xfrm rot="16200000" flipV="1">
+              <a:off x="7179487" y="4822041"/>
+              <a:ext cx="357190" cy="285752"/>
+            </a:xfrm>
+            <a:prstGeom prst="line">
+              <a:avLst/>
+            </a:prstGeom>
+          </p:spPr>
+          <p:style>
+            <a:lnRef idx="1">
+              <a:schemeClr val="accent1"/>
+            </a:lnRef>
+            <a:fillRef idx="0">
+              <a:schemeClr val="accent1"/>
+            </a:fillRef>
+            <a:effectRef idx="0">
+              <a:schemeClr val="accent1"/>
+            </a:effectRef>
+            <a:fontRef idx="minor">
+              <a:schemeClr val="tx1"/>
+            </a:fontRef>
+          </p:style>
+        </p:cxnSp>
+        <p:sp>
+          <p:nvSpPr>
+            <p:cNvPr id="95" name="TextBox 94"/>
+            <p:cNvSpPr txBox="1"/>
+            <p:nvPr/>
+          </p:nvSpPr>
+          <p:spPr>
+            <a:xfrm>
+              <a:off x="7358082" y="5214950"/>
+              <a:ext cx="697627" cy="276999"/>
+            </a:xfrm>
+            <a:prstGeom prst="rect">
+              <a:avLst/>
+            </a:prstGeom>
+            <a:noFill/>
+          </p:spPr>
+          <p:txBody>
+            <a:bodyPr wrap="none" rtlCol="0">
+              <a:spAutoFit/>
+            </a:bodyPr>
+            <a:lstStyle/>
+            <a:p>
+              <a:r>
+                <a:rPr lang="en-US" altLang="zh-CN" sz="1200" b="1" dirty="0" smtClean="0"/>
+                <a:t>0X 6</a:t>
+              </a:r>
+              <a:r>
+                <a:rPr lang="en-US" altLang="zh-CN" sz="1200" dirty="0" smtClean="0"/>
+                <a:t>000</a:t>
+              </a:r>
+              <a:endParaRPr lang="zh-CN" altLang="en-US" dirty="0"/>
+            </a:p>
+          </p:txBody>
+        </p:sp>
+        <p:sp>
+          <p:nvSpPr>
+            <p:cNvPr id="96" name="TextBox 95"/>
+            <p:cNvSpPr txBox="1"/>
+            <p:nvPr/>
+          </p:nvSpPr>
+          <p:spPr>
+            <a:xfrm>
+              <a:off x="4429124" y="5143512"/>
+              <a:ext cx="697627" cy="276999"/>
+            </a:xfrm>
+            <a:prstGeom prst="rect">
+              <a:avLst/>
+            </a:prstGeom>
+            <a:noFill/>
+          </p:spPr>
+          <p:txBody>
+            <a:bodyPr wrap="none" rtlCol="0">
+              <a:spAutoFit/>
+            </a:bodyPr>
+            <a:lstStyle/>
+            <a:p>
+              <a:r>
+                <a:rPr lang="en-US" altLang="zh-CN" sz="1200" b="1" dirty="0" smtClean="0"/>
+                <a:t>0X 90</a:t>
+              </a:r>
+              <a:r>
+                <a:rPr lang="en-US" altLang="zh-CN" sz="1200" dirty="0" smtClean="0"/>
+                <a:t>00</a:t>
+              </a:r>
+              <a:endParaRPr lang="zh-CN" altLang="en-US" dirty="0"/>
+            </a:p>
+          </p:txBody>
+        </p:sp>
+        <p:sp>
+          <p:nvSpPr>
+            <p:cNvPr id="97" name="TextBox 96"/>
+            <p:cNvSpPr txBox="1"/>
+            <p:nvPr/>
+          </p:nvSpPr>
+          <p:spPr>
+            <a:xfrm>
+              <a:off x="3714744" y="2000240"/>
+              <a:ext cx="712054" cy="276999"/>
+            </a:xfrm>
+            <a:prstGeom prst="rect">
+              <a:avLst/>
+            </a:prstGeom>
+            <a:noFill/>
+          </p:spPr>
+          <p:txBody>
+            <a:bodyPr wrap="none" rtlCol="0">
+              <a:spAutoFit/>
+            </a:bodyPr>
+            <a:lstStyle/>
+            <a:p>
+              <a:r>
+                <a:rPr lang="en-US" altLang="zh-CN" sz="1200" b="1" dirty="0" smtClean="0"/>
+                <a:t>0X B0</a:t>
+              </a:r>
+              <a:r>
+                <a:rPr lang="en-US" altLang="zh-CN" sz="1200" dirty="0" smtClean="0"/>
+                <a:t>00</a:t>
+              </a:r>
+              <a:endParaRPr lang="zh-CN" altLang="en-US" dirty="0"/>
+            </a:p>
+          </p:txBody>
+        </p:sp>
+      </p:grpSp>
     </p:spTree>
   </p:cSld>
   <p:clrMapOvr>
@@ -10701,7 +12145,7 @@
 </p:sld>
 </file>
 
-<file path=ppt/slides/slide17.xml><?xml version="1.0" encoding="utf-8"?>
+<file path=ppt/slides/slide15.xml><?xml version="1.0" encoding="utf-8"?>
 <p:sld xmlns:a="http://schemas.openxmlformats.org/drawingml/2006/main" xmlns:r="http://schemas.openxmlformats.org/officeDocument/2006/relationships" xmlns:p="http://schemas.openxmlformats.org/presentationml/2006/main">
   <p:cSld>
     <p:spTree>
@@ -10778,7 +12222,7 @@
             <a:fld id="{D114F199-ED81-4DDD-A1D7-86D5FA93F928}" type="slidenum">
               <a:rPr lang="zh-CN" altLang="en-US" smtClean="0"/>
               <a:pPr/>
-              <a:t>17</a:t>
+              <a:t>15</a:t>
             </a:fld>
             <a:endParaRPr lang="zh-CN" altLang="en-US"/>
           </a:p>
@@ -10830,18 +12274,6 @@
           <a:p>
             <a:pPr lvl="1"/>
             <a:r>
-              <a:rPr lang="en-US" altLang="zh-CN" dirty="0" smtClean="0"/>
-              <a:t>Cache</a:t>
-            </a:r>
-            <a:r>
-              <a:rPr lang="zh-CN" altLang="en-US" dirty="0" smtClean="0"/>
-              <a:t>策略</a:t>
-            </a:r>
-            <a:endParaRPr lang="en-US" altLang="zh-CN" dirty="0" smtClean="0"/>
-          </a:p>
-          <a:p>
-            <a:pPr lvl="1"/>
-            <a:r>
               <a:rPr lang="ru-RU" dirty="0" smtClean="0"/>
               <a:t>Bench</a:t>
             </a:r>
@@ -10941,7 +12373,7 @@
 </p:sld>
 </file>
 
-<file path=ppt/slides/slide18.xml><?xml version="1.0" encoding="utf-8"?>
+<file path=ppt/slides/slide16.xml><?xml version="1.0" encoding="utf-8"?>
 <p:sld xmlns:a="http://schemas.openxmlformats.org/drawingml/2006/main" xmlns:r="http://schemas.openxmlformats.org/officeDocument/2006/relationships" xmlns:p="http://schemas.openxmlformats.org/presentationml/2006/main">
   <p:cSld>
     <p:spTree>
@@ -11008,7 +12440,7 @@
             <a:fld id="{D114F199-ED81-4DDD-A1D7-86D5FA93F928}" type="slidenum">
               <a:rPr lang="zh-CN" altLang="en-US" smtClean="0"/>
               <a:pPr/>
-              <a:t>18</a:t>
+              <a:t>16</a:t>
             </a:fld>
             <a:endParaRPr lang="zh-CN" altLang="en-US"/>
           </a:p>
@@ -11105,46 +12537,59 @@
           <a:p>
             <a:r>
               <a:rPr lang="zh-CN" altLang="en-US" dirty="0" smtClean="0"/>
-              <a:t>课题来源（集群存储系统的发展）</a:t>
+              <a:t>课题来源</a:t>
             </a:r>
             <a:endParaRPr lang="en-US" altLang="zh-CN" dirty="0" smtClean="0"/>
           </a:p>
           <a:p>
             <a:r>
               <a:rPr lang="zh-CN" altLang="en-US" dirty="0" smtClean="0"/>
-              <a:t>基于对象的存储系统的架构</a:t>
+              <a:t>基于对象的存储系统架构</a:t>
             </a:r>
             <a:endParaRPr lang="en-US" altLang="zh-CN" dirty="0" smtClean="0"/>
           </a:p>
           <a:p>
             <a:r>
               <a:rPr lang="zh-CN" altLang="en-US" dirty="0" smtClean="0"/>
-              <a:t>单元数据服务器 带来的问题</a:t>
+              <a:t>单一 </a:t>
+            </a:r>
+            <a:r>
+              <a:rPr lang="zh-CN" altLang="en-US" b="1" dirty="0" smtClean="0">
+                <a:solidFill>
+                  <a:srgbClr val="0070C0"/>
+                </a:solidFill>
+              </a:rPr>
+              <a:t>元数据服务器 </a:t>
+            </a:r>
+            <a:r>
+              <a:rPr lang="zh-CN" altLang="en-US" dirty="0" smtClean="0"/>
+              <a:t>的问题</a:t>
             </a:r>
             <a:endParaRPr lang="en-US" altLang="zh-CN" dirty="0" smtClean="0"/>
           </a:p>
           <a:p>
             <a:r>
+              <a:rPr lang="zh-CN" altLang="en-US" b="1" dirty="0" smtClean="0">
+                <a:solidFill>
+                  <a:srgbClr val="0070C0"/>
+                </a:solidFill>
+              </a:rPr>
+              <a:t>元数据服务器</a:t>
+            </a:r>
+            <a:r>
+              <a:rPr lang="zh-CN" altLang="en-US" b="1" dirty="0" smtClean="0"/>
+              <a:t> </a:t>
+            </a:r>
+            <a:r>
               <a:rPr lang="zh-CN" altLang="en-US" dirty="0" smtClean="0"/>
-              <a:t>元数据集群方案调研</a:t>
+              <a:t>集群</a:t>
             </a:r>
             <a:endParaRPr lang="en-US" altLang="zh-CN" dirty="0" smtClean="0"/>
           </a:p>
           <a:p>
             <a:r>
               <a:rPr lang="zh-CN" altLang="en-US" dirty="0" smtClean="0"/>
-              <a:t>拟采取的</a:t>
-            </a:r>
-            <a:r>
-              <a:rPr lang="zh-CN" altLang="en-US" dirty="0" smtClean="0"/>
-              <a:t>方法</a:t>
-            </a:r>
-            <a:endParaRPr lang="en-US" altLang="zh-CN" dirty="0" smtClean="0"/>
-          </a:p>
-          <a:p>
-            <a:r>
-              <a:rPr lang="zh-CN" altLang="en-US" dirty="0" smtClean="0"/>
-              <a:t>研究计划</a:t>
+              <a:t>研究方法和计划</a:t>
             </a:r>
             <a:endParaRPr lang="en-US" altLang="zh-CN" dirty="0" smtClean="0"/>
           </a:p>
@@ -11179,25 +12624,6 @@
               <a:pPr/>
               <a:t>2</a:t>
             </a:fld>
-            <a:endParaRPr lang="zh-CN" altLang="en-US"/>
-          </a:p>
-        </p:txBody>
-      </p:sp>
-      <p:sp>
-        <p:nvSpPr>
-          <p:cNvPr id="5" name="页脚占位符 4"/>
-          <p:cNvSpPr>
-            <a:spLocks noGrp="1"/>
-          </p:cNvSpPr>
-          <p:nvPr>
-            <p:ph type="ftr" sz="quarter" idx="11"/>
-          </p:nvPr>
-        </p:nvSpPr>
-        <p:spPr/>
-        <p:txBody>
-          <a:bodyPr/>
-          <a:lstStyle/>
-          <a:p>
             <a:endParaRPr lang="zh-CN" altLang="en-US"/>
           </a:p>
         </p:txBody>
@@ -11270,7 +12696,7 @@
         <p:spPr/>
         <p:txBody>
           <a:bodyPr>
-            <a:normAutofit lnSpcReduction="10000"/>
+            <a:normAutofit/>
           </a:bodyPr>
           <a:lstStyle/>
           <a:p>
@@ -11284,11 +12710,7 @@
             <a:pPr lvl="1"/>
             <a:r>
               <a:rPr lang="zh-CN" altLang="en-US" dirty="0" smtClean="0"/>
-              <a:t>互联网</a:t>
-            </a:r>
-            <a:r>
-              <a:rPr lang="zh-CN" altLang="en-US" dirty="0" smtClean="0"/>
-              <a:t>存储</a:t>
+              <a:t>互联网存储</a:t>
             </a:r>
             <a:r>
               <a:rPr lang="en-US" altLang="zh-CN" dirty="0" smtClean="0"/>
@@ -11310,7 +12732,6 @@
               <a:rPr lang="en-US" altLang="zh-CN" dirty="0" smtClean="0"/>
               <a:t>)</a:t>
             </a:r>
-            <a:endParaRPr lang="en-US" altLang="zh-CN" dirty="0" smtClean="0"/>
           </a:p>
           <a:p>
             <a:pPr lvl="1"/>
@@ -11352,7 +12773,11 @@
           <a:p>
             <a:pPr lvl="1"/>
             <a:r>
-              <a:rPr lang="zh-CN" altLang="en-US" dirty="0" smtClean="0"/>
+              <a:rPr lang="zh-CN" altLang="en-US" dirty="0" smtClean="0">
+                <a:solidFill>
+                  <a:srgbClr val="0070C0"/>
+                </a:solidFill>
+              </a:rPr>
               <a:t>基于对象的存储系统 </a:t>
             </a:r>
             <a:r>
@@ -11361,68 +12786,20 @@
             </a:r>
             <a:r>
               <a:rPr lang="en-US" altLang="zh-CN" dirty="0" err="1" smtClean="0"/>
+              <a:t>Hadoop</a:t>
+            </a:r>
+            <a:r>
+              <a:rPr lang="en-US" altLang="zh-CN" dirty="0" smtClean="0"/>
+              <a:t>, </a:t>
+            </a:r>
+            <a:r>
+              <a:rPr lang="en-US" altLang="zh-CN" dirty="0" err="1" smtClean="0"/>
               <a:t>MooseFS</a:t>
             </a:r>
             <a:r>
               <a:rPr lang="en-US" altLang="zh-CN" dirty="0" smtClean="0"/>
               <a:t>)</a:t>
             </a:r>
-          </a:p>
-          <a:p>
-            <a:pPr lvl="2"/>
-            <a:r>
-              <a:rPr lang="zh-CN" altLang="en-US" b="1" dirty="0" smtClean="0"/>
-              <a:t>以对象为基本存储管理单位</a:t>
-            </a:r>
-            <a:endParaRPr lang="en-US" altLang="zh-CN" b="1" dirty="0" smtClean="0"/>
-          </a:p>
-          <a:p>
-            <a:pPr lvl="2"/>
-            <a:r>
-              <a:rPr lang="zh-CN" altLang="en-US" b="1" dirty="0" smtClean="0"/>
-              <a:t>易于扩展</a:t>
-            </a:r>
-            <a:endParaRPr lang="en-US" altLang="zh-CN" b="1" dirty="0" smtClean="0"/>
-          </a:p>
-          <a:p>
-            <a:pPr lvl="2"/>
-            <a:r>
-              <a:rPr lang="zh-CN" altLang="en-US" b="1" dirty="0" smtClean="0"/>
-              <a:t>高容量</a:t>
-            </a:r>
-            <a:endParaRPr lang="en-US" altLang="zh-CN" b="1" dirty="0" smtClean="0"/>
-          </a:p>
-          <a:p>
-            <a:pPr lvl="2"/>
-            <a:r>
-              <a:rPr lang="zh-CN" altLang="en-US" b="1" dirty="0" smtClean="0"/>
-              <a:t>高性能</a:t>
-            </a:r>
-            <a:endParaRPr lang="en-US" altLang="zh-CN" dirty="0" smtClean="0"/>
-          </a:p>
-          <a:p>
-            <a:pPr lvl="2"/>
-            <a:r>
-              <a:rPr lang="zh-CN" altLang="en-US" b="1" dirty="0" smtClean="0"/>
-              <a:t>独立的</a:t>
-            </a:r>
-            <a:r>
-              <a:rPr lang="zh-CN" altLang="en-US" b="1" dirty="0" smtClean="0"/>
-              <a:t>元数据管理</a:t>
-            </a:r>
-            <a:endParaRPr lang="en-US" altLang="zh-CN" b="1" dirty="0" smtClean="0"/>
-          </a:p>
-          <a:p>
-            <a:pPr lvl="2"/>
-            <a:r>
-              <a:rPr lang="zh-CN" altLang="en-US" b="1" dirty="0" smtClean="0"/>
-              <a:t>易于</a:t>
-            </a:r>
-            <a:r>
-              <a:rPr lang="zh-CN" altLang="en-US" b="1" dirty="0" smtClean="0"/>
-              <a:t>管理</a:t>
-            </a:r>
-            <a:endParaRPr lang="en-US" altLang="zh-CN" b="1" dirty="0" smtClean="0"/>
           </a:p>
           <a:p>
             <a:pPr lvl="2"/>
@@ -11740,7 +13117,7 @@
           <a:bodyPr/>
           <a:lstStyle/>
           <a:p>
-            <a:endParaRPr lang="zh-CN" altLang="en-US"/>
+            <a:endParaRPr lang="zh-CN" altLang="en-US" dirty="0"/>
           </a:p>
         </p:txBody>
       </p:sp>
@@ -11807,7 +13184,7 @@
         </p:nvGrpSpPr>
         <p:grpSpPr>
           <a:xfrm>
-            <a:off x="1643042" y="1857364"/>
+            <a:off x="2714612" y="1714488"/>
             <a:ext cx="6107428" cy="3655480"/>
             <a:chOff x="1714480" y="1142984"/>
             <a:chExt cx="6107428" cy="3655480"/>
@@ -12702,7 +14079,110 @@
           <a:bodyPr/>
           <a:lstStyle/>
           <a:p>
-            <a:endParaRPr lang="zh-CN" altLang="en-US"/>
+            <a:endParaRPr lang="zh-CN" altLang="en-US" dirty="0"/>
+          </a:p>
+        </p:txBody>
+      </p:sp>
+      <p:sp>
+        <p:nvSpPr>
+          <p:cNvPr id="32" name="页脚占位符 29"/>
+          <p:cNvSpPr txBox="1">
+            <a:spLocks/>
+          </p:cNvSpPr>
+          <p:nvPr/>
+        </p:nvSpPr>
+        <p:spPr>
+          <a:xfrm>
+            <a:off x="-714412" y="1714488"/>
+            <a:ext cx="3505200" cy="1857388"/>
+          </a:xfrm>
+          <a:prstGeom prst="rect">
+            <a:avLst/>
+          </a:prstGeom>
+        </p:spPr>
+        <p:txBody>
+          <a:bodyPr vert="horz"/>
+          <a:lstStyle/>
+          <a:p>
+            <a:pPr lvl="2"/>
+            <a:r>
+              <a:rPr lang="zh-CN" altLang="en-US" b="1" dirty="0" smtClean="0"/>
+              <a:t>以对象为基本单位</a:t>
+            </a:r>
+            <a:endParaRPr lang="en-US" altLang="zh-CN" b="1" dirty="0" smtClean="0"/>
+          </a:p>
+          <a:p>
+            <a:pPr lvl="2"/>
+            <a:r>
+              <a:rPr lang="zh-CN" altLang="en-US" b="1" dirty="0" smtClean="0"/>
+              <a:t>独立的元数据管理</a:t>
+            </a:r>
+            <a:endParaRPr lang="en-US" altLang="zh-CN" b="1" dirty="0" smtClean="0"/>
+          </a:p>
+          <a:p>
+            <a:pPr lvl="2"/>
+            <a:r>
+              <a:rPr lang="zh-CN" altLang="en-US" b="1" dirty="0" smtClean="0"/>
+              <a:t>易于扩展</a:t>
+            </a:r>
+            <a:endParaRPr lang="en-US" altLang="zh-CN" b="1" dirty="0" smtClean="0"/>
+          </a:p>
+          <a:p>
+            <a:pPr lvl="2"/>
+            <a:r>
+              <a:rPr lang="zh-CN" altLang="en-US" b="1" dirty="0" smtClean="0"/>
+              <a:t>高容量</a:t>
+            </a:r>
+            <a:endParaRPr lang="en-US" altLang="zh-CN" b="1" dirty="0" smtClean="0"/>
+          </a:p>
+          <a:p>
+            <a:pPr lvl="2"/>
+            <a:r>
+              <a:rPr lang="zh-CN" altLang="en-US" b="1" dirty="0" smtClean="0"/>
+              <a:t>高性能</a:t>
+            </a:r>
+            <a:endParaRPr lang="en-US" altLang="zh-CN" dirty="0" smtClean="0"/>
+          </a:p>
+          <a:p>
+            <a:pPr lvl="2"/>
+            <a:r>
+              <a:rPr lang="zh-CN" altLang="en-US" b="1" dirty="0" smtClean="0"/>
+              <a:t>易于管理</a:t>
+            </a:r>
+            <a:endParaRPr lang="en-US" altLang="zh-CN" b="1" dirty="0" smtClean="0"/>
+          </a:p>
+          <a:p>
+            <a:pPr marL="0" marR="0" lvl="0" indent="0" algn="r" defTabSz="914400" rtl="0" eaLnBrk="1" fontAlgn="auto" latinLnBrk="0" hangingPunct="1">
+              <a:lnSpc>
+                <a:spcPct val="100000"/>
+              </a:lnSpc>
+              <a:spcBef>
+                <a:spcPts val="0"/>
+              </a:spcBef>
+              <a:spcAft>
+                <a:spcPts val="0"/>
+              </a:spcAft>
+              <a:buClrTx/>
+              <a:buSzTx/>
+              <a:buFontTx/>
+              <a:buNone/>
+              <a:tabLst/>
+              <a:defRPr/>
+            </a:pPr>
+            <a:endParaRPr kumimoji="0" lang="zh-CN" altLang="en-US" sz="1400" b="0" i="0" u="none" strike="noStrike" kern="1200" cap="none" spc="0" normalizeH="0" baseline="0" noProof="0" dirty="0">
+              <a:ln>
+                <a:noFill/>
+              </a:ln>
+              <a:solidFill>
+                <a:schemeClr val="tx2"/>
+              </a:solidFill>
+              <a:effectLst/>
+              <a:uLnTx/>
+              <a:uFillTx/>
+              <a:latin typeface="+mn-lt"/>
+              <a:ea typeface="+mn-ea"/>
+              <a:cs typeface="+mn-cs"/>
+            </a:endParaRPr>
           </a:p>
         </p:txBody>
       </p:sp>
@@ -12782,7 +14262,7 @@
         <p:spPr/>
         <p:txBody>
           <a:bodyPr>
-            <a:normAutofit fontScale="92500" lnSpcReduction="10000"/>
+            <a:normAutofit lnSpcReduction="10000"/>
           </a:bodyPr>
           <a:lstStyle/>
           <a:p>
@@ -12823,11 +14303,7 @@
             <a:pPr lvl="1"/>
             <a:r>
               <a:rPr lang="zh-CN" altLang="en-US" dirty="0" smtClean="0"/>
-              <a:t>性能</a:t>
-            </a:r>
-            <a:r>
-              <a:rPr lang="zh-CN" altLang="en-US" dirty="0" smtClean="0"/>
-              <a:t>瓶颈</a:t>
+              <a:t>性能瓶颈</a:t>
             </a:r>
             <a:endParaRPr lang="en-US" altLang="zh-CN" dirty="0" smtClean="0"/>
           </a:p>
@@ -12837,7 +14313,18 @@
               <a:rPr lang="zh-CN" altLang="en-US" dirty="0" smtClean="0"/>
               <a:t>名字空间受限</a:t>
             </a:r>
-            <a:endParaRPr lang="en-US" altLang="zh-CN" dirty="0" smtClean="0"/>
+            <a:r>
+              <a:rPr lang="en-US" altLang="zh-CN" dirty="0" smtClean="0"/>
+              <a:t>(</a:t>
+            </a:r>
+            <a:r>
+              <a:rPr lang="zh-CN" altLang="en-US" dirty="0" smtClean="0"/>
+              <a:t>内存</a:t>
+            </a:r>
+            <a:r>
+              <a:rPr lang="en-US" altLang="zh-CN" dirty="0" smtClean="0"/>
+              <a:t>)</a:t>
+            </a:r>
           </a:p>
           <a:p>
             <a:pPr lvl="1"/>
@@ -12847,7 +14334,15 @@
             </a:r>
             <a:r>
               <a:rPr lang="en-US" altLang="zh-CN" dirty="0" smtClean="0"/>
-              <a:t>	</a:t>
+              <a:t>( 32GB</a:t>
+            </a:r>
+            <a:r>
+              <a:rPr lang="zh-CN" altLang="en-US" dirty="0" smtClean="0"/>
+              <a:t>数据</a:t>
+            </a:r>
+            <a:r>
+              <a:rPr lang="en-US" altLang="zh-CN" dirty="0" smtClean="0"/>
+              <a:t>)</a:t>
             </a:r>
           </a:p>
           <a:p>
@@ -12872,17 +14367,6 @@
           <a:p>
             <a:pPr lvl="1"/>
             <a:r>
-              <a:rPr lang="zh-CN" altLang="en-US" dirty="0" smtClean="0"/>
-              <a:t>划分</a:t>
-            </a:r>
-            <a:r>
-              <a:rPr lang="en-US" altLang="zh-CN" dirty="0" smtClean="0"/>
-              <a:t>Volume</a:t>
-            </a:r>
-          </a:p>
-          <a:p>
-            <a:pPr lvl="1"/>
-            <a:r>
               <a:rPr lang="en-US" altLang="zh-CN" dirty="0" smtClean="0"/>
               <a:t>MDS</a:t>
             </a:r>
@@ -12900,7 +14384,15 @@
             </a:r>
             <a:r>
               <a:rPr lang="en-US" altLang="zh-CN" dirty="0" smtClean="0"/>
-              <a:t>, Google File System</a:t>
+              <a:t>, Google File System, </a:t>
+            </a:r>
+            <a:r>
+              <a:rPr lang="en-US" altLang="zh-CN" dirty="0" err="1" smtClean="0"/>
+              <a:t>Hadoop</a:t>
+            </a:r>
+            <a:r>
+              <a:rPr lang="en-US" altLang="zh-CN" dirty="0" smtClean="0"/>
+              <a:t>, MFS</a:t>
             </a:r>
             <a:r>
               <a:rPr lang="zh-CN" altLang="en-US" dirty="0" smtClean="0"/>
@@ -14226,15 +15718,7 @@
           <a:p>
             <a:r>
               <a:rPr lang="zh-CN" altLang="en-US" dirty="0" smtClean="0"/>
-              <a:t>动态</a:t>
-            </a:r>
-            <a:r>
-              <a:rPr lang="zh-CN" altLang="en-US" dirty="0" smtClean="0"/>
-              <a:t>子树</a:t>
-            </a:r>
-            <a:r>
-              <a:rPr lang="zh-CN" altLang="en-US" dirty="0" smtClean="0"/>
-              <a:t>分割</a:t>
+              <a:t>动态子树分割</a:t>
             </a:r>
             <a:endParaRPr lang="en-US" altLang="zh-CN" dirty="0" smtClean="0"/>
           </a:p>
@@ -14261,7 +15745,21 @@
             </a:r>
             <a:r>
               <a:rPr lang="en-US" altLang="zh-CN" dirty="0" smtClean="0"/>
-              <a:t>Hash</a:t>
+              <a:t>Hash)</a:t>
+            </a:r>
+          </a:p>
+          <a:p>
+            <a:r>
+              <a:rPr lang="zh-CN" altLang="en-US" dirty="0" smtClean="0"/>
+              <a:t>集中分配   </a:t>
+            </a:r>
+            <a:r>
+              <a:rPr lang="en-US" altLang="zh-CN" dirty="0" smtClean="0"/>
+              <a:t>(</a:t>
+            </a:r>
+            <a:r>
+              <a:rPr lang="zh-CN" altLang="en-US" dirty="0" smtClean="0"/>
+              <a:t>有个绑定服务器，一对一绑定</a:t>
             </a:r>
             <a:r>
               <a:rPr lang="en-US" altLang="zh-CN" dirty="0" smtClean="0"/>
@@ -14271,29 +15769,6 @@
           <a:p>
             <a:r>
               <a:rPr lang="zh-CN" altLang="en-US" dirty="0" smtClean="0"/>
-              <a:t>集中分配   </a:t>
-            </a:r>
-            <a:r>
-              <a:rPr lang="en-US" altLang="zh-CN" dirty="0" smtClean="0"/>
-              <a:t>(</a:t>
-            </a:r>
-            <a:r>
-              <a:rPr lang="zh-CN" altLang="en-US" dirty="0" smtClean="0"/>
-              <a:t>有</a:t>
-            </a:r>
-            <a:r>
-              <a:rPr lang="zh-CN" altLang="en-US" dirty="0" smtClean="0"/>
-              <a:t>个绑定服务器，一对一绑定</a:t>
-            </a:r>
-            <a:r>
-              <a:rPr lang="en-US" altLang="zh-CN" dirty="0" smtClean="0"/>
-              <a:t>)</a:t>
-            </a:r>
-            <a:endParaRPr lang="en-US" altLang="zh-CN" dirty="0" smtClean="0"/>
-          </a:p>
-          <a:p>
-            <a:r>
-              <a:rPr lang="zh-CN" altLang="en-US" dirty="0" smtClean="0"/>
               <a:t>分布式</a:t>
             </a:r>
             <a:r>
@@ -14320,26 +15795,26 @@
           </a:p>
           <a:p>
             <a:r>
-              <a:rPr lang="zh-CN" altLang="en-US" sz="1600" dirty="0" smtClean="0"/>
+              <a:rPr lang="zh-CN" altLang="en-US" sz="2000" b="1" dirty="0" smtClean="0"/>
               <a:t>目前开源系统只有</a:t>
             </a:r>
             <a:r>
-              <a:rPr lang="en-US" altLang="zh-CN" sz="1600" dirty="0" smtClean="0"/>
+              <a:rPr lang="en-US" altLang="zh-CN" sz="2000" b="1" dirty="0" smtClean="0"/>
               <a:t>Lustre2.0</a:t>
             </a:r>
             <a:r>
-              <a:rPr lang="zh-CN" altLang="en-US" sz="1600" dirty="0" smtClean="0"/>
+              <a:rPr lang="zh-CN" altLang="en-US" sz="2000" b="1" dirty="0" smtClean="0"/>
               <a:t>和</a:t>
             </a:r>
             <a:r>
-              <a:rPr lang="en-US" altLang="zh-CN" sz="1600" dirty="0" err="1" smtClean="0"/>
+              <a:rPr lang="en-US" altLang="zh-CN" sz="2000" b="1" dirty="0" err="1" smtClean="0"/>
               <a:t>Ceph</a:t>
             </a:r>
             <a:r>
-              <a:rPr lang="zh-CN" altLang="en-US" sz="1600" dirty="0" smtClean="0"/>
+              <a:rPr lang="zh-CN" altLang="en-US" sz="2000" b="1" dirty="0" smtClean="0"/>
               <a:t>具有元数据集群</a:t>
             </a:r>
-            <a:endParaRPr lang="zh-CN" altLang="en-US" sz="1600" dirty="0"/>
+            <a:endParaRPr lang="zh-CN" altLang="en-US" sz="2000" b="1" dirty="0"/>
           </a:p>
         </p:txBody>
       </p:sp>
@@ -15242,7 +16717,7 @@
         <p:spPr>
           <a:xfrm>
             <a:off x="142844" y="5568751"/>
-            <a:ext cx="2857488" cy="646331"/>
+            <a:ext cx="2857488" cy="369332"/>
           </a:xfrm>
           <a:prstGeom prst="rect">
             <a:avLst/>
@@ -15264,17 +16739,6 @@
               <a:t> 不能有效负载均衡</a:t>
             </a:r>
             <a:endParaRPr lang="en-US" altLang="zh-CN" dirty="0" smtClean="0"/>
-          </a:p>
-          <a:p>
-            <a:pPr>
-              <a:buFont typeface="Arial" pitchFamily="34" charset="0"/>
-              <a:buChar char="•"/>
-            </a:pPr>
-            <a:r>
-              <a:rPr lang="zh-CN" altLang="en-US" dirty="0" smtClean="0"/>
-              <a:t> 需要手动调整分割策略</a:t>
-            </a:r>
-            <a:endParaRPr lang="zh-CN" altLang="en-US" dirty="0"/>
           </a:p>
         </p:txBody>
       </p:sp>

--- a/trunk/draft/MDS集群.pptx
+++ b/trunk/draft/MDS集群.pptx
@@ -4292,6 +4292,7 @@
   <p:clrMapOvr>
     <a:masterClrMapping/>
   </p:clrMapOvr>
+  <p:transition advTm="8753"/>
   <p:timing>
     <p:tnLst>
       <p:par>
@@ -7286,6 +7287,7 @@
   <p:clrMapOvr>
     <a:masterClrMapping/>
   </p:clrMapOvr>
+  <p:transition advTm="36032"/>
   <p:timing>
     <p:tnLst>
       <p:par>
@@ -7440,6 +7442,7 @@
   <p:clrMapOvr>
     <a:masterClrMapping/>
   </p:clrMapOvr>
+  <p:transition advTm="20029"/>
   <p:timing>
     <p:tnLst>
       <p:par>
@@ -9390,6 +9393,7 @@
   <p:clrMapOvr>
     <a:masterClrMapping/>
   </p:clrMapOvr>
+  <p:transition advTm="48399"/>
   <p:timing>
     <p:tnLst>
       <p:par>
@@ -9608,6 +9612,7 @@
   <p:clrMapOvr>
     <a:masterClrMapping/>
   </p:clrMapOvr>
+  <p:transition advTm="21742"/>
   <p:timing>
     <p:tnLst>
       <p:par>
@@ -12135,6 +12140,7 @@
   <p:clrMapOvr>
     <a:masterClrMapping/>
   </p:clrMapOvr>
+  <p:transition advTm="164967"/>
   <p:timing>
     <p:tnLst>
       <p:par>
@@ -12363,6 +12369,7 @@
   <p:clrMapOvr>
     <a:masterClrMapping/>
   </p:clrMapOvr>
+  <p:transition advTm="48800"/>
   <p:timing>
     <p:tnLst>
       <p:par>
@@ -12470,6 +12477,7 @@
   <p:clrMapOvr>
     <a:masterClrMapping/>
   </p:clrMapOvr>
+  <p:transition advTm="16033"/>
   <p:timing>
     <p:tnLst>
       <p:par>
@@ -12633,6 +12641,7 @@
   <p:clrMapOvr>
     <a:masterClrMapping/>
   </p:clrMapOvr>
+  <p:transition advTm="19898"/>
   <p:timing>
     <p:tnLst>
       <p:par>
@@ -12855,6 +12864,7 @@
   <p:clrMapOvr>
     <a:masterClrMapping/>
   </p:clrMapOvr>
+  <p:transition advTm="45826"/>
   <p:timing>
     <p:tnLst>
       <p:par>
@@ -13126,6 +13136,7 @@
   <p:clrMapOvr>
     <a:masterClrMapping/>
   </p:clrMapOvr>
+  <p:transition advTm="50453"/>
   <p:timing>
     <p:tnLst>
       <p:par>
@@ -14107,7 +14118,11 @@
             <a:pPr lvl="2"/>
             <a:r>
               <a:rPr lang="zh-CN" altLang="en-US" b="1" dirty="0" smtClean="0"/>
-              <a:t>以对象为基本单位</a:t>
+              <a:t>以对象为</a:t>
+            </a:r>
+            <a:r>
+              <a:rPr lang="zh-CN" altLang="en-US" b="1" dirty="0" smtClean="0"/>
+              <a:t>基本管理单位</a:t>
             </a:r>
             <a:endParaRPr lang="en-US" altLang="zh-CN" b="1" dirty="0" smtClean="0"/>
           </a:p>
@@ -14191,6 +14206,7 @@
   <p:clrMapOvr>
     <a:masterClrMapping/>
   </p:clrMapOvr>
+  <p:transition advTm="95457"/>
   <p:timing>
     <p:tnLst>
       <p:par>
@@ -14466,6 +14482,7 @@
   <p:clrMapOvr>
     <a:masterClrMapping/>
   </p:clrMapOvr>
+  <p:transition advTm="112362"/>
   <p:timing>
     <p:tnLst>
       <p:par>
@@ -15610,6 +15627,7 @@
   <p:clrMapOvr>
     <a:masterClrMapping/>
   </p:clrMapOvr>
+  <p:transition advTm="20299"/>
   <p:timing>
     <p:tnLst>
       <p:par>
@@ -15866,6 +15884,7 @@
   <p:clrMapOvr>
     <a:masterClrMapping/>
   </p:clrMapOvr>
+  <p:transition advTm="50863"/>
   <p:timing>
     <p:tnLst>
       <p:par>
@@ -16790,6 +16809,7 @@
   <p:clrMapOvr>
     <a:masterClrMapping/>
   </p:clrMapOvr>
+  <p:transition advTm="28992"/>
   <p:timing>
     <p:tnLst>
       <p:par>

--- a/trunk/draft/MDS集群.pptx
+++ b/trunk/draft/MDS集群.pptx
@@ -208,7 +208,7 @@
             <a:fld id="{BC34AF02-0B6E-41F5-B0B5-3101AB1A50AF}" type="datetimeFigureOut">
               <a:rPr lang="zh-CN" altLang="en-US" smtClean="0"/>
               <a:pPr/>
-              <a:t>2011-1-17</a:t>
+              <a:t>2011-4-11</a:t>
             </a:fld>
             <a:endParaRPr lang="zh-CN" altLang="en-US"/>
           </a:p>
@@ -618,7 +618,7 @@
             <a:fld id="{EFBDA57C-9B28-4D34-BA4F-A9D0F2E83126}" type="datetime1">
               <a:rPr lang="zh-CN" altLang="en-US" smtClean="0"/>
               <a:pPr/>
-              <a:t>2011-1-17</a:t>
+              <a:t>2011-4-11</a:t>
             </a:fld>
             <a:endParaRPr lang="zh-CN" altLang="en-US"/>
           </a:p>
@@ -979,7 +979,7 @@
             <a:fld id="{3B62315A-E9F5-4FD9-87B7-B3D6369A24A2}" type="datetime1">
               <a:rPr lang="zh-CN" altLang="en-US" smtClean="0"/>
               <a:pPr/>
-              <a:t>2011-1-17</a:t>
+              <a:t>2011-4-11</a:t>
             </a:fld>
             <a:endParaRPr lang="zh-CN" altLang="en-US"/>
           </a:p>
@@ -1156,7 +1156,7 @@
             <a:fld id="{D83C9C96-7EA4-4506-BA90-D81DD0D18947}" type="datetime1">
               <a:rPr lang="zh-CN" altLang="en-US" smtClean="0"/>
               <a:pPr/>
-              <a:t>2011-1-17</a:t>
+              <a:t>2011-4-11</a:t>
             </a:fld>
             <a:endParaRPr lang="zh-CN" altLang="en-US"/>
           </a:p>
@@ -1393,7 +1393,7 @@
             <a:fld id="{5AEA8FA9-498E-467B-904D-120A1849C34D}" type="datetime1">
               <a:rPr lang="zh-CN" altLang="en-US" smtClean="0"/>
               <a:pPr/>
-              <a:t>2011-1-17</a:t>
+              <a:t>2011-4-11</a:t>
             </a:fld>
             <a:endParaRPr lang="zh-CN" altLang="en-US"/>
           </a:p>
@@ -1664,7 +1664,7 @@
             <a:fld id="{8D117A2C-BF79-4868-B0FB-4F590C841F4C}" type="datetime1">
               <a:rPr lang="zh-CN" altLang="en-US" smtClean="0"/>
               <a:pPr/>
-              <a:t>2011-1-17</a:t>
+              <a:t>2011-4-11</a:t>
             </a:fld>
             <a:endParaRPr lang="zh-CN" altLang="en-US"/>
           </a:p>
@@ -1886,7 +1886,7 @@
             <a:fld id="{D4BDE1B0-BD0E-42A4-B9D0-C134740EA01D}" type="datetime1">
               <a:rPr lang="zh-CN" altLang="en-US" smtClean="0"/>
               <a:pPr/>
-              <a:t>2011-1-17</a:t>
+              <a:t>2011-4-11</a:t>
             </a:fld>
             <a:endParaRPr lang="zh-CN" altLang="en-US"/>
           </a:p>
@@ -2240,7 +2240,7 @@
             <a:fld id="{5BDA5EE1-AE80-4B47-B260-78768DC0D630}" type="datetime1">
               <a:rPr lang="zh-CN" altLang="en-US" smtClean="0"/>
               <a:pPr/>
-              <a:t>2011-1-17</a:t>
+              <a:t>2011-4-11</a:t>
             </a:fld>
             <a:endParaRPr lang="zh-CN" altLang="en-US"/>
           </a:p>
@@ -2474,7 +2474,7 @@
             <a:fld id="{703F853D-2DF6-4DD9-828A-C54515CEFACE}" type="datetime1">
               <a:rPr lang="zh-CN" altLang="en-US" smtClean="0"/>
               <a:pPr/>
-              <a:t>2011-1-17</a:t>
+              <a:t>2011-4-11</a:t>
             </a:fld>
             <a:endParaRPr lang="zh-CN" altLang="en-US"/>
           </a:p>
@@ -2616,7 +2616,7 @@
             <a:fld id="{93EAD33C-627C-46A9-9996-5EE9B951FFD3}" type="datetime1">
               <a:rPr lang="zh-CN" altLang="en-US" smtClean="0"/>
               <a:pPr/>
-              <a:t>2011-1-17</a:t>
+              <a:t>2011-4-11</a:t>
             </a:fld>
             <a:endParaRPr lang="zh-CN" altLang="en-US"/>
           </a:p>
@@ -2895,7 +2895,7 @@
             <a:fld id="{ADD980F3-1F6B-452E-A1C8-D1A2D3A5A5A2}" type="datetime1">
               <a:rPr lang="zh-CN" altLang="en-US" smtClean="0"/>
               <a:pPr/>
-              <a:t>2011-1-17</a:t>
+              <a:t>2011-4-11</a:t>
             </a:fld>
             <a:endParaRPr lang="zh-CN" altLang="en-US"/>
           </a:p>
@@ -3304,7 +3304,7 @@
             <a:fld id="{7876F26D-1664-4575-9A6E-A6A74E0AD8C6}" type="datetime1">
               <a:rPr lang="zh-CN" altLang="en-US" smtClean="0"/>
               <a:pPr/>
-              <a:t>2011-1-17</a:t>
+              <a:t>2011-4-11</a:t>
             </a:fld>
             <a:endParaRPr lang="zh-CN" altLang="en-US"/>
           </a:p>
@@ -3644,7 +3644,7 @@
             <a:fld id="{15B1867F-0797-4535-83E3-857130BC3785}" type="datetime1">
               <a:rPr lang="zh-CN" altLang="en-US" smtClean="0"/>
               <a:pPr/>
-              <a:t>2011-1-17</a:t>
+              <a:t>2011-4-11</a:t>
             </a:fld>
             <a:endParaRPr lang="zh-CN" altLang="en-US"/>
           </a:p>
@@ -14118,11 +14118,7 @@
             <a:pPr lvl="2"/>
             <a:r>
               <a:rPr lang="zh-CN" altLang="en-US" b="1" dirty="0" smtClean="0"/>
-              <a:t>以对象为</a:t>
-            </a:r>
-            <a:r>
-              <a:rPr lang="zh-CN" altLang="en-US" b="1" dirty="0" smtClean="0"/>
-              <a:t>基本管理单位</a:t>
+              <a:t>以对象为基本管理单位</a:t>
             </a:r>
             <a:endParaRPr lang="en-US" altLang="zh-CN" b="1" dirty="0" smtClean="0"/>
           </a:p>
